--- a/docs/ui_spec/UI-Spec-Pres-GP9.pptx
+++ b/docs/ui_spec/UI-Spec-Pres-GP9.pptx
@@ -38,6 +38,9 @@
     <p:sldId id="283" r:id="rId34"/>
     <p:sldId id="284" r:id="rId35"/>
     <p:sldId id="285" r:id="rId36"/>
+    <p:sldId id="286" r:id="rId37"/>
+    <p:sldId id="287" r:id="rId38"/>
+    <p:sldId id="288" r:id="rId39"/>
   </p:sldIdLst>
   <p:sldSz cy="5143500" cx="9144000"/>
   <p:notesSz cx="6858000" cy="9144000"/>
@@ -1427,7 +1430,7 @@
       </p:grpSpPr>
       <p:sp>
         <p:nvSpPr>
-          <p:cNvPr id="168" name="Google Shape;168;g20f4d713703_0_48:notes"/>
+          <p:cNvPr id="168" name="Google Shape;168;g214090a5015_1_0:notes"/>
           <p:cNvSpPr/>
           <p:nvPr>
             <p:ph idx="2" type="sldImg"/>
@@ -1462,7 +1465,7 @@
       </p:sp>
       <p:sp>
         <p:nvSpPr>
-          <p:cNvPr id="169" name="Google Shape;169;g20f4d713703_0_48:notes"/>
+          <p:cNvPr id="169" name="Google Shape;169;g214090a5015_1_0:notes"/>
           <p:cNvSpPr txBox="1"/>
           <p:nvPr>
             <p:ph idx="1" type="body"/>
@@ -1493,8 +1496,7 @@
               <a:buNone/>
             </a:pPr>
             <a:r>
-              <a:rPr lang="en"/>
-              <a:t>What will the ingame menu look like? </a:t>
+              <a:t/>
             </a:r>
             <a:endParaRPr/>
           </a:p>
@@ -1527,7 +1529,7 @@
       </p:grpSpPr>
       <p:sp>
         <p:nvSpPr>
-          <p:cNvPr id="176" name="Google Shape;176;g20f4d713703_0_60:notes"/>
+          <p:cNvPr id="176" name="Google Shape;176;g214090a5015_1_7:notes"/>
           <p:cNvSpPr/>
           <p:nvPr>
             <p:ph idx="2" type="sldImg"/>
@@ -1562,7 +1564,7 @@
       </p:sp>
       <p:sp>
         <p:nvSpPr>
-          <p:cNvPr id="177" name="Google Shape;177;g20f4d713703_0_60:notes"/>
+          <p:cNvPr id="177" name="Google Shape;177;g214090a5015_1_7:notes"/>
           <p:cNvSpPr txBox="1"/>
           <p:nvPr>
             <p:ph idx="1" type="body"/>
@@ -1612,7 +1614,7 @@
   <p:cSld>
     <p:spTree>
       <p:nvGrpSpPr>
-        <p:cNvPr id="182" name="Shape 182"/>
+        <p:cNvPr id="183" name="Shape 183"/>
         <p:cNvGrpSpPr/>
         <p:nvPr/>
       </p:nvGrpSpPr>
@@ -1626,7 +1628,7 @@
       </p:grpSpPr>
       <p:sp>
         <p:nvSpPr>
-          <p:cNvPr id="183" name="Google Shape;183;g20f4d713703_0_66:notes"/>
+          <p:cNvPr id="184" name="Google Shape;184;g214090a5015_1_17:notes"/>
           <p:cNvSpPr/>
           <p:nvPr>
             <p:ph idx="2" type="sldImg"/>
@@ -1661,7 +1663,7 @@
       </p:sp>
       <p:sp>
         <p:nvSpPr>
-          <p:cNvPr id="184" name="Google Shape;184;g20f4d713703_0_66:notes"/>
+          <p:cNvPr id="185" name="Google Shape;185;g214090a5015_1_17:notes"/>
           <p:cNvSpPr txBox="1"/>
           <p:nvPr>
             <p:ph idx="1" type="body"/>
@@ -1711,7 +1713,7 @@
   <p:cSld>
     <p:spTree>
       <p:nvGrpSpPr>
-        <p:cNvPr id="190" name="Shape 190"/>
+        <p:cNvPr id="191" name="Shape 191"/>
         <p:cNvGrpSpPr/>
         <p:nvPr/>
       </p:nvGrpSpPr>
@@ -1725,7 +1727,7 @@
       </p:grpSpPr>
       <p:sp>
         <p:nvSpPr>
-          <p:cNvPr id="191" name="Google Shape;191;g20f4d713703_0_73:notes"/>
+          <p:cNvPr id="192" name="Google Shape;192;g20f4d713703_0_48:notes"/>
           <p:cNvSpPr/>
           <p:nvPr>
             <p:ph idx="2" type="sldImg"/>
@@ -1760,7 +1762,7 @@
       </p:sp>
       <p:sp>
         <p:nvSpPr>
-          <p:cNvPr id="192" name="Google Shape;192;g20f4d713703_0_73:notes"/>
+          <p:cNvPr id="193" name="Google Shape;193;g20f4d713703_0_48:notes"/>
           <p:cNvSpPr txBox="1"/>
           <p:nvPr>
             <p:ph idx="1" type="body"/>
@@ -1791,12 +1793,16 @@
               <a:buNone/>
             </a:pPr>
             <a:r>
-              <a:rPr lang="en">
-                <a:solidFill>
-                  <a:schemeClr val="dk1"/>
-                </a:solidFill>
-              </a:rPr>
-              <a:t>Checking with Tyler this might be same as UC 0.3</a:t>
+              <a:rPr lang="en"/>
+              <a:t>We need an extra slide after this </a:t>
+            </a:r>
+            <a:r>
+              <a:rPr lang="en"/>
+              <a:t>showing</a:t>
+            </a:r>
+            <a:r>
+              <a:rPr lang="en"/>
+              <a:t> the pop up. </a:t>
             </a:r>
             <a:endParaRPr/>
           </a:p>
@@ -1914,7 +1920,7 @@
   <p:cSld>
     <p:spTree>
       <p:nvGrpSpPr>
-        <p:cNvPr id="198" name="Shape 198"/>
+        <p:cNvPr id="200" name="Shape 200"/>
         <p:cNvGrpSpPr/>
         <p:nvPr/>
       </p:nvGrpSpPr>
@@ -1928,7 +1934,7 @@
       </p:grpSpPr>
       <p:sp>
         <p:nvSpPr>
-          <p:cNvPr id="199" name="Google Shape;199;g20f4d713703_0_94:notes"/>
+          <p:cNvPr id="201" name="Google Shape;201;g20f4d713703_0_60:notes"/>
           <p:cNvSpPr/>
           <p:nvPr>
             <p:ph idx="2" type="sldImg"/>
@@ -1963,7 +1969,7 @@
       </p:sp>
       <p:sp>
         <p:nvSpPr>
-          <p:cNvPr id="200" name="Google Shape;200;g20f4d713703_0_94:notes"/>
+          <p:cNvPr id="202" name="Google Shape;202;g20f4d713703_0_60:notes"/>
           <p:cNvSpPr txBox="1"/>
           <p:nvPr>
             <p:ph idx="1" type="body"/>
@@ -1994,8 +2000,7 @@
               <a:buNone/>
             </a:pPr>
             <a:r>
-              <a:rPr lang="en"/>
-              <a:t>Checking with Tyler this might be same as UC 0.3</a:t>
+              <a:t/>
             </a:r>
             <a:endParaRPr/>
           </a:p>
@@ -2014,7 +2019,7 @@
   <p:cSld>
     <p:spTree>
       <p:nvGrpSpPr>
-        <p:cNvPr id="205" name="Shape 205"/>
+        <p:cNvPr id="207" name="Shape 207"/>
         <p:cNvGrpSpPr/>
         <p:nvPr/>
       </p:nvGrpSpPr>
@@ -2028,7 +2033,7 @@
       </p:grpSpPr>
       <p:sp>
         <p:nvSpPr>
-          <p:cNvPr id="206" name="Google Shape;206;g20f4d713703_0_87:notes"/>
+          <p:cNvPr id="208" name="Google Shape;208;g20f4d713703_0_66:notes"/>
           <p:cNvSpPr/>
           <p:nvPr>
             <p:ph idx="2" type="sldImg"/>
@@ -2063,7 +2068,7 @@
       </p:sp>
       <p:sp>
         <p:nvSpPr>
-          <p:cNvPr id="207" name="Google Shape;207;g20f4d713703_0_87:notes"/>
+          <p:cNvPr id="209" name="Google Shape;209;g20f4d713703_0_66:notes"/>
           <p:cNvSpPr txBox="1"/>
           <p:nvPr>
             <p:ph idx="1" type="body"/>
@@ -2127,7 +2132,7 @@
       </p:grpSpPr>
       <p:sp>
         <p:nvSpPr>
-          <p:cNvPr id="216" name="Google Shape;216;g20f4d713703_0_101:notes"/>
+          <p:cNvPr id="216" name="Google Shape;216;g20f4d713703_0_73:notes"/>
           <p:cNvSpPr/>
           <p:nvPr>
             <p:ph idx="2" type="sldImg"/>
@@ -2162,7 +2167,7 @@
       </p:sp>
       <p:sp>
         <p:nvSpPr>
-          <p:cNvPr id="217" name="Google Shape;217;g20f4d713703_0_101:notes"/>
+          <p:cNvPr id="217" name="Google Shape;217;g20f4d713703_0_73:notes"/>
           <p:cNvSpPr txBox="1"/>
           <p:nvPr>
             <p:ph idx="1" type="body"/>
@@ -2193,7 +2198,12 @@
               <a:buNone/>
             </a:pPr>
             <a:r>
-              <a:t/>
+              <a:rPr lang="en">
+                <a:solidFill>
+                  <a:schemeClr val="dk1"/>
+                </a:solidFill>
+              </a:rPr>
+              <a:t>Checking with Tyler this might be same as UC 0.3</a:t>
             </a:r>
             <a:endParaRPr/>
           </a:p>
@@ -2212,7 +2222,7 @@
   <p:cSld>
     <p:spTree>
       <p:nvGrpSpPr>
-        <p:cNvPr id="225" name="Shape 225"/>
+        <p:cNvPr id="223" name="Shape 223"/>
         <p:cNvGrpSpPr/>
         <p:nvPr/>
       </p:nvGrpSpPr>
@@ -2226,7 +2236,7 @@
       </p:grpSpPr>
       <p:sp>
         <p:nvSpPr>
-          <p:cNvPr id="226" name="Google Shape;226;g20f4d713703_0_113:notes"/>
+          <p:cNvPr id="224" name="Google Shape;224;g20f4d713703_0_94:notes"/>
           <p:cNvSpPr/>
           <p:nvPr>
             <p:ph idx="2" type="sldImg"/>
@@ -2261,7 +2271,7 @@
       </p:sp>
       <p:sp>
         <p:nvSpPr>
-          <p:cNvPr id="227" name="Google Shape;227;g20f4d713703_0_113:notes"/>
+          <p:cNvPr id="225" name="Google Shape;225;g20f4d713703_0_94:notes"/>
           <p:cNvSpPr txBox="1"/>
           <p:nvPr>
             <p:ph idx="1" type="body"/>
@@ -2311,7 +2321,7 @@
   <p:cSld>
     <p:spTree>
       <p:nvGrpSpPr>
-        <p:cNvPr id="235" name="Shape 235"/>
+        <p:cNvPr id="230" name="Shape 230"/>
         <p:cNvGrpSpPr/>
         <p:nvPr/>
       </p:nvGrpSpPr>
@@ -2325,7 +2335,7 @@
       </p:grpSpPr>
       <p:sp>
         <p:nvSpPr>
-          <p:cNvPr id="236" name="Google Shape;236;g20f7dc6ed50_0_0:notes"/>
+          <p:cNvPr id="231" name="Google Shape;231;g20f4d713703_0_87:notes"/>
           <p:cNvSpPr/>
           <p:nvPr>
             <p:ph idx="2" type="sldImg"/>
@@ -2360,7 +2370,7 @@
       </p:sp>
       <p:sp>
         <p:nvSpPr>
-          <p:cNvPr id="237" name="Google Shape;237;g20f7dc6ed50_0_0:notes"/>
+          <p:cNvPr id="232" name="Google Shape;232;g20f4d713703_0_87:notes"/>
           <p:cNvSpPr txBox="1"/>
           <p:nvPr>
             <p:ph idx="1" type="body"/>
@@ -2410,7 +2420,7 @@
   <p:cSld>
     <p:spTree>
       <p:nvGrpSpPr>
-        <p:cNvPr id="244" name="Shape 244"/>
+        <p:cNvPr id="240" name="Shape 240"/>
         <p:cNvGrpSpPr/>
         <p:nvPr/>
       </p:nvGrpSpPr>
@@ -2424,7 +2434,7 @@
       </p:grpSpPr>
       <p:sp>
         <p:nvSpPr>
-          <p:cNvPr id="245" name="Google Shape;245;g20f7dc6ed50_0_12:notes"/>
+          <p:cNvPr id="241" name="Google Shape;241;g20f4d713703_0_101:notes"/>
           <p:cNvSpPr/>
           <p:nvPr>
             <p:ph idx="2" type="sldImg"/>
@@ -2459,7 +2469,7 @@
       </p:sp>
       <p:sp>
         <p:nvSpPr>
-          <p:cNvPr id="246" name="Google Shape;246;g20f7dc6ed50_0_12:notes"/>
+          <p:cNvPr id="242" name="Google Shape;242;g20f4d713703_0_101:notes"/>
           <p:cNvSpPr txBox="1"/>
           <p:nvPr>
             <p:ph idx="1" type="body"/>
@@ -2490,55 +2500,7 @@
               <a:buNone/>
             </a:pPr>
             <a:r>
-              <a:rPr lang="en"/>
-              <a:t>Assuming we do not need to do demonstrate intermediary: prior board state -&gt; </a:t>
-            </a:r>
-            <a:r>
-              <a:rPr i="1" lang="en"/>
-              <a:t>piece selection -&gt; piece move -&gt;</a:t>
-            </a:r>
-            <a:r>
-              <a:rPr lang="en"/>
-              <a:t> highlight king and attacking piece(s). As this has already been done in UC 1.1</a:t>
-            </a:r>
-            <a:endParaRPr/>
-          </a:p>
-          <a:p>
-            <a:pPr indent="0" lvl="0" marL="0" rtl="0" algn="l">
-              <a:spcBef>
-                <a:spcPts val="0"/>
-              </a:spcBef>
-              <a:spcAft>
-                <a:spcPts val="0"/>
-              </a:spcAft>
-              <a:buNone/>
-            </a:pPr>
-            <a:r>
               <a:t/>
-            </a:r>
-            <a:endParaRPr/>
-          </a:p>
-          <a:p>
-            <a:pPr indent="0" lvl="0" marL="0" rtl="0" algn="l">
-              <a:spcBef>
-                <a:spcPts val="0"/>
-              </a:spcBef>
-              <a:spcAft>
-                <a:spcPts val="0"/>
-              </a:spcAft>
-              <a:buNone/>
-            </a:pPr>
-            <a:r>
-              <a:rPr lang="en"/>
-              <a:t>We can just show </a:t>
-            </a:r>
-            <a:r>
-              <a:rPr lang="en">
-                <a:solidFill>
-                  <a:schemeClr val="dk1"/>
-                </a:solidFill>
-              </a:rPr>
-              <a:t>prior board state -&gt; highlight king and attacking piece(s) for UC 4.1 </a:t>
             </a:r>
             <a:endParaRPr/>
           </a:p>
@@ -2557,7 +2519,7 @@
   <p:cSld>
     <p:spTree>
       <p:nvGrpSpPr>
-        <p:cNvPr id="251" name="Shape 251"/>
+        <p:cNvPr id="250" name="Shape 250"/>
         <p:cNvGrpSpPr/>
         <p:nvPr/>
       </p:nvGrpSpPr>
@@ -2571,7 +2533,7 @@
       </p:grpSpPr>
       <p:sp>
         <p:nvSpPr>
-          <p:cNvPr id="252" name="Google Shape;252;g20f7dc6ed50_0_18:notes"/>
+          <p:cNvPr id="251" name="Google Shape;251;g20f4d713703_0_113:notes"/>
           <p:cNvSpPr/>
           <p:nvPr>
             <p:ph idx="2" type="sldImg"/>
@@ -2606,7 +2568,7 @@
       </p:sp>
       <p:sp>
         <p:nvSpPr>
-          <p:cNvPr id="253" name="Google Shape;253;g20f7dc6ed50_0_18:notes"/>
+          <p:cNvPr id="252" name="Google Shape;252;g20f4d713703_0_113:notes"/>
           <p:cNvSpPr txBox="1"/>
           <p:nvPr>
             <p:ph idx="1" type="body"/>
@@ -2656,7 +2618,7 @@
   <p:cSld>
     <p:spTree>
       <p:nvGrpSpPr>
-        <p:cNvPr id="258" name="Shape 258"/>
+        <p:cNvPr id="260" name="Shape 260"/>
         <p:cNvGrpSpPr/>
         <p:nvPr/>
       </p:nvGrpSpPr>
@@ -2670,7 +2632,7 @@
       </p:grpSpPr>
       <p:sp>
         <p:nvSpPr>
-          <p:cNvPr id="259" name="Google Shape;259;g20f7dc6ed50_0_24:notes"/>
+          <p:cNvPr id="261" name="Google Shape;261;g20f7dc6ed50_0_0:notes"/>
           <p:cNvSpPr/>
           <p:nvPr>
             <p:ph idx="2" type="sldImg"/>
@@ -2705,7 +2667,7 @@
       </p:sp>
       <p:sp>
         <p:nvSpPr>
-          <p:cNvPr id="260" name="Google Shape;260;g20f7dc6ed50_0_24:notes"/>
+          <p:cNvPr id="262" name="Google Shape;262;g20f7dc6ed50_0_0:notes"/>
           <p:cNvSpPr txBox="1"/>
           <p:nvPr>
             <p:ph idx="1" type="body"/>
@@ -2736,55 +2698,7 @@
               <a:buNone/>
             </a:pPr>
             <a:r>
-              <a:rPr lang="en"/>
-              <a:t>Assuming we do not need to do demonstrate intermediary: prior board state -&gt; </a:t>
-            </a:r>
-            <a:r>
-              <a:rPr i="1" lang="en"/>
-              <a:t>piece selection -&gt; piece move -&gt;</a:t>
-            </a:r>
-            <a:r>
-              <a:rPr lang="en"/>
-              <a:t> highlight king and attacking piece(s). As this has already been done in UC 1.1</a:t>
-            </a:r>
-            <a:endParaRPr/>
-          </a:p>
-          <a:p>
-            <a:pPr indent="0" lvl="0" marL="0" rtl="0" algn="l">
-              <a:spcBef>
-                <a:spcPts val="0"/>
-              </a:spcBef>
-              <a:spcAft>
-                <a:spcPts val="0"/>
-              </a:spcAft>
-              <a:buNone/>
-            </a:pPr>
-            <a:r>
               <a:t/>
-            </a:r>
-            <a:endParaRPr/>
-          </a:p>
-          <a:p>
-            <a:pPr indent="0" lvl="0" marL="0" rtl="0" algn="l">
-              <a:spcBef>
-                <a:spcPts val="0"/>
-              </a:spcBef>
-              <a:spcAft>
-                <a:spcPts val="0"/>
-              </a:spcAft>
-              <a:buNone/>
-            </a:pPr>
-            <a:r>
-              <a:rPr lang="en"/>
-              <a:t>We can just show </a:t>
-            </a:r>
-            <a:r>
-              <a:rPr lang="en">
-                <a:solidFill>
-                  <a:schemeClr val="dk1"/>
-                </a:solidFill>
-              </a:rPr>
-              <a:t>prior board state -&gt; highlight king and attacking piece(s) for UC 4.1 </a:t>
             </a:r>
             <a:endParaRPr/>
           </a:p>
@@ -2803,7 +2717,7 @@
   <p:cSld>
     <p:spTree>
       <p:nvGrpSpPr>
-        <p:cNvPr id="265" name="Shape 265"/>
+        <p:cNvPr id="269" name="Shape 269"/>
         <p:cNvGrpSpPr/>
         <p:nvPr/>
       </p:nvGrpSpPr>
@@ -2817,7 +2731,7 @@
       </p:grpSpPr>
       <p:sp>
         <p:nvSpPr>
-          <p:cNvPr id="266" name="Google Shape;266;g20f7dc6ed50_0_30:notes"/>
+          <p:cNvPr id="270" name="Google Shape;270;g20f7dc6ed50_0_12:notes"/>
           <p:cNvSpPr/>
           <p:nvPr>
             <p:ph idx="2" type="sldImg"/>
@@ -2852,7 +2766,7 @@
       </p:sp>
       <p:sp>
         <p:nvSpPr>
-          <p:cNvPr id="267" name="Google Shape;267;g20f7dc6ed50_0_30:notes"/>
+          <p:cNvPr id="271" name="Google Shape;271;g20f7dc6ed50_0_12:notes"/>
           <p:cNvSpPr txBox="1"/>
           <p:nvPr>
             <p:ph idx="1" type="body"/>
@@ -2883,55 +2797,12 @@
               <a:buNone/>
             </a:pPr>
             <a:r>
-              <a:rPr lang="en"/>
-              <a:t>Assuming we do not need to do demonstrate intermediary: prior board state -&gt; </a:t>
-            </a:r>
-            <a:r>
-              <a:rPr i="1" lang="en"/>
-              <a:t>piece selection -&gt; piece move -&gt;</a:t>
-            </a:r>
-            <a:r>
-              <a:rPr lang="en"/>
-              <a:t> highlight king and attacking piece(s). As this has already been done in UC 1.1</a:t>
-            </a:r>
-            <a:endParaRPr/>
-          </a:p>
-          <a:p>
-            <a:pPr indent="0" lvl="0" marL="0" rtl="0" algn="l">
-              <a:spcBef>
-                <a:spcPts val="0"/>
-              </a:spcBef>
-              <a:spcAft>
-                <a:spcPts val="0"/>
-              </a:spcAft>
-              <a:buNone/>
-            </a:pPr>
-            <a:r>
-              <a:t/>
-            </a:r>
-            <a:endParaRPr/>
-          </a:p>
-          <a:p>
-            <a:pPr indent="0" lvl="0" marL="0" rtl="0" algn="l">
-              <a:spcBef>
-                <a:spcPts val="0"/>
-              </a:spcBef>
-              <a:spcAft>
-                <a:spcPts val="0"/>
-              </a:spcAft>
-              <a:buNone/>
-            </a:pPr>
-            <a:r>
-              <a:rPr lang="en"/>
-              <a:t>We can just show </a:t>
-            </a:r>
-            <a:r>
               <a:rPr lang="en">
                 <a:solidFill>
                   <a:schemeClr val="dk1"/>
                 </a:solidFill>
               </a:rPr>
-              <a:t>prior board state -&gt; highlight king and attacking piece(s) for UC 4.1 </a:t>
+              <a:t> </a:t>
             </a:r>
             <a:endParaRPr/>
           </a:p>
@@ -2950,7 +2821,7 @@
   <p:cSld>
     <p:spTree>
       <p:nvGrpSpPr>
-        <p:cNvPr id="273" name="Shape 273"/>
+        <p:cNvPr id="276" name="Shape 276"/>
         <p:cNvGrpSpPr/>
         <p:nvPr/>
       </p:nvGrpSpPr>
@@ -2964,7 +2835,7 @@
       </p:grpSpPr>
       <p:sp>
         <p:nvSpPr>
-          <p:cNvPr id="274" name="Google Shape;274;g20f7dc6ed50_0_36:notes"/>
+          <p:cNvPr id="277" name="Google Shape;277;g20f7dc6ed50_0_18:notes"/>
           <p:cNvSpPr/>
           <p:nvPr>
             <p:ph idx="2" type="sldImg"/>
@@ -2999,7 +2870,7 @@
       </p:sp>
       <p:sp>
         <p:nvSpPr>
-          <p:cNvPr id="275" name="Google Shape;275;g20f7dc6ed50_0_36:notes"/>
+          <p:cNvPr id="278" name="Google Shape;278;g20f7dc6ed50_0_18:notes"/>
           <p:cNvSpPr txBox="1"/>
           <p:nvPr>
             <p:ph idx="1" type="body"/>
@@ -3148,7 +3019,7 @@
   <p:cSld>
     <p:spTree>
       <p:nvGrpSpPr>
-        <p:cNvPr id="281" name="Shape 281"/>
+        <p:cNvPr id="283" name="Shape 283"/>
         <p:cNvGrpSpPr/>
         <p:nvPr/>
       </p:nvGrpSpPr>
@@ -3162,7 +3033,7 @@
       </p:grpSpPr>
       <p:sp>
         <p:nvSpPr>
-          <p:cNvPr id="282" name="Google Shape;282;g2110a9fcdf0_0_34:notes"/>
+          <p:cNvPr id="284" name="Google Shape;284;g20f7dc6ed50_0_24:notes"/>
           <p:cNvSpPr/>
           <p:nvPr>
             <p:ph idx="2" type="sldImg"/>
@@ -3197,7 +3068,304 @@
       </p:sp>
       <p:sp>
         <p:nvSpPr>
-          <p:cNvPr id="283" name="Google Shape;283;g2110a9fcdf0_0_34:notes"/>
+          <p:cNvPr id="285" name="Google Shape;285;g20f7dc6ed50_0_24:notes"/>
+          <p:cNvSpPr txBox="1"/>
+          <p:nvPr>
+            <p:ph idx="1" type="body"/>
+          </p:nvPr>
+        </p:nvSpPr>
+        <p:spPr>
+          <a:xfrm>
+            <a:off x="685800" y="4343400"/>
+            <a:ext cx="5486400" cy="4114800"/>
+          </a:xfrm>
+          <a:prstGeom prst="rect">
+            <a:avLst/>
+          </a:prstGeom>
+        </p:spPr>
+        <p:txBody>
+          <a:bodyPr anchorCtr="0" anchor="t" bIns="91425" lIns="91425" spcFirstLastPara="1" rIns="91425" wrap="square" tIns="91425">
+            <a:noAutofit/>
+          </a:bodyPr>
+          <a:lstStyle/>
+          <a:p>
+            <a:pPr indent="0" lvl="0" marL="0" rtl="0" algn="l">
+              <a:spcBef>
+                <a:spcPts val="0"/>
+              </a:spcBef>
+              <a:spcAft>
+                <a:spcPts val="0"/>
+              </a:spcAft>
+              <a:buNone/>
+            </a:pPr>
+            <a:r>
+              <a:t/>
+            </a:r>
+            <a:endParaRPr/>
+          </a:p>
+        </p:txBody>
+      </p:sp>
+    </p:spTree>
+  </p:cSld>
+  <p:clrMapOvr>
+    <a:masterClrMapping/>
+  </p:clrMapOvr>
+</p:notes>
+</file>
+
+<file path=ppt/notesSlides/notesSlide31.xml><?xml version="1.0" encoding="utf-8"?>
+<p:notes xmlns:a="http://schemas.openxmlformats.org/drawingml/2006/main" xmlns:r="http://schemas.openxmlformats.org/officeDocument/2006/relationships" xmlns:mc="http://schemas.openxmlformats.org/markup-compatibility/2006" xmlns:mv="urn:schemas-microsoft-com:mac:vml" xmlns:p="http://schemas.openxmlformats.org/presentationml/2006/main" xmlns:c="http://schemas.openxmlformats.org/drawingml/2006/chart" xmlns:dgm="http://schemas.openxmlformats.org/drawingml/2006/diagram" xmlns:o="urn:schemas-microsoft-com:office:office" xmlns:v="urn:schemas-microsoft-com:vml" xmlns:pvml="urn:schemas-microsoft-com:office:powerpoint" xmlns:com="http://schemas.openxmlformats.org/drawingml/2006/compatibility" xmlns:p14="http://schemas.microsoft.com/office/powerpoint/2010/main" xmlns:p15="http://schemas.microsoft.com/office/powerpoint/2012/main" xmlns:ahyp="http://schemas.microsoft.com/office/drawing/2018/hyperlinkcolor" showMasterPhAnim="0" showMasterSp="0">
+  <p:cSld>
+    <p:spTree>
+      <p:nvGrpSpPr>
+        <p:cNvPr id="290" name="Shape 290"/>
+        <p:cNvGrpSpPr/>
+        <p:nvPr/>
+      </p:nvGrpSpPr>
+      <p:grpSpPr>
+        <a:xfrm>
+          <a:off x="0" y="0"/>
+          <a:ext cx="0" cy="0"/>
+          <a:chOff x="0" y="0"/>
+          <a:chExt cx="0" cy="0"/>
+        </a:xfrm>
+      </p:grpSpPr>
+      <p:sp>
+        <p:nvSpPr>
+          <p:cNvPr id="291" name="Google Shape;291;g20f7dc6ed50_0_30:notes"/>
+          <p:cNvSpPr/>
+          <p:nvPr>
+            <p:ph idx="2" type="sldImg"/>
+          </p:nvPr>
+        </p:nvSpPr>
+        <p:spPr>
+          <a:xfrm>
+            <a:off x="381300" y="685800"/>
+            <a:ext cx="6096000" cy="3429000"/>
+          </a:xfrm>
+          <a:custGeom>
+            <a:rect b="b" l="l" r="r" t="t"/>
+            <a:pathLst>
+              <a:path extrusionOk="0" h="120000" w="120000">
+                <a:moveTo>
+                  <a:pt x="0" y="0"/>
+                </a:moveTo>
+                <a:lnTo>
+                  <a:pt x="120000" y="0"/>
+                </a:lnTo>
+                <a:lnTo>
+                  <a:pt x="120000" y="120000"/>
+                </a:lnTo>
+                <a:lnTo>
+                  <a:pt x="0" y="120000"/>
+                </a:lnTo>
+                <a:close/>
+              </a:path>
+            </a:pathLst>
+          </a:custGeom>
+        </p:spPr>
+      </p:sp>
+      <p:sp>
+        <p:nvSpPr>
+          <p:cNvPr id="292" name="Google Shape;292;g20f7dc6ed50_0_30:notes"/>
+          <p:cNvSpPr txBox="1"/>
+          <p:nvPr>
+            <p:ph idx="1" type="body"/>
+          </p:nvPr>
+        </p:nvSpPr>
+        <p:spPr>
+          <a:xfrm>
+            <a:off x="685800" y="4343400"/>
+            <a:ext cx="5486400" cy="4114800"/>
+          </a:xfrm>
+          <a:prstGeom prst="rect">
+            <a:avLst/>
+          </a:prstGeom>
+        </p:spPr>
+        <p:txBody>
+          <a:bodyPr anchorCtr="0" anchor="t" bIns="91425" lIns="91425" spcFirstLastPara="1" rIns="91425" wrap="square" tIns="91425">
+            <a:noAutofit/>
+          </a:bodyPr>
+          <a:lstStyle/>
+          <a:p>
+            <a:pPr indent="0" lvl="0" marL="0" rtl="0" algn="l">
+              <a:spcBef>
+                <a:spcPts val="0"/>
+              </a:spcBef>
+              <a:spcAft>
+                <a:spcPts val="0"/>
+              </a:spcAft>
+              <a:buNone/>
+            </a:pPr>
+            <a:r>
+              <a:t/>
+            </a:r>
+            <a:endParaRPr/>
+          </a:p>
+        </p:txBody>
+      </p:sp>
+    </p:spTree>
+  </p:cSld>
+  <p:clrMapOvr>
+    <a:masterClrMapping/>
+  </p:clrMapOvr>
+</p:notes>
+</file>
+
+<file path=ppt/notesSlides/notesSlide32.xml><?xml version="1.0" encoding="utf-8"?>
+<p:notes xmlns:a="http://schemas.openxmlformats.org/drawingml/2006/main" xmlns:r="http://schemas.openxmlformats.org/officeDocument/2006/relationships" xmlns:mc="http://schemas.openxmlformats.org/markup-compatibility/2006" xmlns:mv="urn:schemas-microsoft-com:mac:vml" xmlns:p="http://schemas.openxmlformats.org/presentationml/2006/main" xmlns:c="http://schemas.openxmlformats.org/drawingml/2006/chart" xmlns:dgm="http://schemas.openxmlformats.org/drawingml/2006/diagram" xmlns:o="urn:schemas-microsoft-com:office:office" xmlns:v="urn:schemas-microsoft-com:vml" xmlns:pvml="urn:schemas-microsoft-com:office:powerpoint" xmlns:com="http://schemas.openxmlformats.org/drawingml/2006/compatibility" xmlns:p14="http://schemas.microsoft.com/office/powerpoint/2010/main" xmlns:p15="http://schemas.microsoft.com/office/powerpoint/2012/main" xmlns:ahyp="http://schemas.microsoft.com/office/drawing/2018/hyperlinkcolor" showMasterPhAnim="0" showMasterSp="0">
+  <p:cSld>
+    <p:spTree>
+      <p:nvGrpSpPr>
+        <p:cNvPr id="298" name="Shape 298"/>
+        <p:cNvGrpSpPr/>
+        <p:nvPr/>
+      </p:nvGrpSpPr>
+      <p:grpSpPr>
+        <a:xfrm>
+          <a:off x="0" y="0"/>
+          <a:ext cx="0" cy="0"/>
+          <a:chOff x="0" y="0"/>
+          <a:chExt cx="0" cy="0"/>
+        </a:xfrm>
+      </p:grpSpPr>
+      <p:sp>
+        <p:nvSpPr>
+          <p:cNvPr id="299" name="Google Shape;299;g20f7dc6ed50_0_36:notes"/>
+          <p:cNvSpPr/>
+          <p:nvPr>
+            <p:ph idx="2" type="sldImg"/>
+          </p:nvPr>
+        </p:nvSpPr>
+        <p:spPr>
+          <a:xfrm>
+            <a:off x="381300" y="685800"/>
+            <a:ext cx="6096000" cy="3429000"/>
+          </a:xfrm>
+          <a:custGeom>
+            <a:rect b="b" l="l" r="r" t="t"/>
+            <a:pathLst>
+              <a:path extrusionOk="0" h="120000" w="120000">
+                <a:moveTo>
+                  <a:pt x="0" y="0"/>
+                </a:moveTo>
+                <a:lnTo>
+                  <a:pt x="120000" y="0"/>
+                </a:lnTo>
+                <a:lnTo>
+                  <a:pt x="120000" y="120000"/>
+                </a:lnTo>
+                <a:lnTo>
+                  <a:pt x="0" y="120000"/>
+                </a:lnTo>
+                <a:close/>
+              </a:path>
+            </a:pathLst>
+          </a:custGeom>
+        </p:spPr>
+      </p:sp>
+      <p:sp>
+        <p:nvSpPr>
+          <p:cNvPr id="300" name="Google Shape;300;g20f7dc6ed50_0_36:notes"/>
+          <p:cNvSpPr txBox="1"/>
+          <p:nvPr>
+            <p:ph idx="1" type="body"/>
+          </p:nvPr>
+        </p:nvSpPr>
+        <p:spPr>
+          <a:xfrm>
+            <a:off x="685800" y="4343400"/>
+            <a:ext cx="5486400" cy="4114800"/>
+          </a:xfrm>
+          <a:prstGeom prst="rect">
+            <a:avLst/>
+          </a:prstGeom>
+        </p:spPr>
+        <p:txBody>
+          <a:bodyPr anchorCtr="0" anchor="t" bIns="91425" lIns="91425" spcFirstLastPara="1" rIns="91425" wrap="square" tIns="91425">
+            <a:noAutofit/>
+          </a:bodyPr>
+          <a:lstStyle/>
+          <a:p>
+            <a:pPr indent="0" lvl="0" marL="0" rtl="0" algn="l">
+              <a:spcBef>
+                <a:spcPts val="0"/>
+              </a:spcBef>
+              <a:spcAft>
+                <a:spcPts val="0"/>
+              </a:spcAft>
+              <a:buNone/>
+            </a:pPr>
+            <a:r>
+              <a:t/>
+            </a:r>
+            <a:endParaRPr/>
+          </a:p>
+        </p:txBody>
+      </p:sp>
+    </p:spTree>
+  </p:cSld>
+  <p:clrMapOvr>
+    <a:masterClrMapping/>
+  </p:clrMapOvr>
+</p:notes>
+</file>
+
+<file path=ppt/notesSlides/notesSlide33.xml><?xml version="1.0" encoding="utf-8"?>
+<p:notes xmlns:a="http://schemas.openxmlformats.org/drawingml/2006/main" xmlns:r="http://schemas.openxmlformats.org/officeDocument/2006/relationships" xmlns:mc="http://schemas.openxmlformats.org/markup-compatibility/2006" xmlns:mv="urn:schemas-microsoft-com:mac:vml" xmlns:p="http://schemas.openxmlformats.org/presentationml/2006/main" xmlns:c="http://schemas.openxmlformats.org/drawingml/2006/chart" xmlns:dgm="http://schemas.openxmlformats.org/drawingml/2006/diagram" xmlns:o="urn:schemas-microsoft-com:office:office" xmlns:v="urn:schemas-microsoft-com:vml" xmlns:pvml="urn:schemas-microsoft-com:office:powerpoint" xmlns:com="http://schemas.openxmlformats.org/drawingml/2006/compatibility" xmlns:p14="http://schemas.microsoft.com/office/powerpoint/2010/main" xmlns:p15="http://schemas.microsoft.com/office/powerpoint/2012/main" xmlns:ahyp="http://schemas.microsoft.com/office/drawing/2018/hyperlinkcolor" showMasterPhAnim="0" showMasterSp="0">
+  <p:cSld>
+    <p:spTree>
+      <p:nvGrpSpPr>
+        <p:cNvPr id="306" name="Shape 306"/>
+        <p:cNvGrpSpPr/>
+        <p:nvPr/>
+      </p:nvGrpSpPr>
+      <p:grpSpPr>
+        <a:xfrm>
+          <a:off x="0" y="0"/>
+          <a:ext cx="0" cy="0"/>
+          <a:chOff x="0" y="0"/>
+          <a:chExt cx="0" cy="0"/>
+        </a:xfrm>
+      </p:grpSpPr>
+      <p:sp>
+        <p:nvSpPr>
+          <p:cNvPr id="307" name="Google Shape;307;g2110a9fcdf0_0_34:notes"/>
+          <p:cNvSpPr/>
+          <p:nvPr>
+            <p:ph idx="2" type="sldImg"/>
+          </p:nvPr>
+        </p:nvSpPr>
+        <p:spPr>
+          <a:xfrm>
+            <a:off x="381300" y="685800"/>
+            <a:ext cx="6096000" cy="3429000"/>
+          </a:xfrm>
+          <a:custGeom>
+            <a:rect b="b" l="l" r="r" t="t"/>
+            <a:pathLst>
+              <a:path extrusionOk="0" h="120000" w="120000">
+                <a:moveTo>
+                  <a:pt x="0" y="0"/>
+                </a:moveTo>
+                <a:lnTo>
+                  <a:pt x="120000" y="0"/>
+                </a:lnTo>
+                <a:lnTo>
+                  <a:pt x="120000" y="120000"/>
+                </a:lnTo>
+                <a:lnTo>
+                  <a:pt x="0" y="120000"/>
+                </a:lnTo>
+                <a:close/>
+              </a:path>
+            </a:pathLst>
+          </a:custGeom>
+        </p:spPr>
+      </p:sp>
+      <p:sp>
+        <p:nvSpPr>
+          <p:cNvPr id="308" name="Google Shape;308;g2110a9fcdf0_0_34:notes"/>
           <p:cNvSpPr txBox="1"/>
           <p:nvPr>
             <p:ph idx="1" type="body"/>
@@ -3426,8 +3594,7 @@
               <a:buNone/>
             </a:pPr>
             <a:r>
-              <a:rPr lang="en"/>
-              <a:t>We need to update this pic once this part of the front end is finished.</a:t>
+              <a:t/>
             </a:r>
             <a:endParaRPr/>
           </a:p>
@@ -8686,7 +8853,7 @@
             </a:pPr>
             <a:r>
               <a:rPr lang="en" sz="1800"/>
-              <a:t>Version: 		0.6</a:t>
+              <a:t>Version: 		1.0</a:t>
             </a:r>
             <a:endParaRPr sz="1800"/>
           </a:p>
@@ -8706,7 +8873,7 @@
             </a:pPr>
             <a:r>
               <a:rPr lang="en" sz="1800"/>
-              <a:t>Status: 		Review</a:t>
+              <a:t>Status: 		Release</a:t>
             </a:r>
             <a:endParaRPr sz="1800"/>
           </a:p>
@@ -9305,23 +9472,7 @@
                   <a:schemeClr val="dk1"/>
                 </a:solidFill>
               </a:rPr>
-              <a:t>The board showing the (reference to relevant </a:t>
-            </a:r>
-            <a:r>
-              <a:rPr lang="en" sz="1200">
-                <a:solidFill>
-                  <a:schemeClr val="dk1"/>
-                </a:solidFill>
-              </a:rPr>
-              <a:t>piece)</a:t>
-            </a:r>
-            <a:r>
-              <a:rPr lang="en" sz="1200">
-                <a:solidFill>
-                  <a:schemeClr val="dk1"/>
-                </a:solidFill>
-              </a:rPr>
-              <a:t> moved to the new position with all other pieces in the same position.</a:t>
+              <a:t>The board showing the a2 pawn moved to the a4 square with all other pieces in the same position.</a:t>
             </a:r>
             <a:endParaRPr sz="1200">
               <a:solidFill>
@@ -9513,7 +9664,7 @@
         </p:spPr>
         <p:txBody>
           <a:bodyPr anchorCtr="0" anchor="t" bIns="91425" lIns="91425" spcFirstLastPara="1" rIns="91425" wrap="square" tIns="91425">
-            <a:normAutofit fontScale="92500"/>
+            <a:normAutofit lnSpcReduction="20000"/>
           </a:bodyPr>
           <a:lstStyle/>
           <a:p>
@@ -9643,7 +9794,7 @@
                   <a:schemeClr val="dk1"/>
                 </a:solidFill>
               </a:rPr>
-              <a:t>Click the (ref to </a:t>
+              <a:t>Click the black pawn in c5 </a:t>
             </a:r>
             <a:r>
               <a:rPr lang="en" sz="1200">
@@ -9651,7 +9802,7 @@
                   <a:schemeClr val="dk1"/>
                 </a:solidFill>
               </a:rPr>
-              <a:t>piece) that will capture the (ref to piece)</a:t>
+              <a:t> that will capture the white pawn in d4.</a:t>
             </a:r>
             <a:endParaRPr sz="1200">
               <a:solidFill>
@@ -9699,7 +9850,7 @@
                   <a:schemeClr val="dk1"/>
                 </a:solidFill>
               </a:rPr>
-              <a:t>The (ref to piece) will move to the board tile that the (ref to piece) was on. The (ref to piece) will no longer be visible on the board.</a:t>
+              <a:t>The black pawn will move to the board tile that the white pawn was on. The white pawn will no longer be visible on the board.</a:t>
             </a:r>
             <a:endParaRPr sz="1200">
               <a:solidFill>
@@ -10021,7 +10172,7 @@
                   <a:schemeClr val="dk1"/>
                 </a:solidFill>
               </a:rPr>
-              <a:t>The board showing the (ref to piece) moved to </a:t>
+              <a:t>The board showing the</a:t>
             </a:r>
             <a:r>
               <a:rPr lang="en" sz="1200">
@@ -10029,6 +10180,22 @@
                   <a:schemeClr val="dk1"/>
                 </a:solidFill>
               </a:rPr>
+              <a:t> black pawn in c5 </a:t>
+            </a:r>
+            <a:r>
+              <a:rPr lang="en" sz="1200">
+                <a:solidFill>
+                  <a:schemeClr val="dk1"/>
+                </a:solidFill>
+              </a:rPr>
+              <a:t>moved to </a:t>
+            </a:r>
+            <a:r>
+              <a:rPr lang="en" sz="1200">
+                <a:solidFill>
+                  <a:schemeClr val="dk1"/>
+                </a:solidFill>
+              </a:rPr>
               <a:t>where</a:t>
             </a:r>
             <a:r>
@@ -10037,7 +10204,23 @@
                   <a:schemeClr val="dk1"/>
                 </a:solidFill>
               </a:rPr>
-              <a:t> the (ref to piece) was. The (ref to piece) is no longer visible on the board.</a:t>
+              <a:t> the </a:t>
+            </a:r>
+            <a:r>
+              <a:rPr lang="en" sz="1200">
+                <a:solidFill>
+                  <a:schemeClr val="dk1"/>
+                </a:solidFill>
+              </a:rPr>
+              <a:t>white pawn in d4</a:t>
+            </a:r>
+            <a:r>
+              <a:rPr lang="en" sz="1200">
+                <a:solidFill>
+                  <a:schemeClr val="dk1"/>
+                </a:solidFill>
+              </a:rPr>
+              <a:t> was. The white pawn is no longer visible on the board.</a:t>
             </a:r>
             <a:endParaRPr sz="1200">
               <a:solidFill>
@@ -10359,7 +10542,7 @@
                   <a:schemeClr val="dk1"/>
                 </a:solidFill>
               </a:rPr>
-              <a:t>Initially the (ref to piece) is selected</a:t>
+              <a:t>Initially the a2 pawn is selected.</a:t>
             </a:r>
             <a:endParaRPr sz="1200">
               <a:solidFill>
@@ -10412,7 +10595,7 @@
                   <a:schemeClr val="dk1"/>
                 </a:solidFill>
               </a:rPr>
-              <a:t>Only the selected piece (does something including highlighted squares it can move to).</a:t>
+              <a:t>Only the board square of the a2 pawn and it’s legal moves is highlighted. </a:t>
             </a:r>
             <a:endParaRPr sz="1200">
               <a:solidFill>
@@ -10734,7 +10917,7 @@
                   <a:schemeClr val="dk1"/>
                 </a:solidFill>
               </a:rPr>
-              <a:t>The (ref to new piece) is now selected</a:t>
+              <a:t>The g1 knight is now selected</a:t>
             </a:r>
             <a:endParaRPr sz="1200">
               <a:solidFill>
@@ -10782,7 +10965,39 @@
                   <a:schemeClr val="dk1"/>
                 </a:solidFill>
               </a:rPr>
-              <a:t>The newly selected piece (does something including highlighted squares it can move to). </a:t>
+              <a:t>The board </a:t>
+            </a:r>
+            <a:r>
+              <a:rPr lang="en" sz="1200">
+                <a:solidFill>
+                  <a:schemeClr val="dk1"/>
+                </a:solidFill>
+              </a:rPr>
+              <a:t>square</a:t>
+            </a:r>
+            <a:r>
+              <a:rPr lang="en" sz="1200">
+                <a:solidFill>
+                  <a:schemeClr val="dk1"/>
+                </a:solidFill>
+              </a:rPr>
+              <a:t> of </a:t>
+            </a:r>
+            <a:r>
+              <a:rPr lang="en" sz="1200">
+                <a:solidFill>
+                  <a:schemeClr val="dk1"/>
+                </a:solidFill>
+              </a:rPr>
+              <a:t>the</a:t>
+            </a:r>
+            <a:r>
+              <a:rPr lang="en" sz="1200">
+                <a:solidFill>
+                  <a:schemeClr val="dk1"/>
+                </a:solidFill>
+              </a:rPr>
+              <a:t> newly selected knight piece is highlighted.</a:t>
             </a:r>
             <a:endParaRPr sz="1200">
               <a:solidFill>
@@ -11008,7 +11223,15 @@
                   </a:extLst>
                 </a:hlinkClick>
               </a:rPr>
-              <a:t>UC-2.0</a:t>
+              <a:t>UC-1.</a:t>
+            </a:r>
+            <a:r>
+              <a:rPr lang="en" sz="1200" u="sng">
+                <a:solidFill>
+                  <a:schemeClr val="dk1"/>
+                </a:solidFill>
+              </a:rPr>
+              <a:t>4</a:t>
             </a:r>
             <a:endParaRPr sz="1200" u="sng">
               <a:solidFill>
@@ -11056,7 +11279,7 @@
                   <a:schemeClr val="dk1"/>
                 </a:solidFill>
               </a:rPr>
-              <a:t>Quitting a Game</a:t>
+              <a:t>Special Moves</a:t>
             </a:r>
             <a:endParaRPr sz="1200">
               <a:solidFill>
@@ -11080,7 +11303,7 @@
                   <a:schemeClr val="dk1"/>
                 </a:solidFill>
               </a:rPr>
-              <a:t>Action: </a:t>
+              <a:t>Action:</a:t>
             </a:r>
             <a:endParaRPr sz="1200">
               <a:solidFill>
@@ -11104,7 +11327,7 @@
                   <a:schemeClr val="dk1"/>
                 </a:solidFill>
               </a:rPr>
-              <a:t>The in-game menu button is clicked</a:t>
+              <a:t>Click the white king piece</a:t>
             </a:r>
             <a:endParaRPr sz="1200">
               <a:solidFill>
@@ -11128,7 +11351,7 @@
                   <a:schemeClr val="dk1"/>
                 </a:solidFill>
               </a:rPr>
-              <a:t>Result: </a:t>
+              <a:t>Result:</a:t>
             </a:r>
             <a:endParaRPr sz="1200">
               <a:solidFill>
@@ -11144,6 +11367,11 @@
               <a:spcAft>
                 <a:spcPts val="1200"/>
               </a:spcAft>
+              <a:buClr>
+                <a:schemeClr val="dk1"/>
+              </a:buClr>
+              <a:buSzPts val="1100"/>
+              <a:buFont typeface="Arial"/>
               <a:buNone/>
             </a:pPr>
             <a:r>
@@ -11152,49 +11380,96 @@
                   <a:schemeClr val="dk1"/>
                 </a:solidFill>
               </a:rPr>
-              <a:t>The in-game m</a:t>
-            </a:r>
-            <a:r>
-              <a:rPr lang="en" sz="1200">
-                <a:solidFill>
-                  <a:schemeClr val="dk1"/>
-                </a:solidFill>
-              </a:rPr>
-              <a:t>enu</a:t>
-            </a:r>
-            <a:r>
-              <a:rPr lang="en" sz="1200">
-                <a:solidFill>
-                  <a:schemeClr val="dk1"/>
-                </a:solidFill>
-              </a:rPr>
-              <a:t> button displaying (whatever the options will be).</a:t>
+              <a:t>The white king piece is selected showing all legal moves including castling.</a:t>
             </a:r>
             <a:endParaRPr sz="1200">
               <a:solidFill>
                 <a:schemeClr val="dk1"/>
               </a:solidFill>
             </a:endParaRPr>
+          </a:p>
+        </p:txBody>
+      </p:sp>
+      <p:sp>
+        <p:nvSpPr>
+          <p:cNvPr id="173" name="Google Shape;173;p28"/>
+          <p:cNvSpPr txBox="1"/>
+          <p:nvPr>
+            <p:ph idx="1" type="body"/>
+          </p:nvPr>
+        </p:nvSpPr>
+        <p:spPr>
+          <a:xfrm>
+            <a:off x="0" y="4465200"/>
+            <a:ext cx="3682200" cy="678300"/>
+          </a:xfrm>
+          <a:prstGeom prst="rect">
+            <a:avLst/>
+          </a:prstGeom>
+        </p:spPr>
+        <p:txBody>
+          <a:bodyPr anchorCtr="0" anchor="b" bIns="91425" lIns="91425" spcFirstLastPara="1" rIns="91425" wrap="square" tIns="91425">
+            <a:normAutofit/>
+          </a:bodyPr>
+          <a:lstStyle/>
+          <a:p>
+            <a:pPr indent="0" lvl="0" marL="0" rtl="0" algn="l">
+              <a:lnSpc>
+                <a:spcPct val="100000"/>
+              </a:lnSpc>
+              <a:spcBef>
+                <a:spcPts val="0"/>
+              </a:spcBef>
+              <a:spcAft>
+                <a:spcPts val="0"/>
+              </a:spcAft>
+              <a:buNone/>
+            </a:pPr>
+            <a:r>
+              <a:rPr lang="en" sz="800"/>
+              <a:t>Chess Pieces Image credit: Wikipedia user Cburnett, CC BY-SA 3.0</a:t>
+            </a:r>
+            <a:endParaRPr sz="800"/>
+          </a:p>
+          <a:p>
+            <a:pPr indent="0" lvl="0" marL="0" rtl="0" algn="l">
+              <a:lnSpc>
+                <a:spcPct val="100000"/>
+              </a:lnSpc>
+              <a:spcBef>
+                <a:spcPts val="1200"/>
+              </a:spcBef>
+              <a:spcAft>
+                <a:spcPts val="1200"/>
+              </a:spcAft>
+              <a:buNone/>
+            </a:pPr>
+            <a:r>
+              <a:rPr lang="en" sz="800"/>
+              <a:t>commons.wikimedia.org/wiki/Category:PNG_chess_pieces/</a:t>
+            </a:r>
+            <a:endParaRPr sz="800"/>
           </a:p>
         </p:txBody>
       </p:sp>
       <p:pic>
         <p:nvPicPr>
-          <p:cNvPr id="173" name="Google Shape;173;p28"/>
+          <p:cNvPr id="174" name="Google Shape;174;p28"/>
           <p:cNvPicPr preferRelativeResize="0"/>
           <p:nvPr/>
         </p:nvPicPr>
-        <p:blipFill rotWithShape="1">
+        <p:blipFill>
           <a:blip r:embed="rId4">
             <a:alphaModFix/>
           </a:blip>
-          <a:srcRect b="0" l="25700" r="25705" t="0"/>
-          <a:stretch/>
+          <a:stretch>
+            <a:fillRect/>
+          </a:stretch>
         </p:blipFill>
         <p:spPr>
           <a:xfrm>
-            <a:off x="789250" y="8325"/>
-            <a:ext cx="4599427" cy="5126849"/>
+            <a:off x="152400" y="152400"/>
+            <a:ext cx="6103775" cy="3083761"/>
           </a:xfrm>
           <a:prstGeom prst="rect">
             <a:avLst/>
@@ -11205,68 +11480,6 @@
           </a:ln>
         </p:spPr>
       </p:pic>
-      <p:sp>
-        <p:nvSpPr>
-          <p:cNvPr id="174" name="Google Shape;174;p28"/>
-          <p:cNvSpPr txBox="1"/>
-          <p:nvPr>
-            <p:ph idx="1" type="body"/>
-          </p:nvPr>
-        </p:nvSpPr>
-        <p:spPr>
-          <a:xfrm>
-            <a:off x="789250" y="4456975"/>
-            <a:ext cx="3682200" cy="678300"/>
-          </a:xfrm>
-          <a:prstGeom prst="rect">
-            <a:avLst/>
-          </a:prstGeom>
-        </p:spPr>
-        <p:txBody>
-          <a:bodyPr anchorCtr="0" anchor="b" bIns="91425" lIns="91425" spcFirstLastPara="1" rIns="91425" wrap="square" tIns="91425">
-            <a:normAutofit/>
-          </a:bodyPr>
-          <a:lstStyle/>
-          <a:p>
-            <a:pPr indent="0" lvl="0" marL="0" rtl="0" algn="l">
-              <a:lnSpc>
-                <a:spcPct val="100000"/>
-              </a:lnSpc>
-              <a:spcBef>
-                <a:spcPts val="0"/>
-              </a:spcBef>
-              <a:spcAft>
-                <a:spcPts val="0"/>
-              </a:spcAft>
-              <a:buNone/>
-            </a:pPr>
-            <a:r>
-              <a:rPr lang="en" sz="800"/>
-              <a:t>Chess Pieces Image credit: Wikipedia user Cburnett, CC BY-SA 3.0</a:t>
-            </a:r>
-            <a:endParaRPr sz="800"/>
-          </a:p>
-          <a:p>
-            <a:pPr indent="0" lvl="0" marL="0" rtl="0" algn="l">
-              <a:lnSpc>
-                <a:spcPct val="100000"/>
-              </a:lnSpc>
-              <a:spcBef>
-                <a:spcPts val="1200"/>
-              </a:spcBef>
-              <a:spcAft>
-                <a:spcPts val="1200"/>
-              </a:spcAft>
-              <a:buNone/>
-            </a:pPr>
-            <a:r>
-              <a:rPr lang="en" sz="800"/>
-              <a:t>commons.wikimedia.org/wiki/Category:PNG_chess_pieces/</a:t>
-            </a:r>
-            <a:endParaRPr sz="800"/>
-          </a:p>
-        </p:txBody>
-      </p:sp>
     </p:spTree>
   </p:cSld>
   <p:clrMapOvr>
@@ -11360,7 +11573,7 @@
         </p:spPr>
         <p:txBody>
           <a:bodyPr anchorCtr="0" anchor="t" bIns="91425" lIns="91425" spcFirstLastPara="1" rIns="91425" wrap="square" tIns="91425">
-            <a:normAutofit lnSpcReduction="10000"/>
+            <a:normAutofit/>
           </a:bodyPr>
           <a:lstStyle/>
           <a:p>
@@ -11394,7 +11607,15 @@
                   </a:extLst>
                 </a:hlinkClick>
               </a:rPr>
-              <a:t>UC-2.0</a:t>
+              <a:t>UC-1.</a:t>
+            </a:r>
+            <a:r>
+              <a:rPr lang="en" sz="1200" u="sng">
+                <a:solidFill>
+                  <a:schemeClr val="dk1"/>
+                </a:solidFill>
+              </a:rPr>
+              <a:t>4</a:t>
             </a:r>
             <a:endParaRPr sz="1200" u="sng">
               <a:solidFill>
@@ -11442,7 +11663,7 @@
                   <a:schemeClr val="dk1"/>
                 </a:solidFill>
               </a:rPr>
-              <a:t>Quitting a Game</a:t>
+              <a:t>Special moves</a:t>
             </a:r>
             <a:endParaRPr sz="1200">
               <a:solidFill>
@@ -11490,7 +11711,7 @@
                   <a:schemeClr val="dk1"/>
                 </a:solidFill>
               </a:rPr>
-              <a:t>The quit option is clicked</a:t>
+              <a:t>The king side rook piece is selected.</a:t>
             </a:r>
             <a:endParaRPr sz="1200">
               <a:solidFill>
@@ -11514,7 +11735,7 @@
                   <a:schemeClr val="dk1"/>
                 </a:solidFill>
               </a:rPr>
-              <a:t>Result: </a:t>
+              <a:t>Result:</a:t>
             </a:r>
             <a:endParaRPr sz="1200">
               <a:solidFill>
@@ -11538,27 +11759,81 @@
                   <a:schemeClr val="dk1"/>
                 </a:solidFill>
               </a:rPr>
-              <a:t>The user will be taken back to the main </a:t>
-            </a:r>
-            <a:r>
-              <a:rPr lang="en" sz="1200">
-                <a:solidFill>
-                  <a:schemeClr val="dk1"/>
-                </a:solidFill>
-              </a:rPr>
-              <a:t>menu. The game will have been saved but the user will not see this. (inc this last sentence?).</a:t>
+              <a:t>The king will move .. and the kingside rook will move .. </a:t>
             </a:r>
             <a:endParaRPr sz="1200">
               <a:solidFill>
                 <a:schemeClr val="dk1"/>
               </a:solidFill>
             </a:endParaRPr>
+          </a:p>
+        </p:txBody>
+      </p:sp>
+      <p:sp>
+        <p:nvSpPr>
+          <p:cNvPr id="181" name="Google Shape;181;p29"/>
+          <p:cNvSpPr txBox="1"/>
+          <p:nvPr>
+            <p:ph idx="1" type="body"/>
+          </p:nvPr>
+        </p:nvSpPr>
+        <p:spPr>
+          <a:xfrm>
+            <a:off x="789250" y="4456975"/>
+            <a:ext cx="3682200" cy="678300"/>
+          </a:xfrm>
+          <a:prstGeom prst="rect">
+            <a:avLst/>
+          </a:prstGeom>
+        </p:spPr>
+        <p:txBody>
+          <a:bodyPr anchorCtr="0" anchor="b" bIns="91425" lIns="91425" spcFirstLastPara="1" rIns="91425" wrap="square" tIns="91425">
+            <a:normAutofit/>
+          </a:bodyPr>
+          <a:lstStyle/>
+          <a:p>
+            <a:pPr indent="0" lvl="0" marL="0" rtl="0" algn="l">
+              <a:lnSpc>
+                <a:spcPct val="100000"/>
+              </a:lnSpc>
+              <a:spcBef>
+                <a:spcPts val="0"/>
+              </a:spcBef>
+              <a:spcAft>
+                <a:spcPts val="0"/>
+              </a:spcAft>
+              <a:buNone/>
+            </a:pPr>
+            <a:r>
+              <a:rPr lang="en" sz="800"/>
+              <a:t>Chess Pieces Image credit: Wikipedia user Cburnett, CC BY-SA 3.0</a:t>
+            </a:r>
+            <a:endParaRPr sz="800"/>
+          </a:p>
+          <a:p>
+            <a:pPr indent="0" lvl="0" marL="0" rtl="0" algn="l">
+              <a:lnSpc>
+                <a:spcPct val="100000"/>
+              </a:lnSpc>
+              <a:spcBef>
+                <a:spcPts val="1200"/>
+              </a:spcBef>
+              <a:spcAft>
+                <a:spcPts val="1200"/>
+              </a:spcAft>
+              <a:buNone/>
+            </a:pPr>
+            <a:r>
+              <a:rPr lang="en" sz="800"/>
+              <a:t>commons.wikimedia.org/wiki/Category:PNG_chess_pieces/</a:t>
+            </a:r>
+            <a:endParaRPr sz="800"/>
           </a:p>
         </p:txBody>
       </p:sp>
       <p:pic>
         <p:nvPicPr>
-          <p:cNvPr id="181" name="Google Shape;181;p29"/>
+          <p:cNvPr id="182" name="Google Shape;182;p29"/>
           <p:cNvPicPr preferRelativeResize="0"/>
           <p:nvPr/>
         </p:nvPicPr>
@@ -11572,8 +11847,8 @@
         </p:blipFill>
         <p:spPr>
           <a:xfrm>
-            <a:off x="0" y="0"/>
-            <a:ext cx="6400799" cy="5143500"/>
+            <a:off x="152400" y="152400"/>
+            <a:ext cx="6103774" cy="3116307"/>
           </a:xfrm>
           <a:prstGeom prst="rect">
             <a:avLst/>
@@ -11597,7 +11872,7 @@
   <p:cSld>
     <p:spTree>
       <p:nvGrpSpPr>
-        <p:cNvPr id="185" name="Shape 185"/>
+        <p:cNvPr id="186" name="Shape 186"/>
         <p:cNvGrpSpPr/>
         <p:nvPr/>
       </p:nvGrpSpPr>
@@ -11611,7 +11886,7 @@
       </p:grpSpPr>
       <p:sp>
         <p:nvSpPr>
-          <p:cNvPr id="186" name="Google Shape;186;p30"/>
+          <p:cNvPr id="187" name="Google Shape;187;p30"/>
           <p:cNvSpPr/>
           <p:nvPr/>
         </p:nvSpPr>
@@ -11660,45 +11935,6 @@
       </p:sp>
       <p:sp>
         <p:nvSpPr>
-          <p:cNvPr id="187" name="Google Shape;187;p30"/>
-          <p:cNvSpPr txBox="1"/>
-          <p:nvPr>
-            <p:ph idx="1" type="body"/>
-          </p:nvPr>
-        </p:nvSpPr>
-        <p:spPr>
-          <a:xfrm>
-            <a:off x="311700" y="1152475"/>
-            <a:ext cx="6089100" cy="3416400"/>
-          </a:xfrm>
-          <a:prstGeom prst="rect">
-            <a:avLst/>
-          </a:prstGeom>
-        </p:spPr>
-        <p:txBody>
-          <a:bodyPr anchorCtr="0" anchor="t" bIns="91425" lIns="91425" spcFirstLastPara="1" rIns="91425" wrap="square" tIns="91425">
-            <a:normAutofit/>
-          </a:bodyPr>
-          <a:lstStyle/>
-          <a:p>
-            <a:pPr indent="0" lvl="0" marL="0" rtl="0" algn="l">
-              <a:spcBef>
-                <a:spcPts val="0"/>
-              </a:spcBef>
-              <a:spcAft>
-                <a:spcPts val="1200"/>
-              </a:spcAft>
-              <a:buNone/>
-            </a:pPr>
-            <a:r>
-              <a:t/>
-            </a:r>
-            <a:endParaRPr/>
-          </a:p>
-        </p:txBody>
-      </p:sp>
-      <p:sp>
-        <p:nvSpPr>
           <p:cNvPr id="188" name="Google Shape;188;p30"/>
           <p:cNvSpPr txBox="1"/>
           <p:nvPr>
@@ -11750,7 +11986,7 @@
                   </a:extLst>
                 </a:hlinkClick>
               </a:rPr>
-              <a:t>UC-2.0 </a:t>
+              <a:t>UC-1.4 </a:t>
             </a:r>
             <a:endParaRPr sz="1200" u="sng">
               <a:solidFill>
@@ -11798,7 +12034,7 @@
                   <a:schemeClr val="dk1"/>
                 </a:solidFill>
               </a:rPr>
-              <a:t>Quitting a Game</a:t>
+              <a:t>Special Moves</a:t>
             </a:r>
             <a:endParaRPr sz="1200">
               <a:solidFill>
@@ -11836,7 +12072,7 @@
                 <a:spcPts val="1200"/>
               </a:spcBef>
               <a:spcAft>
-                <a:spcPts val="1200"/>
+                <a:spcPts val="0"/>
               </a:spcAft>
               <a:buNone/>
             </a:pPr>
@@ -11846,19 +12082,108 @@
                   <a:schemeClr val="dk1"/>
                 </a:solidFill>
               </a:rPr>
-              <a:t>The main menu is displayed.</a:t>
+              <a:t>The board is displayed after a successful king side castle. </a:t>
             </a:r>
             <a:endParaRPr sz="1200">
               <a:solidFill>
                 <a:schemeClr val="dk1"/>
               </a:solidFill>
             </a:endParaRPr>
+          </a:p>
+          <a:p>
+            <a:pPr indent="0" lvl="0" marL="0" rtl="0" algn="l">
+              <a:spcBef>
+                <a:spcPts val="1200"/>
+              </a:spcBef>
+              <a:spcAft>
+                <a:spcPts val="1200"/>
+              </a:spcAft>
+              <a:buNone/>
+            </a:pPr>
+            <a:r>
+              <a:t/>
+            </a:r>
+            <a:endParaRPr sz="1200">
+              <a:solidFill>
+                <a:schemeClr val="dk1"/>
+              </a:solidFill>
+            </a:endParaRPr>
+          </a:p>
+        </p:txBody>
+      </p:sp>
+      <p:sp>
+        <p:nvSpPr>
+          <p:cNvPr id="189" name="Google Shape;189;p30"/>
+          <p:cNvSpPr txBox="1"/>
+          <p:nvPr>
+            <p:ph idx="1" type="body"/>
+          </p:nvPr>
+        </p:nvSpPr>
+        <p:spPr>
+          <a:xfrm>
+            <a:off x="0" y="4465200"/>
+            <a:ext cx="3682200" cy="678300"/>
+          </a:xfrm>
+          <a:prstGeom prst="rect">
+            <a:avLst/>
+          </a:prstGeom>
+        </p:spPr>
+        <p:txBody>
+          <a:bodyPr anchorCtr="0" anchor="b" bIns="91425" lIns="91425" spcFirstLastPara="1" rIns="91425" wrap="square" tIns="91425">
+            <a:normAutofit/>
+          </a:bodyPr>
+          <a:lstStyle/>
+          <a:p>
+            <a:pPr indent="0" lvl="0" marL="0" rtl="0" algn="l">
+              <a:lnSpc>
+                <a:spcPct val="100000"/>
+              </a:lnSpc>
+              <a:spcBef>
+                <a:spcPts val="0"/>
+              </a:spcBef>
+              <a:spcAft>
+                <a:spcPts val="0"/>
+              </a:spcAft>
+              <a:buNone/>
+            </a:pPr>
+            <a:r>
+              <a:rPr lang="en" sz="800"/>
+              <a:t>Chess Pieces Image credit: Wikipedia user Cburnett, CC BY-SA 3.0</a:t>
+            </a:r>
+            <a:endParaRPr sz="800"/>
+          </a:p>
+          <a:p>
+            <a:pPr indent="0" lvl="0" marL="0" rtl="0" algn="l">
+              <a:lnSpc>
+                <a:spcPct val="100000"/>
+              </a:lnSpc>
+              <a:spcBef>
+                <a:spcPts val="1200"/>
+              </a:spcBef>
+              <a:spcAft>
+                <a:spcPts val="1200"/>
+              </a:spcAft>
+              <a:buNone/>
+            </a:pPr>
+            <a:r>
+              <a:rPr lang="en" sz="800"/>
+              <a:t>commons.wikimedia.org/wiki/C</a:t>
+            </a:r>
+            <a:r>
+              <a:rPr lang="en" sz="800"/>
+              <a:t>a</a:t>
+            </a:r>
+            <a:r>
+              <a:rPr lang="en" sz="800"/>
+              <a:t>tegory:PNG_chess_pieces/</a:t>
+            </a:r>
+            <a:endParaRPr sz="800"/>
           </a:p>
         </p:txBody>
       </p:sp>
       <p:pic>
         <p:nvPicPr>
-          <p:cNvPr id="189" name="Google Shape;189;p30"/>
+          <p:cNvPr id="190" name="Google Shape;190;p30"/>
           <p:cNvPicPr preferRelativeResize="0"/>
           <p:nvPr/>
         </p:nvPicPr>
@@ -11872,8 +12197,8 @@
         </p:blipFill>
         <p:spPr>
           <a:xfrm>
-            <a:off x="0" y="0"/>
-            <a:ext cx="6400799" cy="5143500"/>
+            <a:off x="152400" y="152400"/>
+            <a:ext cx="6103776" cy="3068035"/>
           </a:xfrm>
           <a:prstGeom prst="rect">
             <a:avLst/>
@@ -11897,7 +12222,7 @@
   <p:cSld>
     <p:spTree>
       <p:nvGrpSpPr>
-        <p:cNvPr id="193" name="Shape 193"/>
+        <p:cNvPr id="194" name="Shape 194"/>
         <p:cNvGrpSpPr/>
         <p:nvPr/>
       </p:nvGrpSpPr>
@@ -11911,7 +12236,7 @@
       </p:grpSpPr>
       <p:sp>
         <p:nvSpPr>
-          <p:cNvPr id="194" name="Google Shape;194;p31"/>
+          <p:cNvPr id="195" name="Google Shape;195;p31"/>
           <p:cNvSpPr/>
           <p:nvPr/>
         </p:nvSpPr>
@@ -11960,46 +12285,6 @@
       </p:sp>
       <p:sp>
         <p:nvSpPr>
-          <p:cNvPr id="195" name="Google Shape;195;p31"/>
-          <p:cNvSpPr txBox="1"/>
-          <p:nvPr>
-            <p:ph idx="1" type="body"/>
-          </p:nvPr>
-        </p:nvSpPr>
-        <p:spPr>
-          <a:xfrm>
-            <a:off x="311700" y="1152475"/>
-            <a:ext cx="6089100" cy="3416400"/>
-          </a:xfrm>
-          <a:prstGeom prst="rect">
-            <a:avLst/>
-          </a:prstGeom>
-        </p:spPr>
-        <p:txBody>
-          <a:bodyPr anchorCtr="0" anchor="t" bIns="91425" lIns="91425" spcFirstLastPara="1" rIns="91425" wrap="square" tIns="91425">
-            <a:normAutofit/>
-          </a:bodyPr>
-          <a:lstStyle/>
-          <a:p>
-            <a:pPr indent="0" lvl="0" marL="0" rtl="0" algn="l">
-              <a:spcBef>
-                <a:spcPts val="0"/>
-              </a:spcBef>
-              <a:spcAft>
-                <a:spcPts val="1200"/>
-              </a:spcAft>
-              <a:buNone/>
-            </a:pPr>
-            <a:r>
-              <a:rPr lang="en"/>
-              <a:t>An image to show the in game menu.     </a:t>
-            </a:r>
-            <a:endParaRPr/>
-          </a:p>
-        </p:txBody>
-      </p:sp>
-      <p:sp>
-        <p:nvSpPr>
           <p:cNvPr id="196" name="Google Shape;196;p31"/>
           <p:cNvSpPr txBox="1"/>
           <p:nvPr>
@@ -12017,7 +12302,7 @@
         </p:spPr>
         <p:txBody>
           <a:bodyPr anchorCtr="0" anchor="t" bIns="91425" lIns="91425" spcFirstLastPara="1" rIns="91425" wrap="square" tIns="91425">
-            <a:normAutofit lnSpcReduction="10000"/>
+            <a:normAutofit/>
           </a:bodyPr>
           <a:lstStyle/>
           <a:p>
@@ -12051,7 +12336,7 @@
                   </a:extLst>
                 </a:hlinkClick>
               </a:rPr>
-              <a:t>UC-3.0 </a:t>
+              <a:t>UC-2.0</a:t>
             </a:r>
             <a:endParaRPr sz="1200" u="sng">
               <a:solidFill>
@@ -12099,7 +12384,7 @@
                   <a:schemeClr val="dk1"/>
                 </a:solidFill>
               </a:rPr>
-              <a:t>Reviewing a Previous Game</a:t>
+              <a:t>Quitting a Game</a:t>
             </a:r>
             <a:endParaRPr sz="1200">
               <a:solidFill>
@@ -12147,7 +12432,7 @@
                   <a:schemeClr val="dk1"/>
                 </a:solidFill>
               </a:rPr>
-              <a:t>The View Game button is selected from the main menu.</a:t>
+              <a:t>The save and quit button is clicked</a:t>
             </a:r>
             <a:endParaRPr sz="1200">
               <a:solidFill>
@@ -12171,7 +12456,7 @@
                   <a:schemeClr val="dk1"/>
                 </a:solidFill>
               </a:rPr>
-              <a:t>Result:</a:t>
+              <a:t>Result: </a:t>
             </a:r>
             <a:endParaRPr sz="1200">
               <a:solidFill>
@@ -12195,7 +12480,7 @@
                   <a:schemeClr val="dk1"/>
                 </a:solidFill>
               </a:rPr>
-              <a:t>The user will be shown a list of possible previous games to view.</a:t>
+              <a:t>A pop up will appear, asking the user if they are sure they would like to quit.</a:t>
             </a:r>
             <a:endParaRPr sz="1200">
               <a:solidFill>
@@ -12211,18 +12496,17 @@
           <p:cNvPicPr preferRelativeResize="0"/>
           <p:nvPr/>
         </p:nvPicPr>
-        <p:blipFill>
+        <p:blipFill rotWithShape="1">
           <a:blip r:embed="rId4">
             <a:alphaModFix/>
           </a:blip>
-          <a:stretch>
-            <a:fillRect/>
-          </a:stretch>
+          <a:srcRect b="0" l="25700" r="25705" t="0"/>
+          <a:stretch/>
         </p:blipFill>
         <p:spPr>
           <a:xfrm>
-            <a:off x="0" y="0"/>
-            <a:ext cx="6400799" cy="5143500"/>
+            <a:off x="789250" y="8325"/>
+            <a:ext cx="4599427" cy="5126849"/>
           </a:xfrm>
           <a:prstGeom prst="rect">
             <a:avLst/>
@@ -12233,6 +12517,296 @@
           </a:ln>
         </p:spPr>
       </p:pic>
+      <p:sp>
+        <p:nvSpPr>
+          <p:cNvPr id="198" name="Google Shape;198;p31"/>
+          <p:cNvSpPr txBox="1"/>
+          <p:nvPr>
+            <p:ph idx="1" type="body"/>
+          </p:nvPr>
+        </p:nvSpPr>
+        <p:spPr>
+          <a:xfrm>
+            <a:off x="789250" y="4456975"/>
+            <a:ext cx="3682200" cy="678300"/>
+          </a:xfrm>
+          <a:prstGeom prst="rect">
+            <a:avLst/>
+          </a:prstGeom>
+        </p:spPr>
+        <p:txBody>
+          <a:bodyPr anchorCtr="0" anchor="b" bIns="91425" lIns="91425" spcFirstLastPara="1" rIns="91425" wrap="square" tIns="91425">
+            <a:normAutofit/>
+          </a:bodyPr>
+          <a:lstStyle/>
+          <a:p>
+            <a:pPr indent="0" lvl="0" marL="0" rtl="0" algn="l">
+              <a:lnSpc>
+                <a:spcPct val="100000"/>
+              </a:lnSpc>
+              <a:spcBef>
+                <a:spcPts val="0"/>
+              </a:spcBef>
+              <a:spcAft>
+                <a:spcPts val="0"/>
+              </a:spcAft>
+              <a:buNone/>
+            </a:pPr>
+            <a:r>
+              <a:rPr lang="en" sz="800"/>
+              <a:t>Chess Pieces Image credit: Wikipedia user Cburnett, CC BY-SA 3.0</a:t>
+            </a:r>
+            <a:endParaRPr sz="800"/>
+          </a:p>
+          <a:p>
+            <a:pPr indent="0" lvl="0" marL="0" rtl="0" algn="l">
+              <a:lnSpc>
+                <a:spcPct val="100000"/>
+              </a:lnSpc>
+              <a:spcBef>
+                <a:spcPts val="1200"/>
+              </a:spcBef>
+              <a:spcAft>
+                <a:spcPts val="1200"/>
+              </a:spcAft>
+              <a:buNone/>
+            </a:pPr>
+            <a:r>
+              <a:rPr lang="en" sz="800"/>
+              <a:t>commons.wikimedia.org/wiki/Category:PNG_chess_pieces/</a:t>
+            </a:r>
+            <a:endParaRPr sz="800"/>
+          </a:p>
+        </p:txBody>
+      </p:sp>
+      <p:graphicFrame>
+        <p:nvGraphicFramePr>
+          <p:cNvPr id="199" name="Google Shape;199;p31"/>
+          <p:cNvGraphicFramePr/>
+          <p:nvPr/>
+        </p:nvGraphicFramePr>
+        <p:xfrm>
+          <a:off x="1317275" y="1931700"/>
+          <a:ext cx="3000000" cy="3000000"/>
+        </p:xfrm>
+        <a:graphic>
+          <a:graphicData uri="http://schemas.openxmlformats.org/drawingml/2006/table">
+            <a:tbl>
+              <a:tblPr>
+                <a:noFill/>
+                <a:tableStyleId>{EBF491F7-7131-4157-9DC3-AF058DD50FA4}</a:tableStyleId>
+              </a:tblPr>
+              <a:tblGrid>
+                <a:gridCol w="1771675"/>
+                <a:gridCol w="1771675"/>
+              </a:tblGrid>
+              <a:tr h="588325">
+                <a:tc gridSpan="2">
+                  <a:txBody>
+                    <a:bodyPr/>
+                    <a:lstStyle/>
+                    <a:p>
+                      <a:pPr indent="0" lvl="0" marL="0" rtl="0" algn="ctr">
+                        <a:spcBef>
+                          <a:spcPts val="0"/>
+                        </a:spcBef>
+                        <a:spcAft>
+                          <a:spcPts val="0"/>
+                        </a:spcAft>
+                        <a:buNone/>
+                      </a:pPr>
+                      <a:r>
+                        <a:rPr lang="en" sz="1000"/>
+                        <a:t>Are you sure you want to quit?</a:t>
+                      </a:r>
+                      <a:endParaRPr sz="1000"/>
+                    </a:p>
+                    <a:p>
+                      <a:pPr indent="0" lvl="0" marL="0" rtl="0" algn="ctr">
+                        <a:spcBef>
+                          <a:spcPts val="0"/>
+                        </a:spcBef>
+                        <a:spcAft>
+                          <a:spcPts val="0"/>
+                        </a:spcAft>
+                        <a:buNone/>
+                      </a:pPr>
+                      <a:r>
+                        <a:rPr lang="en" sz="1000"/>
+                        <a:t>You can continue the game at another time.</a:t>
+                      </a:r>
+                      <a:endParaRPr sz="1000"/>
+                    </a:p>
+                  </a:txBody>
+                  <a:tcPr marT="91425" marB="91425" marR="91425" marL="91425">
+                    <a:lnL cap="flat" cmpd="sng" w="9525">
+                      <a:solidFill>
+                        <a:schemeClr val="dk1"/>
+                      </a:solidFill>
+                      <a:prstDash val="solid"/>
+                      <a:round/>
+                      <a:headEnd len="sm" w="sm" type="none"/>
+                      <a:tailEnd len="sm" w="sm" type="none"/>
+                    </a:lnL>
+                    <a:lnR cap="flat" cmpd="sng" w="9525">
+                      <a:solidFill>
+                        <a:schemeClr val="dk1"/>
+                      </a:solidFill>
+                      <a:prstDash val="solid"/>
+                      <a:round/>
+                      <a:headEnd len="sm" w="sm" type="none"/>
+                      <a:tailEnd len="sm" w="sm" type="none"/>
+                    </a:lnR>
+                    <a:lnT cap="flat" cmpd="sng" w="9525">
+                      <a:solidFill>
+                        <a:schemeClr val="dk1"/>
+                      </a:solidFill>
+                      <a:prstDash val="solid"/>
+                      <a:round/>
+                      <a:headEnd len="sm" w="sm" type="none"/>
+                      <a:tailEnd len="sm" w="sm" type="none"/>
+                    </a:lnT>
+                    <a:lnB cap="flat" cmpd="sng" w="9525">
+                      <a:solidFill>
+                        <a:schemeClr val="dk1"/>
+                      </a:solidFill>
+                      <a:prstDash val="solid"/>
+                      <a:round/>
+                      <a:headEnd len="sm" w="sm" type="none"/>
+                      <a:tailEnd len="sm" w="sm" type="none"/>
+                    </a:lnB>
+                    <a:solidFill>
+                      <a:schemeClr val="lt1"/>
+                    </a:solidFill>
+                  </a:tcPr>
+                </a:tc>
+                <a:tc hMerge="1"/>
+              </a:tr>
+              <a:tr h="565725">
+                <a:tc gridSpan="2">
+                  <a:txBody>
+                    <a:bodyPr/>
+                    <a:lstStyle/>
+                    <a:p>
+                      <a:pPr indent="0" lvl="0" marL="0" rtl="0" algn="ctr">
+                        <a:spcBef>
+                          <a:spcPts val="0"/>
+                        </a:spcBef>
+                        <a:spcAft>
+                          <a:spcPts val="0"/>
+                        </a:spcAft>
+                        <a:buNone/>
+                      </a:pPr>
+                      <a:r>
+                        <a:rPr lang="en" sz="1000" u="sng"/>
+                        <a:t>Yes</a:t>
+                      </a:r>
+                      <a:r>
+                        <a:rPr lang="en" sz="1000"/>
+                        <a:t>     </a:t>
+                      </a:r>
+                      <a:r>
+                        <a:rPr lang="en" sz="1000" u="sng"/>
+                        <a:t>No</a:t>
+                      </a:r>
+                      <a:endParaRPr sz="1000" u="sng"/>
+                    </a:p>
+                    <a:p>
+                      <a:pPr indent="0" lvl="0" marL="0" rtl="0" algn="ctr">
+                        <a:spcBef>
+                          <a:spcPts val="0"/>
+                        </a:spcBef>
+                        <a:spcAft>
+                          <a:spcPts val="0"/>
+                        </a:spcAft>
+                        <a:buNone/>
+                      </a:pPr>
+                      <a:r>
+                        <a:t/>
+                      </a:r>
+                      <a:endParaRPr sz="500"/>
+                    </a:p>
+                    <a:p>
+                      <a:pPr indent="0" lvl="0" marL="0" rtl="0" algn="ctr">
+                        <a:spcBef>
+                          <a:spcPts val="0"/>
+                        </a:spcBef>
+                        <a:spcAft>
+                          <a:spcPts val="0"/>
+                        </a:spcAft>
+                        <a:buNone/>
+                      </a:pPr>
+                      <a:r>
+                        <a:rPr lang="en" sz="500"/>
+                        <a:t>Your game has been saved and</a:t>
+                      </a:r>
+                      <a:endParaRPr sz="500"/>
+                    </a:p>
+                    <a:p>
+                      <a:pPr indent="0" lvl="0" marL="0" rtl="0" algn="ctr">
+                        <a:spcBef>
+                          <a:spcPts val="0"/>
+                        </a:spcBef>
+                        <a:spcAft>
+                          <a:spcPts val="0"/>
+                        </a:spcAft>
+                        <a:buNone/>
+                      </a:pPr>
+                      <a:r>
+                        <a:rPr lang="en" sz="500"/>
+                        <a:t>can be reviewed at any time</a:t>
+                      </a:r>
+                      <a:endParaRPr sz="500"/>
+                    </a:p>
+                  </a:txBody>
+                  <a:tcPr marT="91425" marB="91425" marR="91425" marL="91425">
+                    <a:lnL cap="flat" cmpd="sng" w="9525">
+                      <a:solidFill>
+                        <a:schemeClr val="dk1"/>
+                      </a:solidFill>
+                      <a:prstDash val="solid"/>
+                      <a:round/>
+                      <a:headEnd len="sm" w="sm" type="none"/>
+                      <a:tailEnd len="sm" w="sm" type="none"/>
+                    </a:lnL>
+                    <a:lnR cap="flat" cmpd="sng" w="9525">
+                      <a:solidFill>
+                        <a:schemeClr val="dk1"/>
+                      </a:solidFill>
+                      <a:prstDash val="solid"/>
+                      <a:round/>
+                      <a:headEnd len="sm" w="sm" type="none"/>
+                      <a:tailEnd len="sm" w="sm" type="none"/>
+                    </a:lnR>
+                    <a:lnT cap="flat" cmpd="sng" w="9525">
+                      <a:solidFill>
+                        <a:schemeClr val="dk1"/>
+                      </a:solidFill>
+                      <a:prstDash val="solid"/>
+                      <a:round/>
+                      <a:headEnd len="sm" w="sm" type="none"/>
+                      <a:tailEnd len="sm" w="sm" type="none"/>
+                    </a:lnT>
+                    <a:lnB cap="flat" cmpd="sng" w="9525">
+                      <a:solidFill>
+                        <a:schemeClr val="dk1"/>
+                      </a:solidFill>
+                      <a:prstDash val="solid"/>
+                      <a:round/>
+                      <a:headEnd len="sm" w="sm" type="none"/>
+                      <a:tailEnd len="sm" w="sm" type="none"/>
+                    </a:lnB>
+                    <a:solidFill>
+                      <a:schemeClr val="lt1"/>
+                    </a:solidFill>
+                  </a:tcPr>
+                </a:tc>
+                <a:tc hMerge="1"/>
+              </a:tr>
+            </a:tbl>
+          </a:graphicData>
+        </a:graphic>
+      </p:graphicFrame>
     </p:spTree>
   </p:cSld>
   <p:clrMapOvr>
@@ -12604,7 +13178,7 @@
   <p:cSld>
     <p:spTree>
       <p:nvGrpSpPr>
-        <p:cNvPr id="201" name="Shape 201"/>
+        <p:cNvPr id="203" name="Shape 203"/>
         <p:cNvGrpSpPr/>
         <p:nvPr/>
       </p:nvGrpSpPr>
@@ -12618,7 +13192,7 @@
       </p:grpSpPr>
       <p:sp>
         <p:nvSpPr>
-          <p:cNvPr id="202" name="Google Shape;202;p32"/>
+          <p:cNvPr id="204" name="Google Shape;204;p32"/>
           <p:cNvSpPr/>
           <p:nvPr/>
         </p:nvSpPr>
@@ -12667,7 +13241,7 @@
       </p:sp>
       <p:sp>
         <p:nvSpPr>
-          <p:cNvPr id="203" name="Google Shape;203;p32"/>
+          <p:cNvPr id="205" name="Google Shape;205;p32"/>
           <p:cNvSpPr txBox="1"/>
           <p:nvPr>
             <p:ph idx="2" type="body"/>
@@ -12718,7 +13292,7 @@
                   </a:extLst>
                 </a:hlinkClick>
               </a:rPr>
-              <a:t>UC-3.0</a:t>
+              <a:t>UC-2.0</a:t>
             </a:r>
             <a:endParaRPr sz="1200" u="sng">
               <a:solidFill>
@@ -12766,7 +13340,7 @@
                   <a:schemeClr val="dk1"/>
                 </a:solidFill>
               </a:rPr>
-              <a:t>Reviewing a Previous Game</a:t>
+              <a:t>Quitting a Game</a:t>
             </a:r>
             <a:endParaRPr sz="1200">
               <a:solidFill>
@@ -12814,7 +13388,7 @@
                   <a:schemeClr val="dk1"/>
                 </a:solidFill>
               </a:rPr>
-              <a:t>(ref to game) is selected</a:t>
+              <a:t>The quit option is clicked</a:t>
             </a:r>
             <a:endParaRPr sz="1200">
               <a:solidFill>
@@ -12862,7 +13436,15 @@
                   <a:schemeClr val="dk1"/>
                 </a:solidFill>
               </a:rPr>
-              <a:t>The user will be shown a list of possible previous games to view.</a:t>
+              <a:t>The user will be taken back to the main </a:t>
+            </a:r>
+            <a:r>
+              <a:rPr lang="en" sz="1200">
+                <a:solidFill>
+                  <a:schemeClr val="dk1"/>
+                </a:solidFill>
+              </a:rPr>
+              <a:t>menu. The game will have been saved but the user will not see this.</a:t>
             </a:r>
             <a:endParaRPr sz="1200">
               <a:solidFill>
@@ -12874,21 +13456,22 @@
       </p:sp>
       <p:pic>
         <p:nvPicPr>
-          <p:cNvPr id="204" name="Google Shape;204;p32"/>
+          <p:cNvPr id="206" name="Google Shape;206;p32"/>
           <p:cNvPicPr preferRelativeResize="0"/>
           <p:nvPr/>
         </p:nvPicPr>
-        <p:blipFill rotWithShape="1">
+        <p:blipFill>
           <a:blip r:embed="rId4">
             <a:alphaModFix/>
           </a:blip>
-          <a:srcRect b="0" l="25380" r="25375" t="0"/>
-          <a:stretch/>
+          <a:stretch>
+            <a:fillRect/>
+          </a:stretch>
         </p:blipFill>
         <p:spPr>
           <a:xfrm>
-            <a:off x="872675" y="0"/>
-            <a:ext cx="4668480" cy="5135174"/>
+            <a:off x="0" y="0"/>
+            <a:ext cx="6400799" cy="5143500"/>
           </a:xfrm>
           <a:prstGeom prst="rect">
             <a:avLst/>
@@ -12912,7 +13495,7 @@
   <p:cSld>
     <p:spTree>
       <p:nvGrpSpPr>
-        <p:cNvPr id="208" name="Shape 208"/>
+        <p:cNvPr id="210" name="Shape 210"/>
         <p:cNvGrpSpPr/>
         <p:nvPr/>
       </p:nvGrpSpPr>
@@ -12926,7 +13509,7 @@
       </p:grpSpPr>
       <p:sp>
         <p:nvSpPr>
-          <p:cNvPr id="209" name="Google Shape;209;p33"/>
+          <p:cNvPr id="211" name="Google Shape;211;p33"/>
           <p:cNvSpPr/>
           <p:nvPr/>
         </p:nvSpPr>
@@ -12975,7 +13558,46 @@
       </p:sp>
       <p:sp>
         <p:nvSpPr>
-          <p:cNvPr id="210" name="Google Shape;210;p33"/>
+          <p:cNvPr id="212" name="Google Shape;212;p33"/>
+          <p:cNvSpPr txBox="1"/>
+          <p:nvPr>
+            <p:ph idx="1" type="body"/>
+          </p:nvPr>
+        </p:nvSpPr>
+        <p:spPr>
+          <a:xfrm>
+            <a:off x="311700" y="1152475"/>
+            <a:ext cx="6089100" cy="3416400"/>
+          </a:xfrm>
+          <a:prstGeom prst="rect">
+            <a:avLst/>
+          </a:prstGeom>
+        </p:spPr>
+        <p:txBody>
+          <a:bodyPr anchorCtr="0" anchor="t" bIns="91425" lIns="91425" spcFirstLastPara="1" rIns="91425" wrap="square" tIns="91425">
+            <a:normAutofit/>
+          </a:bodyPr>
+          <a:lstStyle/>
+          <a:p>
+            <a:pPr indent="0" lvl="0" marL="0" rtl="0" algn="l">
+              <a:spcBef>
+                <a:spcPts val="0"/>
+              </a:spcBef>
+              <a:spcAft>
+                <a:spcPts val="1200"/>
+              </a:spcAft>
+              <a:buNone/>
+            </a:pPr>
+            <a:r>
+              <a:t/>
+            </a:r>
+            <a:endParaRPr/>
+          </a:p>
+        </p:txBody>
+      </p:sp>
+      <p:sp>
+        <p:nvSpPr>
+          <p:cNvPr id="213" name="Google Shape;213;p33"/>
           <p:cNvSpPr txBox="1"/>
           <p:nvPr>
             <p:ph idx="2" type="body"/>
@@ -13026,7 +13648,7 @@
                   </a:extLst>
                 </a:hlinkClick>
               </a:rPr>
-              <a:t>UC-3.0 </a:t>
+              <a:t>UC-2.0 </a:t>
             </a:r>
             <a:endParaRPr sz="1200" u="sng">
               <a:solidFill>
@@ -13074,7 +13696,7 @@
                   <a:schemeClr val="dk1"/>
                 </a:solidFill>
               </a:rPr>
-              <a:t>Reviewing a Previous Game</a:t>
+              <a:t>Quitting a Game</a:t>
             </a:r>
             <a:endParaRPr sz="1200">
               <a:solidFill>
@@ -13122,7 +13744,7 @@
                   <a:schemeClr val="dk1"/>
                 </a:solidFill>
               </a:rPr>
-              <a:t>The board is shown in the starting position. Buttons appear to show “Step Forward” and “Step Backward”. </a:t>
+              <a:t>The main menu is displayed.</a:t>
             </a:r>
             <a:endParaRPr sz="1200">
               <a:solidFill>
@@ -13134,21 +13756,22 @@
       </p:sp>
       <p:pic>
         <p:nvPicPr>
-          <p:cNvPr id="211" name="Google Shape;211;p33"/>
+          <p:cNvPr id="214" name="Google Shape;214;p33"/>
           <p:cNvPicPr preferRelativeResize="0"/>
           <p:nvPr/>
         </p:nvPicPr>
-        <p:blipFill rotWithShape="1">
+        <p:blipFill>
           <a:blip r:embed="rId4">
             <a:alphaModFix/>
           </a:blip>
-          <a:srcRect b="0" l="26029" r="26024" t="0"/>
-          <a:stretch/>
+          <a:stretch>
+            <a:fillRect/>
+          </a:stretch>
         </p:blipFill>
         <p:spPr>
           <a:xfrm>
-            <a:off x="771848" y="0"/>
-            <a:ext cx="4552680" cy="5143499"/>
+            <a:off x="0" y="0"/>
+            <a:ext cx="6400799" cy="5143500"/>
           </a:xfrm>
           <a:prstGeom prst="rect">
             <a:avLst/>
@@ -13159,120 +13782,6 @@
           </a:ln>
         </p:spPr>
       </p:pic>
-      <p:cxnSp>
-        <p:nvCxnSpPr>
-          <p:cNvPr id="212" name="Google Shape;212;p33"/>
-          <p:cNvCxnSpPr/>
-          <p:nvPr/>
-        </p:nvCxnSpPr>
-        <p:spPr>
-          <a:xfrm flipH="1" rot="10800000">
-            <a:off x="3220025" y="4396350"/>
-            <a:ext cx="1067400" cy="14400"/>
-          </a:xfrm>
-          <a:prstGeom prst="straightConnector1">
-            <a:avLst/>
-          </a:prstGeom>
-          <a:noFill/>
-          <a:ln cap="flat" cmpd="sng" w="76200">
-            <a:solidFill>
-              <a:schemeClr val="dk2"/>
-            </a:solidFill>
-            <a:prstDash val="solid"/>
-            <a:round/>
-            <a:headEnd len="med" w="med" type="none"/>
-            <a:tailEnd len="med" w="med" type="triangle"/>
-          </a:ln>
-        </p:spPr>
-      </p:cxnSp>
-      <p:cxnSp>
-        <p:nvCxnSpPr>
-          <p:cNvPr id="213" name="Google Shape;213;p33"/>
-          <p:cNvCxnSpPr/>
-          <p:nvPr/>
-        </p:nvCxnSpPr>
-        <p:spPr>
-          <a:xfrm flipH="1">
-            <a:off x="2005600" y="4387500"/>
-            <a:ext cx="960000" cy="32100"/>
-          </a:xfrm>
-          <a:prstGeom prst="straightConnector1">
-            <a:avLst/>
-          </a:prstGeom>
-          <a:noFill/>
-          <a:ln cap="flat" cmpd="sng" w="76200">
-            <a:solidFill>
-              <a:schemeClr val="dk2"/>
-            </a:solidFill>
-            <a:prstDash val="solid"/>
-            <a:round/>
-            <a:headEnd len="med" w="med" type="none"/>
-            <a:tailEnd len="med" w="med" type="triangle"/>
-          </a:ln>
-        </p:spPr>
-      </p:cxnSp>
-      <p:sp>
-        <p:nvSpPr>
-          <p:cNvPr id="214" name="Google Shape;214;p33"/>
-          <p:cNvSpPr txBox="1"/>
-          <p:nvPr>
-            <p:ph idx="1" type="body"/>
-          </p:nvPr>
-        </p:nvSpPr>
-        <p:spPr>
-          <a:xfrm>
-            <a:off x="789250" y="4456975"/>
-            <a:ext cx="3682200" cy="678300"/>
-          </a:xfrm>
-          <a:prstGeom prst="rect">
-            <a:avLst/>
-          </a:prstGeom>
-        </p:spPr>
-        <p:txBody>
-          <a:bodyPr anchorCtr="0" anchor="b" bIns="91425" lIns="91425" spcFirstLastPara="1" rIns="91425" wrap="square" tIns="91425">
-            <a:normAutofit/>
-          </a:bodyPr>
-          <a:lstStyle/>
-          <a:p>
-            <a:pPr indent="0" lvl="0" marL="0" rtl="0" algn="l">
-              <a:lnSpc>
-                <a:spcPct val="100000"/>
-              </a:lnSpc>
-              <a:spcBef>
-                <a:spcPts val="0"/>
-              </a:spcBef>
-              <a:spcAft>
-                <a:spcPts val="0"/>
-              </a:spcAft>
-              <a:buNone/>
-            </a:pPr>
-            <a:r>
-              <a:rPr lang="en" sz="800"/>
-              <a:t>Chess Pieces Image credit: Wikipedia user Cburnett, CC BY-SA 3.0</a:t>
-            </a:r>
-            <a:endParaRPr sz="800"/>
-          </a:p>
-          <a:p>
-            <a:pPr indent="0" lvl="0" marL="0" rtl="0" algn="l">
-              <a:lnSpc>
-                <a:spcPct val="100000"/>
-              </a:lnSpc>
-              <a:spcBef>
-                <a:spcPts val="1200"/>
-              </a:spcBef>
-              <a:spcAft>
-                <a:spcPts val="1200"/>
-              </a:spcAft>
-              <a:buNone/>
-            </a:pPr>
-            <a:r>
-              <a:rPr lang="en" sz="800"/>
-              <a:t>commons.wikimedia.org/wiki/Category:PNG_chess_pieces/</a:t>
-            </a:r>
-            <a:endParaRPr sz="800"/>
-          </a:p>
-        </p:txBody>
-      </p:sp>
     </p:spTree>
   </p:cSld>
   <p:clrMapOvr>
@@ -13352,6 +13861,46 @@
           <p:cNvPr id="220" name="Google Shape;220;p34"/>
           <p:cNvSpPr txBox="1"/>
           <p:nvPr>
+            <p:ph idx="1" type="body"/>
+          </p:nvPr>
+        </p:nvSpPr>
+        <p:spPr>
+          <a:xfrm>
+            <a:off x="311700" y="1152475"/>
+            <a:ext cx="6089100" cy="3416400"/>
+          </a:xfrm>
+          <a:prstGeom prst="rect">
+            <a:avLst/>
+          </a:prstGeom>
+        </p:spPr>
+        <p:txBody>
+          <a:bodyPr anchorCtr="0" anchor="t" bIns="91425" lIns="91425" spcFirstLastPara="1" rIns="91425" wrap="square" tIns="91425">
+            <a:normAutofit/>
+          </a:bodyPr>
+          <a:lstStyle/>
+          <a:p>
+            <a:pPr indent="0" lvl="0" marL="0" rtl="0" algn="l">
+              <a:spcBef>
+                <a:spcPts val="0"/>
+              </a:spcBef>
+              <a:spcAft>
+                <a:spcPts val="1200"/>
+              </a:spcAft>
+              <a:buNone/>
+            </a:pPr>
+            <a:r>
+              <a:rPr lang="en"/>
+              <a:t>An image to show the in game menu.     </a:t>
+            </a:r>
+            <a:endParaRPr/>
+          </a:p>
+        </p:txBody>
+      </p:sp>
+      <p:sp>
+        <p:nvSpPr>
+          <p:cNvPr id="221" name="Google Shape;221;p34"/>
+          <p:cNvSpPr txBox="1"/>
+          <p:nvPr>
             <p:ph idx="2" type="body"/>
           </p:nvPr>
         </p:nvSpPr>
@@ -13366,7 +13915,7 @@
         </p:spPr>
         <p:txBody>
           <a:bodyPr anchorCtr="0" anchor="t" bIns="91425" lIns="91425" spcFirstLastPara="1" rIns="91425" wrap="square" tIns="91425">
-            <a:normAutofit/>
+            <a:normAutofit lnSpcReduction="10000"/>
           </a:bodyPr>
           <a:lstStyle/>
           <a:p>
@@ -13400,7 +13949,7 @@
                   </a:extLst>
                 </a:hlinkClick>
               </a:rPr>
-              <a:t>UC-3.1</a:t>
+              <a:t>UC-3.0 </a:t>
             </a:r>
             <a:endParaRPr sz="1200" u="sng">
               <a:solidFill>
@@ -13448,7 +13997,7 @@
                   <a:schemeClr val="dk1"/>
                 </a:solidFill>
               </a:rPr>
-              <a:t>Stepping Forward</a:t>
+              <a:t>Reviewing a Previous Game</a:t>
             </a:r>
             <a:endParaRPr sz="1200">
               <a:solidFill>
@@ -13496,7 +14045,7 @@
                   <a:schemeClr val="dk1"/>
                 </a:solidFill>
               </a:rPr>
-              <a:t>The “Step Forward” button is selected.</a:t>
+              <a:t>The View Game button is selected from the main menu.</a:t>
             </a:r>
             <a:endParaRPr sz="1200">
               <a:solidFill>
@@ -13544,7 +14093,7 @@
                   <a:schemeClr val="dk1"/>
                 </a:solidFill>
               </a:rPr>
-              <a:t>The board state is shown after the first move. </a:t>
+              <a:t>The user will be shown a list of possible previous games to view.</a:t>
             </a:r>
             <a:endParaRPr sz="1200">
               <a:solidFill>
@@ -13556,21 +14105,22 @@
       </p:sp>
       <p:pic>
         <p:nvPicPr>
-          <p:cNvPr id="221" name="Google Shape;221;p34"/>
+          <p:cNvPr id="222" name="Google Shape;222;p34"/>
           <p:cNvPicPr preferRelativeResize="0"/>
           <p:nvPr/>
         </p:nvPicPr>
-        <p:blipFill rotWithShape="1">
+        <p:blipFill>
           <a:blip r:embed="rId4">
             <a:alphaModFix/>
           </a:blip>
-          <a:srcRect b="0" l="23209" r="23214" t="0"/>
-          <a:stretch/>
+          <a:stretch>
+            <a:fillRect/>
+          </a:stretch>
         </p:blipFill>
         <p:spPr>
           <a:xfrm>
-            <a:off x="709750" y="160725"/>
-            <a:ext cx="4936718" cy="4991100"/>
+            <a:off x="0" y="0"/>
+            <a:ext cx="6400799" cy="5143500"/>
           </a:xfrm>
           <a:prstGeom prst="rect">
             <a:avLst/>
@@ -13581,120 +14131,6 @@
           </a:ln>
         </p:spPr>
       </p:pic>
-      <p:cxnSp>
-        <p:nvCxnSpPr>
-          <p:cNvPr id="222" name="Google Shape;222;p34"/>
-          <p:cNvCxnSpPr/>
-          <p:nvPr/>
-        </p:nvCxnSpPr>
-        <p:spPr>
-          <a:xfrm flipH="1" rot="10800000">
-            <a:off x="3277550" y="4482600"/>
-            <a:ext cx="1067400" cy="14400"/>
-          </a:xfrm>
-          <a:prstGeom prst="straightConnector1">
-            <a:avLst/>
-          </a:prstGeom>
-          <a:noFill/>
-          <a:ln cap="flat" cmpd="sng" w="76200">
-            <a:solidFill>
-              <a:schemeClr val="dk2"/>
-            </a:solidFill>
-            <a:prstDash val="solid"/>
-            <a:round/>
-            <a:headEnd len="med" w="med" type="none"/>
-            <a:tailEnd len="med" w="med" type="triangle"/>
-          </a:ln>
-        </p:spPr>
-      </p:cxnSp>
-      <p:cxnSp>
-        <p:nvCxnSpPr>
-          <p:cNvPr id="223" name="Google Shape;223;p34"/>
-          <p:cNvCxnSpPr/>
-          <p:nvPr/>
-        </p:nvCxnSpPr>
-        <p:spPr>
-          <a:xfrm flipH="1">
-            <a:off x="1976825" y="4473750"/>
-            <a:ext cx="960000" cy="32100"/>
-          </a:xfrm>
-          <a:prstGeom prst="straightConnector1">
-            <a:avLst/>
-          </a:prstGeom>
-          <a:noFill/>
-          <a:ln cap="flat" cmpd="sng" w="76200">
-            <a:solidFill>
-              <a:schemeClr val="dk2"/>
-            </a:solidFill>
-            <a:prstDash val="solid"/>
-            <a:round/>
-            <a:headEnd len="med" w="med" type="none"/>
-            <a:tailEnd len="med" w="med" type="triangle"/>
-          </a:ln>
-        </p:spPr>
-      </p:cxnSp>
-      <p:sp>
-        <p:nvSpPr>
-          <p:cNvPr id="224" name="Google Shape;224;p34"/>
-          <p:cNvSpPr txBox="1"/>
-          <p:nvPr>
-            <p:ph idx="1" type="body"/>
-          </p:nvPr>
-        </p:nvSpPr>
-        <p:spPr>
-          <a:xfrm>
-            <a:off x="789250" y="4456975"/>
-            <a:ext cx="3682200" cy="678300"/>
-          </a:xfrm>
-          <a:prstGeom prst="rect">
-            <a:avLst/>
-          </a:prstGeom>
-        </p:spPr>
-        <p:txBody>
-          <a:bodyPr anchorCtr="0" anchor="b" bIns="91425" lIns="91425" spcFirstLastPara="1" rIns="91425" wrap="square" tIns="91425">
-            <a:normAutofit/>
-          </a:bodyPr>
-          <a:lstStyle/>
-          <a:p>
-            <a:pPr indent="0" lvl="0" marL="0" rtl="0" algn="l">
-              <a:lnSpc>
-                <a:spcPct val="100000"/>
-              </a:lnSpc>
-              <a:spcBef>
-                <a:spcPts val="0"/>
-              </a:spcBef>
-              <a:spcAft>
-                <a:spcPts val="0"/>
-              </a:spcAft>
-              <a:buNone/>
-            </a:pPr>
-            <a:r>
-              <a:rPr lang="en" sz="800"/>
-              <a:t>Chess Pieces Image credit: Wikipedia user Cburnett, CC BY-SA 3.0</a:t>
-            </a:r>
-            <a:endParaRPr sz="800"/>
-          </a:p>
-          <a:p>
-            <a:pPr indent="0" lvl="0" marL="0" rtl="0" algn="l">
-              <a:lnSpc>
-                <a:spcPct val="100000"/>
-              </a:lnSpc>
-              <a:spcBef>
-                <a:spcPts val="1200"/>
-              </a:spcBef>
-              <a:spcAft>
-                <a:spcPts val="1200"/>
-              </a:spcAft>
-              <a:buNone/>
-            </a:pPr>
-            <a:r>
-              <a:rPr lang="en" sz="800"/>
-              <a:t>commons.wikimedia.org/wiki/Category:PNG_chess_pieces/</a:t>
-            </a:r>
-            <a:endParaRPr sz="800"/>
-          </a:p>
-        </p:txBody>
-      </p:sp>
     </p:spTree>
   </p:cSld>
   <p:clrMapOvr>
@@ -13708,7 +14144,7 @@
   <p:cSld>
     <p:spTree>
       <p:nvGrpSpPr>
-        <p:cNvPr id="228" name="Shape 228"/>
+        <p:cNvPr id="226" name="Shape 226"/>
         <p:cNvGrpSpPr/>
         <p:nvPr/>
       </p:nvGrpSpPr>
@@ -13722,7 +14158,7 @@
       </p:grpSpPr>
       <p:sp>
         <p:nvSpPr>
-          <p:cNvPr id="229" name="Google Shape;229;p35"/>
+          <p:cNvPr id="227" name="Google Shape;227;p35"/>
           <p:cNvSpPr/>
           <p:nvPr/>
         </p:nvSpPr>
@@ -13771,7 +14207,7 @@
       </p:sp>
       <p:sp>
         <p:nvSpPr>
-          <p:cNvPr id="230" name="Google Shape;230;p35"/>
+          <p:cNvPr id="228" name="Google Shape;228;p35"/>
           <p:cNvSpPr txBox="1"/>
           <p:nvPr>
             <p:ph idx="2" type="body"/>
@@ -13822,7 +14258,7 @@
                   </a:extLst>
                 </a:hlinkClick>
               </a:rPr>
-              <a:t>UC-3.2</a:t>
+              <a:t>UC-3.0</a:t>
             </a:r>
             <a:endParaRPr sz="1200" u="sng">
               <a:solidFill>
@@ -13870,7 +14306,7 @@
                   <a:schemeClr val="dk1"/>
                 </a:solidFill>
               </a:rPr>
-              <a:t>Stepping Backward</a:t>
+              <a:t>Reviewing a Previous Game</a:t>
             </a:r>
             <a:endParaRPr sz="1200">
               <a:solidFill>
@@ -13894,7 +14330,7 @@
                   <a:schemeClr val="dk1"/>
                 </a:solidFill>
               </a:rPr>
-              <a:t>Action:</a:t>
+              <a:t>Action: </a:t>
             </a:r>
             <a:endParaRPr sz="1200">
               <a:solidFill>
@@ -13918,7 +14354,15 @@
                   <a:schemeClr val="dk1"/>
                 </a:solidFill>
               </a:rPr>
-              <a:t>The “Step Backward” button is selected.</a:t>
+              <a:t>(ref to game)</a:t>
+            </a:r>
+            <a:r>
+              <a:rPr lang="en" sz="1200">
+                <a:solidFill>
+                  <a:schemeClr val="dk1"/>
+                </a:solidFill>
+              </a:rPr>
+              <a:t> is selected</a:t>
             </a:r>
             <a:endParaRPr sz="1200">
               <a:solidFill>
@@ -13942,7 +14386,7 @@
                   <a:schemeClr val="dk1"/>
                 </a:solidFill>
               </a:rPr>
-              <a:t>Result:</a:t>
+              <a:t>Result: </a:t>
             </a:r>
             <a:endParaRPr sz="1200">
               <a:solidFill>
@@ -13966,7 +14410,7 @@
                   <a:schemeClr val="dk1"/>
                 </a:solidFill>
               </a:rPr>
-              <a:t>The board state is shown from before the last move (turn). </a:t>
+              <a:t>The user will be shown a list of possible previous games to view.</a:t>
             </a:r>
             <a:endParaRPr sz="1200">
               <a:solidFill>
@@ -13978,7 +14422,7 @@
       </p:sp>
       <p:pic>
         <p:nvPicPr>
-          <p:cNvPr id="231" name="Google Shape;231;p35"/>
+          <p:cNvPr id="229" name="Google Shape;229;p35"/>
           <p:cNvPicPr preferRelativeResize="0"/>
           <p:nvPr/>
         </p:nvPicPr>
@@ -13986,13 +14430,13 @@
           <a:blip r:embed="rId4">
             <a:alphaModFix/>
           </a:blip>
-          <a:srcRect b="0" l="26029" r="26024" t="0"/>
+          <a:srcRect b="0" l="25380" r="25375" t="0"/>
           <a:stretch/>
         </p:blipFill>
         <p:spPr>
           <a:xfrm>
-            <a:off x="771848" y="0"/>
-            <a:ext cx="4552680" cy="5143499"/>
+            <a:off x="872675" y="0"/>
+            <a:ext cx="4668480" cy="5135174"/>
           </a:xfrm>
           <a:prstGeom prst="rect">
             <a:avLst/>
@@ -14003,120 +14447,6 @@
           </a:ln>
         </p:spPr>
       </p:pic>
-      <p:cxnSp>
-        <p:nvCxnSpPr>
-          <p:cNvPr id="232" name="Google Shape;232;p35"/>
-          <p:cNvCxnSpPr/>
-          <p:nvPr/>
-        </p:nvCxnSpPr>
-        <p:spPr>
-          <a:xfrm flipH="1" rot="10800000">
-            <a:off x="3133750" y="4381975"/>
-            <a:ext cx="1067400" cy="14400"/>
-          </a:xfrm>
-          <a:prstGeom prst="straightConnector1">
-            <a:avLst/>
-          </a:prstGeom>
-          <a:noFill/>
-          <a:ln cap="flat" cmpd="sng" w="76200">
-            <a:solidFill>
-              <a:schemeClr val="dk2"/>
-            </a:solidFill>
-            <a:prstDash val="solid"/>
-            <a:round/>
-            <a:headEnd len="med" w="med" type="none"/>
-            <a:tailEnd len="med" w="med" type="triangle"/>
-          </a:ln>
-        </p:spPr>
-      </p:cxnSp>
-      <p:cxnSp>
-        <p:nvCxnSpPr>
-          <p:cNvPr id="233" name="Google Shape;233;p35"/>
-          <p:cNvCxnSpPr/>
-          <p:nvPr/>
-        </p:nvCxnSpPr>
-        <p:spPr>
-          <a:xfrm flipH="1">
-            <a:off x="1833075" y="4373125"/>
-            <a:ext cx="960000" cy="32100"/>
-          </a:xfrm>
-          <a:prstGeom prst="straightConnector1">
-            <a:avLst/>
-          </a:prstGeom>
-          <a:noFill/>
-          <a:ln cap="flat" cmpd="sng" w="76200">
-            <a:solidFill>
-              <a:schemeClr val="dk2"/>
-            </a:solidFill>
-            <a:prstDash val="solid"/>
-            <a:round/>
-            <a:headEnd len="med" w="med" type="none"/>
-            <a:tailEnd len="med" w="med" type="triangle"/>
-          </a:ln>
-        </p:spPr>
-      </p:cxnSp>
-      <p:sp>
-        <p:nvSpPr>
-          <p:cNvPr id="234" name="Google Shape;234;p35"/>
-          <p:cNvSpPr txBox="1"/>
-          <p:nvPr>
-            <p:ph idx="1" type="body"/>
-          </p:nvPr>
-        </p:nvSpPr>
-        <p:spPr>
-          <a:xfrm>
-            <a:off x="789250" y="4456975"/>
-            <a:ext cx="3682200" cy="678300"/>
-          </a:xfrm>
-          <a:prstGeom prst="rect">
-            <a:avLst/>
-          </a:prstGeom>
-        </p:spPr>
-        <p:txBody>
-          <a:bodyPr anchorCtr="0" anchor="b" bIns="91425" lIns="91425" spcFirstLastPara="1" rIns="91425" wrap="square" tIns="91425">
-            <a:normAutofit/>
-          </a:bodyPr>
-          <a:lstStyle/>
-          <a:p>
-            <a:pPr indent="0" lvl="0" marL="0" rtl="0" algn="l">
-              <a:lnSpc>
-                <a:spcPct val="100000"/>
-              </a:lnSpc>
-              <a:spcBef>
-                <a:spcPts val="0"/>
-              </a:spcBef>
-              <a:spcAft>
-                <a:spcPts val="0"/>
-              </a:spcAft>
-              <a:buNone/>
-            </a:pPr>
-            <a:r>
-              <a:rPr lang="en" sz="800"/>
-              <a:t>Chess Pieces Image credit: Wikipedia user Cburnett, CC BY-SA 3.0</a:t>
-            </a:r>
-            <a:endParaRPr sz="800"/>
-          </a:p>
-          <a:p>
-            <a:pPr indent="0" lvl="0" marL="0" rtl="0" algn="l">
-              <a:lnSpc>
-                <a:spcPct val="100000"/>
-              </a:lnSpc>
-              <a:spcBef>
-                <a:spcPts val="1200"/>
-              </a:spcBef>
-              <a:spcAft>
-                <a:spcPts val="1200"/>
-              </a:spcAft>
-              <a:buNone/>
-            </a:pPr>
-            <a:r>
-              <a:rPr lang="en" sz="800"/>
-              <a:t>commons.wikimedia.org/wiki/Category:PNG_chess_pieces/</a:t>
-            </a:r>
-            <a:endParaRPr sz="800"/>
-          </a:p>
-        </p:txBody>
-      </p:sp>
     </p:spTree>
   </p:cSld>
   <p:clrMapOvr>
@@ -14130,7 +14460,7 @@
   <p:cSld>
     <p:spTree>
       <p:nvGrpSpPr>
-        <p:cNvPr id="238" name="Shape 238"/>
+        <p:cNvPr id="233" name="Shape 233"/>
         <p:cNvGrpSpPr/>
         <p:nvPr/>
       </p:nvGrpSpPr>
@@ -14144,7 +14474,7 @@
       </p:grpSpPr>
       <p:sp>
         <p:nvSpPr>
-          <p:cNvPr id="239" name="Google Shape;239;p36"/>
+          <p:cNvPr id="234" name="Google Shape;234;p36"/>
           <p:cNvSpPr/>
           <p:nvPr/>
         </p:nvSpPr>
@@ -14193,7 +14523,7 @@
       </p:sp>
       <p:sp>
         <p:nvSpPr>
-          <p:cNvPr id="240" name="Google Shape;240;p36"/>
+          <p:cNvPr id="235" name="Google Shape;235;p36"/>
           <p:cNvSpPr txBox="1"/>
           <p:nvPr>
             <p:ph idx="2" type="body"/>
@@ -14244,7 +14574,7 @@
                   </a:extLst>
                 </a:hlinkClick>
               </a:rPr>
-              <a:t>UC-4.0</a:t>
+              <a:t>UC-3.0 </a:t>
             </a:r>
             <a:endParaRPr sz="1200" u="sng">
               <a:solidFill>
@@ -14292,7 +14622,7 @@
                   <a:schemeClr val="dk1"/>
                 </a:solidFill>
               </a:rPr>
-              <a:t>End of Game</a:t>
+              <a:t>Reviewing a Previous Game</a:t>
             </a:r>
             <a:endParaRPr sz="1200">
               <a:solidFill>
@@ -14316,7 +14646,7 @@
                   <a:schemeClr val="dk1"/>
                 </a:solidFill>
               </a:rPr>
-              <a:t>Action:</a:t>
+              <a:t>Final State:</a:t>
             </a:r>
             <a:endParaRPr sz="1200">
               <a:solidFill>
@@ -14330,7 +14660,7 @@
                 <a:spcPts val="1200"/>
               </a:spcBef>
               <a:spcAft>
-                <a:spcPts val="0"/>
+                <a:spcPts val="1200"/>
               </a:spcAft>
               <a:buNone/>
             </a:pPr>
@@ -14340,71 +14670,7 @@
                   <a:schemeClr val="dk1"/>
                 </a:solidFill>
               </a:rPr>
-              <a:t>Click the “End Game” button.  </a:t>
-            </a:r>
-            <a:endParaRPr sz="1200">
-              <a:solidFill>
-                <a:schemeClr val="dk1"/>
-              </a:solidFill>
-            </a:endParaRPr>
-          </a:p>
-          <a:p>
-            <a:pPr indent="0" lvl="0" marL="0" rtl="0" algn="l">
-              <a:spcBef>
-                <a:spcPts val="1200"/>
-              </a:spcBef>
-              <a:spcAft>
-                <a:spcPts val="0"/>
-              </a:spcAft>
-              <a:buNone/>
-            </a:pPr>
-            <a:r>
-              <a:rPr lang="en" sz="1200">
-                <a:solidFill>
-                  <a:schemeClr val="dk1"/>
-                </a:solidFill>
-              </a:rPr>
-              <a:t>Result:</a:t>
-            </a:r>
-            <a:endParaRPr sz="1200">
-              <a:solidFill>
-                <a:schemeClr val="dk1"/>
-              </a:solidFill>
-            </a:endParaRPr>
-          </a:p>
-          <a:p>
-            <a:pPr indent="0" lvl="0" marL="0" rtl="0" algn="l">
-              <a:spcBef>
-                <a:spcPts val="1200"/>
-              </a:spcBef>
-              <a:spcAft>
-                <a:spcPts val="1200"/>
-              </a:spcAft>
-              <a:buNone/>
-            </a:pPr>
-            <a:r>
-              <a:rPr lang="en" sz="1200">
-                <a:solidFill>
-                  <a:schemeClr val="dk1"/>
-                </a:solidFill>
-              </a:rPr>
-              <a:t>A pop up </a:t>
-            </a:r>
-            <a:r>
-              <a:rPr lang="en" sz="1200">
-                <a:solidFill>
-                  <a:schemeClr val="dk1"/>
-                </a:solidFill>
-              </a:rPr>
-              <a:t>appears</a:t>
-            </a:r>
-            <a:r>
-              <a:rPr lang="en" sz="1200">
-                <a:solidFill>
-                  <a:schemeClr val="dk1"/>
-                </a:solidFill>
-              </a:rPr>
-              <a:t> notifying the user that the game will be saved for replay at a future point.</a:t>
+              <a:t>The board is shown in the starting position. Buttons appear to show “Step Forward” and “Step Backward”. </a:t>
             </a:r>
             <a:endParaRPr sz="1200">
               <a:solidFill>
@@ -14416,7 +14682,1289 @@
       </p:sp>
       <p:pic>
         <p:nvPicPr>
-          <p:cNvPr id="241" name="Google Shape;241;p36"/>
+          <p:cNvPr id="236" name="Google Shape;236;p36"/>
+          <p:cNvPicPr preferRelativeResize="0"/>
+          <p:nvPr/>
+        </p:nvPicPr>
+        <p:blipFill rotWithShape="1">
+          <a:blip r:embed="rId4">
+            <a:alphaModFix/>
+          </a:blip>
+          <a:srcRect b="0" l="26029" r="26024" t="0"/>
+          <a:stretch/>
+        </p:blipFill>
+        <p:spPr>
+          <a:xfrm>
+            <a:off x="771848" y="0"/>
+            <a:ext cx="4552680" cy="5143499"/>
+          </a:xfrm>
+          <a:prstGeom prst="rect">
+            <a:avLst/>
+          </a:prstGeom>
+          <a:noFill/>
+          <a:ln>
+            <a:noFill/>
+          </a:ln>
+        </p:spPr>
+      </p:pic>
+      <p:cxnSp>
+        <p:nvCxnSpPr>
+          <p:cNvPr id="237" name="Google Shape;237;p36"/>
+          <p:cNvCxnSpPr/>
+          <p:nvPr/>
+        </p:nvCxnSpPr>
+        <p:spPr>
+          <a:xfrm flipH="1" rot="10800000">
+            <a:off x="3220025" y="4396350"/>
+            <a:ext cx="1067400" cy="14400"/>
+          </a:xfrm>
+          <a:prstGeom prst="straightConnector1">
+            <a:avLst/>
+          </a:prstGeom>
+          <a:noFill/>
+          <a:ln cap="flat" cmpd="sng" w="76200">
+            <a:solidFill>
+              <a:schemeClr val="dk2"/>
+            </a:solidFill>
+            <a:prstDash val="solid"/>
+            <a:round/>
+            <a:headEnd len="med" w="med" type="none"/>
+            <a:tailEnd len="med" w="med" type="triangle"/>
+          </a:ln>
+        </p:spPr>
+      </p:cxnSp>
+      <p:cxnSp>
+        <p:nvCxnSpPr>
+          <p:cNvPr id="238" name="Google Shape;238;p36"/>
+          <p:cNvCxnSpPr/>
+          <p:nvPr/>
+        </p:nvCxnSpPr>
+        <p:spPr>
+          <a:xfrm flipH="1">
+            <a:off x="2005600" y="4387500"/>
+            <a:ext cx="960000" cy="32100"/>
+          </a:xfrm>
+          <a:prstGeom prst="straightConnector1">
+            <a:avLst/>
+          </a:prstGeom>
+          <a:noFill/>
+          <a:ln cap="flat" cmpd="sng" w="76200">
+            <a:solidFill>
+              <a:schemeClr val="dk2"/>
+            </a:solidFill>
+            <a:prstDash val="solid"/>
+            <a:round/>
+            <a:headEnd len="med" w="med" type="none"/>
+            <a:tailEnd len="med" w="med" type="triangle"/>
+          </a:ln>
+        </p:spPr>
+      </p:cxnSp>
+      <p:sp>
+        <p:nvSpPr>
+          <p:cNvPr id="239" name="Google Shape;239;p36"/>
+          <p:cNvSpPr txBox="1"/>
+          <p:nvPr>
+            <p:ph idx="1" type="body"/>
+          </p:nvPr>
+        </p:nvSpPr>
+        <p:spPr>
+          <a:xfrm>
+            <a:off x="789250" y="4456975"/>
+            <a:ext cx="3682200" cy="678300"/>
+          </a:xfrm>
+          <a:prstGeom prst="rect">
+            <a:avLst/>
+          </a:prstGeom>
+        </p:spPr>
+        <p:txBody>
+          <a:bodyPr anchorCtr="0" anchor="b" bIns="91425" lIns="91425" spcFirstLastPara="1" rIns="91425" wrap="square" tIns="91425">
+            <a:normAutofit/>
+          </a:bodyPr>
+          <a:lstStyle/>
+          <a:p>
+            <a:pPr indent="0" lvl="0" marL="0" rtl="0" algn="l">
+              <a:lnSpc>
+                <a:spcPct val="100000"/>
+              </a:lnSpc>
+              <a:spcBef>
+                <a:spcPts val="0"/>
+              </a:spcBef>
+              <a:spcAft>
+                <a:spcPts val="0"/>
+              </a:spcAft>
+              <a:buNone/>
+            </a:pPr>
+            <a:r>
+              <a:rPr lang="en" sz="800"/>
+              <a:t>Chess Pieces Image credit: Wikipedia user Cburnett, CC BY-SA 3.0</a:t>
+            </a:r>
+            <a:endParaRPr sz="800"/>
+          </a:p>
+          <a:p>
+            <a:pPr indent="0" lvl="0" marL="0" rtl="0" algn="l">
+              <a:lnSpc>
+                <a:spcPct val="100000"/>
+              </a:lnSpc>
+              <a:spcBef>
+                <a:spcPts val="1200"/>
+              </a:spcBef>
+              <a:spcAft>
+                <a:spcPts val="1200"/>
+              </a:spcAft>
+              <a:buNone/>
+            </a:pPr>
+            <a:r>
+              <a:rPr lang="en" sz="800"/>
+              <a:t>commons.wikimedia.org/wiki/Category:PNG_chess_pieces/</a:t>
+            </a:r>
+            <a:endParaRPr sz="800"/>
+          </a:p>
+        </p:txBody>
+      </p:sp>
+    </p:spTree>
+  </p:cSld>
+  <p:clrMapOvr>
+    <a:masterClrMapping/>
+  </p:clrMapOvr>
+</p:sld>
+</file>
+
+<file path=ppt/slides/slide25.xml><?xml version="1.0" encoding="utf-8"?>
+<p:sld xmlns:a="http://schemas.openxmlformats.org/drawingml/2006/main" xmlns:r="http://schemas.openxmlformats.org/officeDocument/2006/relationships" xmlns:mc="http://schemas.openxmlformats.org/markup-compatibility/2006" xmlns:mv="urn:schemas-microsoft-com:mac:vml" xmlns:p="http://schemas.openxmlformats.org/presentationml/2006/main" xmlns:c="http://schemas.openxmlformats.org/drawingml/2006/chart" xmlns:dgm="http://schemas.openxmlformats.org/drawingml/2006/diagram" xmlns:o="urn:schemas-microsoft-com:office:office" xmlns:v="urn:schemas-microsoft-com:vml" xmlns:pvml="urn:schemas-microsoft-com:office:powerpoint" xmlns:com="http://schemas.openxmlformats.org/drawingml/2006/compatibility" xmlns:p14="http://schemas.microsoft.com/office/powerpoint/2010/main" xmlns:p15="http://schemas.microsoft.com/office/powerpoint/2012/main" xmlns:ahyp="http://schemas.microsoft.com/office/drawing/2018/hyperlinkcolor">
+  <p:cSld>
+    <p:spTree>
+      <p:nvGrpSpPr>
+        <p:cNvPr id="243" name="Shape 243"/>
+        <p:cNvGrpSpPr/>
+        <p:nvPr/>
+      </p:nvGrpSpPr>
+      <p:grpSpPr>
+        <a:xfrm>
+          <a:off x="0" y="0"/>
+          <a:ext cx="0" cy="0"/>
+          <a:chOff x="0" y="0"/>
+          <a:chExt cx="0" cy="0"/>
+        </a:xfrm>
+      </p:grpSpPr>
+      <p:sp>
+        <p:nvSpPr>
+          <p:cNvPr id="244" name="Google Shape;244;p37"/>
+          <p:cNvSpPr/>
+          <p:nvPr/>
+        </p:nvSpPr>
+        <p:spPr>
+          <a:xfrm>
+            <a:off x="6408575" y="8325"/>
+            <a:ext cx="2735400" cy="5143500"/>
+          </a:xfrm>
+          <a:prstGeom prst="rect">
+            <a:avLst/>
+          </a:prstGeom>
+          <a:solidFill>
+            <a:srgbClr val="2EE4DA"/>
+          </a:solidFill>
+          <a:ln cap="flat" cmpd="sng" w="9525">
+            <a:solidFill>
+              <a:srgbClr val="1FC5BC"/>
+            </a:solidFill>
+            <a:prstDash val="solid"/>
+            <a:round/>
+            <a:headEnd len="sm" w="sm" type="none"/>
+            <a:tailEnd len="sm" w="sm" type="none"/>
+          </a:ln>
+        </p:spPr>
+        <p:txBody>
+          <a:bodyPr anchorCtr="0" anchor="ctr" bIns="91425" lIns="91425" spcFirstLastPara="1" rIns="91425" wrap="square" tIns="91425">
+            <a:noAutofit/>
+          </a:bodyPr>
+          <a:lstStyle/>
+          <a:p>
+            <a:pPr indent="0" lvl="0" marL="0" rtl="0" algn="l">
+              <a:spcBef>
+                <a:spcPts val="0"/>
+              </a:spcBef>
+              <a:spcAft>
+                <a:spcPts val="0"/>
+              </a:spcAft>
+              <a:buNone/>
+            </a:pPr>
+            <a:r>
+              <a:t/>
+            </a:r>
+            <a:endParaRPr/>
+          </a:p>
+        </p:txBody>
+      </p:sp>
+      <p:sp>
+        <p:nvSpPr>
+          <p:cNvPr id="245" name="Google Shape;245;p37"/>
+          <p:cNvSpPr txBox="1"/>
+          <p:nvPr>
+            <p:ph idx="2" type="body"/>
+          </p:nvPr>
+        </p:nvSpPr>
+        <p:spPr>
+          <a:xfrm>
+            <a:off x="6825350" y="1152475"/>
+            <a:ext cx="2007000" cy="3416400"/>
+          </a:xfrm>
+          <a:prstGeom prst="rect">
+            <a:avLst/>
+          </a:prstGeom>
+        </p:spPr>
+        <p:txBody>
+          <a:bodyPr anchorCtr="0" anchor="t" bIns="91425" lIns="91425" spcFirstLastPara="1" rIns="91425" wrap="square" tIns="91425">
+            <a:normAutofit/>
+          </a:bodyPr>
+          <a:lstStyle/>
+          <a:p>
+            <a:pPr indent="0" lvl="0" marL="0" rtl="0" algn="l">
+              <a:spcBef>
+                <a:spcPts val="0"/>
+              </a:spcBef>
+              <a:spcAft>
+                <a:spcPts val="0"/>
+              </a:spcAft>
+              <a:buNone/>
+            </a:pPr>
+            <a:r>
+              <a:rPr lang="en" sz="1200" u="sng">
+                <a:solidFill>
+                  <a:schemeClr val="dk1"/>
+                </a:solidFill>
+              </a:rPr>
+              <a:t>Use Case -  </a:t>
+            </a:r>
+            <a:r>
+              <a:rPr lang="en" sz="1200" u="sng">
+                <a:solidFill>
+                  <a:schemeClr val="dk1"/>
+                </a:solidFill>
+                <a:hlinkClick r:id="rId3">
+                  <a:extLst>
+                    <a:ext uri="{A12FA001-AC4F-418D-AE19-62706E023703}">
+                      <ahyp:hlinkClr val="tx"/>
+                    </a:ext>
+                  </a:extLst>
+                </a:hlinkClick>
+              </a:rPr>
+              <a:t>UC-3.1</a:t>
+            </a:r>
+            <a:endParaRPr sz="1200" u="sng">
+              <a:solidFill>
+                <a:schemeClr val="dk1"/>
+              </a:solidFill>
+            </a:endParaRPr>
+          </a:p>
+          <a:p>
+            <a:pPr indent="0" lvl="0" marL="0" rtl="0" algn="l">
+              <a:spcBef>
+                <a:spcPts val="1200"/>
+              </a:spcBef>
+              <a:spcAft>
+                <a:spcPts val="0"/>
+              </a:spcAft>
+              <a:buNone/>
+            </a:pPr>
+            <a:r>
+              <a:rPr lang="en" sz="1200">
+                <a:solidFill>
+                  <a:schemeClr val="dk1"/>
+                </a:solidFill>
+              </a:rPr>
+              <a:t>Task:</a:t>
+            </a:r>
+            <a:endParaRPr sz="1200">
+              <a:solidFill>
+                <a:schemeClr val="dk1"/>
+              </a:solidFill>
+            </a:endParaRPr>
+          </a:p>
+          <a:p>
+            <a:pPr indent="0" lvl="0" marL="0" rtl="0" algn="l">
+              <a:spcBef>
+                <a:spcPts val="1200"/>
+              </a:spcBef>
+              <a:spcAft>
+                <a:spcPts val="0"/>
+              </a:spcAft>
+              <a:buNone/>
+            </a:pPr>
+            <a:r>
+              <a:rPr lang="en" sz="1200">
+                <a:solidFill>
+                  <a:schemeClr val="dk1"/>
+                </a:solidFill>
+              </a:rPr>
+              <a:t>Stepping Forward</a:t>
+            </a:r>
+            <a:endParaRPr sz="1200">
+              <a:solidFill>
+                <a:schemeClr val="dk1"/>
+              </a:solidFill>
+            </a:endParaRPr>
+          </a:p>
+          <a:p>
+            <a:pPr indent="0" lvl="0" marL="0" rtl="0" algn="l">
+              <a:spcBef>
+                <a:spcPts val="1200"/>
+              </a:spcBef>
+              <a:spcAft>
+                <a:spcPts val="0"/>
+              </a:spcAft>
+              <a:buNone/>
+            </a:pPr>
+            <a:r>
+              <a:rPr lang="en" sz="1200">
+                <a:solidFill>
+                  <a:schemeClr val="dk1"/>
+                </a:solidFill>
+              </a:rPr>
+              <a:t>Action: </a:t>
+            </a:r>
+            <a:endParaRPr sz="1200">
+              <a:solidFill>
+                <a:schemeClr val="dk1"/>
+              </a:solidFill>
+            </a:endParaRPr>
+          </a:p>
+          <a:p>
+            <a:pPr indent="0" lvl="0" marL="0" rtl="0" algn="l">
+              <a:spcBef>
+                <a:spcPts val="1200"/>
+              </a:spcBef>
+              <a:spcAft>
+                <a:spcPts val="0"/>
+              </a:spcAft>
+              <a:buNone/>
+            </a:pPr>
+            <a:r>
+              <a:rPr lang="en" sz="1200">
+                <a:solidFill>
+                  <a:schemeClr val="dk1"/>
+                </a:solidFill>
+              </a:rPr>
+              <a:t>The “Step Forward” button is selected.</a:t>
+            </a:r>
+            <a:endParaRPr sz="1200">
+              <a:solidFill>
+                <a:schemeClr val="dk1"/>
+              </a:solidFill>
+            </a:endParaRPr>
+          </a:p>
+          <a:p>
+            <a:pPr indent="0" lvl="0" marL="0" rtl="0" algn="l">
+              <a:spcBef>
+                <a:spcPts val="1200"/>
+              </a:spcBef>
+              <a:spcAft>
+                <a:spcPts val="0"/>
+              </a:spcAft>
+              <a:buNone/>
+            </a:pPr>
+            <a:r>
+              <a:rPr lang="en" sz="1200">
+                <a:solidFill>
+                  <a:schemeClr val="dk1"/>
+                </a:solidFill>
+              </a:rPr>
+              <a:t>Result:</a:t>
+            </a:r>
+            <a:endParaRPr sz="1200">
+              <a:solidFill>
+                <a:schemeClr val="dk1"/>
+              </a:solidFill>
+            </a:endParaRPr>
+          </a:p>
+          <a:p>
+            <a:pPr indent="0" lvl="0" marL="0" rtl="0" algn="l">
+              <a:spcBef>
+                <a:spcPts val="1200"/>
+              </a:spcBef>
+              <a:spcAft>
+                <a:spcPts val="1200"/>
+              </a:spcAft>
+              <a:buNone/>
+            </a:pPr>
+            <a:r>
+              <a:rPr lang="en" sz="1200">
+                <a:solidFill>
+                  <a:schemeClr val="dk1"/>
+                </a:solidFill>
+              </a:rPr>
+              <a:t>The board state is shown after the first move. </a:t>
+            </a:r>
+            <a:endParaRPr sz="1200">
+              <a:solidFill>
+                <a:schemeClr val="dk1"/>
+              </a:solidFill>
+            </a:endParaRPr>
+          </a:p>
+        </p:txBody>
+      </p:sp>
+      <p:pic>
+        <p:nvPicPr>
+          <p:cNvPr id="246" name="Google Shape;246;p37"/>
+          <p:cNvPicPr preferRelativeResize="0"/>
+          <p:nvPr/>
+        </p:nvPicPr>
+        <p:blipFill rotWithShape="1">
+          <a:blip r:embed="rId4">
+            <a:alphaModFix/>
+          </a:blip>
+          <a:srcRect b="0" l="23209" r="23214" t="0"/>
+          <a:stretch/>
+        </p:blipFill>
+        <p:spPr>
+          <a:xfrm>
+            <a:off x="709750" y="160725"/>
+            <a:ext cx="4936718" cy="4991100"/>
+          </a:xfrm>
+          <a:prstGeom prst="rect">
+            <a:avLst/>
+          </a:prstGeom>
+          <a:noFill/>
+          <a:ln>
+            <a:noFill/>
+          </a:ln>
+        </p:spPr>
+      </p:pic>
+      <p:cxnSp>
+        <p:nvCxnSpPr>
+          <p:cNvPr id="247" name="Google Shape;247;p37"/>
+          <p:cNvCxnSpPr/>
+          <p:nvPr/>
+        </p:nvCxnSpPr>
+        <p:spPr>
+          <a:xfrm flipH="1" rot="10800000">
+            <a:off x="3277550" y="4482600"/>
+            <a:ext cx="1067400" cy="14400"/>
+          </a:xfrm>
+          <a:prstGeom prst="straightConnector1">
+            <a:avLst/>
+          </a:prstGeom>
+          <a:noFill/>
+          <a:ln cap="flat" cmpd="sng" w="76200">
+            <a:solidFill>
+              <a:schemeClr val="dk2"/>
+            </a:solidFill>
+            <a:prstDash val="solid"/>
+            <a:round/>
+            <a:headEnd len="med" w="med" type="none"/>
+            <a:tailEnd len="med" w="med" type="triangle"/>
+          </a:ln>
+        </p:spPr>
+      </p:cxnSp>
+      <p:cxnSp>
+        <p:nvCxnSpPr>
+          <p:cNvPr id="248" name="Google Shape;248;p37"/>
+          <p:cNvCxnSpPr/>
+          <p:nvPr/>
+        </p:nvCxnSpPr>
+        <p:spPr>
+          <a:xfrm flipH="1">
+            <a:off x="1976825" y="4473750"/>
+            <a:ext cx="960000" cy="32100"/>
+          </a:xfrm>
+          <a:prstGeom prst="straightConnector1">
+            <a:avLst/>
+          </a:prstGeom>
+          <a:noFill/>
+          <a:ln cap="flat" cmpd="sng" w="76200">
+            <a:solidFill>
+              <a:schemeClr val="dk2"/>
+            </a:solidFill>
+            <a:prstDash val="solid"/>
+            <a:round/>
+            <a:headEnd len="med" w="med" type="none"/>
+            <a:tailEnd len="med" w="med" type="triangle"/>
+          </a:ln>
+        </p:spPr>
+      </p:cxnSp>
+      <p:sp>
+        <p:nvSpPr>
+          <p:cNvPr id="249" name="Google Shape;249;p37"/>
+          <p:cNvSpPr txBox="1"/>
+          <p:nvPr>
+            <p:ph idx="1" type="body"/>
+          </p:nvPr>
+        </p:nvSpPr>
+        <p:spPr>
+          <a:xfrm>
+            <a:off x="789250" y="4456975"/>
+            <a:ext cx="3682200" cy="678300"/>
+          </a:xfrm>
+          <a:prstGeom prst="rect">
+            <a:avLst/>
+          </a:prstGeom>
+        </p:spPr>
+        <p:txBody>
+          <a:bodyPr anchorCtr="0" anchor="b" bIns="91425" lIns="91425" spcFirstLastPara="1" rIns="91425" wrap="square" tIns="91425">
+            <a:normAutofit/>
+          </a:bodyPr>
+          <a:lstStyle/>
+          <a:p>
+            <a:pPr indent="0" lvl="0" marL="0" rtl="0" algn="l">
+              <a:lnSpc>
+                <a:spcPct val="100000"/>
+              </a:lnSpc>
+              <a:spcBef>
+                <a:spcPts val="0"/>
+              </a:spcBef>
+              <a:spcAft>
+                <a:spcPts val="0"/>
+              </a:spcAft>
+              <a:buNone/>
+            </a:pPr>
+            <a:r>
+              <a:rPr lang="en" sz="800"/>
+              <a:t>Chess Pieces Image credit: Wikipedia user Cburnett, CC BY-SA 3.0</a:t>
+            </a:r>
+            <a:endParaRPr sz="800"/>
+          </a:p>
+          <a:p>
+            <a:pPr indent="0" lvl="0" marL="0" rtl="0" algn="l">
+              <a:lnSpc>
+                <a:spcPct val="100000"/>
+              </a:lnSpc>
+              <a:spcBef>
+                <a:spcPts val="1200"/>
+              </a:spcBef>
+              <a:spcAft>
+                <a:spcPts val="1200"/>
+              </a:spcAft>
+              <a:buNone/>
+            </a:pPr>
+            <a:r>
+              <a:rPr lang="en" sz="800"/>
+              <a:t>commons.wikimedia.org/wiki/Category:PNG_chess_pieces/</a:t>
+            </a:r>
+            <a:endParaRPr sz="800"/>
+          </a:p>
+        </p:txBody>
+      </p:sp>
+    </p:spTree>
+  </p:cSld>
+  <p:clrMapOvr>
+    <a:masterClrMapping/>
+  </p:clrMapOvr>
+</p:sld>
+</file>
+
+<file path=ppt/slides/slide26.xml><?xml version="1.0" encoding="utf-8"?>
+<p:sld xmlns:a="http://schemas.openxmlformats.org/drawingml/2006/main" xmlns:r="http://schemas.openxmlformats.org/officeDocument/2006/relationships" xmlns:mc="http://schemas.openxmlformats.org/markup-compatibility/2006" xmlns:mv="urn:schemas-microsoft-com:mac:vml" xmlns:p="http://schemas.openxmlformats.org/presentationml/2006/main" xmlns:c="http://schemas.openxmlformats.org/drawingml/2006/chart" xmlns:dgm="http://schemas.openxmlformats.org/drawingml/2006/diagram" xmlns:o="urn:schemas-microsoft-com:office:office" xmlns:v="urn:schemas-microsoft-com:vml" xmlns:pvml="urn:schemas-microsoft-com:office:powerpoint" xmlns:com="http://schemas.openxmlformats.org/drawingml/2006/compatibility" xmlns:p14="http://schemas.microsoft.com/office/powerpoint/2010/main" xmlns:p15="http://schemas.microsoft.com/office/powerpoint/2012/main" xmlns:ahyp="http://schemas.microsoft.com/office/drawing/2018/hyperlinkcolor">
+  <p:cSld>
+    <p:spTree>
+      <p:nvGrpSpPr>
+        <p:cNvPr id="253" name="Shape 253"/>
+        <p:cNvGrpSpPr/>
+        <p:nvPr/>
+      </p:nvGrpSpPr>
+      <p:grpSpPr>
+        <a:xfrm>
+          <a:off x="0" y="0"/>
+          <a:ext cx="0" cy="0"/>
+          <a:chOff x="0" y="0"/>
+          <a:chExt cx="0" cy="0"/>
+        </a:xfrm>
+      </p:grpSpPr>
+      <p:sp>
+        <p:nvSpPr>
+          <p:cNvPr id="254" name="Google Shape;254;p38"/>
+          <p:cNvSpPr/>
+          <p:nvPr/>
+        </p:nvSpPr>
+        <p:spPr>
+          <a:xfrm>
+            <a:off x="6408575" y="8325"/>
+            <a:ext cx="2735400" cy="5143500"/>
+          </a:xfrm>
+          <a:prstGeom prst="rect">
+            <a:avLst/>
+          </a:prstGeom>
+          <a:solidFill>
+            <a:srgbClr val="2EE4DA"/>
+          </a:solidFill>
+          <a:ln cap="flat" cmpd="sng" w="9525">
+            <a:solidFill>
+              <a:srgbClr val="1FC5BC"/>
+            </a:solidFill>
+            <a:prstDash val="solid"/>
+            <a:round/>
+            <a:headEnd len="sm" w="sm" type="none"/>
+            <a:tailEnd len="sm" w="sm" type="none"/>
+          </a:ln>
+        </p:spPr>
+        <p:txBody>
+          <a:bodyPr anchorCtr="0" anchor="ctr" bIns="91425" lIns="91425" spcFirstLastPara="1" rIns="91425" wrap="square" tIns="91425">
+            <a:noAutofit/>
+          </a:bodyPr>
+          <a:lstStyle/>
+          <a:p>
+            <a:pPr indent="0" lvl="0" marL="0" rtl="0" algn="l">
+              <a:spcBef>
+                <a:spcPts val="0"/>
+              </a:spcBef>
+              <a:spcAft>
+                <a:spcPts val="0"/>
+              </a:spcAft>
+              <a:buNone/>
+            </a:pPr>
+            <a:r>
+              <a:t/>
+            </a:r>
+            <a:endParaRPr/>
+          </a:p>
+        </p:txBody>
+      </p:sp>
+      <p:sp>
+        <p:nvSpPr>
+          <p:cNvPr id="255" name="Google Shape;255;p38"/>
+          <p:cNvSpPr txBox="1"/>
+          <p:nvPr>
+            <p:ph idx="2" type="body"/>
+          </p:nvPr>
+        </p:nvSpPr>
+        <p:spPr>
+          <a:xfrm>
+            <a:off x="6825350" y="1152475"/>
+            <a:ext cx="2007000" cy="3416400"/>
+          </a:xfrm>
+          <a:prstGeom prst="rect">
+            <a:avLst/>
+          </a:prstGeom>
+        </p:spPr>
+        <p:txBody>
+          <a:bodyPr anchorCtr="0" anchor="t" bIns="91425" lIns="91425" spcFirstLastPara="1" rIns="91425" wrap="square" tIns="91425">
+            <a:normAutofit/>
+          </a:bodyPr>
+          <a:lstStyle/>
+          <a:p>
+            <a:pPr indent="0" lvl="0" marL="0" rtl="0" algn="l">
+              <a:spcBef>
+                <a:spcPts val="0"/>
+              </a:spcBef>
+              <a:spcAft>
+                <a:spcPts val="0"/>
+              </a:spcAft>
+              <a:buNone/>
+            </a:pPr>
+            <a:r>
+              <a:rPr lang="en" sz="1200" u="sng">
+                <a:solidFill>
+                  <a:schemeClr val="dk1"/>
+                </a:solidFill>
+              </a:rPr>
+              <a:t>Use Case -  </a:t>
+            </a:r>
+            <a:r>
+              <a:rPr lang="en" sz="1200" u="sng">
+                <a:solidFill>
+                  <a:schemeClr val="dk1"/>
+                </a:solidFill>
+                <a:hlinkClick r:id="rId3">
+                  <a:extLst>
+                    <a:ext uri="{A12FA001-AC4F-418D-AE19-62706E023703}">
+                      <ahyp:hlinkClr val="tx"/>
+                    </a:ext>
+                  </a:extLst>
+                </a:hlinkClick>
+              </a:rPr>
+              <a:t>UC-3.2</a:t>
+            </a:r>
+            <a:endParaRPr sz="1200" u="sng">
+              <a:solidFill>
+                <a:schemeClr val="dk1"/>
+              </a:solidFill>
+            </a:endParaRPr>
+          </a:p>
+          <a:p>
+            <a:pPr indent="0" lvl="0" marL="0" rtl="0" algn="l">
+              <a:spcBef>
+                <a:spcPts val="1200"/>
+              </a:spcBef>
+              <a:spcAft>
+                <a:spcPts val="0"/>
+              </a:spcAft>
+              <a:buNone/>
+            </a:pPr>
+            <a:r>
+              <a:rPr lang="en" sz="1200">
+                <a:solidFill>
+                  <a:schemeClr val="dk1"/>
+                </a:solidFill>
+              </a:rPr>
+              <a:t>Task:</a:t>
+            </a:r>
+            <a:endParaRPr sz="1200">
+              <a:solidFill>
+                <a:schemeClr val="dk1"/>
+              </a:solidFill>
+            </a:endParaRPr>
+          </a:p>
+          <a:p>
+            <a:pPr indent="0" lvl="0" marL="0" rtl="0" algn="l">
+              <a:spcBef>
+                <a:spcPts val="1200"/>
+              </a:spcBef>
+              <a:spcAft>
+                <a:spcPts val="0"/>
+              </a:spcAft>
+              <a:buNone/>
+            </a:pPr>
+            <a:r>
+              <a:rPr lang="en" sz="1200">
+                <a:solidFill>
+                  <a:schemeClr val="dk1"/>
+                </a:solidFill>
+              </a:rPr>
+              <a:t>Stepping Backward</a:t>
+            </a:r>
+            <a:endParaRPr sz="1200">
+              <a:solidFill>
+                <a:schemeClr val="dk1"/>
+              </a:solidFill>
+            </a:endParaRPr>
+          </a:p>
+          <a:p>
+            <a:pPr indent="0" lvl="0" marL="0" rtl="0" algn="l">
+              <a:spcBef>
+                <a:spcPts val="1200"/>
+              </a:spcBef>
+              <a:spcAft>
+                <a:spcPts val="0"/>
+              </a:spcAft>
+              <a:buNone/>
+            </a:pPr>
+            <a:r>
+              <a:rPr lang="en" sz="1200">
+                <a:solidFill>
+                  <a:schemeClr val="dk1"/>
+                </a:solidFill>
+              </a:rPr>
+              <a:t>Action:</a:t>
+            </a:r>
+            <a:endParaRPr sz="1200">
+              <a:solidFill>
+                <a:schemeClr val="dk1"/>
+              </a:solidFill>
+            </a:endParaRPr>
+          </a:p>
+          <a:p>
+            <a:pPr indent="0" lvl="0" marL="0" rtl="0" algn="l">
+              <a:spcBef>
+                <a:spcPts val="1200"/>
+              </a:spcBef>
+              <a:spcAft>
+                <a:spcPts val="0"/>
+              </a:spcAft>
+              <a:buNone/>
+            </a:pPr>
+            <a:r>
+              <a:rPr lang="en" sz="1200">
+                <a:solidFill>
+                  <a:schemeClr val="dk1"/>
+                </a:solidFill>
+              </a:rPr>
+              <a:t>The “Step Backward” button is selected.</a:t>
+            </a:r>
+            <a:endParaRPr sz="1200">
+              <a:solidFill>
+                <a:schemeClr val="dk1"/>
+              </a:solidFill>
+            </a:endParaRPr>
+          </a:p>
+          <a:p>
+            <a:pPr indent="0" lvl="0" marL="0" rtl="0" algn="l">
+              <a:spcBef>
+                <a:spcPts val="1200"/>
+              </a:spcBef>
+              <a:spcAft>
+                <a:spcPts val="0"/>
+              </a:spcAft>
+              <a:buNone/>
+            </a:pPr>
+            <a:r>
+              <a:rPr lang="en" sz="1200">
+                <a:solidFill>
+                  <a:schemeClr val="dk1"/>
+                </a:solidFill>
+              </a:rPr>
+              <a:t>Result:</a:t>
+            </a:r>
+            <a:endParaRPr sz="1200">
+              <a:solidFill>
+                <a:schemeClr val="dk1"/>
+              </a:solidFill>
+            </a:endParaRPr>
+          </a:p>
+          <a:p>
+            <a:pPr indent="0" lvl="0" marL="0" rtl="0" algn="l">
+              <a:spcBef>
+                <a:spcPts val="1200"/>
+              </a:spcBef>
+              <a:spcAft>
+                <a:spcPts val="1200"/>
+              </a:spcAft>
+              <a:buNone/>
+            </a:pPr>
+            <a:r>
+              <a:rPr lang="en" sz="1200">
+                <a:solidFill>
+                  <a:schemeClr val="dk1"/>
+                </a:solidFill>
+              </a:rPr>
+              <a:t>The board state is shown from before the last move (turn). </a:t>
+            </a:r>
+            <a:endParaRPr sz="1200">
+              <a:solidFill>
+                <a:schemeClr val="dk1"/>
+              </a:solidFill>
+            </a:endParaRPr>
+          </a:p>
+        </p:txBody>
+      </p:sp>
+      <p:pic>
+        <p:nvPicPr>
+          <p:cNvPr id="256" name="Google Shape;256;p38"/>
+          <p:cNvPicPr preferRelativeResize="0"/>
+          <p:nvPr/>
+        </p:nvPicPr>
+        <p:blipFill rotWithShape="1">
+          <a:blip r:embed="rId4">
+            <a:alphaModFix/>
+          </a:blip>
+          <a:srcRect b="0" l="26029" r="26024" t="0"/>
+          <a:stretch/>
+        </p:blipFill>
+        <p:spPr>
+          <a:xfrm>
+            <a:off x="771848" y="0"/>
+            <a:ext cx="4552680" cy="5143499"/>
+          </a:xfrm>
+          <a:prstGeom prst="rect">
+            <a:avLst/>
+          </a:prstGeom>
+          <a:noFill/>
+          <a:ln>
+            <a:noFill/>
+          </a:ln>
+        </p:spPr>
+      </p:pic>
+      <p:cxnSp>
+        <p:nvCxnSpPr>
+          <p:cNvPr id="257" name="Google Shape;257;p38"/>
+          <p:cNvCxnSpPr/>
+          <p:nvPr/>
+        </p:nvCxnSpPr>
+        <p:spPr>
+          <a:xfrm flipH="1" rot="10800000">
+            <a:off x="3133750" y="4381975"/>
+            <a:ext cx="1067400" cy="14400"/>
+          </a:xfrm>
+          <a:prstGeom prst="straightConnector1">
+            <a:avLst/>
+          </a:prstGeom>
+          <a:noFill/>
+          <a:ln cap="flat" cmpd="sng" w="76200">
+            <a:solidFill>
+              <a:schemeClr val="dk2"/>
+            </a:solidFill>
+            <a:prstDash val="solid"/>
+            <a:round/>
+            <a:headEnd len="med" w="med" type="none"/>
+            <a:tailEnd len="med" w="med" type="triangle"/>
+          </a:ln>
+        </p:spPr>
+      </p:cxnSp>
+      <p:cxnSp>
+        <p:nvCxnSpPr>
+          <p:cNvPr id="258" name="Google Shape;258;p38"/>
+          <p:cNvCxnSpPr/>
+          <p:nvPr/>
+        </p:nvCxnSpPr>
+        <p:spPr>
+          <a:xfrm flipH="1">
+            <a:off x="1833075" y="4373125"/>
+            <a:ext cx="960000" cy="32100"/>
+          </a:xfrm>
+          <a:prstGeom prst="straightConnector1">
+            <a:avLst/>
+          </a:prstGeom>
+          <a:noFill/>
+          <a:ln cap="flat" cmpd="sng" w="76200">
+            <a:solidFill>
+              <a:schemeClr val="dk2"/>
+            </a:solidFill>
+            <a:prstDash val="solid"/>
+            <a:round/>
+            <a:headEnd len="med" w="med" type="none"/>
+            <a:tailEnd len="med" w="med" type="triangle"/>
+          </a:ln>
+        </p:spPr>
+      </p:cxnSp>
+      <p:sp>
+        <p:nvSpPr>
+          <p:cNvPr id="259" name="Google Shape;259;p38"/>
+          <p:cNvSpPr txBox="1"/>
+          <p:nvPr>
+            <p:ph idx="1" type="body"/>
+          </p:nvPr>
+        </p:nvSpPr>
+        <p:spPr>
+          <a:xfrm>
+            <a:off x="789250" y="4456975"/>
+            <a:ext cx="3682200" cy="678300"/>
+          </a:xfrm>
+          <a:prstGeom prst="rect">
+            <a:avLst/>
+          </a:prstGeom>
+        </p:spPr>
+        <p:txBody>
+          <a:bodyPr anchorCtr="0" anchor="b" bIns="91425" lIns="91425" spcFirstLastPara="1" rIns="91425" wrap="square" tIns="91425">
+            <a:normAutofit/>
+          </a:bodyPr>
+          <a:lstStyle/>
+          <a:p>
+            <a:pPr indent="0" lvl="0" marL="0" rtl="0" algn="l">
+              <a:lnSpc>
+                <a:spcPct val="100000"/>
+              </a:lnSpc>
+              <a:spcBef>
+                <a:spcPts val="0"/>
+              </a:spcBef>
+              <a:spcAft>
+                <a:spcPts val="0"/>
+              </a:spcAft>
+              <a:buNone/>
+            </a:pPr>
+            <a:r>
+              <a:rPr lang="en" sz="800"/>
+              <a:t>Chess Pieces Image credit: Wikipedia user Cburnett, CC BY-SA 3.0</a:t>
+            </a:r>
+            <a:endParaRPr sz="800"/>
+          </a:p>
+          <a:p>
+            <a:pPr indent="0" lvl="0" marL="0" rtl="0" algn="l">
+              <a:lnSpc>
+                <a:spcPct val="100000"/>
+              </a:lnSpc>
+              <a:spcBef>
+                <a:spcPts val="1200"/>
+              </a:spcBef>
+              <a:spcAft>
+                <a:spcPts val="1200"/>
+              </a:spcAft>
+              <a:buNone/>
+            </a:pPr>
+            <a:r>
+              <a:rPr lang="en" sz="800"/>
+              <a:t>commons.wikimedia.org/wiki/Category:PNG_chess_pieces/</a:t>
+            </a:r>
+            <a:endParaRPr sz="800"/>
+          </a:p>
+        </p:txBody>
+      </p:sp>
+    </p:spTree>
+  </p:cSld>
+  <p:clrMapOvr>
+    <a:masterClrMapping/>
+  </p:clrMapOvr>
+</p:sld>
+</file>
+
+<file path=ppt/slides/slide27.xml><?xml version="1.0" encoding="utf-8"?>
+<p:sld xmlns:a="http://schemas.openxmlformats.org/drawingml/2006/main" xmlns:r="http://schemas.openxmlformats.org/officeDocument/2006/relationships" xmlns:mc="http://schemas.openxmlformats.org/markup-compatibility/2006" xmlns:mv="urn:schemas-microsoft-com:mac:vml" xmlns:p="http://schemas.openxmlformats.org/presentationml/2006/main" xmlns:c="http://schemas.openxmlformats.org/drawingml/2006/chart" xmlns:dgm="http://schemas.openxmlformats.org/drawingml/2006/diagram" xmlns:o="urn:schemas-microsoft-com:office:office" xmlns:v="urn:schemas-microsoft-com:vml" xmlns:pvml="urn:schemas-microsoft-com:office:powerpoint" xmlns:com="http://schemas.openxmlformats.org/drawingml/2006/compatibility" xmlns:p14="http://schemas.microsoft.com/office/powerpoint/2010/main" xmlns:p15="http://schemas.microsoft.com/office/powerpoint/2012/main" xmlns:ahyp="http://schemas.microsoft.com/office/drawing/2018/hyperlinkcolor">
+  <p:cSld>
+    <p:spTree>
+      <p:nvGrpSpPr>
+        <p:cNvPr id="263" name="Shape 263"/>
+        <p:cNvGrpSpPr/>
+        <p:nvPr/>
+      </p:nvGrpSpPr>
+      <p:grpSpPr>
+        <a:xfrm>
+          <a:off x="0" y="0"/>
+          <a:ext cx="0" cy="0"/>
+          <a:chOff x="0" y="0"/>
+          <a:chExt cx="0" cy="0"/>
+        </a:xfrm>
+      </p:grpSpPr>
+      <p:sp>
+        <p:nvSpPr>
+          <p:cNvPr id="264" name="Google Shape;264;p39"/>
+          <p:cNvSpPr/>
+          <p:nvPr/>
+        </p:nvSpPr>
+        <p:spPr>
+          <a:xfrm>
+            <a:off x="6408575" y="8325"/>
+            <a:ext cx="2735400" cy="5143500"/>
+          </a:xfrm>
+          <a:prstGeom prst="rect">
+            <a:avLst/>
+          </a:prstGeom>
+          <a:solidFill>
+            <a:srgbClr val="2EE4DA"/>
+          </a:solidFill>
+          <a:ln cap="flat" cmpd="sng" w="9525">
+            <a:solidFill>
+              <a:srgbClr val="1FC5BC"/>
+            </a:solidFill>
+            <a:prstDash val="solid"/>
+            <a:round/>
+            <a:headEnd len="sm" w="sm" type="none"/>
+            <a:tailEnd len="sm" w="sm" type="none"/>
+          </a:ln>
+        </p:spPr>
+        <p:txBody>
+          <a:bodyPr anchorCtr="0" anchor="ctr" bIns="91425" lIns="91425" spcFirstLastPara="1" rIns="91425" wrap="square" tIns="91425">
+            <a:noAutofit/>
+          </a:bodyPr>
+          <a:lstStyle/>
+          <a:p>
+            <a:pPr indent="0" lvl="0" marL="0" rtl="0" algn="l">
+              <a:spcBef>
+                <a:spcPts val="0"/>
+              </a:spcBef>
+              <a:spcAft>
+                <a:spcPts val="0"/>
+              </a:spcAft>
+              <a:buNone/>
+            </a:pPr>
+            <a:r>
+              <a:t/>
+            </a:r>
+            <a:endParaRPr/>
+          </a:p>
+        </p:txBody>
+      </p:sp>
+      <p:sp>
+        <p:nvSpPr>
+          <p:cNvPr id="265" name="Google Shape;265;p39"/>
+          <p:cNvSpPr txBox="1"/>
+          <p:nvPr>
+            <p:ph idx="2" type="body"/>
+          </p:nvPr>
+        </p:nvSpPr>
+        <p:spPr>
+          <a:xfrm>
+            <a:off x="6825350" y="1152475"/>
+            <a:ext cx="2007000" cy="3416400"/>
+          </a:xfrm>
+          <a:prstGeom prst="rect">
+            <a:avLst/>
+          </a:prstGeom>
+        </p:spPr>
+        <p:txBody>
+          <a:bodyPr anchorCtr="0" anchor="t" bIns="91425" lIns="91425" spcFirstLastPara="1" rIns="91425" wrap="square" tIns="91425">
+            <a:normAutofit/>
+          </a:bodyPr>
+          <a:lstStyle/>
+          <a:p>
+            <a:pPr indent="0" lvl="0" marL="0" rtl="0" algn="l">
+              <a:spcBef>
+                <a:spcPts val="0"/>
+              </a:spcBef>
+              <a:spcAft>
+                <a:spcPts val="0"/>
+              </a:spcAft>
+              <a:buNone/>
+            </a:pPr>
+            <a:r>
+              <a:rPr lang="en" sz="1200" u="sng">
+                <a:solidFill>
+                  <a:schemeClr val="dk1"/>
+                </a:solidFill>
+              </a:rPr>
+              <a:t>Use Case -  </a:t>
+            </a:r>
+            <a:r>
+              <a:rPr lang="en" sz="1200" u="sng">
+                <a:solidFill>
+                  <a:schemeClr val="dk1"/>
+                </a:solidFill>
+                <a:hlinkClick r:id="rId3">
+                  <a:extLst>
+                    <a:ext uri="{A12FA001-AC4F-418D-AE19-62706E023703}">
+                      <ahyp:hlinkClr val="tx"/>
+                    </a:ext>
+                  </a:extLst>
+                </a:hlinkClick>
+              </a:rPr>
+              <a:t>UC-4.0</a:t>
+            </a:r>
+            <a:endParaRPr sz="1200" u="sng">
+              <a:solidFill>
+                <a:schemeClr val="dk1"/>
+              </a:solidFill>
+            </a:endParaRPr>
+          </a:p>
+          <a:p>
+            <a:pPr indent="0" lvl="0" marL="0" rtl="0" algn="l">
+              <a:spcBef>
+                <a:spcPts val="1200"/>
+              </a:spcBef>
+              <a:spcAft>
+                <a:spcPts val="0"/>
+              </a:spcAft>
+              <a:buNone/>
+            </a:pPr>
+            <a:r>
+              <a:rPr lang="en" sz="1200">
+                <a:solidFill>
+                  <a:schemeClr val="dk1"/>
+                </a:solidFill>
+              </a:rPr>
+              <a:t>Task:</a:t>
+            </a:r>
+            <a:endParaRPr sz="1200">
+              <a:solidFill>
+                <a:schemeClr val="dk1"/>
+              </a:solidFill>
+            </a:endParaRPr>
+          </a:p>
+          <a:p>
+            <a:pPr indent="0" lvl="0" marL="0" rtl="0" algn="l">
+              <a:spcBef>
+                <a:spcPts val="1200"/>
+              </a:spcBef>
+              <a:spcAft>
+                <a:spcPts val="0"/>
+              </a:spcAft>
+              <a:buNone/>
+            </a:pPr>
+            <a:r>
+              <a:rPr lang="en" sz="1200">
+                <a:solidFill>
+                  <a:schemeClr val="dk1"/>
+                </a:solidFill>
+              </a:rPr>
+              <a:t>End of Game</a:t>
+            </a:r>
+            <a:endParaRPr sz="1200">
+              <a:solidFill>
+                <a:schemeClr val="dk1"/>
+              </a:solidFill>
+            </a:endParaRPr>
+          </a:p>
+          <a:p>
+            <a:pPr indent="0" lvl="0" marL="0" rtl="0" algn="l">
+              <a:spcBef>
+                <a:spcPts val="1200"/>
+              </a:spcBef>
+              <a:spcAft>
+                <a:spcPts val="0"/>
+              </a:spcAft>
+              <a:buNone/>
+            </a:pPr>
+            <a:r>
+              <a:rPr lang="en" sz="1200">
+                <a:solidFill>
+                  <a:schemeClr val="dk1"/>
+                </a:solidFill>
+              </a:rPr>
+              <a:t>Action:</a:t>
+            </a:r>
+            <a:endParaRPr sz="1200">
+              <a:solidFill>
+                <a:schemeClr val="dk1"/>
+              </a:solidFill>
+            </a:endParaRPr>
+          </a:p>
+          <a:p>
+            <a:pPr indent="0" lvl="0" marL="0" rtl="0" algn="l">
+              <a:spcBef>
+                <a:spcPts val="1200"/>
+              </a:spcBef>
+              <a:spcAft>
+                <a:spcPts val="0"/>
+              </a:spcAft>
+              <a:buNone/>
+            </a:pPr>
+            <a:r>
+              <a:rPr lang="en" sz="1200">
+                <a:solidFill>
+                  <a:schemeClr val="dk1"/>
+                </a:solidFill>
+              </a:rPr>
+              <a:t>Click the “End Game” button.  </a:t>
+            </a:r>
+            <a:endParaRPr sz="1200">
+              <a:solidFill>
+                <a:schemeClr val="dk1"/>
+              </a:solidFill>
+            </a:endParaRPr>
+          </a:p>
+          <a:p>
+            <a:pPr indent="0" lvl="0" marL="0" rtl="0" algn="l">
+              <a:spcBef>
+                <a:spcPts val="1200"/>
+              </a:spcBef>
+              <a:spcAft>
+                <a:spcPts val="0"/>
+              </a:spcAft>
+              <a:buNone/>
+            </a:pPr>
+            <a:r>
+              <a:rPr lang="en" sz="1200">
+                <a:solidFill>
+                  <a:schemeClr val="dk1"/>
+                </a:solidFill>
+              </a:rPr>
+              <a:t>Result:</a:t>
+            </a:r>
+            <a:endParaRPr sz="1200">
+              <a:solidFill>
+                <a:schemeClr val="dk1"/>
+              </a:solidFill>
+            </a:endParaRPr>
+          </a:p>
+          <a:p>
+            <a:pPr indent="0" lvl="0" marL="0" rtl="0" algn="l">
+              <a:spcBef>
+                <a:spcPts val="1200"/>
+              </a:spcBef>
+              <a:spcAft>
+                <a:spcPts val="1200"/>
+              </a:spcAft>
+              <a:buNone/>
+            </a:pPr>
+            <a:r>
+              <a:rPr lang="en" sz="1200">
+                <a:solidFill>
+                  <a:schemeClr val="dk1"/>
+                </a:solidFill>
+              </a:rPr>
+              <a:t>A pop up </a:t>
+            </a:r>
+            <a:r>
+              <a:rPr lang="en" sz="1200">
+                <a:solidFill>
+                  <a:schemeClr val="dk1"/>
+                </a:solidFill>
+              </a:rPr>
+              <a:t>appears</a:t>
+            </a:r>
+            <a:r>
+              <a:rPr lang="en" sz="1200">
+                <a:solidFill>
+                  <a:schemeClr val="dk1"/>
+                </a:solidFill>
+              </a:rPr>
+              <a:t> notifying the user that the game will be saved for replay at a future point.</a:t>
+            </a:r>
+            <a:endParaRPr sz="1200">
+              <a:solidFill>
+                <a:schemeClr val="dk1"/>
+              </a:solidFill>
+            </a:endParaRPr>
+          </a:p>
+        </p:txBody>
+      </p:sp>
+      <p:pic>
+        <p:nvPicPr>
+          <p:cNvPr id="266" name="Google Shape;266;p39"/>
           <p:cNvPicPr preferRelativeResize="0"/>
           <p:nvPr/>
         </p:nvPicPr>
@@ -14443,7 +15991,7 @@
       </p:pic>
       <p:graphicFrame>
         <p:nvGraphicFramePr>
-          <p:cNvPr id="242" name="Google Shape;242;p36"/>
+          <p:cNvPr id="267" name="Google Shape;267;p39"/>
           <p:cNvGraphicFramePr/>
           <p:nvPr/>
         </p:nvGraphicFramePr>
@@ -14456,7 +16004,7 @@
             <a:tbl>
               <a:tblPr>
                 <a:noFill/>
-                <a:tableStyleId>{863B409C-4E2C-4DB9-A848-70062EB3F0D6}</a:tableStyleId>
+                <a:tableStyleId>{EBF491F7-7131-4157-9DC3-AF058DD50FA4}</a:tableStyleId>
               </a:tblPr>
               <a:tblGrid>
                 <a:gridCol w="1771675"/>
@@ -14679,7 +16227,7 @@
       </p:graphicFrame>
       <p:sp>
         <p:nvSpPr>
-          <p:cNvPr id="243" name="Google Shape;243;p36"/>
+          <p:cNvPr id="268" name="Google Shape;268;p39"/>
           <p:cNvSpPr txBox="1"/>
           <p:nvPr>
             <p:ph idx="1" type="body"/>
@@ -14747,12 +16295,12 @@
 </p:sld>
 </file>
 
-<file path=ppt/slides/slide25.xml><?xml version="1.0" encoding="utf-8"?>
+<file path=ppt/slides/slide28.xml><?xml version="1.0" encoding="utf-8"?>
 <p:sld xmlns:a="http://schemas.openxmlformats.org/drawingml/2006/main" xmlns:r="http://schemas.openxmlformats.org/officeDocument/2006/relationships" xmlns:mc="http://schemas.openxmlformats.org/markup-compatibility/2006" xmlns:mv="urn:schemas-microsoft-com:mac:vml" xmlns:p="http://schemas.openxmlformats.org/presentationml/2006/main" xmlns:c="http://schemas.openxmlformats.org/drawingml/2006/chart" xmlns:dgm="http://schemas.openxmlformats.org/drawingml/2006/diagram" xmlns:o="urn:schemas-microsoft-com:office:office" xmlns:v="urn:schemas-microsoft-com:vml" xmlns:pvml="urn:schemas-microsoft-com:office:powerpoint" xmlns:com="http://schemas.openxmlformats.org/drawingml/2006/compatibility" xmlns:p14="http://schemas.microsoft.com/office/powerpoint/2010/main" xmlns:p15="http://schemas.microsoft.com/office/powerpoint/2012/main" xmlns:ahyp="http://schemas.microsoft.com/office/drawing/2018/hyperlinkcolor">
   <p:cSld>
     <p:spTree>
       <p:nvGrpSpPr>
-        <p:cNvPr id="247" name="Shape 247"/>
+        <p:cNvPr id="272" name="Shape 272"/>
         <p:cNvGrpSpPr/>
         <p:nvPr/>
       </p:nvGrpSpPr>
@@ -14766,7 +16314,7 @@
       </p:grpSpPr>
       <p:sp>
         <p:nvSpPr>
-          <p:cNvPr id="248" name="Google Shape;248;p37"/>
+          <p:cNvPr id="273" name="Google Shape;273;p40"/>
           <p:cNvSpPr/>
           <p:nvPr/>
         </p:nvSpPr>
@@ -14815,7 +16363,7 @@
       </p:sp>
       <p:sp>
         <p:nvSpPr>
-          <p:cNvPr id="249" name="Google Shape;249;p37"/>
+          <p:cNvPr id="274" name="Google Shape;274;p40"/>
           <p:cNvSpPr txBox="1"/>
           <p:nvPr>
             <p:ph idx="2" type="body"/>
@@ -15022,7 +16570,7 @@
       </p:sp>
       <p:pic>
         <p:nvPicPr>
-          <p:cNvPr id="250" name="Google Shape;250;p37"/>
+          <p:cNvPr id="275" name="Google Shape;275;p40"/>
           <p:cNvPicPr preferRelativeResize="0"/>
           <p:nvPr/>
         </p:nvPicPr>
@@ -15055,12 +16603,12 @@
 </p:sld>
 </file>
 
-<file path=ppt/slides/slide26.xml><?xml version="1.0" encoding="utf-8"?>
+<file path=ppt/slides/slide29.xml><?xml version="1.0" encoding="utf-8"?>
 <p:sld xmlns:a="http://schemas.openxmlformats.org/drawingml/2006/main" xmlns:r="http://schemas.openxmlformats.org/officeDocument/2006/relationships" xmlns:mc="http://schemas.openxmlformats.org/markup-compatibility/2006" xmlns:mv="urn:schemas-microsoft-com:mac:vml" xmlns:p="http://schemas.openxmlformats.org/presentationml/2006/main" xmlns:c="http://schemas.openxmlformats.org/drawingml/2006/chart" xmlns:dgm="http://schemas.openxmlformats.org/drawingml/2006/diagram" xmlns:o="urn:schemas-microsoft-com:office:office" xmlns:v="urn:schemas-microsoft-com:vml" xmlns:pvml="urn:schemas-microsoft-com:office:powerpoint" xmlns:com="http://schemas.openxmlformats.org/drawingml/2006/compatibility" xmlns:p14="http://schemas.microsoft.com/office/powerpoint/2010/main" xmlns:p15="http://schemas.microsoft.com/office/powerpoint/2012/main" xmlns:ahyp="http://schemas.microsoft.com/office/drawing/2018/hyperlinkcolor">
   <p:cSld>
     <p:spTree>
       <p:nvGrpSpPr>
-        <p:cNvPr id="254" name="Shape 254"/>
+        <p:cNvPr id="279" name="Shape 279"/>
         <p:cNvGrpSpPr/>
         <p:nvPr/>
       </p:nvGrpSpPr>
@@ -15074,7 +16622,7 @@
       </p:grpSpPr>
       <p:sp>
         <p:nvSpPr>
-          <p:cNvPr id="255" name="Google Shape;255;p38"/>
+          <p:cNvPr id="280" name="Google Shape;280;p41"/>
           <p:cNvSpPr/>
           <p:nvPr/>
         </p:nvSpPr>
@@ -15123,7 +16671,7 @@
       </p:sp>
       <p:sp>
         <p:nvSpPr>
-          <p:cNvPr id="256" name="Google Shape;256;p38"/>
+          <p:cNvPr id="281" name="Google Shape;281;p41"/>
           <p:cNvSpPr txBox="1"/>
           <p:nvPr>
             <p:ph idx="2" type="body"/>
@@ -15282,7 +16830,7 @@
       </p:sp>
       <p:pic>
         <p:nvPicPr>
-          <p:cNvPr id="257" name="Google Shape;257;p38"/>
+          <p:cNvPr id="282" name="Google Shape;282;p41"/>
           <p:cNvPicPr preferRelativeResize="0"/>
           <p:nvPr/>
         </p:nvPicPr>
@@ -15315,12 +16863,12 @@
 </p:sld>
 </file>
 
-<file path=ppt/slides/slide27.xml><?xml version="1.0" encoding="utf-8"?>
+<file path=ppt/slides/slide3.xml><?xml version="1.0" encoding="utf-8"?>
 <p:sld xmlns:a="http://schemas.openxmlformats.org/drawingml/2006/main" xmlns:r="http://schemas.openxmlformats.org/officeDocument/2006/relationships" xmlns:mc="http://schemas.openxmlformats.org/markup-compatibility/2006" xmlns:mv="urn:schemas-microsoft-com:mac:vml" xmlns:p="http://schemas.openxmlformats.org/presentationml/2006/main" xmlns:c="http://schemas.openxmlformats.org/drawingml/2006/chart" xmlns:dgm="http://schemas.openxmlformats.org/drawingml/2006/diagram" xmlns:o="urn:schemas-microsoft-com:office:office" xmlns:v="urn:schemas-microsoft-com:vml" xmlns:pvml="urn:schemas-microsoft-com:office:powerpoint" xmlns:com="http://schemas.openxmlformats.org/drawingml/2006/compatibility" xmlns:p14="http://schemas.microsoft.com/office/powerpoint/2010/main" xmlns:p15="http://schemas.microsoft.com/office/powerpoint/2012/main" xmlns:ahyp="http://schemas.microsoft.com/office/drawing/2018/hyperlinkcolor">
   <p:cSld>
     <p:spTree>
       <p:nvGrpSpPr>
-        <p:cNvPr id="261" name="Shape 261"/>
+        <p:cNvPr id="67" name="Shape 67"/>
         <p:cNvGrpSpPr/>
         <p:nvPr/>
       </p:nvGrpSpPr>
@@ -15334,7 +16882,7 @@
       </p:grpSpPr>
       <p:sp>
         <p:nvSpPr>
-          <p:cNvPr id="262" name="Google Shape;262;p39"/>
+          <p:cNvPr id="68" name="Google Shape;68;p15"/>
           <p:cNvSpPr/>
           <p:nvPr/>
         </p:nvSpPr>
@@ -15383,7 +16931,46 @@
       </p:sp>
       <p:sp>
         <p:nvSpPr>
-          <p:cNvPr id="263" name="Google Shape;263;p39"/>
+          <p:cNvPr id="69" name="Google Shape;69;p15"/>
+          <p:cNvSpPr txBox="1"/>
+          <p:nvPr>
+            <p:ph idx="1" type="body"/>
+          </p:nvPr>
+        </p:nvSpPr>
+        <p:spPr>
+          <a:xfrm>
+            <a:off x="311700" y="1152475"/>
+            <a:ext cx="6089100" cy="3416400"/>
+          </a:xfrm>
+          <a:prstGeom prst="rect">
+            <a:avLst/>
+          </a:prstGeom>
+        </p:spPr>
+        <p:txBody>
+          <a:bodyPr anchorCtr="0" anchor="t" bIns="91425" lIns="91425" spcFirstLastPara="1" rIns="91425" wrap="square" tIns="91425">
+            <a:normAutofit/>
+          </a:bodyPr>
+          <a:lstStyle/>
+          <a:p>
+            <a:pPr indent="0" lvl="0" marL="0" rtl="0" algn="l">
+              <a:spcBef>
+                <a:spcPts val="0"/>
+              </a:spcBef>
+              <a:spcAft>
+                <a:spcPts val="1200"/>
+              </a:spcAft>
+              <a:buNone/>
+            </a:pPr>
+            <a:r>
+              <a:t/>
+            </a:r>
+            <a:endParaRPr/>
+          </a:p>
+        </p:txBody>
+      </p:sp>
+      <p:sp>
+        <p:nvSpPr>
+          <p:cNvPr id="70" name="Google Shape;70;p15"/>
           <p:cNvSpPr txBox="1"/>
           <p:nvPr>
             <p:ph idx="2" type="body"/>
@@ -15400,7 +16987,7 @@
         </p:spPr>
         <p:txBody>
           <a:bodyPr anchorCtr="0" anchor="t" bIns="91425" lIns="91425" spcFirstLastPara="1" rIns="91425" wrap="square" tIns="91425">
-            <a:normAutofit lnSpcReduction="10000"/>
+            <a:normAutofit/>
           </a:bodyPr>
           <a:lstStyle/>
           <a:p>
@@ -15434,7 +17021,7 @@
                   </a:extLst>
                 </a:hlinkClick>
               </a:rPr>
-              <a:t>UC-4.2</a:t>
+              <a:t>UC-0.1</a:t>
             </a:r>
             <a:endParaRPr sz="1200" u="sng">
               <a:solidFill>
@@ -15482,7 +17069,7 @@
                   <a:schemeClr val="dk1"/>
                 </a:solidFill>
               </a:rPr>
-              <a:t>Detecting Checkmate</a:t>
+              <a:t>Starting a New Game</a:t>
             </a:r>
             <a:endParaRPr sz="1200">
               <a:solidFill>
@@ -15530,7 +17117,7 @@
                   <a:schemeClr val="dk1"/>
                 </a:solidFill>
               </a:rPr>
-              <a:t>Move the (ref to piece) to checkmate the (ref to colour) king.</a:t>
+              <a:t>Click on the New Game button</a:t>
             </a:r>
             <a:endParaRPr sz="1200">
               <a:solidFill>
@@ -15578,7 +17165,7 @@
                   <a:schemeClr val="dk1"/>
                 </a:solidFill>
               </a:rPr>
-              <a:t>The game will end and a message will be displayed to show which player has won.</a:t>
+              <a:t>The user will be prompted to enter the names of the players and respective piece colours.</a:t>
             </a:r>
             <a:endParaRPr sz="1200">
               <a:solidFill>
@@ -15590,21 +17177,22 @@
       </p:sp>
       <p:pic>
         <p:nvPicPr>
-          <p:cNvPr id="264" name="Google Shape;264;p39"/>
+          <p:cNvPr id="71" name="Google Shape;71;p15"/>
           <p:cNvPicPr preferRelativeResize="0"/>
           <p:nvPr/>
         </p:nvPicPr>
-        <p:blipFill rotWithShape="1">
+        <p:blipFill>
           <a:blip r:embed="rId4">
             <a:alphaModFix/>
           </a:blip>
-          <a:srcRect b="0" l="27041" r="27118" t="0"/>
-          <a:stretch/>
+          <a:stretch>
+            <a:fillRect/>
+          </a:stretch>
         </p:blipFill>
         <p:spPr>
           <a:xfrm>
-            <a:off x="912350" y="8325"/>
-            <a:ext cx="4352712" cy="5143499"/>
+            <a:off x="0" y="0"/>
+            <a:ext cx="6400799" cy="5143500"/>
           </a:xfrm>
           <a:prstGeom prst="rect">
             <a:avLst/>
@@ -15623,12 +17211,12 @@
 </p:sld>
 </file>
 
-<file path=ppt/slides/slide28.xml><?xml version="1.0" encoding="utf-8"?>
+<file path=ppt/slides/slide30.xml><?xml version="1.0" encoding="utf-8"?>
 <p:sld xmlns:a="http://schemas.openxmlformats.org/drawingml/2006/main" xmlns:r="http://schemas.openxmlformats.org/officeDocument/2006/relationships" xmlns:mc="http://schemas.openxmlformats.org/markup-compatibility/2006" xmlns:mv="urn:schemas-microsoft-com:mac:vml" xmlns:p="http://schemas.openxmlformats.org/presentationml/2006/main" xmlns:c="http://schemas.openxmlformats.org/drawingml/2006/chart" xmlns:dgm="http://schemas.openxmlformats.org/drawingml/2006/diagram" xmlns:o="urn:schemas-microsoft-com:office:office" xmlns:v="urn:schemas-microsoft-com:vml" xmlns:pvml="urn:schemas-microsoft-com:office:powerpoint" xmlns:com="http://schemas.openxmlformats.org/drawingml/2006/compatibility" xmlns:p14="http://schemas.microsoft.com/office/powerpoint/2010/main" xmlns:p15="http://schemas.microsoft.com/office/powerpoint/2012/main" xmlns:ahyp="http://schemas.microsoft.com/office/drawing/2018/hyperlinkcolor">
   <p:cSld>
     <p:spTree>
       <p:nvGrpSpPr>
-        <p:cNvPr id="268" name="Shape 268"/>
+        <p:cNvPr id="286" name="Shape 286"/>
         <p:cNvGrpSpPr/>
         <p:nvPr/>
       </p:nvGrpSpPr>
@@ -15642,7 +17230,7 @@
       </p:grpSpPr>
       <p:sp>
         <p:nvSpPr>
-          <p:cNvPr id="269" name="Google Shape;269;p40"/>
+          <p:cNvPr id="287" name="Google Shape;287;p42"/>
           <p:cNvSpPr/>
           <p:nvPr/>
         </p:nvSpPr>
@@ -15691,7 +17279,7 @@
       </p:sp>
       <p:sp>
         <p:nvSpPr>
-          <p:cNvPr id="270" name="Google Shape;270;p40"/>
+          <p:cNvPr id="288" name="Google Shape;288;p42"/>
           <p:cNvSpPr txBox="1"/>
           <p:nvPr>
             <p:ph idx="2" type="body"/>
@@ -15708,7 +17296,7 @@
         </p:spPr>
         <p:txBody>
           <a:bodyPr anchorCtr="0" anchor="t" bIns="91425" lIns="91425" spcFirstLastPara="1" rIns="91425" wrap="square" tIns="91425">
-            <a:normAutofit/>
+            <a:normAutofit lnSpcReduction="10000"/>
           </a:bodyPr>
           <a:lstStyle/>
           <a:p>
@@ -15838,7 +17426,7 @@
                   <a:schemeClr val="dk1"/>
                 </a:solidFill>
               </a:rPr>
-              <a:t>Close the message</a:t>
+              <a:t>Move the (ref to piece) to checkmate the (ref to colour) king.</a:t>
             </a:r>
             <a:endParaRPr sz="1200">
               <a:solidFill>
@@ -15886,7 +17474,7 @@
                   <a:schemeClr val="dk1"/>
                 </a:solidFill>
               </a:rPr>
-              <a:t>The main menu will appear.</a:t>
+              <a:t>The game will end and a message will be displayed to show which player has won.</a:t>
             </a:r>
             <a:endParaRPr sz="1200">
               <a:solidFill>
@@ -15898,7 +17486,315 @@
       </p:sp>
       <p:pic>
         <p:nvPicPr>
-          <p:cNvPr id="271" name="Google Shape;271;p40"/>
+          <p:cNvPr id="289" name="Google Shape;289;p42"/>
+          <p:cNvPicPr preferRelativeResize="0"/>
+          <p:nvPr/>
+        </p:nvPicPr>
+        <p:blipFill rotWithShape="1">
+          <a:blip r:embed="rId4">
+            <a:alphaModFix/>
+          </a:blip>
+          <a:srcRect b="0" l="27041" r="27118" t="0"/>
+          <a:stretch/>
+        </p:blipFill>
+        <p:spPr>
+          <a:xfrm>
+            <a:off x="912350" y="8325"/>
+            <a:ext cx="4352712" cy="5143499"/>
+          </a:xfrm>
+          <a:prstGeom prst="rect">
+            <a:avLst/>
+          </a:prstGeom>
+          <a:noFill/>
+          <a:ln>
+            <a:noFill/>
+          </a:ln>
+        </p:spPr>
+      </p:pic>
+    </p:spTree>
+  </p:cSld>
+  <p:clrMapOvr>
+    <a:masterClrMapping/>
+  </p:clrMapOvr>
+</p:sld>
+</file>
+
+<file path=ppt/slides/slide31.xml><?xml version="1.0" encoding="utf-8"?>
+<p:sld xmlns:a="http://schemas.openxmlformats.org/drawingml/2006/main" xmlns:r="http://schemas.openxmlformats.org/officeDocument/2006/relationships" xmlns:mc="http://schemas.openxmlformats.org/markup-compatibility/2006" xmlns:mv="urn:schemas-microsoft-com:mac:vml" xmlns:p="http://schemas.openxmlformats.org/presentationml/2006/main" xmlns:c="http://schemas.openxmlformats.org/drawingml/2006/chart" xmlns:dgm="http://schemas.openxmlformats.org/drawingml/2006/diagram" xmlns:o="urn:schemas-microsoft-com:office:office" xmlns:v="urn:schemas-microsoft-com:vml" xmlns:pvml="urn:schemas-microsoft-com:office:powerpoint" xmlns:com="http://schemas.openxmlformats.org/drawingml/2006/compatibility" xmlns:p14="http://schemas.microsoft.com/office/powerpoint/2010/main" xmlns:p15="http://schemas.microsoft.com/office/powerpoint/2012/main" xmlns:ahyp="http://schemas.microsoft.com/office/drawing/2018/hyperlinkcolor">
+  <p:cSld>
+    <p:spTree>
+      <p:nvGrpSpPr>
+        <p:cNvPr id="293" name="Shape 293"/>
+        <p:cNvGrpSpPr/>
+        <p:nvPr/>
+      </p:nvGrpSpPr>
+      <p:grpSpPr>
+        <a:xfrm>
+          <a:off x="0" y="0"/>
+          <a:ext cx="0" cy="0"/>
+          <a:chOff x="0" y="0"/>
+          <a:chExt cx="0" cy="0"/>
+        </a:xfrm>
+      </p:grpSpPr>
+      <p:sp>
+        <p:nvSpPr>
+          <p:cNvPr id="294" name="Google Shape;294;p43"/>
+          <p:cNvSpPr/>
+          <p:nvPr/>
+        </p:nvSpPr>
+        <p:spPr>
+          <a:xfrm>
+            <a:off x="6408575" y="8325"/>
+            <a:ext cx="2735400" cy="5143500"/>
+          </a:xfrm>
+          <a:prstGeom prst="rect">
+            <a:avLst/>
+          </a:prstGeom>
+          <a:solidFill>
+            <a:srgbClr val="2EE4DA"/>
+          </a:solidFill>
+          <a:ln cap="flat" cmpd="sng" w="9525">
+            <a:solidFill>
+              <a:srgbClr val="1FC5BC"/>
+            </a:solidFill>
+            <a:prstDash val="solid"/>
+            <a:round/>
+            <a:headEnd len="sm" w="sm" type="none"/>
+            <a:tailEnd len="sm" w="sm" type="none"/>
+          </a:ln>
+        </p:spPr>
+        <p:txBody>
+          <a:bodyPr anchorCtr="0" anchor="ctr" bIns="91425" lIns="91425" spcFirstLastPara="1" rIns="91425" wrap="square" tIns="91425">
+            <a:noAutofit/>
+          </a:bodyPr>
+          <a:lstStyle/>
+          <a:p>
+            <a:pPr indent="0" lvl="0" marL="0" rtl="0" algn="l">
+              <a:spcBef>
+                <a:spcPts val="0"/>
+              </a:spcBef>
+              <a:spcAft>
+                <a:spcPts val="0"/>
+              </a:spcAft>
+              <a:buNone/>
+            </a:pPr>
+            <a:r>
+              <a:t/>
+            </a:r>
+            <a:endParaRPr/>
+          </a:p>
+        </p:txBody>
+      </p:sp>
+      <p:sp>
+        <p:nvSpPr>
+          <p:cNvPr id="295" name="Google Shape;295;p43"/>
+          <p:cNvSpPr txBox="1"/>
+          <p:nvPr>
+            <p:ph idx="2" type="body"/>
+          </p:nvPr>
+        </p:nvSpPr>
+        <p:spPr>
+          <a:xfrm>
+            <a:off x="6825350" y="1152475"/>
+            <a:ext cx="2007000" cy="3416400"/>
+          </a:xfrm>
+          <a:prstGeom prst="rect">
+            <a:avLst/>
+          </a:prstGeom>
+        </p:spPr>
+        <p:txBody>
+          <a:bodyPr anchorCtr="0" anchor="t" bIns="91425" lIns="91425" spcFirstLastPara="1" rIns="91425" wrap="square" tIns="91425">
+            <a:normAutofit/>
+          </a:bodyPr>
+          <a:lstStyle/>
+          <a:p>
+            <a:pPr indent="0" lvl="0" marL="0" rtl="0" algn="l">
+              <a:spcBef>
+                <a:spcPts val="0"/>
+              </a:spcBef>
+              <a:spcAft>
+                <a:spcPts val="0"/>
+              </a:spcAft>
+              <a:buNone/>
+            </a:pPr>
+            <a:r>
+              <a:rPr lang="en" sz="1200" u="sng">
+                <a:solidFill>
+                  <a:schemeClr val="dk1"/>
+                </a:solidFill>
+              </a:rPr>
+              <a:t>Use Case -  </a:t>
+            </a:r>
+            <a:r>
+              <a:rPr lang="en" sz="1200" u="sng">
+                <a:solidFill>
+                  <a:schemeClr val="dk1"/>
+                </a:solidFill>
+                <a:hlinkClick r:id="rId3">
+                  <a:extLst>
+                    <a:ext uri="{A12FA001-AC4F-418D-AE19-62706E023703}">
+                      <ahyp:hlinkClr val="tx"/>
+                    </a:ext>
+                  </a:extLst>
+                </a:hlinkClick>
+              </a:rPr>
+              <a:t>UC-4.2</a:t>
+            </a:r>
+            <a:endParaRPr sz="1200" u="sng">
+              <a:solidFill>
+                <a:schemeClr val="dk1"/>
+              </a:solidFill>
+            </a:endParaRPr>
+          </a:p>
+          <a:p>
+            <a:pPr indent="0" lvl="0" marL="0" rtl="0" algn="l">
+              <a:spcBef>
+                <a:spcPts val="1200"/>
+              </a:spcBef>
+              <a:spcAft>
+                <a:spcPts val="0"/>
+              </a:spcAft>
+              <a:buNone/>
+            </a:pPr>
+            <a:r>
+              <a:rPr lang="en" sz="1200">
+                <a:solidFill>
+                  <a:schemeClr val="dk1"/>
+                </a:solidFill>
+              </a:rPr>
+              <a:t>Task:</a:t>
+            </a:r>
+            <a:endParaRPr sz="1200">
+              <a:solidFill>
+                <a:schemeClr val="dk1"/>
+              </a:solidFill>
+            </a:endParaRPr>
+          </a:p>
+          <a:p>
+            <a:pPr indent="0" lvl="0" marL="0" rtl="0" algn="l">
+              <a:spcBef>
+                <a:spcPts val="1200"/>
+              </a:spcBef>
+              <a:spcAft>
+                <a:spcPts val="0"/>
+              </a:spcAft>
+              <a:buNone/>
+            </a:pPr>
+            <a:r>
+              <a:rPr lang="en" sz="1200">
+                <a:solidFill>
+                  <a:schemeClr val="dk1"/>
+                </a:solidFill>
+              </a:rPr>
+              <a:t>Detecting Checkmate</a:t>
+            </a:r>
+            <a:endParaRPr sz="1200">
+              <a:solidFill>
+                <a:schemeClr val="dk1"/>
+              </a:solidFill>
+            </a:endParaRPr>
+          </a:p>
+          <a:p>
+            <a:pPr indent="0" lvl="0" marL="0" rtl="0" algn="l">
+              <a:spcBef>
+                <a:spcPts val="1200"/>
+              </a:spcBef>
+              <a:spcAft>
+                <a:spcPts val="0"/>
+              </a:spcAft>
+              <a:buNone/>
+            </a:pPr>
+            <a:r>
+              <a:rPr lang="en" sz="1200">
+                <a:solidFill>
+                  <a:schemeClr val="dk1"/>
+                </a:solidFill>
+              </a:rPr>
+              <a:t>Action:</a:t>
+            </a:r>
+            <a:endParaRPr sz="1200">
+              <a:solidFill>
+                <a:schemeClr val="dk1"/>
+              </a:solidFill>
+            </a:endParaRPr>
+          </a:p>
+          <a:p>
+            <a:pPr indent="0" lvl="0" marL="0" rtl="0" algn="l">
+              <a:spcBef>
+                <a:spcPts val="1200"/>
+              </a:spcBef>
+              <a:spcAft>
+                <a:spcPts val="0"/>
+              </a:spcAft>
+              <a:buNone/>
+            </a:pPr>
+            <a:r>
+              <a:rPr lang="en" sz="1200">
+                <a:solidFill>
+                  <a:schemeClr val="dk1"/>
+                </a:solidFill>
+              </a:rPr>
+              <a:t>Close the message</a:t>
+            </a:r>
+            <a:endParaRPr sz="1200">
+              <a:solidFill>
+                <a:schemeClr val="dk1"/>
+              </a:solidFill>
+            </a:endParaRPr>
+          </a:p>
+          <a:p>
+            <a:pPr indent="0" lvl="0" marL="0" rtl="0" algn="l">
+              <a:spcBef>
+                <a:spcPts val="1200"/>
+              </a:spcBef>
+              <a:spcAft>
+                <a:spcPts val="0"/>
+              </a:spcAft>
+              <a:buNone/>
+            </a:pPr>
+            <a:r>
+              <a:rPr lang="en" sz="1200">
+                <a:solidFill>
+                  <a:schemeClr val="dk1"/>
+                </a:solidFill>
+              </a:rPr>
+              <a:t>Result:</a:t>
+            </a:r>
+            <a:endParaRPr sz="1200">
+              <a:solidFill>
+                <a:schemeClr val="dk1"/>
+              </a:solidFill>
+            </a:endParaRPr>
+          </a:p>
+          <a:p>
+            <a:pPr indent="0" lvl="0" marL="0" rtl="0" algn="l">
+              <a:spcBef>
+                <a:spcPts val="1200"/>
+              </a:spcBef>
+              <a:spcAft>
+                <a:spcPts val="1200"/>
+              </a:spcAft>
+              <a:buNone/>
+            </a:pPr>
+            <a:r>
+              <a:rPr lang="en" sz="1200">
+                <a:solidFill>
+                  <a:schemeClr val="dk1"/>
+                </a:solidFill>
+              </a:rPr>
+              <a:t>The main menu will appear.</a:t>
+            </a:r>
+            <a:endParaRPr sz="1200">
+              <a:solidFill>
+                <a:schemeClr val="dk1"/>
+              </a:solidFill>
+            </a:endParaRPr>
+          </a:p>
+        </p:txBody>
+      </p:sp>
+      <p:pic>
+        <p:nvPicPr>
+          <p:cNvPr id="296" name="Google Shape;296;p43"/>
           <p:cNvPicPr preferRelativeResize="0"/>
           <p:nvPr/>
         </p:nvPicPr>
@@ -15925,7 +17821,7 @@
       </p:pic>
       <p:graphicFrame>
         <p:nvGraphicFramePr>
-          <p:cNvPr id="272" name="Google Shape;272;p40"/>
+          <p:cNvPr id="297" name="Google Shape;297;p43"/>
           <p:cNvGraphicFramePr/>
           <p:nvPr/>
         </p:nvGraphicFramePr>
@@ -15938,7 +17834,7 @@
             <a:tbl>
               <a:tblPr>
                 <a:noFill/>
-                <a:tableStyleId>{863B409C-4E2C-4DB9-A848-70062EB3F0D6}</a:tableStyleId>
+                <a:tableStyleId>{EBF491F7-7131-4157-9DC3-AF058DD50FA4}</a:tableStyleId>
               </a:tblPr>
               <a:tblGrid>
                 <a:gridCol w="1771675"/>
@@ -16167,12 +18063,12 @@
 </p:sld>
 </file>
 
-<file path=ppt/slides/slide29.xml><?xml version="1.0" encoding="utf-8"?>
+<file path=ppt/slides/slide32.xml><?xml version="1.0" encoding="utf-8"?>
 <p:sld xmlns:a="http://schemas.openxmlformats.org/drawingml/2006/main" xmlns:r="http://schemas.openxmlformats.org/officeDocument/2006/relationships" xmlns:mc="http://schemas.openxmlformats.org/markup-compatibility/2006" xmlns:mv="urn:schemas-microsoft-com:mac:vml" xmlns:p="http://schemas.openxmlformats.org/presentationml/2006/main" xmlns:c="http://schemas.openxmlformats.org/drawingml/2006/chart" xmlns:dgm="http://schemas.openxmlformats.org/drawingml/2006/diagram" xmlns:o="urn:schemas-microsoft-com:office:office" xmlns:v="urn:schemas-microsoft-com:vml" xmlns:pvml="urn:schemas-microsoft-com:office:powerpoint" xmlns:com="http://schemas.openxmlformats.org/drawingml/2006/compatibility" xmlns:p14="http://schemas.microsoft.com/office/powerpoint/2010/main" xmlns:p15="http://schemas.microsoft.com/office/powerpoint/2012/main" xmlns:ahyp="http://schemas.microsoft.com/office/drawing/2018/hyperlinkcolor">
   <p:cSld>
     <p:spTree>
       <p:nvGrpSpPr>
-        <p:cNvPr id="276" name="Shape 276"/>
+        <p:cNvPr id="301" name="Shape 301"/>
         <p:cNvGrpSpPr/>
         <p:nvPr/>
       </p:nvGrpSpPr>
@@ -16186,7 +18082,7 @@
       </p:grpSpPr>
       <p:sp>
         <p:nvSpPr>
-          <p:cNvPr id="277" name="Google Shape;277;p41"/>
+          <p:cNvPr id="302" name="Google Shape;302;p44"/>
           <p:cNvSpPr/>
           <p:nvPr/>
         </p:nvSpPr>
@@ -16235,7 +18131,7 @@
       </p:sp>
       <p:sp>
         <p:nvSpPr>
-          <p:cNvPr id="278" name="Google Shape;278;p41"/>
+          <p:cNvPr id="303" name="Google Shape;303;p44"/>
           <p:cNvSpPr txBox="1"/>
           <p:nvPr>
             <p:ph idx="1" type="body"/>
@@ -16274,7 +18170,7 @@
       </p:sp>
       <p:sp>
         <p:nvSpPr>
-          <p:cNvPr id="279" name="Google Shape;279;p41"/>
+          <p:cNvPr id="304" name="Google Shape;304;p44"/>
           <p:cNvSpPr txBox="1"/>
           <p:nvPr>
             <p:ph idx="2" type="body"/>
@@ -16433,7 +18329,7 @@
       </p:sp>
       <p:pic>
         <p:nvPicPr>
-          <p:cNvPr id="280" name="Google Shape;280;p41"/>
+          <p:cNvPr id="305" name="Google Shape;305;p44"/>
           <p:cNvPicPr preferRelativeResize="0"/>
           <p:nvPr/>
         </p:nvPicPr>
@@ -16467,12 +18363,12 @@
 </p:sld>
 </file>
 
-<file path=ppt/slides/slide3.xml><?xml version="1.0" encoding="utf-8"?>
+<file path=ppt/slides/slide33.xml><?xml version="1.0" encoding="utf-8"?>
 <p:sld xmlns:a="http://schemas.openxmlformats.org/drawingml/2006/main" xmlns:r="http://schemas.openxmlformats.org/officeDocument/2006/relationships" xmlns:mc="http://schemas.openxmlformats.org/markup-compatibility/2006" xmlns:mv="urn:schemas-microsoft-com:mac:vml" xmlns:p="http://schemas.openxmlformats.org/presentationml/2006/main" xmlns:c="http://schemas.openxmlformats.org/drawingml/2006/chart" xmlns:dgm="http://schemas.openxmlformats.org/drawingml/2006/diagram" xmlns:o="urn:schemas-microsoft-com:office:office" xmlns:v="urn:schemas-microsoft-com:vml" xmlns:pvml="urn:schemas-microsoft-com:office:powerpoint" xmlns:com="http://schemas.openxmlformats.org/drawingml/2006/compatibility" xmlns:p14="http://schemas.microsoft.com/office/powerpoint/2010/main" xmlns:p15="http://schemas.microsoft.com/office/powerpoint/2012/main" xmlns:ahyp="http://schemas.microsoft.com/office/drawing/2018/hyperlinkcolor">
   <p:cSld>
     <p:spTree>
       <p:nvGrpSpPr>
-        <p:cNvPr id="67" name="Shape 67"/>
+        <p:cNvPr id="309" name="Shape 309"/>
         <p:cNvGrpSpPr/>
         <p:nvPr/>
       </p:nvGrpSpPr>
@@ -16486,355 +18382,7 @@
       </p:grpSpPr>
       <p:sp>
         <p:nvSpPr>
-          <p:cNvPr id="68" name="Google Shape;68;p15"/>
-          <p:cNvSpPr/>
-          <p:nvPr/>
-        </p:nvSpPr>
-        <p:spPr>
-          <a:xfrm>
-            <a:off x="6408575" y="8325"/>
-            <a:ext cx="2735400" cy="5143500"/>
-          </a:xfrm>
-          <a:prstGeom prst="rect">
-            <a:avLst/>
-          </a:prstGeom>
-          <a:solidFill>
-            <a:srgbClr val="2EE4DA"/>
-          </a:solidFill>
-          <a:ln cap="flat" cmpd="sng" w="9525">
-            <a:solidFill>
-              <a:srgbClr val="1FC5BC"/>
-            </a:solidFill>
-            <a:prstDash val="solid"/>
-            <a:round/>
-            <a:headEnd len="sm" w="sm" type="none"/>
-            <a:tailEnd len="sm" w="sm" type="none"/>
-          </a:ln>
-        </p:spPr>
-        <p:txBody>
-          <a:bodyPr anchorCtr="0" anchor="ctr" bIns="91425" lIns="91425" spcFirstLastPara="1" rIns="91425" wrap="square" tIns="91425">
-            <a:noAutofit/>
-          </a:bodyPr>
-          <a:lstStyle/>
-          <a:p>
-            <a:pPr indent="0" lvl="0" marL="0" rtl="0" algn="l">
-              <a:spcBef>
-                <a:spcPts val="0"/>
-              </a:spcBef>
-              <a:spcAft>
-                <a:spcPts val="0"/>
-              </a:spcAft>
-              <a:buNone/>
-            </a:pPr>
-            <a:r>
-              <a:t/>
-            </a:r>
-            <a:endParaRPr/>
-          </a:p>
-        </p:txBody>
-      </p:sp>
-      <p:sp>
-        <p:nvSpPr>
-          <p:cNvPr id="69" name="Google Shape;69;p15"/>
-          <p:cNvSpPr txBox="1"/>
-          <p:nvPr>
-            <p:ph idx="1" type="body"/>
-          </p:nvPr>
-        </p:nvSpPr>
-        <p:spPr>
-          <a:xfrm>
-            <a:off x="311700" y="1152475"/>
-            <a:ext cx="6089100" cy="3416400"/>
-          </a:xfrm>
-          <a:prstGeom prst="rect">
-            <a:avLst/>
-          </a:prstGeom>
-        </p:spPr>
-        <p:txBody>
-          <a:bodyPr anchorCtr="0" anchor="t" bIns="91425" lIns="91425" spcFirstLastPara="1" rIns="91425" wrap="square" tIns="91425">
-            <a:normAutofit/>
-          </a:bodyPr>
-          <a:lstStyle/>
-          <a:p>
-            <a:pPr indent="0" lvl="0" marL="0" rtl="0" algn="l">
-              <a:spcBef>
-                <a:spcPts val="0"/>
-              </a:spcBef>
-              <a:spcAft>
-                <a:spcPts val="1200"/>
-              </a:spcAft>
-              <a:buNone/>
-            </a:pPr>
-            <a:r>
-              <a:t/>
-            </a:r>
-            <a:endParaRPr/>
-          </a:p>
-        </p:txBody>
-      </p:sp>
-      <p:sp>
-        <p:nvSpPr>
-          <p:cNvPr id="70" name="Google Shape;70;p15"/>
-          <p:cNvSpPr txBox="1"/>
-          <p:nvPr>
-            <p:ph idx="2" type="body"/>
-          </p:nvPr>
-        </p:nvSpPr>
-        <p:spPr>
-          <a:xfrm>
-            <a:off x="6825350" y="1152475"/>
-            <a:ext cx="2007000" cy="3416400"/>
-          </a:xfrm>
-          <a:prstGeom prst="rect">
-            <a:avLst/>
-          </a:prstGeom>
-        </p:spPr>
-        <p:txBody>
-          <a:bodyPr anchorCtr="0" anchor="t" bIns="91425" lIns="91425" spcFirstLastPara="1" rIns="91425" wrap="square" tIns="91425">
-            <a:normAutofit/>
-          </a:bodyPr>
-          <a:lstStyle/>
-          <a:p>
-            <a:pPr indent="0" lvl="0" marL="0" rtl="0" algn="l">
-              <a:spcBef>
-                <a:spcPts val="0"/>
-              </a:spcBef>
-              <a:spcAft>
-                <a:spcPts val="0"/>
-              </a:spcAft>
-              <a:buNone/>
-            </a:pPr>
-            <a:r>
-              <a:rPr lang="en" sz="1200" u="sng">
-                <a:solidFill>
-                  <a:schemeClr val="dk1"/>
-                </a:solidFill>
-              </a:rPr>
-              <a:t>Use Case -  </a:t>
-            </a:r>
-            <a:r>
-              <a:rPr lang="en" sz="1200" u="sng">
-                <a:solidFill>
-                  <a:schemeClr val="dk1"/>
-                </a:solidFill>
-                <a:hlinkClick r:id="rId3">
-                  <a:extLst>
-                    <a:ext uri="{A12FA001-AC4F-418D-AE19-62706E023703}">
-                      <ahyp:hlinkClr val="tx"/>
-                    </a:ext>
-                  </a:extLst>
-                </a:hlinkClick>
-              </a:rPr>
-              <a:t>UC-0.1</a:t>
-            </a:r>
-            <a:endParaRPr sz="1200" u="sng">
-              <a:solidFill>
-                <a:schemeClr val="dk1"/>
-              </a:solidFill>
-            </a:endParaRPr>
-          </a:p>
-          <a:p>
-            <a:pPr indent="0" lvl="0" marL="0" rtl="0" algn="l">
-              <a:spcBef>
-                <a:spcPts val="1200"/>
-              </a:spcBef>
-              <a:spcAft>
-                <a:spcPts val="0"/>
-              </a:spcAft>
-              <a:buNone/>
-            </a:pPr>
-            <a:r>
-              <a:rPr lang="en" sz="1200">
-                <a:solidFill>
-                  <a:schemeClr val="dk1"/>
-                </a:solidFill>
-              </a:rPr>
-              <a:t>Task:</a:t>
-            </a:r>
-            <a:endParaRPr sz="1200">
-              <a:solidFill>
-                <a:schemeClr val="dk1"/>
-              </a:solidFill>
-            </a:endParaRPr>
-          </a:p>
-          <a:p>
-            <a:pPr indent="0" lvl="0" marL="0" rtl="0" algn="l">
-              <a:spcBef>
-                <a:spcPts val="1200"/>
-              </a:spcBef>
-              <a:spcAft>
-                <a:spcPts val="0"/>
-              </a:spcAft>
-              <a:buNone/>
-            </a:pPr>
-            <a:r>
-              <a:rPr lang="en" sz="1200">
-                <a:solidFill>
-                  <a:schemeClr val="dk1"/>
-                </a:solidFill>
-              </a:rPr>
-              <a:t>Starting a New Game</a:t>
-            </a:r>
-            <a:endParaRPr sz="1200">
-              <a:solidFill>
-                <a:schemeClr val="dk1"/>
-              </a:solidFill>
-            </a:endParaRPr>
-          </a:p>
-          <a:p>
-            <a:pPr indent="0" lvl="0" marL="0" rtl="0" algn="l">
-              <a:spcBef>
-                <a:spcPts val="1200"/>
-              </a:spcBef>
-              <a:spcAft>
-                <a:spcPts val="0"/>
-              </a:spcAft>
-              <a:buNone/>
-            </a:pPr>
-            <a:r>
-              <a:rPr lang="en" sz="1200">
-                <a:solidFill>
-                  <a:schemeClr val="dk1"/>
-                </a:solidFill>
-              </a:rPr>
-              <a:t>Action:</a:t>
-            </a:r>
-            <a:endParaRPr sz="1200">
-              <a:solidFill>
-                <a:schemeClr val="dk1"/>
-              </a:solidFill>
-            </a:endParaRPr>
-          </a:p>
-          <a:p>
-            <a:pPr indent="0" lvl="0" marL="0" rtl="0" algn="l">
-              <a:spcBef>
-                <a:spcPts val="1200"/>
-              </a:spcBef>
-              <a:spcAft>
-                <a:spcPts val="0"/>
-              </a:spcAft>
-              <a:buNone/>
-            </a:pPr>
-            <a:r>
-              <a:rPr lang="en" sz="1200">
-                <a:solidFill>
-                  <a:schemeClr val="dk1"/>
-                </a:solidFill>
-              </a:rPr>
-              <a:t>Click on the New Game button</a:t>
-            </a:r>
-            <a:endParaRPr sz="1200">
-              <a:solidFill>
-                <a:schemeClr val="dk1"/>
-              </a:solidFill>
-            </a:endParaRPr>
-          </a:p>
-          <a:p>
-            <a:pPr indent="0" lvl="0" marL="0" rtl="0" algn="l">
-              <a:spcBef>
-                <a:spcPts val="1200"/>
-              </a:spcBef>
-              <a:spcAft>
-                <a:spcPts val="0"/>
-              </a:spcAft>
-              <a:buNone/>
-            </a:pPr>
-            <a:r>
-              <a:rPr lang="en" sz="1200">
-                <a:solidFill>
-                  <a:schemeClr val="dk1"/>
-                </a:solidFill>
-              </a:rPr>
-              <a:t>Result:</a:t>
-            </a:r>
-            <a:endParaRPr sz="1200">
-              <a:solidFill>
-                <a:schemeClr val="dk1"/>
-              </a:solidFill>
-            </a:endParaRPr>
-          </a:p>
-          <a:p>
-            <a:pPr indent="0" lvl="0" marL="0" rtl="0" algn="l">
-              <a:spcBef>
-                <a:spcPts val="1200"/>
-              </a:spcBef>
-              <a:spcAft>
-                <a:spcPts val="1200"/>
-              </a:spcAft>
-              <a:buNone/>
-            </a:pPr>
-            <a:r>
-              <a:rPr lang="en" sz="1200">
-                <a:solidFill>
-                  <a:schemeClr val="dk1"/>
-                </a:solidFill>
-              </a:rPr>
-              <a:t>The user will be prompted to enter the names of the players.</a:t>
-            </a:r>
-            <a:endParaRPr sz="1200">
-              <a:solidFill>
-                <a:schemeClr val="dk1"/>
-              </a:solidFill>
-            </a:endParaRPr>
-          </a:p>
-        </p:txBody>
-      </p:sp>
-      <p:pic>
-        <p:nvPicPr>
-          <p:cNvPr id="71" name="Google Shape;71;p15"/>
-          <p:cNvPicPr preferRelativeResize="0"/>
-          <p:nvPr/>
-        </p:nvPicPr>
-        <p:blipFill>
-          <a:blip r:embed="rId4">
-            <a:alphaModFix/>
-          </a:blip>
-          <a:stretch>
-            <a:fillRect/>
-          </a:stretch>
-        </p:blipFill>
-        <p:spPr>
-          <a:xfrm>
-            <a:off x="0" y="0"/>
-            <a:ext cx="6400799" cy="5143500"/>
-          </a:xfrm>
-          <a:prstGeom prst="rect">
-            <a:avLst/>
-          </a:prstGeom>
-          <a:noFill/>
-          <a:ln>
-            <a:noFill/>
-          </a:ln>
-        </p:spPr>
-      </p:pic>
-    </p:spTree>
-  </p:cSld>
-  <p:clrMapOvr>
-    <a:masterClrMapping/>
-  </p:clrMapOvr>
-</p:sld>
-</file>
-
-<file path=ppt/slides/slide30.xml><?xml version="1.0" encoding="utf-8"?>
-<p:sld xmlns:a="http://schemas.openxmlformats.org/drawingml/2006/main" xmlns:r="http://schemas.openxmlformats.org/officeDocument/2006/relationships" xmlns:mc="http://schemas.openxmlformats.org/markup-compatibility/2006" xmlns:mv="urn:schemas-microsoft-com:mac:vml" xmlns:p="http://schemas.openxmlformats.org/presentationml/2006/main" xmlns:c="http://schemas.openxmlformats.org/drawingml/2006/chart" xmlns:dgm="http://schemas.openxmlformats.org/drawingml/2006/diagram" xmlns:o="urn:schemas-microsoft-com:office:office" xmlns:v="urn:schemas-microsoft-com:vml" xmlns:pvml="urn:schemas-microsoft-com:office:powerpoint" xmlns:com="http://schemas.openxmlformats.org/drawingml/2006/compatibility" xmlns:p14="http://schemas.microsoft.com/office/powerpoint/2010/main" xmlns:p15="http://schemas.microsoft.com/office/powerpoint/2012/main" xmlns:ahyp="http://schemas.microsoft.com/office/drawing/2018/hyperlinkcolor">
-  <p:cSld>
-    <p:spTree>
-      <p:nvGrpSpPr>
-        <p:cNvPr id="284" name="Shape 284"/>
-        <p:cNvGrpSpPr/>
-        <p:nvPr/>
-      </p:nvGrpSpPr>
-      <p:grpSpPr>
-        <a:xfrm>
-          <a:off x="0" y="0"/>
-          <a:ext cx="0" cy="0"/>
-          <a:chOff x="0" y="0"/>
-          <a:chExt cx="0" cy="0"/>
-        </a:xfrm>
-      </p:grpSpPr>
-      <p:sp>
-        <p:nvSpPr>
-          <p:cNvPr id="285" name="Google Shape;285;p42"/>
+          <p:cNvPr id="310" name="Google Shape;310;p45"/>
           <p:cNvSpPr txBox="1"/>
           <p:nvPr>
             <p:ph idx="1" type="body"/>
@@ -17330,7 +18878,7 @@
         </p:spPr>
         <p:txBody>
           <a:bodyPr anchorCtr="0" anchor="t" bIns="91425" lIns="91425" spcFirstLastPara="1" rIns="91425" wrap="square" tIns="91425">
-            <a:normAutofit/>
+            <a:normAutofit lnSpcReduction="10000"/>
           </a:bodyPr>
           <a:lstStyle/>
           <a:p>
@@ -17460,7 +19008,7 @@
                   <a:schemeClr val="dk1"/>
                 </a:solidFill>
               </a:rPr>
-              <a:t>The board, pieces and other game features are displayed. The game is ready to start. </a:t>
+              <a:t>The board, pieces and other game features are displayed. White pieces are at the bottom of the screen and black pieces are at the top. The game is ready to start. </a:t>
             </a:r>
             <a:endParaRPr sz="1200">
               <a:solidFill>
@@ -18879,7 +20427,7 @@
                   <a:schemeClr val="dk1"/>
                 </a:solidFill>
               </a:rPr>
-              <a:t>The selected piece is highlighted.</a:t>
+              <a:t>The square of the selected piece is highlighted.</a:t>
             </a:r>
             <a:endParaRPr sz="1200">
               <a:solidFill>

--- a/docs/ui_spec/UI-Spec-Pres-GP9.pptx
+++ b/docs/ui_spec/UI-Spec-Pres-GP9.pptx
@@ -2,45 +2,43 @@
 <file path=ppt/presentation.xml><?xml version="1.0" encoding="utf-8"?>
 <p:presentation xmlns:a="http://schemas.openxmlformats.org/drawingml/2006/main" xmlns:r="http://schemas.openxmlformats.org/officeDocument/2006/relationships" xmlns:mc="http://schemas.openxmlformats.org/markup-compatibility/2006" xmlns:mv="urn:schemas-microsoft-com:mac:vml" xmlns:p="http://schemas.openxmlformats.org/presentationml/2006/main" xmlns:c="http://schemas.openxmlformats.org/drawingml/2006/chart" xmlns:dgm="http://schemas.openxmlformats.org/drawingml/2006/diagram" xmlns:o="urn:schemas-microsoft-com:office:office" xmlns:v="urn:schemas-microsoft-com:vml" xmlns:pvml="urn:schemas-microsoft-com:office:powerpoint" xmlns:com="http://schemas.openxmlformats.org/drawingml/2006/compatibility" xmlns:p14="http://schemas.microsoft.com/office/powerpoint/2010/main" xmlns:p15="http://schemas.microsoft.com/office/powerpoint/2012/main" xmlns:ahyp="http://schemas.microsoft.com/office/drawing/2018/hyperlinkcolor" autoCompressPictures="0" strictFirstAndLastChars="0" saveSubsetFonts="1">
   <p:sldMasterIdLst>
-    <p:sldMasterId id="2147483659" r:id="rId5"/>
+    <p:sldMasterId id="2147483659" r:id="rId4"/>
   </p:sldMasterIdLst>
   <p:notesMasterIdLst>
-    <p:notesMasterId r:id="rId6"/>
+    <p:notesMasterId r:id="rId5"/>
   </p:notesMasterIdLst>
   <p:sldIdLst>
-    <p:sldId id="256" r:id="rId7"/>
-    <p:sldId id="257" r:id="rId8"/>
-    <p:sldId id="258" r:id="rId9"/>
-    <p:sldId id="259" r:id="rId10"/>
-    <p:sldId id="260" r:id="rId11"/>
-    <p:sldId id="261" r:id="rId12"/>
-    <p:sldId id="262" r:id="rId13"/>
-    <p:sldId id="263" r:id="rId14"/>
-    <p:sldId id="264" r:id="rId15"/>
-    <p:sldId id="265" r:id="rId16"/>
-    <p:sldId id="266" r:id="rId17"/>
-    <p:sldId id="267" r:id="rId18"/>
-    <p:sldId id="268" r:id="rId19"/>
-    <p:sldId id="269" r:id="rId20"/>
-    <p:sldId id="270" r:id="rId21"/>
-    <p:sldId id="271" r:id="rId22"/>
-    <p:sldId id="272" r:id="rId23"/>
-    <p:sldId id="273" r:id="rId24"/>
-    <p:sldId id="274" r:id="rId25"/>
-    <p:sldId id="275" r:id="rId26"/>
-    <p:sldId id="276" r:id="rId27"/>
-    <p:sldId id="277" r:id="rId28"/>
-    <p:sldId id="278" r:id="rId29"/>
-    <p:sldId id="279" r:id="rId30"/>
-    <p:sldId id="280" r:id="rId31"/>
-    <p:sldId id="281" r:id="rId32"/>
-    <p:sldId id="282" r:id="rId33"/>
-    <p:sldId id="283" r:id="rId34"/>
-    <p:sldId id="284" r:id="rId35"/>
-    <p:sldId id="285" r:id="rId36"/>
-    <p:sldId id="286" r:id="rId37"/>
-    <p:sldId id="287" r:id="rId38"/>
-    <p:sldId id="288" r:id="rId39"/>
+    <p:sldId id="256" r:id="rId6"/>
+    <p:sldId id="257" r:id="rId7"/>
+    <p:sldId id="258" r:id="rId8"/>
+    <p:sldId id="259" r:id="rId9"/>
+    <p:sldId id="260" r:id="rId10"/>
+    <p:sldId id="261" r:id="rId11"/>
+    <p:sldId id="262" r:id="rId12"/>
+    <p:sldId id="263" r:id="rId13"/>
+    <p:sldId id="264" r:id="rId14"/>
+    <p:sldId id="265" r:id="rId15"/>
+    <p:sldId id="266" r:id="rId16"/>
+    <p:sldId id="267" r:id="rId17"/>
+    <p:sldId id="268" r:id="rId18"/>
+    <p:sldId id="269" r:id="rId19"/>
+    <p:sldId id="270" r:id="rId20"/>
+    <p:sldId id="271" r:id="rId21"/>
+    <p:sldId id="272" r:id="rId22"/>
+    <p:sldId id="273" r:id="rId23"/>
+    <p:sldId id="274" r:id="rId24"/>
+    <p:sldId id="275" r:id="rId25"/>
+    <p:sldId id="276" r:id="rId26"/>
+    <p:sldId id="277" r:id="rId27"/>
+    <p:sldId id="278" r:id="rId28"/>
+    <p:sldId id="279" r:id="rId29"/>
+    <p:sldId id="280" r:id="rId30"/>
+    <p:sldId id="281" r:id="rId31"/>
+    <p:sldId id="282" r:id="rId32"/>
+    <p:sldId id="283" r:id="rId33"/>
+    <p:sldId id="284" r:id="rId34"/>
+    <p:sldId id="285" r:id="rId35"/>
+    <p:sldId id="286" r:id="rId36"/>
   </p:sldIdLst>
   <p:sldSz cy="5143500" cx="9144000"/>
   <p:notesSz cx="6858000" cy="9144000"/>
@@ -822,7 +820,7 @@
   <p:cSld>
     <p:spTree>
       <p:nvGrpSpPr>
-        <p:cNvPr id="119" name="Shape 119"/>
+        <p:cNvPr id="116" name="Shape 116"/>
         <p:cNvGrpSpPr/>
         <p:nvPr/>
       </p:nvGrpSpPr>
@@ -836,7 +834,7 @@
       </p:grpSpPr>
       <p:sp>
         <p:nvSpPr>
-          <p:cNvPr id="120" name="Google Shape;120;g20f4d713703_0_0:notes"/>
+          <p:cNvPr id="117" name="Google Shape;117;g20f4d713703_0_0:notes"/>
           <p:cNvSpPr/>
           <p:nvPr>
             <p:ph idx="2" type="sldImg"/>
@@ -871,7 +869,7 @@
       </p:sp>
       <p:sp>
         <p:nvSpPr>
-          <p:cNvPr id="121" name="Google Shape;121;g20f4d713703_0_0:notes"/>
+          <p:cNvPr id="118" name="Google Shape;118;g20f4d713703_0_0:notes"/>
           <p:cNvSpPr txBox="1"/>
           <p:nvPr>
             <p:ph idx="1" type="body"/>
@@ -921,7 +919,7 @@
   <p:cSld>
     <p:spTree>
       <p:nvGrpSpPr>
-        <p:cNvPr id="127" name="Shape 127"/>
+        <p:cNvPr id="123" name="Shape 123"/>
         <p:cNvGrpSpPr/>
         <p:nvPr/>
       </p:nvGrpSpPr>
@@ -935,7 +933,7 @@
       </p:grpSpPr>
       <p:sp>
         <p:nvSpPr>
-          <p:cNvPr id="128" name="Google Shape;128;g20f4d713703_0_12:notes"/>
+          <p:cNvPr id="124" name="Google Shape;124;g20f4d713703_0_12:notes"/>
           <p:cNvSpPr/>
           <p:nvPr>
             <p:ph idx="2" type="sldImg"/>
@@ -970,7 +968,7 @@
       </p:sp>
       <p:sp>
         <p:nvSpPr>
-          <p:cNvPr id="129" name="Google Shape;129;g20f4d713703_0_12:notes"/>
+          <p:cNvPr id="125" name="Google Shape;125;g20f4d713703_0_12:notes"/>
           <p:cNvSpPr txBox="1"/>
           <p:nvPr>
             <p:ph idx="1" type="body"/>
@@ -1020,7 +1018,7 @@
   <p:cSld>
     <p:spTree>
       <p:nvGrpSpPr>
-        <p:cNvPr id="135" name="Shape 135"/>
+        <p:cNvPr id="130" name="Shape 130"/>
         <p:cNvGrpSpPr/>
         <p:nvPr/>
       </p:nvGrpSpPr>
@@ -1034,7 +1032,7 @@
       </p:grpSpPr>
       <p:sp>
         <p:nvSpPr>
-          <p:cNvPr id="136" name="Google Shape;136;g20f4d713703_0_18:notes"/>
+          <p:cNvPr id="131" name="Google Shape;131;g20f4d713703_0_18:notes"/>
           <p:cNvSpPr/>
           <p:nvPr>
             <p:ph idx="2" type="sldImg"/>
@@ -1069,7 +1067,7 @@
       </p:sp>
       <p:sp>
         <p:nvSpPr>
-          <p:cNvPr id="137" name="Google Shape;137;g20f4d713703_0_18:notes"/>
+          <p:cNvPr id="132" name="Google Shape;132;g20f4d713703_0_18:notes"/>
           <p:cNvSpPr txBox="1"/>
           <p:nvPr>
             <p:ph idx="1" type="body"/>
@@ -1119,7 +1117,7 @@
   <p:cSld>
     <p:spTree>
       <p:nvGrpSpPr>
-        <p:cNvPr id="143" name="Shape 143"/>
+        <p:cNvPr id="137" name="Shape 137"/>
         <p:cNvGrpSpPr/>
         <p:nvPr/>
       </p:nvGrpSpPr>
@@ -1133,7 +1131,7 @@
       </p:grpSpPr>
       <p:sp>
         <p:nvSpPr>
-          <p:cNvPr id="144" name="Google Shape;144;g20f4d713703_0_24:notes"/>
+          <p:cNvPr id="138" name="Google Shape;138;g20f4d713703_0_24:notes"/>
           <p:cNvSpPr/>
           <p:nvPr>
             <p:ph idx="2" type="sldImg"/>
@@ -1168,7 +1166,7 @@
       </p:sp>
       <p:sp>
         <p:nvSpPr>
-          <p:cNvPr id="145" name="Google Shape;145;g20f4d713703_0_24:notes"/>
+          <p:cNvPr id="139" name="Google Shape;139;g20f4d713703_0_24:notes"/>
           <p:cNvSpPr txBox="1"/>
           <p:nvPr>
             <p:ph idx="1" type="body"/>
@@ -1218,7 +1216,7 @@
   <p:cSld>
     <p:spTree>
       <p:nvGrpSpPr>
-        <p:cNvPr id="151" name="Shape 151"/>
+        <p:cNvPr id="144" name="Shape 144"/>
         <p:cNvGrpSpPr/>
         <p:nvPr/>
       </p:nvGrpSpPr>
@@ -1232,7 +1230,7 @@
       </p:grpSpPr>
       <p:sp>
         <p:nvSpPr>
-          <p:cNvPr id="152" name="Google Shape;152;g20f4d713703_0_30:notes"/>
+          <p:cNvPr id="145" name="Google Shape;145;g20f4d713703_0_30:notes"/>
           <p:cNvSpPr/>
           <p:nvPr>
             <p:ph idx="2" type="sldImg"/>
@@ -1267,7 +1265,7 @@
       </p:sp>
       <p:sp>
         <p:nvSpPr>
-          <p:cNvPr id="153" name="Google Shape;153;g20f4d713703_0_30:notes"/>
+          <p:cNvPr id="146" name="Google Shape;146;g20f4d713703_0_30:notes"/>
           <p:cNvSpPr txBox="1"/>
           <p:nvPr>
             <p:ph idx="1" type="body"/>
@@ -1317,7 +1315,7 @@
   <p:cSld>
     <p:spTree>
       <p:nvGrpSpPr>
-        <p:cNvPr id="159" name="Shape 159"/>
+        <p:cNvPr id="151" name="Shape 151"/>
         <p:cNvGrpSpPr/>
         <p:nvPr/>
       </p:nvGrpSpPr>
@@ -1331,7 +1329,7 @@
       </p:grpSpPr>
       <p:sp>
         <p:nvSpPr>
-          <p:cNvPr id="160" name="Google Shape;160;g20f4d713703_0_36:notes"/>
+          <p:cNvPr id="152" name="Google Shape;152;g20f4d713703_0_36:notes"/>
           <p:cNvSpPr/>
           <p:nvPr>
             <p:ph idx="2" type="sldImg"/>
@@ -1366,7 +1364,7 @@
       </p:sp>
       <p:sp>
         <p:nvSpPr>
-          <p:cNvPr id="161" name="Google Shape;161;g20f4d713703_0_36:notes"/>
+          <p:cNvPr id="153" name="Google Shape;153;g20f4d713703_0_36:notes"/>
           <p:cNvSpPr txBox="1"/>
           <p:nvPr>
             <p:ph idx="1" type="body"/>
@@ -1416,7 +1414,7 @@
   <p:cSld>
     <p:spTree>
       <p:nvGrpSpPr>
-        <p:cNvPr id="167" name="Shape 167"/>
+        <p:cNvPr id="158" name="Shape 158"/>
         <p:cNvGrpSpPr/>
         <p:nvPr/>
       </p:nvGrpSpPr>
@@ -1430,7 +1428,7 @@
       </p:grpSpPr>
       <p:sp>
         <p:nvSpPr>
-          <p:cNvPr id="168" name="Google Shape;168;g214090a5015_1_0:notes"/>
+          <p:cNvPr id="159" name="Google Shape;159;g214090a5015_1_0:notes"/>
           <p:cNvSpPr/>
           <p:nvPr>
             <p:ph idx="2" type="sldImg"/>
@@ -1465,7 +1463,7 @@
       </p:sp>
       <p:sp>
         <p:nvSpPr>
-          <p:cNvPr id="169" name="Google Shape;169;g214090a5015_1_0:notes"/>
+          <p:cNvPr id="160" name="Google Shape;160;g214090a5015_1_0:notes"/>
           <p:cNvSpPr txBox="1"/>
           <p:nvPr>
             <p:ph idx="1" type="body"/>
@@ -1515,7 +1513,7 @@
   <p:cSld>
     <p:spTree>
       <p:nvGrpSpPr>
-        <p:cNvPr id="175" name="Shape 175"/>
+        <p:cNvPr id="165" name="Shape 165"/>
         <p:cNvGrpSpPr/>
         <p:nvPr/>
       </p:nvGrpSpPr>
@@ -1529,7 +1527,7 @@
       </p:grpSpPr>
       <p:sp>
         <p:nvSpPr>
-          <p:cNvPr id="176" name="Google Shape;176;g214090a5015_1_7:notes"/>
+          <p:cNvPr id="166" name="Google Shape;166;g214090a5015_1_7:notes"/>
           <p:cNvSpPr/>
           <p:nvPr>
             <p:ph idx="2" type="sldImg"/>
@@ -1564,7 +1562,7 @@
       </p:sp>
       <p:sp>
         <p:nvSpPr>
-          <p:cNvPr id="177" name="Google Shape;177;g214090a5015_1_7:notes"/>
+          <p:cNvPr id="167" name="Google Shape;167;g214090a5015_1_7:notes"/>
           <p:cNvSpPr txBox="1"/>
           <p:nvPr>
             <p:ph idx="1" type="body"/>
@@ -1614,7 +1612,7 @@
   <p:cSld>
     <p:spTree>
       <p:nvGrpSpPr>
-        <p:cNvPr id="183" name="Shape 183"/>
+        <p:cNvPr id="172" name="Shape 172"/>
         <p:cNvGrpSpPr/>
         <p:nvPr/>
       </p:nvGrpSpPr>
@@ -1628,7 +1626,7 @@
       </p:grpSpPr>
       <p:sp>
         <p:nvSpPr>
-          <p:cNvPr id="184" name="Google Shape;184;g214090a5015_1_17:notes"/>
+          <p:cNvPr id="173" name="Google Shape;173;g214090a5015_1_17:notes"/>
           <p:cNvSpPr/>
           <p:nvPr>
             <p:ph idx="2" type="sldImg"/>
@@ -1663,7 +1661,7 @@
       </p:sp>
       <p:sp>
         <p:nvSpPr>
-          <p:cNvPr id="185" name="Google Shape;185;g214090a5015_1_17:notes"/>
+          <p:cNvPr id="174" name="Google Shape;174;g214090a5015_1_17:notes"/>
           <p:cNvSpPr txBox="1"/>
           <p:nvPr>
             <p:ph idx="1" type="body"/>
@@ -1713,7 +1711,7 @@
   <p:cSld>
     <p:spTree>
       <p:nvGrpSpPr>
-        <p:cNvPr id="191" name="Shape 191"/>
+        <p:cNvPr id="179" name="Shape 179"/>
         <p:cNvGrpSpPr/>
         <p:nvPr/>
       </p:nvGrpSpPr>
@@ -1727,7 +1725,7 @@
       </p:grpSpPr>
       <p:sp>
         <p:nvSpPr>
-          <p:cNvPr id="192" name="Google Shape;192;g20f4d713703_0_48:notes"/>
+          <p:cNvPr id="180" name="Google Shape;180;g20f4d713703_0_48:notes"/>
           <p:cNvSpPr/>
           <p:nvPr>
             <p:ph idx="2" type="sldImg"/>
@@ -1762,7 +1760,7 @@
       </p:sp>
       <p:sp>
         <p:nvSpPr>
-          <p:cNvPr id="193" name="Google Shape;193;g20f4d713703_0_48:notes"/>
+          <p:cNvPr id="181" name="Google Shape;181;g20f4d713703_0_48:notes"/>
           <p:cNvSpPr txBox="1"/>
           <p:nvPr>
             <p:ph idx="1" type="body"/>
@@ -1920,7 +1918,7 @@
   <p:cSld>
     <p:spTree>
       <p:nvGrpSpPr>
-        <p:cNvPr id="200" name="Shape 200"/>
+        <p:cNvPr id="186" name="Shape 186"/>
         <p:cNvGrpSpPr/>
         <p:nvPr/>
       </p:nvGrpSpPr>
@@ -1934,7 +1932,7 @@
       </p:grpSpPr>
       <p:sp>
         <p:nvSpPr>
-          <p:cNvPr id="201" name="Google Shape;201;g20f4d713703_0_60:notes"/>
+          <p:cNvPr id="187" name="Google Shape;187;g20f4d713703_0_60:notes"/>
           <p:cNvSpPr/>
           <p:nvPr>
             <p:ph idx="2" type="sldImg"/>
@@ -1969,7 +1967,7 @@
       </p:sp>
       <p:sp>
         <p:nvSpPr>
-          <p:cNvPr id="202" name="Google Shape;202;g20f4d713703_0_60:notes"/>
+          <p:cNvPr id="188" name="Google Shape;188;g20f4d713703_0_60:notes"/>
           <p:cNvSpPr txBox="1"/>
           <p:nvPr>
             <p:ph idx="1" type="body"/>
@@ -2019,7 +2017,7 @@
   <p:cSld>
     <p:spTree>
       <p:nvGrpSpPr>
-        <p:cNvPr id="207" name="Shape 207"/>
+        <p:cNvPr id="193" name="Shape 193"/>
         <p:cNvGrpSpPr/>
         <p:nvPr/>
       </p:nvGrpSpPr>
@@ -2033,7 +2031,7 @@
       </p:grpSpPr>
       <p:sp>
         <p:nvSpPr>
-          <p:cNvPr id="208" name="Google Shape;208;g20f4d713703_0_66:notes"/>
+          <p:cNvPr id="194" name="Google Shape;194;g20f4d713703_0_66:notes"/>
           <p:cNvSpPr/>
           <p:nvPr>
             <p:ph idx="2" type="sldImg"/>
@@ -2068,7 +2066,7 @@
       </p:sp>
       <p:sp>
         <p:nvSpPr>
-          <p:cNvPr id="209" name="Google Shape;209;g20f4d713703_0_66:notes"/>
+          <p:cNvPr id="195" name="Google Shape;195;g20f4d713703_0_66:notes"/>
           <p:cNvSpPr txBox="1"/>
           <p:nvPr>
             <p:ph idx="1" type="body"/>
@@ -2118,7 +2116,7 @@
   <p:cSld>
     <p:spTree>
       <p:nvGrpSpPr>
-        <p:cNvPr id="215" name="Shape 215"/>
+        <p:cNvPr id="201" name="Shape 201"/>
         <p:cNvGrpSpPr/>
         <p:nvPr/>
       </p:nvGrpSpPr>
@@ -2132,7 +2130,7 @@
       </p:grpSpPr>
       <p:sp>
         <p:nvSpPr>
-          <p:cNvPr id="216" name="Google Shape;216;g20f4d713703_0_73:notes"/>
+          <p:cNvPr id="202" name="Google Shape;202;g20f4d713703_0_73:notes"/>
           <p:cNvSpPr/>
           <p:nvPr>
             <p:ph idx="2" type="sldImg"/>
@@ -2167,7 +2165,7 @@
       </p:sp>
       <p:sp>
         <p:nvSpPr>
-          <p:cNvPr id="217" name="Google Shape;217;g20f4d713703_0_73:notes"/>
+          <p:cNvPr id="203" name="Google Shape;203;g20f4d713703_0_73:notes"/>
           <p:cNvSpPr txBox="1"/>
           <p:nvPr>
             <p:ph idx="1" type="body"/>
@@ -2222,7 +2220,7 @@
   <p:cSld>
     <p:spTree>
       <p:nvGrpSpPr>
-        <p:cNvPr id="223" name="Shape 223"/>
+        <p:cNvPr id="209" name="Shape 209"/>
         <p:cNvGrpSpPr/>
         <p:nvPr/>
       </p:nvGrpSpPr>
@@ -2236,7 +2234,7 @@
       </p:grpSpPr>
       <p:sp>
         <p:nvSpPr>
-          <p:cNvPr id="224" name="Google Shape;224;g20f4d713703_0_94:notes"/>
+          <p:cNvPr id="210" name="Google Shape;210;g20f4d713703_0_94:notes"/>
           <p:cNvSpPr/>
           <p:nvPr>
             <p:ph idx="2" type="sldImg"/>
@@ -2271,7 +2269,7 @@
       </p:sp>
       <p:sp>
         <p:nvSpPr>
-          <p:cNvPr id="225" name="Google Shape;225;g20f4d713703_0_94:notes"/>
+          <p:cNvPr id="211" name="Google Shape;211;g20f4d713703_0_94:notes"/>
           <p:cNvSpPr txBox="1"/>
           <p:nvPr>
             <p:ph idx="1" type="body"/>
@@ -2321,7 +2319,7 @@
   <p:cSld>
     <p:spTree>
       <p:nvGrpSpPr>
-        <p:cNvPr id="230" name="Shape 230"/>
+        <p:cNvPr id="216" name="Shape 216"/>
         <p:cNvGrpSpPr/>
         <p:nvPr/>
       </p:nvGrpSpPr>
@@ -2335,7 +2333,7 @@
       </p:grpSpPr>
       <p:sp>
         <p:nvSpPr>
-          <p:cNvPr id="231" name="Google Shape;231;g20f4d713703_0_87:notes"/>
+          <p:cNvPr id="217" name="Google Shape;217;g20f4d713703_0_87:notes"/>
           <p:cNvSpPr/>
           <p:nvPr>
             <p:ph idx="2" type="sldImg"/>
@@ -2370,7 +2368,7 @@
       </p:sp>
       <p:sp>
         <p:nvSpPr>
-          <p:cNvPr id="232" name="Google Shape;232;g20f4d713703_0_87:notes"/>
+          <p:cNvPr id="218" name="Google Shape;218;g20f4d713703_0_87:notes"/>
           <p:cNvSpPr txBox="1"/>
           <p:nvPr>
             <p:ph idx="1" type="body"/>
@@ -2420,7 +2418,7 @@
   <p:cSld>
     <p:spTree>
       <p:nvGrpSpPr>
-        <p:cNvPr id="240" name="Shape 240"/>
+        <p:cNvPr id="223" name="Shape 223"/>
         <p:cNvGrpSpPr/>
         <p:nvPr/>
       </p:nvGrpSpPr>
@@ -2434,7 +2432,7 @@
       </p:grpSpPr>
       <p:sp>
         <p:nvSpPr>
-          <p:cNvPr id="241" name="Google Shape;241;g20f4d713703_0_101:notes"/>
+          <p:cNvPr id="224" name="Google Shape;224;g20f4d713703_0_101:notes"/>
           <p:cNvSpPr/>
           <p:nvPr>
             <p:ph idx="2" type="sldImg"/>
@@ -2469,7 +2467,7 @@
       </p:sp>
       <p:sp>
         <p:nvSpPr>
-          <p:cNvPr id="242" name="Google Shape;242;g20f4d713703_0_101:notes"/>
+          <p:cNvPr id="225" name="Google Shape;225;g20f4d713703_0_101:notes"/>
           <p:cNvSpPr txBox="1"/>
           <p:nvPr>
             <p:ph idx="1" type="body"/>
@@ -2519,7 +2517,7 @@
   <p:cSld>
     <p:spTree>
       <p:nvGrpSpPr>
-        <p:cNvPr id="250" name="Shape 250"/>
+        <p:cNvPr id="230" name="Shape 230"/>
         <p:cNvGrpSpPr/>
         <p:nvPr/>
       </p:nvGrpSpPr>
@@ -2533,7 +2531,7 @@
       </p:grpSpPr>
       <p:sp>
         <p:nvSpPr>
-          <p:cNvPr id="251" name="Google Shape;251;g20f4d713703_0_113:notes"/>
+          <p:cNvPr id="231" name="Google Shape;231;g20f4d713703_0_113:notes"/>
           <p:cNvSpPr/>
           <p:nvPr>
             <p:ph idx="2" type="sldImg"/>
@@ -2568,7 +2566,7 @@
       </p:sp>
       <p:sp>
         <p:nvSpPr>
-          <p:cNvPr id="252" name="Google Shape;252;g20f4d713703_0_113:notes"/>
+          <p:cNvPr id="232" name="Google Shape;232;g20f4d713703_0_113:notes"/>
           <p:cNvSpPr txBox="1"/>
           <p:nvPr>
             <p:ph idx="1" type="body"/>
@@ -2618,7 +2616,7 @@
   <p:cSld>
     <p:spTree>
       <p:nvGrpSpPr>
-        <p:cNvPr id="260" name="Shape 260"/>
+        <p:cNvPr id="237" name="Shape 237"/>
         <p:cNvGrpSpPr/>
         <p:nvPr/>
       </p:nvGrpSpPr>
@@ -2632,7 +2630,7 @@
       </p:grpSpPr>
       <p:sp>
         <p:nvSpPr>
-          <p:cNvPr id="261" name="Google Shape;261;g20f7dc6ed50_0_0:notes"/>
+          <p:cNvPr id="238" name="Google Shape;238;g20f7dc6ed50_0_0:notes"/>
           <p:cNvSpPr/>
           <p:nvPr>
             <p:ph idx="2" type="sldImg"/>
@@ -2667,7 +2665,7 @@
       </p:sp>
       <p:sp>
         <p:nvSpPr>
-          <p:cNvPr id="262" name="Google Shape;262;g20f7dc6ed50_0_0:notes"/>
+          <p:cNvPr id="239" name="Google Shape;239;g20f7dc6ed50_0_0:notes"/>
           <p:cNvSpPr txBox="1"/>
           <p:nvPr>
             <p:ph idx="1" type="body"/>
@@ -2717,7 +2715,7 @@
   <p:cSld>
     <p:spTree>
       <p:nvGrpSpPr>
-        <p:cNvPr id="269" name="Shape 269"/>
+        <p:cNvPr id="244" name="Shape 244"/>
         <p:cNvGrpSpPr/>
         <p:nvPr/>
       </p:nvGrpSpPr>
@@ -2731,7 +2729,7 @@
       </p:grpSpPr>
       <p:sp>
         <p:nvSpPr>
-          <p:cNvPr id="270" name="Google Shape;270;g20f7dc6ed50_0_12:notes"/>
+          <p:cNvPr id="245" name="Google Shape;245;g20f7dc6ed50_0_12:notes"/>
           <p:cNvSpPr/>
           <p:nvPr>
             <p:ph idx="2" type="sldImg"/>
@@ -2766,7 +2764,7 @@
       </p:sp>
       <p:sp>
         <p:nvSpPr>
-          <p:cNvPr id="271" name="Google Shape;271;g20f7dc6ed50_0_12:notes"/>
+          <p:cNvPr id="246" name="Google Shape;246;g20f7dc6ed50_0_12:notes"/>
           <p:cNvSpPr txBox="1"/>
           <p:nvPr>
             <p:ph idx="1" type="body"/>
@@ -2821,7 +2819,7 @@
   <p:cSld>
     <p:spTree>
       <p:nvGrpSpPr>
-        <p:cNvPr id="276" name="Shape 276"/>
+        <p:cNvPr id="251" name="Shape 251"/>
         <p:cNvGrpSpPr/>
         <p:nvPr/>
       </p:nvGrpSpPr>
@@ -2835,7 +2833,7 @@
       </p:grpSpPr>
       <p:sp>
         <p:nvSpPr>
-          <p:cNvPr id="277" name="Google Shape;277;g20f7dc6ed50_0_18:notes"/>
+          <p:cNvPr id="252" name="Google Shape;252;g20f7dc6ed50_0_18:notes"/>
           <p:cNvSpPr/>
           <p:nvPr>
             <p:ph idx="2" type="sldImg"/>
@@ -2870,7 +2868,7 @@
       </p:sp>
       <p:sp>
         <p:nvSpPr>
-          <p:cNvPr id="278" name="Google Shape;278;g20f7dc6ed50_0_18:notes"/>
+          <p:cNvPr id="253" name="Google Shape;253;g20f7dc6ed50_0_18:notes"/>
           <p:cNvSpPr txBox="1"/>
           <p:nvPr>
             <p:ph idx="1" type="body"/>
@@ -3019,7 +3017,7 @@
   <p:cSld>
     <p:spTree>
       <p:nvGrpSpPr>
-        <p:cNvPr id="283" name="Shape 283"/>
+        <p:cNvPr id="258" name="Shape 258"/>
         <p:cNvGrpSpPr/>
         <p:nvPr/>
       </p:nvGrpSpPr>
@@ -3033,7 +3031,7 @@
       </p:grpSpPr>
       <p:sp>
         <p:nvSpPr>
-          <p:cNvPr id="284" name="Google Shape;284;g20f7dc6ed50_0_24:notes"/>
+          <p:cNvPr id="259" name="Google Shape;259;g20f7dc6ed50_0_24:notes"/>
           <p:cNvSpPr/>
           <p:nvPr>
             <p:ph idx="2" type="sldImg"/>
@@ -3068,7 +3066,7 @@
       </p:sp>
       <p:sp>
         <p:nvSpPr>
-          <p:cNvPr id="285" name="Google Shape;285;g20f7dc6ed50_0_24:notes"/>
+          <p:cNvPr id="260" name="Google Shape;260;g20f7dc6ed50_0_24:notes"/>
           <p:cNvSpPr txBox="1"/>
           <p:nvPr>
             <p:ph idx="1" type="body"/>
@@ -3118,7 +3116,7 @@
   <p:cSld>
     <p:spTree>
       <p:nvGrpSpPr>
-        <p:cNvPr id="290" name="Shape 290"/>
+        <p:cNvPr id="265" name="Shape 265"/>
         <p:cNvGrpSpPr/>
         <p:nvPr/>
       </p:nvGrpSpPr>
@@ -3132,7 +3130,7 @@
       </p:grpSpPr>
       <p:sp>
         <p:nvSpPr>
-          <p:cNvPr id="291" name="Google Shape;291;g20f7dc6ed50_0_30:notes"/>
+          <p:cNvPr id="266" name="Google Shape;266;g20f7dc6ed50_0_30:notes"/>
           <p:cNvSpPr/>
           <p:nvPr>
             <p:ph idx="2" type="sldImg"/>
@@ -3167,205 +3165,7 @@
       </p:sp>
       <p:sp>
         <p:nvSpPr>
-          <p:cNvPr id="292" name="Google Shape;292;g20f7dc6ed50_0_30:notes"/>
-          <p:cNvSpPr txBox="1"/>
-          <p:nvPr>
-            <p:ph idx="1" type="body"/>
-          </p:nvPr>
-        </p:nvSpPr>
-        <p:spPr>
-          <a:xfrm>
-            <a:off x="685800" y="4343400"/>
-            <a:ext cx="5486400" cy="4114800"/>
-          </a:xfrm>
-          <a:prstGeom prst="rect">
-            <a:avLst/>
-          </a:prstGeom>
-        </p:spPr>
-        <p:txBody>
-          <a:bodyPr anchorCtr="0" anchor="t" bIns="91425" lIns="91425" spcFirstLastPara="1" rIns="91425" wrap="square" tIns="91425">
-            <a:noAutofit/>
-          </a:bodyPr>
-          <a:lstStyle/>
-          <a:p>
-            <a:pPr indent="0" lvl="0" marL="0" rtl="0" algn="l">
-              <a:spcBef>
-                <a:spcPts val="0"/>
-              </a:spcBef>
-              <a:spcAft>
-                <a:spcPts val="0"/>
-              </a:spcAft>
-              <a:buNone/>
-            </a:pPr>
-            <a:r>
-              <a:t/>
-            </a:r>
-            <a:endParaRPr/>
-          </a:p>
-        </p:txBody>
-      </p:sp>
-    </p:spTree>
-  </p:cSld>
-  <p:clrMapOvr>
-    <a:masterClrMapping/>
-  </p:clrMapOvr>
-</p:notes>
-</file>
-
-<file path=ppt/notesSlides/notesSlide32.xml><?xml version="1.0" encoding="utf-8"?>
-<p:notes xmlns:a="http://schemas.openxmlformats.org/drawingml/2006/main" xmlns:r="http://schemas.openxmlformats.org/officeDocument/2006/relationships" xmlns:mc="http://schemas.openxmlformats.org/markup-compatibility/2006" xmlns:mv="urn:schemas-microsoft-com:mac:vml" xmlns:p="http://schemas.openxmlformats.org/presentationml/2006/main" xmlns:c="http://schemas.openxmlformats.org/drawingml/2006/chart" xmlns:dgm="http://schemas.openxmlformats.org/drawingml/2006/diagram" xmlns:o="urn:schemas-microsoft-com:office:office" xmlns:v="urn:schemas-microsoft-com:vml" xmlns:pvml="urn:schemas-microsoft-com:office:powerpoint" xmlns:com="http://schemas.openxmlformats.org/drawingml/2006/compatibility" xmlns:p14="http://schemas.microsoft.com/office/powerpoint/2010/main" xmlns:p15="http://schemas.microsoft.com/office/powerpoint/2012/main" xmlns:ahyp="http://schemas.microsoft.com/office/drawing/2018/hyperlinkcolor" showMasterPhAnim="0" showMasterSp="0">
-  <p:cSld>
-    <p:spTree>
-      <p:nvGrpSpPr>
-        <p:cNvPr id="298" name="Shape 298"/>
-        <p:cNvGrpSpPr/>
-        <p:nvPr/>
-      </p:nvGrpSpPr>
-      <p:grpSpPr>
-        <a:xfrm>
-          <a:off x="0" y="0"/>
-          <a:ext cx="0" cy="0"/>
-          <a:chOff x="0" y="0"/>
-          <a:chExt cx="0" cy="0"/>
-        </a:xfrm>
-      </p:grpSpPr>
-      <p:sp>
-        <p:nvSpPr>
-          <p:cNvPr id="299" name="Google Shape;299;g20f7dc6ed50_0_36:notes"/>
-          <p:cNvSpPr/>
-          <p:nvPr>
-            <p:ph idx="2" type="sldImg"/>
-          </p:nvPr>
-        </p:nvSpPr>
-        <p:spPr>
-          <a:xfrm>
-            <a:off x="381300" y="685800"/>
-            <a:ext cx="6096000" cy="3429000"/>
-          </a:xfrm>
-          <a:custGeom>
-            <a:rect b="b" l="l" r="r" t="t"/>
-            <a:pathLst>
-              <a:path extrusionOk="0" h="120000" w="120000">
-                <a:moveTo>
-                  <a:pt x="0" y="0"/>
-                </a:moveTo>
-                <a:lnTo>
-                  <a:pt x="120000" y="0"/>
-                </a:lnTo>
-                <a:lnTo>
-                  <a:pt x="120000" y="120000"/>
-                </a:lnTo>
-                <a:lnTo>
-                  <a:pt x="0" y="120000"/>
-                </a:lnTo>
-                <a:close/>
-              </a:path>
-            </a:pathLst>
-          </a:custGeom>
-        </p:spPr>
-      </p:sp>
-      <p:sp>
-        <p:nvSpPr>
-          <p:cNvPr id="300" name="Google Shape;300;g20f7dc6ed50_0_36:notes"/>
-          <p:cNvSpPr txBox="1"/>
-          <p:nvPr>
-            <p:ph idx="1" type="body"/>
-          </p:nvPr>
-        </p:nvSpPr>
-        <p:spPr>
-          <a:xfrm>
-            <a:off x="685800" y="4343400"/>
-            <a:ext cx="5486400" cy="4114800"/>
-          </a:xfrm>
-          <a:prstGeom prst="rect">
-            <a:avLst/>
-          </a:prstGeom>
-        </p:spPr>
-        <p:txBody>
-          <a:bodyPr anchorCtr="0" anchor="t" bIns="91425" lIns="91425" spcFirstLastPara="1" rIns="91425" wrap="square" tIns="91425">
-            <a:noAutofit/>
-          </a:bodyPr>
-          <a:lstStyle/>
-          <a:p>
-            <a:pPr indent="0" lvl="0" marL="0" rtl="0" algn="l">
-              <a:spcBef>
-                <a:spcPts val="0"/>
-              </a:spcBef>
-              <a:spcAft>
-                <a:spcPts val="0"/>
-              </a:spcAft>
-              <a:buNone/>
-            </a:pPr>
-            <a:r>
-              <a:t/>
-            </a:r>
-            <a:endParaRPr/>
-          </a:p>
-        </p:txBody>
-      </p:sp>
-    </p:spTree>
-  </p:cSld>
-  <p:clrMapOvr>
-    <a:masterClrMapping/>
-  </p:clrMapOvr>
-</p:notes>
-</file>
-
-<file path=ppt/notesSlides/notesSlide33.xml><?xml version="1.0" encoding="utf-8"?>
-<p:notes xmlns:a="http://schemas.openxmlformats.org/drawingml/2006/main" xmlns:r="http://schemas.openxmlformats.org/officeDocument/2006/relationships" xmlns:mc="http://schemas.openxmlformats.org/markup-compatibility/2006" xmlns:mv="urn:schemas-microsoft-com:mac:vml" xmlns:p="http://schemas.openxmlformats.org/presentationml/2006/main" xmlns:c="http://schemas.openxmlformats.org/drawingml/2006/chart" xmlns:dgm="http://schemas.openxmlformats.org/drawingml/2006/diagram" xmlns:o="urn:schemas-microsoft-com:office:office" xmlns:v="urn:schemas-microsoft-com:vml" xmlns:pvml="urn:schemas-microsoft-com:office:powerpoint" xmlns:com="http://schemas.openxmlformats.org/drawingml/2006/compatibility" xmlns:p14="http://schemas.microsoft.com/office/powerpoint/2010/main" xmlns:p15="http://schemas.microsoft.com/office/powerpoint/2012/main" xmlns:ahyp="http://schemas.microsoft.com/office/drawing/2018/hyperlinkcolor" showMasterPhAnim="0" showMasterSp="0">
-  <p:cSld>
-    <p:spTree>
-      <p:nvGrpSpPr>
-        <p:cNvPr id="306" name="Shape 306"/>
-        <p:cNvGrpSpPr/>
-        <p:nvPr/>
-      </p:nvGrpSpPr>
-      <p:grpSpPr>
-        <a:xfrm>
-          <a:off x="0" y="0"/>
-          <a:ext cx="0" cy="0"/>
-          <a:chOff x="0" y="0"/>
-          <a:chExt cx="0" cy="0"/>
-        </a:xfrm>
-      </p:grpSpPr>
-      <p:sp>
-        <p:nvSpPr>
-          <p:cNvPr id="307" name="Google Shape;307;g2110a9fcdf0_0_34:notes"/>
-          <p:cNvSpPr/>
-          <p:nvPr>
-            <p:ph idx="2" type="sldImg"/>
-          </p:nvPr>
-        </p:nvSpPr>
-        <p:spPr>
-          <a:xfrm>
-            <a:off x="381300" y="685800"/>
-            <a:ext cx="6096000" cy="3429000"/>
-          </a:xfrm>
-          <a:custGeom>
-            <a:rect b="b" l="l" r="r" t="t"/>
-            <a:pathLst>
-              <a:path extrusionOk="0" h="120000" w="120000">
-                <a:moveTo>
-                  <a:pt x="0" y="0"/>
-                </a:moveTo>
-                <a:lnTo>
-                  <a:pt x="120000" y="0"/>
-                </a:lnTo>
-                <a:lnTo>
-                  <a:pt x="120000" y="120000"/>
-                </a:lnTo>
-                <a:lnTo>
-                  <a:pt x="0" y="120000"/>
-                </a:lnTo>
-                <a:close/>
-              </a:path>
-            </a:pathLst>
-          </a:custGeom>
-        </p:spPr>
-      </p:sp>
-      <p:sp>
-        <p:nvSpPr>
-          <p:cNvPr id="308" name="Google Shape;308;g2110a9fcdf0_0_34:notes"/>
+          <p:cNvPr id="267" name="Google Shape;267;g20f7dc6ed50_0_30:notes"/>
           <p:cNvSpPr txBox="1"/>
           <p:nvPr>
             <p:ph idx="1" type="body"/>
@@ -3613,7 +3413,7 @@
   <p:cSld>
     <p:spTree>
       <p:nvGrpSpPr>
-        <p:cNvPr id="88" name="Shape 88"/>
+        <p:cNvPr id="87" name="Shape 87"/>
         <p:cNvGrpSpPr/>
         <p:nvPr/>
       </p:nvGrpSpPr>
@@ -3627,7 +3427,7 @@
       </p:grpSpPr>
       <p:sp>
         <p:nvSpPr>
-          <p:cNvPr id="89" name="Google Shape;89;g20c503e8cb6_0_30:notes"/>
+          <p:cNvPr id="88" name="Google Shape;88;g20c503e8cb6_0_30:notes"/>
           <p:cNvSpPr/>
           <p:nvPr>
             <p:ph idx="2" type="sldImg"/>
@@ -3662,7 +3462,7 @@
       </p:sp>
       <p:sp>
         <p:nvSpPr>
-          <p:cNvPr id="90" name="Google Shape;90;g20c503e8cb6_0_30:notes"/>
+          <p:cNvPr id="89" name="Google Shape;89;g20c503e8cb6_0_30:notes"/>
           <p:cNvSpPr txBox="1"/>
           <p:nvPr>
             <p:ph idx="1" type="body"/>
@@ -3713,7 +3513,7 @@
   <p:cSld>
     <p:spTree>
       <p:nvGrpSpPr>
-        <p:cNvPr id="96" name="Shape 96"/>
+        <p:cNvPr id="95" name="Shape 95"/>
         <p:cNvGrpSpPr/>
         <p:nvPr/>
       </p:nvGrpSpPr>
@@ -3727,7 +3527,7 @@
       </p:grpSpPr>
       <p:sp>
         <p:nvSpPr>
-          <p:cNvPr id="97" name="Google Shape;97;g20c503e8cb6_0_37:notes"/>
+          <p:cNvPr id="96" name="Google Shape;96;g20c503e8cb6_0_37:notes"/>
           <p:cNvSpPr/>
           <p:nvPr>
             <p:ph idx="2" type="sldImg"/>
@@ -3762,7 +3562,7 @@
       </p:sp>
       <p:sp>
         <p:nvSpPr>
-          <p:cNvPr id="98" name="Google Shape;98;g20c503e8cb6_0_37:notes"/>
+          <p:cNvPr id="97" name="Google Shape;97;g20c503e8cb6_0_37:notes"/>
           <p:cNvSpPr txBox="1"/>
           <p:nvPr>
             <p:ph idx="1" type="body"/>
@@ -3812,7 +3612,7 @@
   <p:cSld>
     <p:spTree>
       <p:nvGrpSpPr>
-        <p:cNvPr id="103" name="Shape 103"/>
+        <p:cNvPr id="102" name="Shape 102"/>
         <p:cNvGrpSpPr/>
         <p:nvPr/>
       </p:nvGrpSpPr>
@@ -3826,7 +3626,7 @@
       </p:grpSpPr>
       <p:sp>
         <p:nvSpPr>
-          <p:cNvPr id="104" name="Google Shape;104;g20c503e8cb6_0_44:notes"/>
+          <p:cNvPr id="103" name="Google Shape;103;g20c503e8cb6_0_44:notes"/>
           <p:cNvSpPr/>
           <p:nvPr>
             <p:ph idx="2" type="sldImg"/>
@@ -3861,7 +3661,7 @@
       </p:sp>
       <p:sp>
         <p:nvSpPr>
-          <p:cNvPr id="105" name="Google Shape;105;g20c503e8cb6_0_44:notes"/>
+          <p:cNvPr id="104" name="Google Shape;104;g20c503e8cb6_0_44:notes"/>
           <p:cNvSpPr txBox="1"/>
           <p:nvPr>
             <p:ph idx="1" type="body"/>
@@ -3911,7 +3711,7 @@
   <p:cSld>
     <p:spTree>
       <p:nvGrpSpPr>
-        <p:cNvPr id="111" name="Shape 111"/>
+        <p:cNvPr id="109" name="Shape 109"/>
         <p:cNvGrpSpPr/>
         <p:nvPr/>
       </p:nvGrpSpPr>
@@ -3925,7 +3725,7 @@
       </p:grpSpPr>
       <p:sp>
         <p:nvSpPr>
-          <p:cNvPr id="112" name="Google Shape;112;g20c503e8cb6_0_71:notes"/>
+          <p:cNvPr id="110" name="Google Shape;110;g20c503e8cb6_0_71:notes"/>
           <p:cNvSpPr/>
           <p:nvPr>
             <p:ph idx="2" type="sldImg"/>
@@ -3960,7 +3760,7 @@
       </p:sp>
       <p:sp>
         <p:nvSpPr>
-          <p:cNvPr id="113" name="Google Shape;113;g20c503e8cb6_0_71:notes"/>
+          <p:cNvPr id="111" name="Google Shape;111;g20c503e8cb6_0_71:notes"/>
           <p:cNvSpPr txBox="1"/>
           <p:nvPr>
             <p:ph idx="1" type="body"/>
@@ -8833,7 +8633,7 @@
             </a:pPr>
             <a:r>
               <a:rPr lang="en" sz="1800"/>
-              <a:t>Date: 		23 February 2023</a:t>
+              <a:t>Date: 		11 May 2023</a:t>
             </a:r>
             <a:endParaRPr sz="1800"/>
           </a:p>
@@ -8853,7 +8653,7 @@
             </a:pPr>
             <a:r>
               <a:rPr lang="en" sz="1800"/>
-              <a:t>Version: 		1.0</a:t>
+              <a:t>Version: 		2.0</a:t>
             </a:r>
             <a:endParaRPr sz="1800"/>
           </a:p>
@@ -8892,7 +8692,7 @@
   <p:cSld>
     <p:spTree>
       <p:nvGrpSpPr>
-        <p:cNvPr id="122" name="Shape 122"/>
+        <p:cNvPr id="119" name="Shape 119"/>
         <p:cNvGrpSpPr/>
         <p:nvPr/>
       </p:nvGrpSpPr>
@@ -8906,7 +8706,7 @@
       </p:grpSpPr>
       <p:sp>
         <p:nvSpPr>
-          <p:cNvPr id="123" name="Google Shape;123;p22"/>
+          <p:cNvPr id="120" name="Google Shape;120;p22"/>
           <p:cNvSpPr/>
           <p:nvPr/>
         </p:nvSpPr>
@@ -8955,7 +8755,7 @@
       </p:sp>
       <p:sp>
         <p:nvSpPr>
-          <p:cNvPr id="124" name="Google Shape;124;p22"/>
+          <p:cNvPr id="121" name="Google Shape;121;p22"/>
           <p:cNvSpPr txBox="1"/>
           <p:nvPr>
             <p:ph idx="2" type="body"/>
@@ -9162,21 +8962,22 @@
       </p:sp>
       <p:pic>
         <p:nvPicPr>
-          <p:cNvPr id="125" name="Google Shape;125;p22"/>
+          <p:cNvPr id="122" name="Google Shape;122;p22"/>
           <p:cNvPicPr preferRelativeResize="0"/>
           <p:nvPr/>
         </p:nvPicPr>
-        <p:blipFill rotWithShape="1">
+        <p:blipFill>
           <a:blip r:embed="rId4">
             <a:alphaModFix/>
           </a:blip>
-          <a:srcRect b="0" l="24592" r="24587" t="0"/>
-          <a:stretch/>
+          <a:stretch>
+            <a:fillRect/>
+          </a:stretch>
         </p:blipFill>
         <p:spPr>
           <a:xfrm>
-            <a:off x="324675" y="8325"/>
-            <a:ext cx="4825680" cy="5143499"/>
+            <a:off x="0" y="0"/>
+            <a:ext cx="6408576" cy="5151826"/>
           </a:xfrm>
           <a:prstGeom prst="rect">
             <a:avLst/>
@@ -9187,68 +8988,6 @@
           </a:ln>
         </p:spPr>
       </p:pic>
-      <p:sp>
-        <p:nvSpPr>
-          <p:cNvPr id="126" name="Google Shape;126;p22"/>
-          <p:cNvSpPr txBox="1"/>
-          <p:nvPr>
-            <p:ph idx="1" type="body"/>
-          </p:nvPr>
-        </p:nvSpPr>
-        <p:spPr>
-          <a:xfrm>
-            <a:off x="789250" y="4456975"/>
-            <a:ext cx="3682200" cy="678300"/>
-          </a:xfrm>
-          <a:prstGeom prst="rect">
-            <a:avLst/>
-          </a:prstGeom>
-        </p:spPr>
-        <p:txBody>
-          <a:bodyPr anchorCtr="0" anchor="b" bIns="91425" lIns="91425" spcFirstLastPara="1" rIns="91425" wrap="square" tIns="91425">
-            <a:normAutofit/>
-          </a:bodyPr>
-          <a:lstStyle/>
-          <a:p>
-            <a:pPr indent="0" lvl="0" marL="0" rtl="0" algn="l">
-              <a:lnSpc>
-                <a:spcPct val="100000"/>
-              </a:lnSpc>
-              <a:spcBef>
-                <a:spcPts val="0"/>
-              </a:spcBef>
-              <a:spcAft>
-                <a:spcPts val="0"/>
-              </a:spcAft>
-              <a:buNone/>
-            </a:pPr>
-            <a:r>
-              <a:rPr lang="en" sz="800"/>
-              <a:t>Chess Pieces Image credit: Wikipedia user Cburnett, CC BY-SA 3.0</a:t>
-            </a:r>
-            <a:endParaRPr sz="800"/>
-          </a:p>
-          <a:p>
-            <a:pPr indent="0" lvl="0" marL="0" rtl="0" algn="l">
-              <a:lnSpc>
-                <a:spcPct val="100000"/>
-              </a:lnSpc>
-              <a:spcBef>
-                <a:spcPts val="1200"/>
-              </a:spcBef>
-              <a:spcAft>
-                <a:spcPts val="1200"/>
-              </a:spcAft>
-              <a:buNone/>
-            </a:pPr>
-            <a:r>
-              <a:rPr lang="en" sz="800"/>
-              <a:t>commons.wikimedia.org/wiki/Category:PNG_chess_pieces/</a:t>
-            </a:r>
-            <a:endParaRPr sz="800"/>
-          </a:p>
-        </p:txBody>
-      </p:sp>
     </p:spTree>
   </p:cSld>
   <p:clrMapOvr>
@@ -9262,7 +9001,7 @@
   <p:cSld>
     <p:spTree>
       <p:nvGrpSpPr>
-        <p:cNvPr id="130" name="Shape 130"/>
+        <p:cNvPr id="126" name="Shape 126"/>
         <p:cNvGrpSpPr/>
         <p:nvPr/>
       </p:nvGrpSpPr>
@@ -9276,7 +9015,7 @@
       </p:grpSpPr>
       <p:sp>
         <p:nvSpPr>
-          <p:cNvPr id="131" name="Google Shape;131;p23"/>
+          <p:cNvPr id="127" name="Google Shape;127;p23"/>
           <p:cNvSpPr/>
           <p:nvPr/>
         </p:nvSpPr>
@@ -9325,7 +9064,7 @@
       </p:sp>
       <p:sp>
         <p:nvSpPr>
-          <p:cNvPr id="132" name="Google Shape;132;p23"/>
+          <p:cNvPr id="128" name="Google Shape;128;p23"/>
           <p:cNvSpPr txBox="1"/>
           <p:nvPr>
             <p:ph idx="2" type="body"/>
@@ -9484,21 +9223,22 @@
       </p:sp>
       <p:pic>
         <p:nvPicPr>
-          <p:cNvPr id="133" name="Google Shape;133;p23"/>
+          <p:cNvPr id="129" name="Google Shape;129;p23"/>
           <p:cNvPicPr preferRelativeResize="0"/>
           <p:nvPr/>
         </p:nvPicPr>
-        <p:blipFill rotWithShape="1">
+        <p:blipFill>
           <a:blip r:embed="rId4">
             <a:alphaModFix/>
           </a:blip>
-          <a:srcRect b="0" l="23209" r="23214" t="0"/>
-          <a:stretch/>
+          <a:stretch>
+            <a:fillRect/>
+          </a:stretch>
         </p:blipFill>
         <p:spPr>
           <a:xfrm>
-            <a:off x="709750" y="160725"/>
-            <a:ext cx="4936718" cy="4991100"/>
+            <a:off x="0" y="0"/>
+            <a:ext cx="6408576" cy="5143501"/>
           </a:xfrm>
           <a:prstGeom prst="rect">
             <a:avLst/>
@@ -9509,68 +9249,6 @@
           </a:ln>
         </p:spPr>
       </p:pic>
-      <p:sp>
-        <p:nvSpPr>
-          <p:cNvPr id="134" name="Google Shape;134;p23"/>
-          <p:cNvSpPr txBox="1"/>
-          <p:nvPr>
-            <p:ph idx="1" type="body"/>
-          </p:nvPr>
-        </p:nvSpPr>
-        <p:spPr>
-          <a:xfrm>
-            <a:off x="789250" y="4456975"/>
-            <a:ext cx="3682200" cy="678300"/>
-          </a:xfrm>
-          <a:prstGeom prst="rect">
-            <a:avLst/>
-          </a:prstGeom>
-        </p:spPr>
-        <p:txBody>
-          <a:bodyPr anchorCtr="0" anchor="b" bIns="91425" lIns="91425" spcFirstLastPara="1" rIns="91425" wrap="square" tIns="91425">
-            <a:normAutofit/>
-          </a:bodyPr>
-          <a:lstStyle/>
-          <a:p>
-            <a:pPr indent="0" lvl="0" marL="0" rtl="0" algn="l">
-              <a:lnSpc>
-                <a:spcPct val="100000"/>
-              </a:lnSpc>
-              <a:spcBef>
-                <a:spcPts val="0"/>
-              </a:spcBef>
-              <a:spcAft>
-                <a:spcPts val="0"/>
-              </a:spcAft>
-              <a:buNone/>
-            </a:pPr>
-            <a:r>
-              <a:rPr lang="en" sz="800"/>
-              <a:t>Chess Pieces Image credit: Wikipedia user Cburnett, CC BY-SA 3.0</a:t>
-            </a:r>
-            <a:endParaRPr sz="800"/>
-          </a:p>
-          <a:p>
-            <a:pPr indent="0" lvl="0" marL="0" rtl="0" algn="l">
-              <a:lnSpc>
-                <a:spcPct val="100000"/>
-              </a:lnSpc>
-              <a:spcBef>
-                <a:spcPts val="1200"/>
-              </a:spcBef>
-              <a:spcAft>
-                <a:spcPts val="1200"/>
-              </a:spcAft>
-              <a:buNone/>
-            </a:pPr>
-            <a:r>
-              <a:rPr lang="en" sz="800"/>
-              <a:t>commons.wikimedia.org/wiki/Category:PNG_chess_pieces/</a:t>
-            </a:r>
-            <a:endParaRPr sz="800"/>
-          </a:p>
-        </p:txBody>
-      </p:sp>
     </p:spTree>
   </p:cSld>
   <p:clrMapOvr>
@@ -9584,7 +9262,7 @@
   <p:cSld>
     <p:spTree>
       <p:nvGrpSpPr>
-        <p:cNvPr id="138" name="Shape 138"/>
+        <p:cNvPr id="133" name="Shape 133"/>
         <p:cNvGrpSpPr/>
         <p:nvPr/>
       </p:nvGrpSpPr>
@@ -9598,7 +9276,7 @@
       </p:grpSpPr>
       <p:sp>
         <p:nvSpPr>
-          <p:cNvPr id="139" name="Google Shape;139;p24"/>
+          <p:cNvPr id="134" name="Google Shape;134;p24"/>
           <p:cNvSpPr/>
           <p:nvPr/>
         </p:nvSpPr>
@@ -9647,7 +9325,7 @@
       </p:sp>
       <p:sp>
         <p:nvSpPr>
-          <p:cNvPr id="140" name="Google Shape;140;p24"/>
+          <p:cNvPr id="135" name="Google Shape;135;p24"/>
           <p:cNvSpPr txBox="1"/>
           <p:nvPr>
             <p:ph idx="2" type="body"/>
@@ -9862,21 +9540,22 @@
       </p:sp>
       <p:pic>
         <p:nvPicPr>
-          <p:cNvPr id="141" name="Google Shape;141;p24"/>
+          <p:cNvPr id="136" name="Google Shape;136;p24"/>
           <p:cNvPicPr preferRelativeResize="0"/>
           <p:nvPr/>
         </p:nvPicPr>
-        <p:blipFill rotWithShape="1">
+        <p:blipFill>
           <a:blip r:embed="rId4">
             <a:alphaModFix/>
           </a:blip>
-          <a:srcRect b="0" l="24812" r="24807" t="0"/>
-          <a:stretch/>
+          <a:stretch>
+            <a:fillRect/>
+          </a:stretch>
         </p:blipFill>
         <p:spPr>
           <a:xfrm>
-            <a:off x="681725" y="8325"/>
-            <a:ext cx="4776086" cy="5135174"/>
+            <a:off x="0" y="8325"/>
+            <a:ext cx="6408576" cy="5143501"/>
           </a:xfrm>
           <a:prstGeom prst="rect">
             <a:avLst/>
@@ -9887,68 +9566,6 @@
           </a:ln>
         </p:spPr>
       </p:pic>
-      <p:sp>
-        <p:nvSpPr>
-          <p:cNvPr id="142" name="Google Shape;142;p24"/>
-          <p:cNvSpPr txBox="1"/>
-          <p:nvPr>
-            <p:ph idx="1" type="body"/>
-          </p:nvPr>
-        </p:nvSpPr>
-        <p:spPr>
-          <a:xfrm>
-            <a:off x="789250" y="4456975"/>
-            <a:ext cx="3682200" cy="678300"/>
-          </a:xfrm>
-          <a:prstGeom prst="rect">
-            <a:avLst/>
-          </a:prstGeom>
-        </p:spPr>
-        <p:txBody>
-          <a:bodyPr anchorCtr="0" anchor="b" bIns="91425" lIns="91425" spcFirstLastPara="1" rIns="91425" wrap="square" tIns="91425">
-            <a:normAutofit/>
-          </a:bodyPr>
-          <a:lstStyle/>
-          <a:p>
-            <a:pPr indent="0" lvl="0" marL="0" rtl="0" algn="l">
-              <a:lnSpc>
-                <a:spcPct val="100000"/>
-              </a:lnSpc>
-              <a:spcBef>
-                <a:spcPts val="0"/>
-              </a:spcBef>
-              <a:spcAft>
-                <a:spcPts val="0"/>
-              </a:spcAft>
-              <a:buNone/>
-            </a:pPr>
-            <a:r>
-              <a:rPr lang="en" sz="800"/>
-              <a:t>Chess Pieces Image credit: Wikipedia user Cburnett, CC BY-SA 3.0</a:t>
-            </a:r>
-            <a:endParaRPr sz="800"/>
-          </a:p>
-          <a:p>
-            <a:pPr indent="0" lvl="0" marL="0" rtl="0" algn="l">
-              <a:lnSpc>
-                <a:spcPct val="100000"/>
-              </a:lnSpc>
-              <a:spcBef>
-                <a:spcPts val="1200"/>
-              </a:spcBef>
-              <a:spcAft>
-                <a:spcPts val="1200"/>
-              </a:spcAft>
-              <a:buNone/>
-            </a:pPr>
-            <a:r>
-              <a:rPr lang="en" sz="800"/>
-              <a:t>commons.wikimedia.org/wiki/Category:PNG_chess_pieces/</a:t>
-            </a:r>
-            <a:endParaRPr sz="800"/>
-          </a:p>
-        </p:txBody>
-      </p:sp>
     </p:spTree>
   </p:cSld>
   <p:clrMapOvr>
@@ -9962,7 +9579,7 @@
   <p:cSld>
     <p:spTree>
       <p:nvGrpSpPr>
-        <p:cNvPr id="146" name="Shape 146"/>
+        <p:cNvPr id="140" name="Shape 140"/>
         <p:cNvGrpSpPr/>
         <p:nvPr/>
       </p:nvGrpSpPr>
@@ -9976,7 +9593,7 @@
       </p:grpSpPr>
       <p:sp>
         <p:nvSpPr>
-          <p:cNvPr id="147" name="Google Shape;147;p25"/>
+          <p:cNvPr id="141" name="Google Shape;141;p25"/>
           <p:cNvSpPr/>
           <p:nvPr/>
         </p:nvSpPr>
@@ -10025,7 +9642,7 @@
       </p:sp>
       <p:sp>
         <p:nvSpPr>
-          <p:cNvPr id="148" name="Google Shape;148;p25"/>
+          <p:cNvPr id="142" name="Google Shape;142;p25"/>
           <p:cNvSpPr txBox="1"/>
           <p:nvPr>
             <p:ph idx="2" type="body"/>
@@ -10232,21 +9849,22 @@
       </p:sp>
       <p:pic>
         <p:nvPicPr>
-          <p:cNvPr id="149" name="Google Shape;149;p25"/>
+          <p:cNvPr id="143" name="Google Shape;143;p25"/>
           <p:cNvPicPr preferRelativeResize="0"/>
           <p:nvPr/>
         </p:nvPicPr>
-        <p:blipFill rotWithShape="1">
+        <p:blipFill>
           <a:blip r:embed="rId4">
             <a:alphaModFix/>
           </a:blip>
-          <a:srcRect b="0" l="26675" r="26680" t="0"/>
-          <a:stretch/>
+          <a:stretch>
+            <a:fillRect/>
+          </a:stretch>
         </p:blipFill>
         <p:spPr>
           <a:xfrm>
             <a:off x="0" y="0"/>
-            <a:ext cx="4429234" cy="5143499"/>
+            <a:ext cx="6408575" cy="5143500"/>
           </a:xfrm>
           <a:prstGeom prst="rect">
             <a:avLst/>
@@ -10257,68 +9875,6 @@
           </a:ln>
         </p:spPr>
       </p:pic>
-      <p:sp>
-        <p:nvSpPr>
-          <p:cNvPr id="150" name="Google Shape;150;p25"/>
-          <p:cNvSpPr txBox="1"/>
-          <p:nvPr>
-            <p:ph idx="1" type="body"/>
-          </p:nvPr>
-        </p:nvSpPr>
-        <p:spPr>
-          <a:xfrm>
-            <a:off x="0" y="4465200"/>
-            <a:ext cx="3682200" cy="678300"/>
-          </a:xfrm>
-          <a:prstGeom prst="rect">
-            <a:avLst/>
-          </a:prstGeom>
-        </p:spPr>
-        <p:txBody>
-          <a:bodyPr anchorCtr="0" anchor="b" bIns="91425" lIns="91425" spcFirstLastPara="1" rIns="91425" wrap="square" tIns="91425">
-            <a:normAutofit/>
-          </a:bodyPr>
-          <a:lstStyle/>
-          <a:p>
-            <a:pPr indent="0" lvl="0" marL="0" rtl="0" algn="l">
-              <a:lnSpc>
-                <a:spcPct val="100000"/>
-              </a:lnSpc>
-              <a:spcBef>
-                <a:spcPts val="0"/>
-              </a:spcBef>
-              <a:spcAft>
-                <a:spcPts val="0"/>
-              </a:spcAft>
-              <a:buNone/>
-            </a:pPr>
-            <a:r>
-              <a:rPr lang="en" sz="800"/>
-              <a:t>Chess Pieces Image credit: Wikipedia user Cburnett, CC BY-SA 3.0</a:t>
-            </a:r>
-            <a:endParaRPr sz="800"/>
-          </a:p>
-          <a:p>
-            <a:pPr indent="0" lvl="0" marL="0" rtl="0" algn="l">
-              <a:lnSpc>
-                <a:spcPct val="100000"/>
-              </a:lnSpc>
-              <a:spcBef>
-                <a:spcPts val="1200"/>
-              </a:spcBef>
-              <a:spcAft>
-                <a:spcPts val="1200"/>
-              </a:spcAft>
-              <a:buNone/>
-            </a:pPr>
-            <a:r>
-              <a:rPr lang="en" sz="800"/>
-              <a:t>commons.wikimedia.org/wiki/Category:PNG_chess_pieces/</a:t>
-            </a:r>
-            <a:endParaRPr sz="800"/>
-          </a:p>
-        </p:txBody>
-      </p:sp>
     </p:spTree>
   </p:cSld>
   <p:clrMapOvr>
@@ -10328,6 +9884,320 @@
 </file>
 
 <file path=ppt/slides/slide14.xml><?xml version="1.0" encoding="utf-8"?>
+<p:sld xmlns:a="http://schemas.openxmlformats.org/drawingml/2006/main" xmlns:r="http://schemas.openxmlformats.org/officeDocument/2006/relationships" xmlns:mc="http://schemas.openxmlformats.org/markup-compatibility/2006" xmlns:mv="urn:schemas-microsoft-com:mac:vml" xmlns:p="http://schemas.openxmlformats.org/presentationml/2006/main" xmlns:c="http://schemas.openxmlformats.org/drawingml/2006/chart" xmlns:dgm="http://schemas.openxmlformats.org/drawingml/2006/diagram" xmlns:o="urn:schemas-microsoft-com:office:office" xmlns:v="urn:schemas-microsoft-com:vml" xmlns:pvml="urn:schemas-microsoft-com:office:powerpoint" xmlns:com="http://schemas.openxmlformats.org/drawingml/2006/compatibility" xmlns:p14="http://schemas.microsoft.com/office/powerpoint/2010/main" xmlns:p15="http://schemas.microsoft.com/office/powerpoint/2012/main" xmlns:ahyp="http://schemas.microsoft.com/office/drawing/2018/hyperlinkcolor">
+  <p:cSld>
+    <p:spTree>
+      <p:nvGrpSpPr>
+        <p:cNvPr id="147" name="Shape 147"/>
+        <p:cNvGrpSpPr/>
+        <p:nvPr/>
+      </p:nvGrpSpPr>
+      <p:grpSpPr>
+        <a:xfrm>
+          <a:off x="0" y="0"/>
+          <a:ext cx="0" cy="0"/>
+          <a:chOff x="0" y="0"/>
+          <a:chExt cx="0" cy="0"/>
+        </a:xfrm>
+      </p:grpSpPr>
+      <p:sp>
+        <p:nvSpPr>
+          <p:cNvPr id="148" name="Google Shape;148;p26"/>
+          <p:cNvSpPr/>
+          <p:nvPr/>
+        </p:nvSpPr>
+        <p:spPr>
+          <a:xfrm>
+            <a:off x="6408575" y="8325"/>
+            <a:ext cx="2735400" cy="5143500"/>
+          </a:xfrm>
+          <a:prstGeom prst="rect">
+            <a:avLst/>
+          </a:prstGeom>
+          <a:solidFill>
+            <a:srgbClr val="2EE4DA"/>
+          </a:solidFill>
+          <a:ln cap="flat" cmpd="sng" w="9525">
+            <a:solidFill>
+              <a:srgbClr val="1FC5BC"/>
+            </a:solidFill>
+            <a:prstDash val="solid"/>
+            <a:round/>
+            <a:headEnd len="sm" w="sm" type="none"/>
+            <a:tailEnd len="sm" w="sm" type="none"/>
+          </a:ln>
+        </p:spPr>
+        <p:txBody>
+          <a:bodyPr anchorCtr="0" anchor="ctr" bIns="91425" lIns="91425" spcFirstLastPara="1" rIns="91425" wrap="square" tIns="91425">
+            <a:noAutofit/>
+          </a:bodyPr>
+          <a:lstStyle/>
+          <a:p>
+            <a:pPr indent="0" lvl="0" marL="0" rtl="0" algn="l">
+              <a:spcBef>
+                <a:spcPts val="0"/>
+              </a:spcBef>
+              <a:spcAft>
+                <a:spcPts val="0"/>
+              </a:spcAft>
+              <a:buNone/>
+            </a:pPr>
+            <a:r>
+              <a:t/>
+            </a:r>
+            <a:endParaRPr/>
+          </a:p>
+        </p:txBody>
+      </p:sp>
+      <p:sp>
+        <p:nvSpPr>
+          <p:cNvPr id="149" name="Google Shape;149;p26"/>
+          <p:cNvSpPr txBox="1"/>
+          <p:nvPr>
+            <p:ph idx="2" type="body"/>
+          </p:nvPr>
+        </p:nvSpPr>
+        <p:spPr>
+          <a:xfrm>
+            <a:off x="6825350" y="1152475"/>
+            <a:ext cx="2007000" cy="3416400"/>
+          </a:xfrm>
+          <a:prstGeom prst="rect">
+            <a:avLst/>
+          </a:prstGeom>
+        </p:spPr>
+        <p:txBody>
+          <a:bodyPr anchorCtr="0" anchor="t" bIns="91425" lIns="91425" spcFirstLastPara="1" rIns="91425" wrap="square" tIns="91425">
+            <a:normAutofit/>
+          </a:bodyPr>
+          <a:lstStyle/>
+          <a:p>
+            <a:pPr indent="0" lvl="0" marL="0" rtl="0" algn="l">
+              <a:spcBef>
+                <a:spcPts val="0"/>
+              </a:spcBef>
+              <a:spcAft>
+                <a:spcPts val="0"/>
+              </a:spcAft>
+              <a:buNone/>
+            </a:pPr>
+            <a:r>
+              <a:rPr lang="en" sz="1200" u="sng">
+                <a:solidFill>
+                  <a:schemeClr val="dk1"/>
+                </a:solidFill>
+              </a:rPr>
+              <a:t>Use Case -  </a:t>
+            </a:r>
+            <a:r>
+              <a:rPr lang="en" sz="1200" u="sng">
+                <a:solidFill>
+                  <a:schemeClr val="dk1"/>
+                </a:solidFill>
+                <a:hlinkClick r:id="rId3">
+                  <a:extLst>
+                    <a:ext uri="{A12FA001-AC4F-418D-AE19-62706E023703}">
+                      <ahyp:hlinkClr val="tx"/>
+                    </a:ext>
+                  </a:extLst>
+                </a:hlinkClick>
+              </a:rPr>
+              <a:t>UC-1.3</a:t>
+            </a:r>
+            <a:endParaRPr sz="1200" u="sng">
+              <a:solidFill>
+                <a:schemeClr val="dk1"/>
+              </a:solidFill>
+            </a:endParaRPr>
+          </a:p>
+          <a:p>
+            <a:pPr indent="0" lvl="0" marL="0" rtl="0" algn="l">
+              <a:spcBef>
+                <a:spcPts val="1200"/>
+              </a:spcBef>
+              <a:spcAft>
+                <a:spcPts val="0"/>
+              </a:spcAft>
+              <a:buNone/>
+            </a:pPr>
+            <a:r>
+              <a:rPr lang="en" sz="1200">
+                <a:solidFill>
+                  <a:schemeClr val="dk1"/>
+                </a:solidFill>
+              </a:rPr>
+              <a:t>Task:</a:t>
+            </a:r>
+            <a:endParaRPr sz="1200">
+              <a:solidFill>
+                <a:schemeClr val="dk1"/>
+              </a:solidFill>
+            </a:endParaRPr>
+          </a:p>
+          <a:p>
+            <a:pPr indent="0" lvl="0" marL="0" rtl="0" algn="l">
+              <a:spcBef>
+                <a:spcPts val="1200"/>
+              </a:spcBef>
+              <a:spcAft>
+                <a:spcPts val="0"/>
+              </a:spcAft>
+              <a:buNone/>
+            </a:pPr>
+            <a:r>
+              <a:rPr lang="en" sz="1200">
+                <a:solidFill>
+                  <a:schemeClr val="dk1"/>
+                </a:solidFill>
+              </a:rPr>
+              <a:t>Changing Piece Selection</a:t>
+            </a:r>
+            <a:endParaRPr sz="1200">
+              <a:solidFill>
+                <a:schemeClr val="dk1"/>
+              </a:solidFill>
+            </a:endParaRPr>
+          </a:p>
+          <a:p>
+            <a:pPr indent="0" lvl="0" marL="0" rtl="0" algn="l">
+              <a:spcBef>
+                <a:spcPts val="1200"/>
+              </a:spcBef>
+              <a:spcAft>
+                <a:spcPts val="0"/>
+              </a:spcAft>
+              <a:buNone/>
+            </a:pPr>
+            <a:r>
+              <a:rPr lang="en" sz="1200">
+                <a:solidFill>
+                  <a:schemeClr val="dk1"/>
+                </a:solidFill>
+              </a:rPr>
+              <a:t>Action:</a:t>
+            </a:r>
+            <a:endParaRPr sz="1200">
+              <a:solidFill>
+                <a:schemeClr val="dk1"/>
+              </a:solidFill>
+            </a:endParaRPr>
+          </a:p>
+          <a:p>
+            <a:pPr indent="0" lvl="0" marL="0" rtl="0" algn="l">
+              <a:spcBef>
+                <a:spcPts val="1200"/>
+              </a:spcBef>
+              <a:spcAft>
+                <a:spcPts val="0"/>
+              </a:spcAft>
+              <a:buNone/>
+            </a:pPr>
+            <a:r>
+              <a:rPr lang="en" sz="1200">
+                <a:solidFill>
+                  <a:schemeClr val="dk1"/>
+                </a:solidFill>
+              </a:rPr>
+              <a:t>Initially the a2 pawn is selected.</a:t>
+            </a:r>
+            <a:endParaRPr sz="1200">
+              <a:solidFill>
+                <a:schemeClr val="dk1"/>
+              </a:solidFill>
+            </a:endParaRPr>
+          </a:p>
+          <a:p>
+            <a:pPr indent="0" lvl="0" marL="0" rtl="0" algn="l">
+              <a:spcBef>
+                <a:spcPts val="1200"/>
+              </a:spcBef>
+              <a:spcAft>
+                <a:spcPts val="0"/>
+              </a:spcAft>
+              <a:buNone/>
+            </a:pPr>
+            <a:r>
+              <a:rPr lang="en" sz="1200">
+                <a:solidFill>
+                  <a:schemeClr val="dk1"/>
+                </a:solidFill>
+              </a:rPr>
+              <a:t>Result:</a:t>
+            </a:r>
+            <a:endParaRPr sz="1200">
+              <a:solidFill>
+                <a:schemeClr val="dk1"/>
+              </a:solidFill>
+            </a:endParaRPr>
+          </a:p>
+          <a:p>
+            <a:pPr indent="0" lvl="0" marL="0" rtl="0" algn="l">
+              <a:spcBef>
+                <a:spcPts val="1200"/>
+              </a:spcBef>
+              <a:spcAft>
+                <a:spcPts val="1200"/>
+              </a:spcAft>
+              <a:buClr>
+                <a:schemeClr val="dk1"/>
+              </a:buClr>
+              <a:buSzPts val="1100"/>
+              <a:buFont typeface="Arial"/>
+              <a:buNone/>
+            </a:pPr>
+            <a:r>
+              <a:rPr lang="en" sz="1200">
+                <a:solidFill>
+                  <a:schemeClr val="dk1"/>
+                </a:solidFill>
+              </a:rPr>
+              <a:t>Only the board square of the a2 pawn and it’s legal moves is highlighted. </a:t>
+            </a:r>
+            <a:endParaRPr sz="1200">
+              <a:solidFill>
+                <a:schemeClr val="dk1"/>
+              </a:solidFill>
+            </a:endParaRPr>
+          </a:p>
+        </p:txBody>
+      </p:sp>
+      <p:pic>
+        <p:nvPicPr>
+          <p:cNvPr id="150" name="Google Shape;150;p26"/>
+          <p:cNvPicPr preferRelativeResize="0"/>
+          <p:nvPr/>
+        </p:nvPicPr>
+        <p:blipFill>
+          <a:blip r:embed="rId4">
+            <a:alphaModFix/>
+          </a:blip>
+          <a:stretch>
+            <a:fillRect/>
+          </a:stretch>
+        </p:blipFill>
+        <p:spPr>
+          <a:xfrm>
+            <a:off x="0" y="0"/>
+            <a:ext cx="6408576" cy="5151826"/>
+          </a:xfrm>
+          <a:prstGeom prst="rect">
+            <a:avLst/>
+          </a:prstGeom>
+          <a:noFill/>
+          <a:ln>
+            <a:noFill/>
+          </a:ln>
+        </p:spPr>
+      </p:pic>
+    </p:spTree>
+  </p:cSld>
+  <p:clrMapOvr>
+    <a:masterClrMapping/>
+  </p:clrMapOvr>
+</p:sld>
+</file>
+
+<file path=ppt/slides/slide15.xml><?xml version="1.0" encoding="utf-8"?>
 <p:sld xmlns:a="http://schemas.openxmlformats.org/drawingml/2006/main" xmlns:r="http://schemas.openxmlformats.org/officeDocument/2006/relationships" xmlns:mc="http://schemas.openxmlformats.org/markup-compatibility/2006" xmlns:mv="urn:schemas-microsoft-com:mac:vml" xmlns:p="http://schemas.openxmlformats.org/presentationml/2006/main" xmlns:c="http://schemas.openxmlformats.org/drawingml/2006/chart" xmlns:dgm="http://schemas.openxmlformats.org/drawingml/2006/diagram" xmlns:o="urn:schemas-microsoft-com:office:office" xmlns:v="urn:schemas-microsoft-com:vml" xmlns:pvml="urn:schemas-microsoft-com:office:powerpoint" xmlns:com="http://schemas.openxmlformats.org/drawingml/2006/compatibility" xmlns:p14="http://schemas.microsoft.com/office/powerpoint/2010/main" xmlns:p15="http://schemas.microsoft.com/office/powerpoint/2012/main" xmlns:ahyp="http://schemas.microsoft.com/office/drawing/2018/hyperlinkcolor">
   <p:cSld>
     <p:spTree>
@@ -10346,7 +10216,7 @@
       </p:grpSpPr>
       <p:sp>
         <p:nvSpPr>
-          <p:cNvPr id="155" name="Google Shape;155;p26"/>
+          <p:cNvPr id="155" name="Google Shape;155;p27"/>
           <p:cNvSpPr/>
           <p:nvPr/>
         </p:nvSpPr>
@@ -10395,7 +10265,7 @@
       </p:sp>
       <p:sp>
         <p:nvSpPr>
-          <p:cNvPr id="156" name="Google Shape;156;p26"/>
+          <p:cNvPr id="156" name="Google Shape;156;p27"/>
           <p:cNvSpPr txBox="1"/>
           <p:nvPr>
             <p:ph idx="2" type="body"/>
@@ -10518,7 +10388,7 @@
                   <a:schemeClr val="dk1"/>
                 </a:solidFill>
               </a:rPr>
-              <a:t>Action:</a:t>
+              <a:t>Action: </a:t>
             </a:r>
             <a:endParaRPr sz="1200">
               <a:solidFill>
@@ -10542,7 +10412,7 @@
                   <a:schemeClr val="dk1"/>
                 </a:solidFill>
               </a:rPr>
-              <a:t>Initially the a2 pawn is selected.</a:t>
+              <a:t>The g1 knight is now selected</a:t>
             </a:r>
             <a:endParaRPr sz="1200">
               <a:solidFill>
@@ -10582,11 +10452,6 @@
               <a:spcAft>
                 <a:spcPts val="1200"/>
               </a:spcAft>
-              <a:buClr>
-                <a:schemeClr val="dk1"/>
-              </a:buClr>
-              <a:buSzPts val="1100"/>
-              <a:buFont typeface="Arial"/>
               <a:buNone/>
             </a:pPr>
             <a:r>
@@ -10595,7 +10460,39 @@
                   <a:schemeClr val="dk1"/>
                 </a:solidFill>
               </a:rPr>
-              <a:t>Only the board square of the a2 pawn and it’s legal moves is highlighted. </a:t>
+              <a:t>The board </a:t>
+            </a:r>
+            <a:r>
+              <a:rPr lang="en" sz="1200">
+                <a:solidFill>
+                  <a:schemeClr val="dk1"/>
+                </a:solidFill>
+              </a:rPr>
+              <a:t>square</a:t>
+            </a:r>
+            <a:r>
+              <a:rPr lang="en" sz="1200">
+                <a:solidFill>
+                  <a:schemeClr val="dk1"/>
+                </a:solidFill>
+              </a:rPr>
+              <a:t> of </a:t>
+            </a:r>
+            <a:r>
+              <a:rPr lang="en" sz="1200">
+                <a:solidFill>
+                  <a:schemeClr val="dk1"/>
+                </a:solidFill>
+              </a:rPr>
+              <a:t>the</a:t>
+            </a:r>
+            <a:r>
+              <a:rPr lang="en" sz="1200">
+                <a:solidFill>
+                  <a:schemeClr val="dk1"/>
+                </a:solidFill>
+              </a:rPr>
+              <a:t> newly selected knight piece is highlighted.</a:t>
             </a:r>
             <a:endParaRPr sz="1200">
               <a:solidFill>
@@ -10607,21 +10504,22 @@
       </p:sp>
       <p:pic>
         <p:nvPicPr>
-          <p:cNvPr id="157" name="Google Shape;157;p26"/>
+          <p:cNvPr id="157" name="Google Shape;157;p27"/>
           <p:cNvPicPr preferRelativeResize="0"/>
           <p:nvPr/>
         </p:nvPicPr>
-        <p:blipFill rotWithShape="1">
+        <p:blipFill>
           <a:blip r:embed="rId4">
             <a:alphaModFix/>
           </a:blip>
-          <a:srcRect b="0" l="24592" r="24587" t="0"/>
-          <a:stretch/>
+          <a:stretch>
+            <a:fillRect/>
+          </a:stretch>
         </p:blipFill>
         <p:spPr>
           <a:xfrm>
-            <a:off x="0" y="0"/>
-            <a:ext cx="4825680" cy="5143499"/>
+            <a:off x="0" y="8325"/>
+            <a:ext cx="6408577" cy="5135175"/>
           </a:xfrm>
           <a:prstGeom prst="rect">
             <a:avLst/>
@@ -10632,68 +10530,6 @@
           </a:ln>
         </p:spPr>
       </p:pic>
-      <p:sp>
-        <p:nvSpPr>
-          <p:cNvPr id="158" name="Google Shape;158;p26"/>
-          <p:cNvSpPr txBox="1"/>
-          <p:nvPr>
-            <p:ph idx="1" type="body"/>
-          </p:nvPr>
-        </p:nvSpPr>
-        <p:spPr>
-          <a:xfrm>
-            <a:off x="0" y="4465200"/>
-            <a:ext cx="3682200" cy="678300"/>
-          </a:xfrm>
-          <a:prstGeom prst="rect">
-            <a:avLst/>
-          </a:prstGeom>
-        </p:spPr>
-        <p:txBody>
-          <a:bodyPr anchorCtr="0" anchor="b" bIns="91425" lIns="91425" spcFirstLastPara="1" rIns="91425" wrap="square" tIns="91425">
-            <a:normAutofit/>
-          </a:bodyPr>
-          <a:lstStyle/>
-          <a:p>
-            <a:pPr indent="0" lvl="0" marL="0" rtl="0" algn="l">
-              <a:lnSpc>
-                <a:spcPct val="100000"/>
-              </a:lnSpc>
-              <a:spcBef>
-                <a:spcPts val="0"/>
-              </a:spcBef>
-              <a:spcAft>
-                <a:spcPts val="0"/>
-              </a:spcAft>
-              <a:buNone/>
-            </a:pPr>
-            <a:r>
-              <a:rPr lang="en" sz="800"/>
-              <a:t>Chess Pieces Image credit: Wikipedia user Cburnett, CC BY-SA 3.0</a:t>
-            </a:r>
-            <a:endParaRPr sz="800"/>
-          </a:p>
-          <a:p>
-            <a:pPr indent="0" lvl="0" marL="0" rtl="0" algn="l">
-              <a:lnSpc>
-                <a:spcPct val="100000"/>
-              </a:lnSpc>
-              <a:spcBef>
-                <a:spcPts val="1200"/>
-              </a:spcBef>
-              <a:spcAft>
-                <a:spcPts val="1200"/>
-              </a:spcAft>
-              <a:buNone/>
-            </a:pPr>
-            <a:r>
-              <a:rPr lang="en" sz="800"/>
-              <a:t>commons.wikimedia.org/wiki/Category:PNG_chess_pieces/</a:t>
-            </a:r>
-            <a:endParaRPr sz="800"/>
-          </a:p>
-        </p:txBody>
-      </p:sp>
     </p:spTree>
   </p:cSld>
   <p:clrMapOvr>
@@ -10702,12 +10538,12 @@
 </p:sld>
 </file>
 
-<file path=ppt/slides/slide15.xml><?xml version="1.0" encoding="utf-8"?>
+<file path=ppt/slides/slide16.xml><?xml version="1.0" encoding="utf-8"?>
 <p:sld xmlns:a="http://schemas.openxmlformats.org/drawingml/2006/main" xmlns:r="http://schemas.openxmlformats.org/officeDocument/2006/relationships" xmlns:mc="http://schemas.openxmlformats.org/markup-compatibility/2006" xmlns:mv="urn:schemas-microsoft-com:mac:vml" xmlns:p="http://schemas.openxmlformats.org/presentationml/2006/main" xmlns:c="http://schemas.openxmlformats.org/drawingml/2006/chart" xmlns:dgm="http://schemas.openxmlformats.org/drawingml/2006/diagram" xmlns:o="urn:schemas-microsoft-com:office:office" xmlns:v="urn:schemas-microsoft-com:vml" xmlns:pvml="urn:schemas-microsoft-com:office:powerpoint" xmlns:com="http://schemas.openxmlformats.org/drawingml/2006/compatibility" xmlns:p14="http://schemas.microsoft.com/office/powerpoint/2010/main" xmlns:p15="http://schemas.microsoft.com/office/powerpoint/2012/main" xmlns:ahyp="http://schemas.microsoft.com/office/drawing/2018/hyperlinkcolor">
   <p:cSld>
     <p:spTree>
       <p:nvGrpSpPr>
-        <p:cNvPr id="162" name="Shape 162"/>
+        <p:cNvPr id="161" name="Shape 161"/>
         <p:cNvGrpSpPr/>
         <p:nvPr/>
       </p:nvGrpSpPr>
@@ -10721,7 +10557,7 @@
       </p:grpSpPr>
       <p:sp>
         <p:nvSpPr>
-          <p:cNvPr id="163" name="Google Shape;163;p27"/>
+          <p:cNvPr id="162" name="Google Shape;162;p28"/>
           <p:cNvSpPr/>
           <p:nvPr/>
         </p:nvSpPr>
@@ -10770,7 +10606,7 @@
       </p:sp>
       <p:sp>
         <p:nvSpPr>
-          <p:cNvPr id="164" name="Google Shape;164;p27"/>
+          <p:cNvPr id="163" name="Google Shape;163;p28"/>
           <p:cNvSpPr txBox="1"/>
           <p:nvPr>
             <p:ph idx="2" type="body"/>
@@ -10821,7 +10657,15 @@
                   </a:extLst>
                 </a:hlinkClick>
               </a:rPr>
-              <a:t>UC-1.3</a:t>
+              <a:t>UC-1.</a:t>
+            </a:r>
+            <a:r>
+              <a:rPr lang="en" sz="1200" u="sng">
+                <a:solidFill>
+                  <a:schemeClr val="dk1"/>
+                </a:solidFill>
+              </a:rPr>
+              <a:t>4</a:t>
             </a:r>
             <a:endParaRPr sz="1200" u="sng">
               <a:solidFill>
@@ -10869,7 +10713,7 @@
                   <a:schemeClr val="dk1"/>
                 </a:solidFill>
               </a:rPr>
-              <a:t>Changing Piece Selection</a:t>
+              <a:t>Special Moves</a:t>
             </a:r>
             <a:endParaRPr sz="1200">
               <a:solidFill>
@@ -10893,7 +10737,7 @@
                   <a:schemeClr val="dk1"/>
                 </a:solidFill>
               </a:rPr>
-              <a:t>Action: </a:t>
+              <a:t>Action:</a:t>
             </a:r>
             <a:endParaRPr sz="1200">
               <a:solidFill>
@@ -10917,7 +10761,7 @@
                   <a:schemeClr val="dk1"/>
                 </a:solidFill>
               </a:rPr>
-              <a:t>The g1 knight is now selected</a:t>
+              <a:t>Click the white king piece</a:t>
             </a:r>
             <a:endParaRPr sz="1200">
               <a:solidFill>
@@ -10957,6 +10801,11 @@
               <a:spcAft>
                 <a:spcPts val="1200"/>
               </a:spcAft>
+              <a:buClr>
+                <a:schemeClr val="dk1"/>
+              </a:buClr>
+              <a:buSzPts val="1100"/>
+              <a:buFont typeface="Arial"/>
               <a:buNone/>
             </a:pPr>
             <a:r>
@@ -10965,39 +10814,7 @@
                   <a:schemeClr val="dk1"/>
                 </a:solidFill>
               </a:rPr>
-              <a:t>The board </a:t>
-            </a:r>
-            <a:r>
-              <a:rPr lang="en" sz="1200">
-                <a:solidFill>
-                  <a:schemeClr val="dk1"/>
-                </a:solidFill>
-              </a:rPr>
-              <a:t>square</a:t>
-            </a:r>
-            <a:r>
-              <a:rPr lang="en" sz="1200">
-                <a:solidFill>
-                  <a:schemeClr val="dk1"/>
-                </a:solidFill>
-              </a:rPr>
-              <a:t> of </a:t>
-            </a:r>
-            <a:r>
-              <a:rPr lang="en" sz="1200">
-                <a:solidFill>
-                  <a:schemeClr val="dk1"/>
-                </a:solidFill>
-              </a:rPr>
-              <a:t>the</a:t>
-            </a:r>
-            <a:r>
-              <a:rPr lang="en" sz="1200">
-                <a:solidFill>
-                  <a:schemeClr val="dk1"/>
-                </a:solidFill>
-              </a:rPr>
-              <a:t> newly selected knight piece is highlighted.</a:t>
+              <a:t>The white king piece is selected showing all legal moves including castling.</a:t>
             </a:r>
             <a:endParaRPr sz="1200">
               <a:solidFill>
@@ -11009,21 +10826,22 @@
       </p:sp>
       <p:pic>
         <p:nvPicPr>
-          <p:cNvPr id="165" name="Google Shape;165;p27"/>
+          <p:cNvPr id="164" name="Google Shape;164;p28"/>
           <p:cNvPicPr preferRelativeResize="0"/>
           <p:nvPr/>
         </p:nvPicPr>
-        <p:blipFill rotWithShape="1">
+        <p:blipFill>
           <a:blip r:embed="rId4">
             <a:alphaModFix/>
           </a:blip>
-          <a:srcRect b="0" l="23645" r="23645" t="0"/>
-          <a:stretch/>
+          <a:stretch>
+            <a:fillRect/>
+          </a:stretch>
         </p:blipFill>
         <p:spPr>
           <a:xfrm>
-            <a:off x="0" y="0"/>
-            <a:ext cx="5005234" cy="5143499"/>
+            <a:off x="0" y="8325"/>
+            <a:ext cx="6408573" cy="5143500"/>
           </a:xfrm>
           <a:prstGeom prst="rect">
             <a:avLst/>
@@ -11034,68 +10852,6 @@
           </a:ln>
         </p:spPr>
       </p:pic>
-      <p:sp>
-        <p:nvSpPr>
-          <p:cNvPr id="166" name="Google Shape;166;p27"/>
-          <p:cNvSpPr txBox="1"/>
-          <p:nvPr>
-            <p:ph idx="1" type="body"/>
-          </p:nvPr>
-        </p:nvSpPr>
-        <p:spPr>
-          <a:xfrm>
-            <a:off x="789250" y="4456975"/>
-            <a:ext cx="3682200" cy="678300"/>
-          </a:xfrm>
-          <a:prstGeom prst="rect">
-            <a:avLst/>
-          </a:prstGeom>
-        </p:spPr>
-        <p:txBody>
-          <a:bodyPr anchorCtr="0" anchor="b" bIns="91425" lIns="91425" spcFirstLastPara="1" rIns="91425" wrap="square" tIns="91425">
-            <a:normAutofit/>
-          </a:bodyPr>
-          <a:lstStyle/>
-          <a:p>
-            <a:pPr indent="0" lvl="0" marL="0" rtl="0" algn="l">
-              <a:lnSpc>
-                <a:spcPct val="100000"/>
-              </a:lnSpc>
-              <a:spcBef>
-                <a:spcPts val="0"/>
-              </a:spcBef>
-              <a:spcAft>
-                <a:spcPts val="0"/>
-              </a:spcAft>
-              <a:buNone/>
-            </a:pPr>
-            <a:r>
-              <a:rPr lang="en" sz="800"/>
-              <a:t>Chess Pieces Image credit: Wikipedia user Cburnett, CC BY-SA 3.0</a:t>
-            </a:r>
-            <a:endParaRPr sz="800"/>
-          </a:p>
-          <a:p>
-            <a:pPr indent="0" lvl="0" marL="0" rtl="0" algn="l">
-              <a:lnSpc>
-                <a:spcPct val="100000"/>
-              </a:lnSpc>
-              <a:spcBef>
-                <a:spcPts val="1200"/>
-              </a:spcBef>
-              <a:spcAft>
-                <a:spcPts val="1200"/>
-              </a:spcAft>
-              <a:buNone/>
-            </a:pPr>
-            <a:r>
-              <a:rPr lang="en" sz="800"/>
-              <a:t>commons.wikimedia.org/wiki/Category:PNG_chess_pieces/</a:t>
-            </a:r>
-            <a:endParaRPr sz="800"/>
-          </a:p>
-        </p:txBody>
-      </p:sp>
     </p:spTree>
   </p:cSld>
   <p:clrMapOvr>
@@ -11104,12 +10860,12 @@
 </p:sld>
 </file>
 
-<file path=ppt/slides/slide16.xml><?xml version="1.0" encoding="utf-8"?>
+<file path=ppt/slides/slide17.xml><?xml version="1.0" encoding="utf-8"?>
 <p:sld xmlns:a="http://schemas.openxmlformats.org/drawingml/2006/main" xmlns:r="http://schemas.openxmlformats.org/officeDocument/2006/relationships" xmlns:mc="http://schemas.openxmlformats.org/markup-compatibility/2006" xmlns:mv="urn:schemas-microsoft-com:mac:vml" xmlns:p="http://schemas.openxmlformats.org/presentationml/2006/main" xmlns:c="http://schemas.openxmlformats.org/drawingml/2006/chart" xmlns:dgm="http://schemas.openxmlformats.org/drawingml/2006/diagram" xmlns:o="urn:schemas-microsoft-com:office:office" xmlns:v="urn:schemas-microsoft-com:vml" xmlns:pvml="urn:schemas-microsoft-com:office:powerpoint" xmlns:com="http://schemas.openxmlformats.org/drawingml/2006/compatibility" xmlns:p14="http://schemas.microsoft.com/office/powerpoint/2010/main" xmlns:p15="http://schemas.microsoft.com/office/powerpoint/2012/main" xmlns:ahyp="http://schemas.microsoft.com/office/drawing/2018/hyperlinkcolor">
   <p:cSld>
     <p:spTree>
       <p:nvGrpSpPr>
-        <p:cNvPr id="170" name="Shape 170"/>
+        <p:cNvPr id="168" name="Shape 168"/>
         <p:cNvGrpSpPr/>
         <p:nvPr/>
       </p:nvGrpSpPr>
@@ -11123,7 +10879,7 @@
       </p:grpSpPr>
       <p:sp>
         <p:nvSpPr>
-          <p:cNvPr id="171" name="Google Shape;171;p28"/>
+          <p:cNvPr id="169" name="Google Shape;169;p29"/>
           <p:cNvSpPr/>
           <p:nvPr/>
         </p:nvSpPr>
@@ -11172,7 +10928,7 @@
       </p:sp>
       <p:sp>
         <p:nvSpPr>
-          <p:cNvPr id="172" name="Google Shape;172;p28"/>
+          <p:cNvPr id="170" name="Google Shape;170;p29"/>
           <p:cNvSpPr txBox="1"/>
           <p:nvPr>
             <p:ph idx="2" type="body"/>
@@ -11279,7 +11035,7 @@
                   <a:schemeClr val="dk1"/>
                 </a:solidFill>
               </a:rPr>
-              <a:t>Special Moves</a:t>
+              <a:t>Special moves</a:t>
             </a:r>
             <a:endParaRPr sz="1200">
               <a:solidFill>
@@ -11303,7 +11059,7 @@
                   <a:schemeClr val="dk1"/>
                 </a:solidFill>
               </a:rPr>
-              <a:t>Action:</a:t>
+              <a:t>Action: </a:t>
             </a:r>
             <a:endParaRPr sz="1200">
               <a:solidFill>
@@ -11327,7 +11083,7 @@
                   <a:schemeClr val="dk1"/>
                 </a:solidFill>
               </a:rPr>
-              <a:t>Click the white king piece</a:t>
+              <a:t>The king side rook piece is selected.</a:t>
             </a:r>
             <a:endParaRPr sz="1200">
               <a:solidFill>
@@ -11367,11 +11123,6 @@
               <a:spcAft>
                 <a:spcPts val="1200"/>
               </a:spcAft>
-              <a:buClr>
-                <a:schemeClr val="dk1"/>
-              </a:buClr>
-              <a:buSzPts val="1100"/>
-              <a:buFont typeface="Arial"/>
               <a:buNone/>
             </a:pPr>
             <a:r>
@@ -11380,81 +11131,19 @@
                   <a:schemeClr val="dk1"/>
                 </a:solidFill>
               </a:rPr>
-              <a:t>The white king piece is selected showing all legal moves including castling.</a:t>
+              <a:t>The king will move 2 squares to the right and the kingside rook will move 2 squares to the left.</a:t>
             </a:r>
             <a:endParaRPr sz="1200">
               <a:solidFill>
                 <a:schemeClr val="dk1"/>
               </a:solidFill>
             </a:endParaRPr>
-          </a:p>
-        </p:txBody>
-      </p:sp>
-      <p:sp>
-        <p:nvSpPr>
-          <p:cNvPr id="173" name="Google Shape;173;p28"/>
-          <p:cNvSpPr txBox="1"/>
-          <p:nvPr>
-            <p:ph idx="1" type="body"/>
-          </p:nvPr>
-        </p:nvSpPr>
-        <p:spPr>
-          <a:xfrm>
-            <a:off x="0" y="4465200"/>
-            <a:ext cx="3682200" cy="678300"/>
-          </a:xfrm>
-          <a:prstGeom prst="rect">
-            <a:avLst/>
-          </a:prstGeom>
-        </p:spPr>
-        <p:txBody>
-          <a:bodyPr anchorCtr="0" anchor="b" bIns="91425" lIns="91425" spcFirstLastPara="1" rIns="91425" wrap="square" tIns="91425">
-            <a:normAutofit/>
-          </a:bodyPr>
-          <a:lstStyle/>
-          <a:p>
-            <a:pPr indent="0" lvl="0" marL="0" rtl="0" algn="l">
-              <a:lnSpc>
-                <a:spcPct val="100000"/>
-              </a:lnSpc>
-              <a:spcBef>
-                <a:spcPts val="0"/>
-              </a:spcBef>
-              <a:spcAft>
-                <a:spcPts val="0"/>
-              </a:spcAft>
-              <a:buNone/>
-            </a:pPr>
-            <a:r>
-              <a:rPr lang="en" sz="800"/>
-              <a:t>Chess Pieces Image credit: Wikipedia user Cburnett, CC BY-SA 3.0</a:t>
-            </a:r>
-            <a:endParaRPr sz="800"/>
-          </a:p>
-          <a:p>
-            <a:pPr indent="0" lvl="0" marL="0" rtl="0" algn="l">
-              <a:lnSpc>
-                <a:spcPct val="100000"/>
-              </a:lnSpc>
-              <a:spcBef>
-                <a:spcPts val="1200"/>
-              </a:spcBef>
-              <a:spcAft>
-                <a:spcPts val="1200"/>
-              </a:spcAft>
-              <a:buNone/>
-            </a:pPr>
-            <a:r>
-              <a:rPr lang="en" sz="800"/>
-              <a:t>commons.wikimedia.org/wiki/Category:PNG_chess_pieces/</a:t>
-            </a:r>
-            <a:endParaRPr sz="800"/>
           </a:p>
         </p:txBody>
       </p:sp>
       <p:pic>
         <p:nvPicPr>
-          <p:cNvPr id="174" name="Google Shape;174;p28"/>
+          <p:cNvPr id="171" name="Google Shape;171;p29"/>
           <p:cNvPicPr preferRelativeResize="0"/>
           <p:nvPr/>
         </p:nvPicPr>
@@ -11468,8 +11157,8 @@
         </p:blipFill>
         <p:spPr>
           <a:xfrm>
-            <a:off x="152400" y="152400"/>
-            <a:ext cx="6103775" cy="3083761"/>
+            <a:off x="0" y="8325"/>
+            <a:ext cx="6408574" cy="5143499"/>
           </a:xfrm>
           <a:prstGeom prst="rect">
             <a:avLst/>
@@ -11488,12 +11177,12 @@
 </p:sld>
 </file>
 
-<file path=ppt/slides/slide17.xml><?xml version="1.0" encoding="utf-8"?>
+<file path=ppt/slides/slide18.xml><?xml version="1.0" encoding="utf-8"?>
 <p:sld xmlns:a="http://schemas.openxmlformats.org/drawingml/2006/main" xmlns:r="http://schemas.openxmlformats.org/officeDocument/2006/relationships" xmlns:mc="http://schemas.openxmlformats.org/markup-compatibility/2006" xmlns:mv="urn:schemas-microsoft-com:mac:vml" xmlns:p="http://schemas.openxmlformats.org/presentationml/2006/main" xmlns:c="http://schemas.openxmlformats.org/drawingml/2006/chart" xmlns:dgm="http://schemas.openxmlformats.org/drawingml/2006/diagram" xmlns:o="urn:schemas-microsoft-com:office:office" xmlns:v="urn:schemas-microsoft-com:vml" xmlns:pvml="urn:schemas-microsoft-com:office:powerpoint" xmlns:com="http://schemas.openxmlformats.org/drawingml/2006/compatibility" xmlns:p14="http://schemas.microsoft.com/office/powerpoint/2010/main" xmlns:p15="http://schemas.microsoft.com/office/powerpoint/2012/main" xmlns:ahyp="http://schemas.microsoft.com/office/drawing/2018/hyperlinkcolor">
   <p:cSld>
     <p:spTree>
       <p:nvGrpSpPr>
-        <p:cNvPr id="178" name="Shape 178"/>
+        <p:cNvPr id="175" name="Shape 175"/>
         <p:cNvGrpSpPr/>
         <p:nvPr/>
       </p:nvGrpSpPr>
@@ -11507,7 +11196,7 @@
       </p:grpSpPr>
       <p:sp>
         <p:nvSpPr>
-          <p:cNvPr id="179" name="Google Shape;179;p29"/>
+          <p:cNvPr id="176" name="Google Shape;176;p30"/>
           <p:cNvSpPr/>
           <p:nvPr/>
         </p:nvSpPr>
@@ -11556,7 +11245,7 @@
       </p:sp>
       <p:sp>
         <p:nvSpPr>
-          <p:cNvPr id="180" name="Google Shape;180;p29"/>
+          <p:cNvPr id="177" name="Google Shape;177;p30"/>
           <p:cNvSpPr txBox="1"/>
           <p:nvPr>
             <p:ph idx="2" type="body"/>
@@ -11607,15 +11296,7 @@
                   </a:extLst>
                 </a:hlinkClick>
               </a:rPr>
-              <a:t>UC-1.</a:t>
-            </a:r>
-            <a:r>
-              <a:rPr lang="en" sz="1200" u="sng">
-                <a:solidFill>
-                  <a:schemeClr val="dk1"/>
-                </a:solidFill>
-              </a:rPr>
-              <a:t>4</a:t>
+              <a:t>UC-1.4 </a:t>
             </a:r>
             <a:endParaRPr sz="1200" u="sng">
               <a:solidFill>
@@ -11663,7 +11344,7 @@
                   <a:schemeClr val="dk1"/>
                 </a:solidFill>
               </a:rPr>
-              <a:t>Special moves</a:t>
+              <a:t>Special Moves</a:t>
             </a:r>
             <a:endParaRPr sz="1200">
               <a:solidFill>
@@ -11687,7 +11368,7 @@
                   <a:schemeClr val="dk1"/>
                 </a:solidFill>
               </a:rPr>
-              <a:t>Action: </a:t>
+              <a:t>Final State:</a:t>
             </a:r>
             <a:endParaRPr sz="1200">
               <a:solidFill>
@@ -11711,7 +11392,7 @@
                   <a:schemeClr val="dk1"/>
                 </a:solidFill>
               </a:rPr>
-              <a:t>The king side rook piece is selected.</a:t>
+              <a:t>The board is displayed after a successful king side castle. </a:t>
             </a:r>
             <a:endParaRPr sz="1200">
               <a:solidFill>
@@ -11725,115 +11406,24 @@
                 <a:spcPts val="1200"/>
               </a:spcBef>
               <a:spcAft>
-                <a:spcPts val="0"/>
-              </a:spcAft>
-              <a:buNone/>
-            </a:pPr>
-            <a:r>
-              <a:rPr lang="en" sz="1200">
-                <a:solidFill>
-                  <a:schemeClr val="dk1"/>
-                </a:solidFill>
-              </a:rPr>
-              <a:t>Result:</a:t>
+                <a:spcPts val="1200"/>
+              </a:spcAft>
+              <a:buNone/>
+            </a:pPr>
+            <a:r>
+              <a:t/>
             </a:r>
             <a:endParaRPr sz="1200">
               <a:solidFill>
                 <a:schemeClr val="dk1"/>
               </a:solidFill>
             </a:endParaRPr>
-          </a:p>
-          <a:p>
-            <a:pPr indent="0" lvl="0" marL="0" rtl="0" algn="l">
-              <a:spcBef>
-                <a:spcPts val="1200"/>
-              </a:spcBef>
-              <a:spcAft>
-                <a:spcPts val="1200"/>
-              </a:spcAft>
-              <a:buNone/>
-            </a:pPr>
-            <a:r>
-              <a:rPr lang="en" sz="1200">
-                <a:solidFill>
-                  <a:schemeClr val="dk1"/>
-                </a:solidFill>
-              </a:rPr>
-              <a:t>The king will move .. and the kingside rook will move .. </a:t>
-            </a:r>
-            <a:endParaRPr sz="1200">
-              <a:solidFill>
-                <a:schemeClr val="dk1"/>
-              </a:solidFill>
-            </a:endParaRPr>
-          </a:p>
-        </p:txBody>
-      </p:sp>
-      <p:sp>
-        <p:nvSpPr>
-          <p:cNvPr id="181" name="Google Shape;181;p29"/>
-          <p:cNvSpPr txBox="1"/>
-          <p:nvPr>
-            <p:ph idx="1" type="body"/>
-          </p:nvPr>
-        </p:nvSpPr>
-        <p:spPr>
-          <a:xfrm>
-            <a:off x="789250" y="4456975"/>
-            <a:ext cx="3682200" cy="678300"/>
-          </a:xfrm>
-          <a:prstGeom prst="rect">
-            <a:avLst/>
-          </a:prstGeom>
-        </p:spPr>
-        <p:txBody>
-          <a:bodyPr anchorCtr="0" anchor="b" bIns="91425" lIns="91425" spcFirstLastPara="1" rIns="91425" wrap="square" tIns="91425">
-            <a:normAutofit/>
-          </a:bodyPr>
-          <a:lstStyle/>
-          <a:p>
-            <a:pPr indent="0" lvl="0" marL="0" rtl="0" algn="l">
-              <a:lnSpc>
-                <a:spcPct val="100000"/>
-              </a:lnSpc>
-              <a:spcBef>
-                <a:spcPts val="0"/>
-              </a:spcBef>
-              <a:spcAft>
-                <a:spcPts val="0"/>
-              </a:spcAft>
-              <a:buNone/>
-            </a:pPr>
-            <a:r>
-              <a:rPr lang="en" sz="800"/>
-              <a:t>Chess Pieces Image credit: Wikipedia user Cburnett, CC BY-SA 3.0</a:t>
-            </a:r>
-            <a:endParaRPr sz="800"/>
-          </a:p>
-          <a:p>
-            <a:pPr indent="0" lvl="0" marL="0" rtl="0" algn="l">
-              <a:lnSpc>
-                <a:spcPct val="100000"/>
-              </a:lnSpc>
-              <a:spcBef>
-                <a:spcPts val="1200"/>
-              </a:spcBef>
-              <a:spcAft>
-                <a:spcPts val="1200"/>
-              </a:spcAft>
-              <a:buNone/>
-            </a:pPr>
-            <a:r>
-              <a:rPr lang="en" sz="800"/>
-              <a:t>commons.wikimedia.org/wiki/Category:PNG_chess_pieces/</a:t>
-            </a:r>
-            <a:endParaRPr sz="800"/>
           </a:p>
         </p:txBody>
       </p:sp>
       <p:pic>
         <p:nvPicPr>
-          <p:cNvPr id="182" name="Google Shape;182;p29"/>
+          <p:cNvPr id="178" name="Google Shape;178;p30"/>
           <p:cNvPicPr preferRelativeResize="0"/>
           <p:nvPr/>
         </p:nvPicPr>
@@ -11847,8 +11437,8 @@
         </p:blipFill>
         <p:spPr>
           <a:xfrm>
-            <a:off x="152400" y="152400"/>
-            <a:ext cx="6103774" cy="3116307"/>
+            <a:off x="0" y="8325"/>
+            <a:ext cx="6408576" cy="5143500"/>
           </a:xfrm>
           <a:prstGeom prst="rect">
             <a:avLst/>
@@ -11867,12 +11457,12 @@
 </p:sld>
 </file>
 
-<file path=ppt/slides/slide18.xml><?xml version="1.0" encoding="utf-8"?>
+<file path=ppt/slides/slide19.xml><?xml version="1.0" encoding="utf-8"?>
 <p:sld xmlns:a="http://schemas.openxmlformats.org/drawingml/2006/main" xmlns:r="http://schemas.openxmlformats.org/officeDocument/2006/relationships" xmlns:mc="http://schemas.openxmlformats.org/markup-compatibility/2006" xmlns:mv="urn:schemas-microsoft-com:mac:vml" xmlns:p="http://schemas.openxmlformats.org/presentationml/2006/main" xmlns:c="http://schemas.openxmlformats.org/drawingml/2006/chart" xmlns:dgm="http://schemas.openxmlformats.org/drawingml/2006/diagram" xmlns:o="urn:schemas-microsoft-com:office:office" xmlns:v="urn:schemas-microsoft-com:vml" xmlns:pvml="urn:schemas-microsoft-com:office:powerpoint" xmlns:com="http://schemas.openxmlformats.org/drawingml/2006/compatibility" xmlns:p14="http://schemas.microsoft.com/office/powerpoint/2010/main" xmlns:p15="http://schemas.microsoft.com/office/powerpoint/2012/main" xmlns:ahyp="http://schemas.microsoft.com/office/drawing/2018/hyperlinkcolor">
   <p:cSld>
     <p:spTree>
       <p:nvGrpSpPr>
-        <p:cNvPr id="186" name="Shape 186"/>
+        <p:cNvPr id="182" name="Shape 182"/>
         <p:cNvGrpSpPr/>
         <p:nvPr/>
       </p:nvGrpSpPr>
@@ -11886,7 +11476,7 @@
       </p:grpSpPr>
       <p:sp>
         <p:nvSpPr>
-          <p:cNvPr id="187" name="Google Shape;187;p30"/>
+          <p:cNvPr id="183" name="Google Shape;183;p31"/>
           <p:cNvSpPr/>
           <p:nvPr/>
         </p:nvSpPr>
@@ -11935,7 +11525,7 @@
       </p:sp>
       <p:sp>
         <p:nvSpPr>
-          <p:cNvPr id="188" name="Google Shape;188;p30"/>
+          <p:cNvPr id="184" name="Google Shape;184;p31"/>
           <p:cNvSpPr txBox="1"/>
           <p:nvPr>
             <p:ph idx="2" type="body"/>
@@ -11986,7 +11576,7 @@
                   </a:extLst>
                 </a:hlinkClick>
               </a:rPr>
-              <a:t>UC-1.4 </a:t>
+              <a:t>UC-2.0</a:t>
             </a:r>
             <a:endParaRPr sz="1200" u="sng">
               <a:solidFill>
@@ -12034,7 +11624,7 @@
                   <a:schemeClr val="dk1"/>
                 </a:solidFill>
               </a:rPr>
-              <a:t>Special Moves</a:t>
+              <a:t>Quitting a Game</a:t>
             </a:r>
             <a:endParaRPr sz="1200">
               <a:solidFill>
@@ -12058,7 +11648,7 @@
                   <a:schemeClr val="dk1"/>
                 </a:solidFill>
               </a:rPr>
-              <a:t>Final State:</a:t>
+              <a:t>Action: </a:t>
             </a:r>
             <a:endParaRPr sz="1200">
               <a:solidFill>
@@ -12082,7 +11672,7 @@
                   <a:schemeClr val="dk1"/>
                 </a:solidFill>
               </a:rPr>
-              <a:t>The board is displayed after a successful king side castle. </a:t>
+              <a:t>The quit button is clicked</a:t>
             </a:r>
             <a:endParaRPr sz="1200">
               <a:solidFill>
@@ -12096,12 +11686,17 @@
                 <a:spcPts val="1200"/>
               </a:spcBef>
               <a:spcAft>
-                <a:spcPts val="1200"/>
-              </a:spcAft>
-              <a:buNone/>
-            </a:pPr>
-            <a:r>
-              <a:t/>
+                <a:spcPts val="0"/>
+              </a:spcAft>
+              <a:buNone/>
+            </a:pPr>
+            <a:r>
+              <a:rPr lang="en" sz="1200">
+                <a:solidFill>
+                  <a:schemeClr val="dk1"/>
+                </a:solidFill>
+              </a:rPr>
+              <a:t>Result: </a:t>
             </a:r>
             <a:endParaRPr sz="1200">
               <a:solidFill>
@@ -12109,81 +11704,35 @@
               </a:solidFill>
             </a:endParaRPr>
           </a:p>
-        </p:txBody>
-      </p:sp>
-      <p:sp>
-        <p:nvSpPr>
-          <p:cNvPr id="189" name="Google Shape;189;p30"/>
-          <p:cNvSpPr txBox="1"/>
-          <p:nvPr>
-            <p:ph idx="1" type="body"/>
-          </p:nvPr>
-        </p:nvSpPr>
-        <p:spPr>
-          <a:xfrm>
-            <a:off x="0" y="4465200"/>
-            <a:ext cx="3682200" cy="678300"/>
-          </a:xfrm>
-          <a:prstGeom prst="rect">
-            <a:avLst/>
-          </a:prstGeom>
-        </p:spPr>
-        <p:txBody>
-          <a:bodyPr anchorCtr="0" anchor="b" bIns="91425" lIns="91425" spcFirstLastPara="1" rIns="91425" wrap="square" tIns="91425">
-            <a:normAutofit/>
-          </a:bodyPr>
-          <a:lstStyle/>
-          <a:p>
-            <a:pPr indent="0" lvl="0" marL="0" rtl="0" algn="l">
-              <a:lnSpc>
-                <a:spcPct val="100000"/>
-              </a:lnSpc>
-              <a:spcBef>
-                <a:spcPts val="0"/>
-              </a:spcBef>
-              <a:spcAft>
-                <a:spcPts val="0"/>
-              </a:spcAft>
-              <a:buNone/>
-            </a:pPr>
-            <a:r>
-              <a:rPr lang="en" sz="800"/>
-              <a:t>Chess Pieces Image credit: Wikipedia user Cburnett, CC BY-SA 3.0</a:t>
-            </a:r>
-            <a:endParaRPr sz="800"/>
-          </a:p>
-          <a:p>
-            <a:pPr indent="0" lvl="0" marL="0" rtl="0" algn="l">
-              <a:lnSpc>
-                <a:spcPct val="100000"/>
-              </a:lnSpc>
-              <a:spcBef>
-                <a:spcPts val="1200"/>
-              </a:spcBef>
-              <a:spcAft>
-                <a:spcPts val="1200"/>
-              </a:spcAft>
-              <a:buNone/>
-            </a:pPr>
-            <a:r>
-              <a:rPr lang="en" sz="800"/>
-              <a:t>commons.wikimedia.org/wiki/C</a:t>
-            </a:r>
-            <a:r>
-              <a:rPr lang="en" sz="800"/>
-              <a:t>a</a:t>
-            </a:r>
-            <a:r>
-              <a:rPr lang="en" sz="800"/>
-              <a:t>tegory:PNG_chess_pieces/</a:t>
-            </a:r>
-            <a:endParaRPr sz="800"/>
+          <a:p>
+            <a:pPr indent="0" lvl="0" marL="0" rtl="0" algn="l">
+              <a:spcBef>
+                <a:spcPts val="1200"/>
+              </a:spcBef>
+              <a:spcAft>
+                <a:spcPts val="1200"/>
+              </a:spcAft>
+              <a:buNone/>
+            </a:pPr>
+            <a:r>
+              <a:rPr lang="en" sz="1200">
+                <a:solidFill>
+                  <a:schemeClr val="dk1"/>
+                </a:solidFill>
+              </a:rPr>
+              <a:t>A pop up will appear, asking the user if they are sure they would like to quit.</a:t>
+            </a:r>
+            <a:endParaRPr sz="1200">
+              <a:solidFill>
+                <a:schemeClr val="dk1"/>
+              </a:solidFill>
+            </a:endParaRPr>
           </a:p>
         </p:txBody>
       </p:sp>
       <p:pic>
         <p:nvPicPr>
-          <p:cNvPr id="190" name="Google Shape;190;p30"/>
+          <p:cNvPr id="185" name="Google Shape;185;p31"/>
           <p:cNvPicPr preferRelativeResize="0"/>
           <p:nvPr/>
         </p:nvPicPr>
@@ -12197,8 +11746,8 @@
         </p:blipFill>
         <p:spPr>
           <a:xfrm>
-            <a:off x="152400" y="152400"/>
-            <a:ext cx="6103776" cy="3068035"/>
+            <a:off x="0" y="0"/>
+            <a:ext cx="6408574" cy="5143500"/>
           </a:xfrm>
           <a:prstGeom prst="rect">
             <a:avLst/>
@@ -12209,604 +11758,6 @@
           </a:ln>
         </p:spPr>
       </p:pic>
-    </p:spTree>
-  </p:cSld>
-  <p:clrMapOvr>
-    <a:masterClrMapping/>
-  </p:clrMapOvr>
-</p:sld>
-</file>
-
-<file path=ppt/slides/slide19.xml><?xml version="1.0" encoding="utf-8"?>
-<p:sld xmlns:a="http://schemas.openxmlformats.org/drawingml/2006/main" xmlns:r="http://schemas.openxmlformats.org/officeDocument/2006/relationships" xmlns:mc="http://schemas.openxmlformats.org/markup-compatibility/2006" xmlns:mv="urn:schemas-microsoft-com:mac:vml" xmlns:p="http://schemas.openxmlformats.org/presentationml/2006/main" xmlns:c="http://schemas.openxmlformats.org/drawingml/2006/chart" xmlns:dgm="http://schemas.openxmlformats.org/drawingml/2006/diagram" xmlns:o="urn:schemas-microsoft-com:office:office" xmlns:v="urn:schemas-microsoft-com:vml" xmlns:pvml="urn:schemas-microsoft-com:office:powerpoint" xmlns:com="http://schemas.openxmlformats.org/drawingml/2006/compatibility" xmlns:p14="http://schemas.microsoft.com/office/powerpoint/2010/main" xmlns:p15="http://schemas.microsoft.com/office/powerpoint/2012/main" xmlns:ahyp="http://schemas.microsoft.com/office/drawing/2018/hyperlinkcolor">
-  <p:cSld>
-    <p:spTree>
-      <p:nvGrpSpPr>
-        <p:cNvPr id="194" name="Shape 194"/>
-        <p:cNvGrpSpPr/>
-        <p:nvPr/>
-      </p:nvGrpSpPr>
-      <p:grpSpPr>
-        <a:xfrm>
-          <a:off x="0" y="0"/>
-          <a:ext cx="0" cy="0"/>
-          <a:chOff x="0" y="0"/>
-          <a:chExt cx="0" cy="0"/>
-        </a:xfrm>
-      </p:grpSpPr>
-      <p:sp>
-        <p:nvSpPr>
-          <p:cNvPr id="195" name="Google Shape;195;p31"/>
-          <p:cNvSpPr/>
-          <p:nvPr/>
-        </p:nvSpPr>
-        <p:spPr>
-          <a:xfrm>
-            <a:off x="6408575" y="8325"/>
-            <a:ext cx="2735400" cy="5143500"/>
-          </a:xfrm>
-          <a:prstGeom prst="rect">
-            <a:avLst/>
-          </a:prstGeom>
-          <a:solidFill>
-            <a:srgbClr val="2EE4DA"/>
-          </a:solidFill>
-          <a:ln cap="flat" cmpd="sng" w="9525">
-            <a:solidFill>
-              <a:srgbClr val="1FC5BC"/>
-            </a:solidFill>
-            <a:prstDash val="solid"/>
-            <a:round/>
-            <a:headEnd len="sm" w="sm" type="none"/>
-            <a:tailEnd len="sm" w="sm" type="none"/>
-          </a:ln>
-        </p:spPr>
-        <p:txBody>
-          <a:bodyPr anchorCtr="0" anchor="ctr" bIns="91425" lIns="91425" spcFirstLastPara="1" rIns="91425" wrap="square" tIns="91425">
-            <a:noAutofit/>
-          </a:bodyPr>
-          <a:lstStyle/>
-          <a:p>
-            <a:pPr indent="0" lvl="0" marL="0" rtl="0" algn="l">
-              <a:spcBef>
-                <a:spcPts val="0"/>
-              </a:spcBef>
-              <a:spcAft>
-                <a:spcPts val="0"/>
-              </a:spcAft>
-              <a:buNone/>
-            </a:pPr>
-            <a:r>
-              <a:t/>
-            </a:r>
-            <a:endParaRPr/>
-          </a:p>
-        </p:txBody>
-      </p:sp>
-      <p:sp>
-        <p:nvSpPr>
-          <p:cNvPr id="196" name="Google Shape;196;p31"/>
-          <p:cNvSpPr txBox="1"/>
-          <p:nvPr>
-            <p:ph idx="2" type="body"/>
-          </p:nvPr>
-        </p:nvSpPr>
-        <p:spPr>
-          <a:xfrm>
-            <a:off x="6825350" y="1152475"/>
-            <a:ext cx="2007000" cy="3416400"/>
-          </a:xfrm>
-          <a:prstGeom prst="rect">
-            <a:avLst/>
-          </a:prstGeom>
-        </p:spPr>
-        <p:txBody>
-          <a:bodyPr anchorCtr="0" anchor="t" bIns="91425" lIns="91425" spcFirstLastPara="1" rIns="91425" wrap="square" tIns="91425">
-            <a:normAutofit/>
-          </a:bodyPr>
-          <a:lstStyle/>
-          <a:p>
-            <a:pPr indent="0" lvl="0" marL="0" rtl="0" algn="l">
-              <a:spcBef>
-                <a:spcPts val="0"/>
-              </a:spcBef>
-              <a:spcAft>
-                <a:spcPts val="0"/>
-              </a:spcAft>
-              <a:buNone/>
-            </a:pPr>
-            <a:r>
-              <a:rPr lang="en" sz="1200" u="sng">
-                <a:solidFill>
-                  <a:schemeClr val="dk1"/>
-                </a:solidFill>
-              </a:rPr>
-              <a:t>Use Case -  </a:t>
-            </a:r>
-            <a:r>
-              <a:rPr lang="en" sz="1200" u="sng">
-                <a:solidFill>
-                  <a:schemeClr val="dk1"/>
-                </a:solidFill>
-                <a:hlinkClick r:id="rId3">
-                  <a:extLst>
-                    <a:ext uri="{A12FA001-AC4F-418D-AE19-62706E023703}">
-                      <ahyp:hlinkClr val="tx"/>
-                    </a:ext>
-                  </a:extLst>
-                </a:hlinkClick>
-              </a:rPr>
-              <a:t>UC-2.0</a:t>
-            </a:r>
-            <a:endParaRPr sz="1200" u="sng">
-              <a:solidFill>
-                <a:schemeClr val="dk1"/>
-              </a:solidFill>
-            </a:endParaRPr>
-          </a:p>
-          <a:p>
-            <a:pPr indent="0" lvl="0" marL="0" rtl="0" algn="l">
-              <a:spcBef>
-                <a:spcPts val="1200"/>
-              </a:spcBef>
-              <a:spcAft>
-                <a:spcPts val="0"/>
-              </a:spcAft>
-              <a:buNone/>
-            </a:pPr>
-            <a:r>
-              <a:rPr lang="en" sz="1200">
-                <a:solidFill>
-                  <a:schemeClr val="dk1"/>
-                </a:solidFill>
-              </a:rPr>
-              <a:t>Task:</a:t>
-            </a:r>
-            <a:endParaRPr sz="1200">
-              <a:solidFill>
-                <a:schemeClr val="dk1"/>
-              </a:solidFill>
-            </a:endParaRPr>
-          </a:p>
-          <a:p>
-            <a:pPr indent="0" lvl="0" marL="0" rtl="0" algn="l">
-              <a:spcBef>
-                <a:spcPts val="1200"/>
-              </a:spcBef>
-              <a:spcAft>
-                <a:spcPts val="0"/>
-              </a:spcAft>
-              <a:buNone/>
-            </a:pPr>
-            <a:r>
-              <a:rPr lang="en" sz="1200">
-                <a:solidFill>
-                  <a:schemeClr val="dk1"/>
-                </a:solidFill>
-              </a:rPr>
-              <a:t>Quitting a Game</a:t>
-            </a:r>
-            <a:endParaRPr sz="1200">
-              <a:solidFill>
-                <a:schemeClr val="dk1"/>
-              </a:solidFill>
-            </a:endParaRPr>
-          </a:p>
-          <a:p>
-            <a:pPr indent="0" lvl="0" marL="0" rtl="0" algn="l">
-              <a:spcBef>
-                <a:spcPts val="1200"/>
-              </a:spcBef>
-              <a:spcAft>
-                <a:spcPts val="0"/>
-              </a:spcAft>
-              <a:buNone/>
-            </a:pPr>
-            <a:r>
-              <a:rPr lang="en" sz="1200">
-                <a:solidFill>
-                  <a:schemeClr val="dk1"/>
-                </a:solidFill>
-              </a:rPr>
-              <a:t>Action: </a:t>
-            </a:r>
-            <a:endParaRPr sz="1200">
-              <a:solidFill>
-                <a:schemeClr val="dk1"/>
-              </a:solidFill>
-            </a:endParaRPr>
-          </a:p>
-          <a:p>
-            <a:pPr indent="0" lvl="0" marL="0" rtl="0" algn="l">
-              <a:spcBef>
-                <a:spcPts val="1200"/>
-              </a:spcBef>
-              <a:spcAft>
-                <a:spcPts val="0"/>
-              </a:spcAft>
-              <a:buNone/>
-            </a:pPr>
-            <a:r>
-              <a:rPr lang="en" sz="1200">
-                <a:solidFill>
-                  <a:schemeClr val="dk1"/>
-                </a:solidFill>
-              </a:rPr>
-              <a:t>The save and quit button is clicked</a:t>
-            </a:r>
-            <a:endParaRPr sz="1200">
-              <a:solidFill>
-                <a:schemeClr val="dk1"/>
-              </a:solidFill>
-            </a:endParaRPr>
-          </a:p>
-          <a:p>
-            <a:pPr indent="0" lvl="0" marL="0" rtl="0" algn="l">
-              <a:spcBef>
-                <a:spcPts val="1200"/>
-              </a:spcBef>
-              <a:spcAft>
-                <a:spcPts val="0"/>
-              </a:spcAft>
-              <a:buNone/>
-            </a:pPr>
-            <a:r>
-              <a:rPr lang="en" sz="1200">
-                <a:solidFill>
-                  <a:schemeClr val="dk1"/>
-                </a:solidFill>
-              </a:rPr>
-              <a:t>Result: </a:t>
-            </a:r>
-            <a:endParaRPr sz="1200">
-              <a:solidFill>
-                <a:schemeClr val="dk1"/>
-              </a:solidFill>
-            </a:endParaRPr>
-          </a:p>
-          <a:p>
-            <a:pPr indent="0" lvl="0" marL="0" rtl="0" algn="l">
-              <a:spcBef>
-                <a:spcPts val="1200"/>
-              </a:spcBef>
-              <a:spcAft>
-                <a:spcPts val="1200"/>
-              </a:spcAft>
-              <a:buNone/>
-            </a:pPr>
-            <a:r>
-              <a:rPr lang="en" sz="1200">
-                <a:solidFill>
-                  <a:schemeClr val="dk1"/>
-                </a:solidFill>
-              </a:rPr>
-              <a:t>A pop up will appear, asking the user if they are sure they would like to quit.</a:t>
-            </a:r>
-            <a:endParaRPr sz="1200">
-              <a:solidFill>
-                <a:schemeClr val="dk1"/>
-              </a:solidFill>
-            </a:endParaRPr>
-          </a:p>
-        </p:txBody>
-      </p:sp>
-      <p:pic>
-        <p:nvPicPr>
-          <p:cNvPr id="197" name="Google Shape;197;p31"/>
-          <p:cNvPicPr preferRelativeResize="0"/>
-          <p:nvPr/>
-        </p:nvPicPr>
-        <p:blipFill rotWithShape="1">
-          <a:blip r:embed="rId4">
-            <a:alphaModFix/>
-          </a:blip>
-          <a:srcRect b="0" l="25700" r="25705" t="0"/>
-          <a:stretch/>
-        </p:blipFill>
-        <p:spPr>
-          <a:xfrm>
-            <a:off x="789250" y="8325"/>
-            <a:ext cx="4599427" cy="5126849"/>
-          </a:xfrm>
-          <a:prstGeom prst="rect">
-            <a:avLst/>
-          </a:prstGeom>
-          <a:noFill/>
-          <a:ln>
-            <a:noFill/>
-          </a:ln>
-        </p:spPr>
-      </p:pic>
-      <p:sp>
-        <p:nvSpPr>
-          <p:cNvPr id="198" name="Google Shape;198;p31"/>
-          <p:cNvSpPr txBox="1"/>
-          <p:nvPr>
-            <p:ph idx="1" type="body"/>
-          </p:nvPr>
-        </p:nvSpPr>
-        <p:spPr>
-          <a:xfrm>
-            <a:off x="789250" y="4456975"/>
-            <a:ext cx="3682200" cy="678300"/>
-          </a:xfrm>
-          <a:prstGeom prst="rect">
-            <a:avLst/>
-          </a:prstGeom>
-        </p:spPr>
-        <p:txBody>
-          <a:bodyPr anchorCtr="0" anchor="b" bIns="91425" lIns="91425" spcFirstLastPara="1" rIns="91425" wrap="square" tIns="91425">
-            <a:normAutofit/>
-          </a:bodyPr>
-          <a:lstStyle/>
-          <a:p>
-            <a:pPr indent="0" lvl="0" marL="0" rtl="0" algn="l">
-              <a:lnSpc>
-                <a:spcPct val="100000"/>
-              </a:lnSpc>
-              <a:spcBef>
-                <a:spcPts val="0"/>
-              </a:spcBef>
-              <a:spcAft>
-                <a:spcPts val="0"/>
-              </a:spcAft>
-              <a:buNone/>
-            </a:pPr>
-            <a:r>
-              <a:rPr lang="en" sz="800"/>
-              <a:t>Chess Pieces Image credit: Wikipedia user Cburnett, CC BY-SA 3.0</a:t>
-            </a:r>
-            <a:endParaRPr sz="800"/>
-          </a:p>
-          <a:p>
-            <a:pPr indent="0" lvl="0" marL="0" rtl="0" algn="l">
-              <a:lnSpc>
-                <a:spcPct val="100000"/>
-              </a:lnSpc>
-              <a:spcBef>
-                <a:spcPts val="1200"/>
-              </a:spcBef>
-              <a:spcAft>
-                <a:spcPts val="1200"/>
-              </a:spcAft>
-              <a:buNone/>
-            </a:pPr>
-            <a:r>
-              <a:rPr lang="en" sz="800"/>
-              <a:t>commons.wikimedia.org/wiki/Category:PNG_chess_pieces/</a:t>
-            </a:r>
-            <a:endParaRPr sz="800"/>
-          </a:p>
-        </p:txBody>
-      </p:sp>
-      <p:graphicFrame>
-        <p:nvGraphicFramePr>
-          <p:cNvPr id="199" name="Google Shape;199;p31"/>
-          <p:cNvGraphicFramePr/>
-          <p:nvPr/>
-        </p:nvGraphicFramePr>
-        <p:xfrm>
-          <a:off x="1317275" y="1931700"/>
-          <a:ext cx="3000000" cy="3000000"/>
-        </p:xfrm>
-        <a:graphic>
-          <a:graphicData uri="http://schemas.openxmlformats.org/drawingml/2006/table">
-            <a:tbl>
-              <a:tblPr>
-                <a:noFill/>
-                <a:tableStyleId>{EBF491F7-7131-4157-9DC3-AF058DD50FA4}</a:tableStyleId>
-              </a:tblPr>
-              <a:tblGrid>
-                <a:gridCol w="1771675"/>
-                <a:gridCol w="1771675"/>
-              </a:tblGrid>
-              <a:tr h="588325">
-                <a:tc gridSpan="2">
-                  <a:txBody>
-                    <a:bodyPr/>
-                    <a:lstStyle/>
-                    <a:p>
-                      <a:pPr indent="0" lvl="0" marL="0" rtl="0" algn="ctr">
-                        <a:spcBef>
-                          <a:spcPts val="0"/>
-                        </a:spcBef>
-                        <a:spcAft>
-                          <a:spcPts val="0"/>
-                        </a:spcAft>
-                        <a:buNone/>
-                      </a:pPr>
-                      <a:r>
-                        <a:rPr lang="en" sz="1000"/>
-                        <a:t>Are you sure you want to quit?</a:t>
-                      </a:r>
-                      <a:endParaRPr sz="1000"/>
-                    </a:p>
-                    <a:p>
-                      <a:pPr indent="0" lvl="0" marL="0" rtl="0" algn="ctr">
-                        <a:spcBef>
-                          <a:spcPts val="0"/>
-                        </a:spcBef>
-                        <a:spcAft>
-                          <a:spcPts val="0"/>
-                        </a:spcAft>
-                        <a:buNone/>
-                      </a:pPr>
-                      <a:r>
-                        <a:rPr lang="en" sz="1000"/>
-                        <a:t>You can continue the game at another time.</a:t>
-                      </a:r>
-                      <a:endParaRPr sz="1000"/>
-                    </a:p>
-                  </a:txBody>
-                  <a:tcPr marT="91425" marB="91425" marR="91425" marL="91425">
-                    <a:lnL cap="flat" cmpd="sng" w="9525">
-                      <a:solidFill>
-                        <a:schemeClr val="dk1"/>
-                      </a:solidFill>
-                      <a:prstDash val="solid"/>
-                      <a:round/>
-                      <a:headEnd len="sm" w="sm" type="none"/>
-                      <a:tailEnd len="sm" w="sm" type="none"/>
-                    </a:lnL>
-                    <a:lnR cap="flat" cmpd="sng" w="9525">
-                      <a:solidFill>
-                        <a:schemeClr val="dk1"/>
-                      </a:solidFill>
-                      <a:prstDash val="solid"/>
-                      <a:round/>
-                      <a:headEnd len="sm" w="sm" type="none"/>
-                      <a:tailEnd len="sm" w="sm" type="none"/>
-                    </a:lnR>
-                    <a:lnT cap="flat" cmpd="sng" w="9525">
-                      <a:solidFill>
-                        <a:schemeClr val="dk1"/>
-                      </a:solidFill>
-                      <a:prstDash val="solid"/>
-                      <a:round/>
-                      <a:headEnd len="sm" w="sm" type="none"/>
-                      <a:tailEnd len="sm" w="sm" type="none"/>
-                    </a:lnT>
-                    <a:lnB cap="flat" cmpd="sng" w="9525">
-                      <a:solidFill>
-                        <a:schemeClr val="dk1"/>
-                      </a:solidFill>
-                      <a:prstDash val="solid"/>
-                      <a:round/>
-                      <a:headEnd len="sm" w="sm" type="none"/>
-                      <a:tailEnd len="sm" w="sm" type="none"/>
-                    </a:lnB>
-                    <a:solidFill>
-                      <a:schemeClr val="lt1"/>
-                    </a:solidFill>
-                  </a:tcPr>
-                </a:tc>
-                <a:tc hMerge="1"/>
-              </a:tr>
-              <a:tr h="565725">
-                <a:tc gridSpan="2">
-                  <a:txBody>
-                    <a:bodyPr/>
-                    <a:lstStyle/>
-                    <a:p>
-                      <a:pPr indent="0" lvl="0" marL="0" rtl="0" algn="ctr">
-                        <a:spcBef>
-                          <a:spcPts val="0"/>
-                        </a:spcBef>
-                        <a:spcAft>
-                          <a:spcPts val="0"/>
-                        </a:spcAft>
-                        <a:buNone/>
-                      </a:pPr>
-                      <a:r>
-                        <a:rPr lang="en" sz="1000" u="sng"/>
-                        <a:t>Yes</a:t>
-                      </a:r>
-                      <a:r>
-                        <a:rPr lang="en" sz="1000"/>
-                        <a:t>     </a:t>
-                      </a:r>
-                      <a:r>
-                        <a:rPr lang="en" sz="1000" u="sng"/>
-                        <a:t>No</a:t>
-                      </a:r>
-                      <a:endParaRPr sz="1000" u="sng"/>
-                    </a:p>
-                    <a:p>
-                      <a:pPr indent="0" lvl="0" marL="0" rtl="0" algn="ctr">
-                        <a:spcBef>
-                          <a:spcPts val="0"/>
-                        </a:spcBef>
-                        <a:spcAft>
-                          <a:spcPts val="0"/>
-                        </a:spcAft>
-                        <a:buNone/>
-                      </a:pPr>
-                      <a:r>
-                        <a:t/>
-                      </a:r>
-                      <a:endParaRPr sz="500"/>
-                    </a:p>
-                    <a:p>
-                      <a:pPr indent="0" lvl="0" marL="0" rtl="0" algn="ctr">
-                        <a:spcBef>
-                          <a:spcPts val="0"/>
-                        </a:spcBef>
-                        <a:spcAft>
-                          <a:spcPts val="0"/>
-                        </a:spcAft>
-                        <a:buNone/>
-                      </a:pPr>
-                      <a:r>
-                        <a:rPr lang="en" sz="500"/>
-                        <a:t>Your game has been saved and</a:t>
-                      </a:r>
-                      <a:endParaRPr sz="500"/>
-                    </a:p>
-                    <a:p>
-                      <a:pPr indent="0" lvl="0" marL="0" rtl="0" algn="ctr">
-                        <a:spcBef>
-                          <a:spcPts val="0"/>
-                        </a:spcBef>
-                        <a:spcAft>
-                          <a:spcPts val="0"/>
-                        </a:spcAft>
-                        <a:buNone/>
-                      </a:pPr>
-                      <a:r>
-                        <a:rPr lang="en" sz="500"/>
-                        <a:t>can be reviewed at any time</a:t>
-                      </a:r>
-                      <a:endParaRPr sz="500"/>
-                    </a:p>
-                  </a:txBody>
-                  <a:tcPr marT="91425" marB="91425" marR="91425" marL="91425">
-                    <a:lnL cap="flat" cmpd="sng" w="9525">
-                      <a:solidFill>
-                        <a:schemeClr val="dk1"/>
-                      </a:solidFill>
-                      <a:prstDash val="solid"/>
-                      <a:round/>
-                      <a:headEnd len="sm" w="sm" type="none"/>
-                      <a:tailEnd len="sm" w="sm" type="none"/>
-                    </a:lnL>
-                    <a:lnR cap="flat" cmpd="sng" w="9525">
-                      <a:solidFill>
-                        <a:schemeClr val="dk1"/>
-                      </a:solidFill>
-                      <a:prstDash val="solid"/>
-                      <a:round/>
-                      <a:headEnd len="sm" w="sm" type="none"/>
-                      <a:tailEnd len="sm" w="sm" type="none"/>
-                    </a:lnR>
-                    <a:lnT cap="flat" cmpd="sng" w="9525">
-                      <a:solidFill>
-                        <a:schemeClr val="dk1"/>
-                      </a:solidFill>
-                      <a:prstDash val="solid"/>
-                      <a:round/>
-                      <a:headEnd len="sm" w="sm" type="none"/>
-                      <a:tailEnd len="sm" w="sm" type="none"/>
-                    </a:lnT>
-                    <a:lnB cap="flat" cmpd="sng" w="9525">
-                      <a:solidFill>
-                        <a:schemeClr val="dk1"/>
-                      </a:solidFill>
-                      <a:prstDash val="solid"/>
-                      <a:round/>
-                      <a:headEnd len="sm" w="sm" type="none"/>
-                      <a:tailEnd len="sm" w="sm" type="none"/>
-                    </a:lnB>
-                    <a:solidFill>
-                      <a:schemeClr val="lt1"/>
-                    </a:solidFill>
-                  </a:tcPr>
-                </a:tc>
-                <a:tc hMerge="1"/>
-              </a:tr>
-            </a:tbl>
-          </a:graphicData>
-        </a:graphic>
-      </p:graphicFrame>
     </p:spTree>
   </p:cSld>
   <p:clrMapOvr>
@@ -13154,7 +12105,7 @@
         <p:spPr>
           <a:xfrm>
             <a:off x="0" y="0"/>
-            <a:ext cx="6400799" cy="5143500"/>
+            <a:ext cx="6400799" cy="5143501"/>
           </a:xfrm>
           <a:prstGeom prst="rect">
             <a:avLst/>
@@ -13178,7 +12129,7 @@
   <p:cSld>
     <p:spTree>
       <p:nvGrpSpPr>
-        <p:cNvPr id="203" name="Shape 203"/>
+        <p:cNvPr id="189" name="Shape 189"/>
         <p:cNvGrpSpPr/>
         <p:nvPr/>
       </p:nvGrpSpPr>
@@ -13192,7 +12143,7 @@
       </p:grpSpPr>
       <p:sp>
         <p:nvSpPr>
-          <p:cNvPr id="204" name="Google Shape;204;p32"/>
+          <p:cNvPr id="190" name="Google Shape;190;p32"/>
           <p:cNvSpPr/>
           <p:nvPr/>
         </p:nvSpPr>
@@ -13241,7 +12192,7 @@
       </p:sp>
       <p:sp>
         <p:nvSpPr>
-          <p:cNvPr id="205" name="Google Shape;205;p32"/>
+          <p:cNvPr id="191" name="Google Shape;191;p32"/>
           <p:cNvSpPr txBox="1"/>
           <p:nvPr>
             <p:ph idx="2" type="body"/>
@@ -13258,7 +12209,7 @@
         </p:spPr>
         <p:txBody>
           <a:bodyPr anchorCtr="0" anchor="t" bIns="91425" lIns="91425" spcFirstLastPara="1" rIns="91425" wrap="square" tIns="91425">
-            <a:normAutofit/>
+            <a:normAutofit lnSpcReduction="10000"/>
           </a:bodyPr>
           <a:lstStyle/>
           <a:p>
@@ -13388,7 +12339,7 @@
                   <a:schemeClr val="dk1"/>
                 </a:solidFill>
               </a:rPr>
-              <a:t>The quit option is clicked</a:t>
+              <a:t>The save and exit button is clicked.</a:t>
             </a:r>
             <a:endParaRPr sz="1200">
               <a:solidFill>
@@ -13456,7 +12407,7 @@
       </p:sp>
       <p:pic>
         <p:nvPicPr>
-          <p:cNvPr id="206" name="Google Shape;206;p32"/>
+          <p:cNvPr id="192" name="Google Shape;192;p32"/>
           <p:cNvPicPr preferRelativeResize="0"/>
           <p:nvPr/>
         </p:nvPicPr>
@@ -13471,7 +12422,7 @@
         <p:spPr>
           <a:xfrm>
             <a:off x="0" y="0"/>
-            <a:ext cx="6400799" cy="5143500"/>
+            <a:ext cx="6408576" cy="5143501"/>
           </a:xfrm>
           <a:prstGeom prst="rect">
             <a:avLst/>
@@ -13495,7 +12446,7 @@
   <p:cSld>
     <p:spTree>
       <p:nvGrpSpPr>
-        <p:cNvPr id="210" name="Shape 210"/>
+        <p:cNvPr id="196" name="Shape 196"/>
         <p:cNvGrpSpPr/>
         <p:nvPr/>
       </p:nvGrpSpPr>
@@ -13509,7 +12460,7 @@
       </p:grpSpPr>
       <p:sp>
         <p:nvSpPr>
-          <p:cNvPr id="211" name="Google Shape;211;p33"/>
+          <p:cNvPr id="197" name="Google Shape;197;p33"/>
           <p:cNvSpPr/>
           <p:nvPr/>
         </p:nvSpPr>
@@ -13558,7 +12509,7 @@
       </p:sp>
       <p:sp>
         <p:nvSpPr>
-          <p:cNvPr id="212" name="Google Shape;212;p33"/>
+          <p:cNvPr id="198" name="Google Shape;198;p33"/>
           <p:cNvSpPr txBox="1"/>
           <p:nvPr>
             <p:ph idx="1" type="body"/>
@@ -13597,7 +12548,7 @@
       </p:sp>
       <p:sp>
         <p:nvSpPr>
-          <p:cNvPr id="213" name="Google Shape;213;p33"/>
+          <p:cNvPr id="199" name="Google Shape;199;p33"/>
           <p:cNvSpPr txBox="1"/>
           <p:nvPr>
             <p:ph idx="2" type="body"/>
@@ -13756,7 +12707,7 @@
       </p:sp>
       <p:pic>
         <p:nvPicPr>
-          <p:cNvPr id="214" name="Google Shape;214;p33"/>
+          <p:cNvPr id="200" name="Google Shape;200;p33"/>
           <p:cNvPicPr preferRelativeResize="0"/>
           <p:nvPr/>
         </p:nvPicPr>
@@ -13771,7 +12722,7 @@
         <p:spPr>
           <a:xfrm>
             <a:off x="0" y="0"/>
-            <a:ext cx="6400799" cy="5143500"/>
+            <a:ext cx="6408576" cy="5143501"/>
           </a:xfrm>
           <a:prstGeom prst="rect">
             <a:avLst/>
@@ -13795,7 +12746,7 @@
   <p:cSld>
     <p:spTree>
       <p:nvGrpSpPr>
-        <p:cNvPr id="218" name="Shape 218"/>
+        <p:cNvPr id="204" name="Shape 204"/>
         <p:cNvGrpSpPr/>
         <p:nvPr/>
       </p:nvGrpSpPr>
@@ -13809,7 +12760,7 @@
       </p:grpSpPr>
       <p:sp>
         <p:nvSpPr>
-          <p:cNvPr id="219" name="Google Shape;219;p34"/>
+          <p:cNvPr id="205" name="Google Shape;205;p34"/>
           <p:cNvSpPr/>
           <p:nvPr/>
         </p:nvSpPr>
@@ -13858,7 +12809,7 @@
       </p:sp>
       <p:sp>
         <p:nvSpPr>
-          <p:cNvPr id="220" name="Google Shape;220;p34"/>
+          <p:cNvPr id="206" name="Google Shape;206;p34"/>
           <p:cNvSpPr txBox="1"/>
           <p:nvPr>
             <p:ph idx="1" type="body"/>
@@ -13898,7 +12849,7 @@
       </p:sp>
       <p:sp>
         <p:nvSpPr>
-          <p:cNvPr id="221" name="Google Shape;221;p34"/>
+          <p:cNvPr id="207" name="Google Shape;207;p34"/>
           <p:cNvSpPr txBox="1"/>
           <p:nvPr>
             <p:ph idx="2" type="body"/>
@@ -14045,7 +12996,7 @@
                   <a:schemeClr val="dk1"/>
                 </a:solidFill>
               </a:rPr>
-              <a:t>The View Game button is selected from the main menu.</a:t>
+              <a:t>The View Finished Game button is selected from the main menu.</a:t>
             </a:r>
             <a:endParaRPr sz="1200">
               <a:solidFill>
@@ -14105,7 +13056,7 @@
       </p:sp>
       <p:pic>
         <p:nvPicPr>
-          <p:cNvPr id="222" name="Google Shape;222;p34"/>
+          <p:cNvPr id="208" name="Google Shape;208;p34"/>
           <p:cNvPicPr preferRelativeResize="0"/>
           <p:nvPr/>
         </p:nvPicPr>
@@ -14120,7 +13071,7 @@
         <p:spPr>
           <a:xfrm>
             <a:off x="0" y="0"/>
-            <a:ext cx="6400799" cy="5143500"/>
+            <a:ext cx="6400799" cy="5143501"/>
           </a:xfrm>
           <a:prstGeom prst="rect">
             <a:avLst/>
@@ -14140,6 +13091,576 @@
 </file>
 
 <file path=ppt/slides/slide23.xml><?xml version="1.0" encoding="utf-8"?>
+<p:sld xmlns:a="http://schemas.openxmlformats.org/drawingml/2006/main" xmlns:r="http://schemas.openxmlformats.org/officeDocument/2006/relationships" xmlns:mc="http://schemas.openxmlformats.org/markup-compatibility/2006" xmlns:mv="urn:schemas-microsoft-com:mac:vml" xmlns:p="http://schemas.openxmlformats.org/presentationml/2006/main" xmlns:c="http://schemas.openxmlformats.org/drawingml/2006/chart" xmlns:dgm="http://schemas.openxmlformats.org/drawingml/2006/diagram" xmlns:o="urn:schemas-microsoft-com:office:office" xmlns:v="urn:schemas-microsoft-com:vml" xmlns:pvml="urn:schemas-microsoft-com:office:powerpoint" xmlns:com="http://schemas.openxmlformats.org/drawingml/2006/compatibility" xmlns:p14="http://schemas.microsoft.com/office/powerpoint/2010/main" xmlns:p15="http://schemas.microsoft.com/office/powerpoint/2012/main" xmlns:ahyp="http://schemas.microsoft.com/office/drawing/2018/hyperlinkcolor">
+  <p:cSld>
+    <p:spTree>
+      <p:nvGrpSpPr>
+        <p:cNvPr id="212" name="Shape 212"/>
+        <p:cNvGrpSpPr/>
+        <p:nvPr/>
+      </p:nvGrpSpPr>
+      <p:grpSpPr>
+        <a:xfrm>
+          <a:off x="0" y="0"/>
+          <a:ext cx="0" cy="0"/>
+          <a:chOff x="0" y="0"/>
+          <a:chExt cx="0" cy="0"/>
+        </a:xfrm>
+      </p:grpSpPr>
+      <p:sp>
+        <p:nvSpPr>
+          <p:cNvPr id="213" name="Google Shape;213;p35"/>
+          <p:cNvSpPr/>
+          <p:nvPr/>
+        </p:nvSpPr>
+        <p:spPr>
+          <a:xfrm>
+            <a:off x="6408575" y="8325"/>
+            <a:ext cx="2735400" cy="5143500"/>
+          </a:xfrm>
+          <a:prstGeom prst="rect">
+            <a:avLst/>
+          </a:prstGeom>
+          <a:solidFill>
+            <a:srgbClr val="2EE4DA"/>
+          </a:solidFill>
+          <a:ln cap="flat" cmpd="sng" w="9525">
+            <a:solidFill>
+              <a:srgbClr val="1FC5BC"/>
+            </a:solidFill>
+            <a:prstDash val="solid"/>
+            <a:round/>
+            <a:headEnd len="sm" w="sm" type="none"/>
+            <a:tailEnd len="sm" w="sm" type="none"/>
+          </a:ln>
+        </p:spPr>
+        <p:txBody>
+          <a:bodyPr anchorCtr="0" anchor="ctr" bIns="91425" lIns="91425" spcFirstLastPara="1" rIns="91425" wrap="square" tIns="91425">
+            <a:noAutofit/>
+          </a:bodyPr>
+          <a:lstStyle/>
+          <a:p>
+            <a:pPr indent="0" lvl="0" marL="0" rtl="0" algn="l">
+              <a:spcBef>
+                <a:spcPts val="0"/>
+              </a:spcBef>
+              <a:spcAft>
+                <a:spcPts val="0"/>
+              </a:spcAft>
+              <a:buNone/>
+            </a:pPr>
+            <a:r>
+              <a:t/>
+            </a:r>
+            <a:endParaRPr/>
+          </a:p>
+        </p:txBody>
+      </p:sp>
+      <p:sp>
+        <p:nvSpPr>
+          <p:cNvPr id="214" name="Google Shape;214;p35"/>
+          <p:cNvSpPr txBox="1"/>
+          <p:nvPr>
+            <p:ph idx="2" type="body"/>
+          </p:nvPr>
+        </p:nvSpPr>
+        <p:spPr>
+          <a:xfrm>
+            <a:off x="6825350" y="1152475"/>
+            <a:ext cx="2007000" cy="3416400"/>
+          </a:xfrm>
+          <a:prstGeom prst="rect">
+            <a:avLst/>
+          </a:prstGeom>
+        </p:spPr>
+        <p:txBody>
+          <a:bodyPr anchorCtr="0" anchor="t" bIns="91425" lIns="91425" spcFirstLastPara="1" rIns="91425" wrap="square" tIns="91425">
+            <a:normAutofit/>
+          </a:bodyPr>
+          <a:lstStyle/>
+          <a:p>
+            <a:pPr indent="0" lvl="0" marL="0" rtl="0" algn="l">
+              <a:spcBef>
+                <a:spcPts val="0"/>
+              </a:spcBef>
+              <a:spcAft>
+                <a:spcPts val="0"/>
+              </a:spcAft>
+              <a:buNone/>
+            </a:pPr>
+            <a:r>
+              <a:rPr lang="en" sz="1200" u="sng">
+                <a:solidFill>
+                  <a:schemeClr val="dk1"/>
+                </a:solidFill>
+              </a:rPr>
+              <a:t>Use Case -  </a:t>
+            </a:r>
+            <a:r>
+              <a:rPr lang="en" sz="1200" u="sng">
+                <a:solidFill>
+                  <a:schemeClr val="dk1"/>
+                </a:solidFill>
+                <a:hlinkClick r:id="rId3">
+                  <a:extLst>
+                    <a:ext uri="{A12FA001-AC4F-418D-AE19-62706E023703}">
+                      <ahyp:hlinkClr val="tx"/>
+                    </a:ext>
+                  </a:extLst>
+                </a:hlinkClick>
+              </a:rPr>
+              <a:t>UC-3.0</a:t>
+            </a:r>
+            <a:endParaRPr sz="1200" u="sng">
+              <a:solidFill>
+                <a:schemeClr val="dk1"/>
+              </a:solidFill>
+            </a:endParaRPr>
+          </a:p>
+          <a:p>
+            <a:pPr indent="0" lvl="0" marL="0" rtl="0" algn="l">
+              <a:spcBef>
+                <a:spcPts val="1200"/>
+              </a:spcBef>
+              <a:spcAft>
+                <a:spcPts val="0"/>
+              </a:spcAft>
+              <a:buNone/>
+            </a:pPr>
+            <a:r>
+              <a:rPr lang="en" sz="1200">
+                <a:solidFill>
+                  <a:schemeClr val="dk1"/>
+                </a:solidFill>
+              </a:rPr>
+              <a:t>Task:</a:t>
+            </a:r>
+            <a:endParaRPr sz="1200">
+              <a:solidFill>
+                <a:schemeClr val="dk1"/>
+              </a:solidFill>
+            </a:endParaRPr>
+          </a:p>
+          <a:p>
+            <a:pPr indent="0" lvl="0" marL="0" rtl="0" algn="l">
+              <a:spcBef>
+                <a:spcPts val="1200"/>
+              </a:spcBef>
+              <a:spcAft>
+                <a:spcPts val="0"/>
+              </a:spcAft>
+              <a:buNone/>
+            </a:pPr>
+            <a:r>
+              <a:rPr lang="en" sz="1200">
+                <a:solidFill>
+                  <a:schemeClr val="dk1"/>
+                </a:solidFill>
+              </a:rPr>
+              <a:t>Reviewing a Previous Game</a:t>
+            </a:r>
+            <a:endParaRPr sz="1200">
+              <a:solidFill>
+                <a:schemeClr val="dk1"/>
+              </a:solidFill>
+            </a:endParaRPr>
+          </a:p>
+          <a:p>
+            <a:pPr indent="0" lvl="0" marL="0" rtl="0" algn="l">
+              <a:spcBef>
+                <a:spcPts val="1200"/>
+              </a:spcBef>
+              <a:spcAft>
+                <a:spcPts val="0"/>
+              </a:spcAft>
+              <a:buNone/>
+            </a:pPr>
+            <a:r>
+              <a:rPr lang="en" sz="1200">
+                <a:solidFill>
+                  <a:schemeClr val="dk1"/>
+                </a:solidFill>
+              </a:rPr>
+              <a:t>Action: </a:t>
+            </a:r>
+            <a:endParaRPr sz="1200">
+              <a:solidFill>
+                <a:schemeClr val="dk1"/>
+              </a:solidFill>
+            </a:endParaRPr>
+          </a:p>
+          <a:p>
+            <a:pPr indent="0" lvl="0" marL="0" rtl="0" algn="l">
+              <a:spcBef>
+                <a:spcPts val="1200"/>
+              </a:spcBef>
+              <a:spcAft>
+                <a:spcPts val="0"/>
+              </a:spcAft>
+              <a:buNone/>
+            </a:pPr>
+            <a:r>
+              <a:rPr lang="en" sz="1200">
+                <a:solidFill>
+                  <a:schemeClr val="dk1"/>
+                </a:solidFill>
+              </a:rPr>
+              <a:t>32Chara.. button is selected</a:t>
+            </a:r>
+            <a:endParaRPr sz="1200">
+              <a:solidFill>
+                <a:schemeClr val="dk1"/>
+              </a:solidFill>
+            </a:endParaRPr>
+          </a:p>
+          <a:p>
+            <a:pPr indent="0" lvl="0" marL="0" rtl="0" algn="l">
+              <a:spcBef>
+                <a:spcPts val="1200"/>
+              </a:spcBef>
+              <a:spcAft>
+                <a:spcPts val="0"/>
+              </a:spcAft>
+              <a:buNone/>
+            </a:pPr>
+            <a:r>
+              <a:rPr lang="en" sz="1200">
+                <a:solidFill>
+                  <a:schemeClr val="dk1"/>
+                </a:solidFill>
+              </a:rPr>
+              <a:t>Result: </a:t>
+            </a:r>
+            <a:endParaRPr sz="1200">
+              <a:solidFill>
+                <a:schemeClr val="dk1"/>
+              </a:solidFill>
+            </a:endParaRPr>
+          </a:p>
+          <a:p>
+            <a:pPr indent="0" lvl="0" marL="0" rtl="0" algn="l">
+              <a:spcBef>
+                <a:spcPts val="1200"/>
+              </a:spcBef>
+              <a:spcAft>
+                <a:spcPts val="1200"/>
+              </a:spcAft>
+              <a:buNone/>
+            </a:pPr>
+            <a:r>
+              <a:rPr lang="en" sz="1200">
+                <a:solidFill>
+                  <a:schemeClr val="dk1"/>
+                </a:solidFill>
+              </a:rPr>
+              <a:t>The user will be shown a list of possible previous games to view.</a:t>
+            </a:r>
+            <a:endParaRPr sz="1200">
+              <a:solidFill>
+                <a:schemeClr val="dk1"/>
+              </a:solidFill>
+            </a:endParaRPr>
+          </a:p>
+        </p:txBody>
+      </p:sp>
+      <p:pic>
+        <p:nvPicPr>
+          <p:cNvPr id="215" name="Google Shape;215;p35"/>
+          <p:cNvPicPr preferRelativeResize="0"/>
+          <p:nvPr/>
+        </p:nvPicPr>
+        <p:blipFill>
+          <a:blip r:embed="rId4">
+            <a:alphaModFix/>
+          </a:blip>
+          <a:stretch>
+            <a:fillRect/>
+          </a:stretch>
+        </p:blipFill>
+        <p:spPr>
+          <a:xfrm>
+            <a:off x="0" y="8325"/>
+            <a:ext cx="6408574" cy="5143500"/>
+          </a:xfrm>
+          <a:prstGeom prst="rect">
+            <a:avLst/>
+          </a:prstGeom>
+          <a:noFill/>
+          <a:ln>
+            <a:noFill/>
+          </a:ln>
+        </p:spPr>
+      </p:pic>
+    </p:spTree>
+  </p:cSld>
+  <p:clrMapOvr>
+    <a:masterClrMapping/>
+  </p:clrMapOvr>
+</p:sld>
+</file>
+
+<file path=ppt/slides/slide24.xml><?xml version="1.0" encoding="utf-8"?>
+<p:sld xmlns:a="http://schemas.openxmlformats.org/drawingml/2006/main" xmlns:r="http://schemas.openxmlformats.org/officeDocument/2006/relationships" xmlns:mc="http://schemas.openxmlformats.org/markup-compatibility/2006" xmlns:mv="urn:schemas-microsoft-com:mac:vml" xmlns:p="http://schemas.openxmlformats.org/presentationml/2006/main" xmlns:c="http://schemas.openxmlformats.org/drawingml/2006/chart" xmlns:dgm="http://schemas.openxmlformats.org/drawingml/2006/diagram" xmlns:o="urn:schemas-microsoft-com:office:office" xmlns:v="urn:schemas-microsoft-com:vml" xmlns:pvml="urn:schemas-microsoft-com:office:powerpoint" xmlns:com="http://schemas.openxmlformats.org/drawingml/2006/compatibility" xmlns:p14="http://schemas.microsoft.com/office/powerpoint/2010/main" xmlns:p15="http://schemas.microsoft.com/office/powerpoint/2012/main" xmlns:ahyp="http://schemas.microsoft.com/office/drawing/2018/hyperlinkcolor">
+  <p:cSld>
+    <p:spTree>
+      <p:nvGrpSpPr>
+        <p:cNvPr id="219" name="Shape 219"/>
+        <p:cNvGrpSpPr/>
+        <p:nvPr/>
+      </p:nvGrpSpPr>
+      <p:grpSpPr>
+        <a:xfrm>
+          <a:off x="0" y="0"/>
+          <a:ext cx="0" cy="0"/>
+          <a:chOff x="0" y="0"/>
+          <a:chExt cx="0" cy="0"/>
+        </a:xfrm>
+      </p:grpSpPr>
+      <p:sp>
+        <p:nvSpPr>
+          <p:cNvPr id="220" name="Google Shape;220;p36"/>
+          <p:cNvSpPr/>
+          <p:nvPr/>
+        </p:nvSpPr>
+        <p:spPr>
+          <a:xfrm>
+            <a:off x="6408575" y="8325"/>
+            <a:ext cx="2735400" cy="5143500"/>
+          </a:xfrm>
+          <a:prstGeom prst="rect">
+            <a:avLst/>
+          </a:prstGeom>
+          <a:solidFill>
+            <a:srgbClr val="2EE4DA"/>
+          </a:solidFill>
+          <a:ln cap="flat" cmpd="sng" w="9525">
+            <a:solidFill>
+              <a:srgbClr val="1FC5BC"/>
+            </a:solidFill>
+            <a:prstDash val="solid"/>
+            <a:round/>
+            <a:headEnd len="sm" w="sm" type="none"/>
+            <a:tailEnd len="sm" w="sm" type="none"/>
+          </a:ln>
+        </p:spPr>
+        <p:txBody>
+          <a:bodyPr anchorCtr="0" anchor="ctr" bIns="91425" lIns="91425" spcFirstLastPara="1" rIns="91425" wrap="square" tIns="91425">
+            <a:noAutofit/>
+          </a:bodyPr>
+          <a:lstStyle/>
+          <a:p>
+            <a:pPr indent="0" lvl="0" marL="0" rtl="0" algn="l">
+              <a:spcBef>
+                <a:spcPts val="0"/>
+              </a:spcBef>
+              <a:spcAft>
+                <a:spcPts val="0"/>
+              </a:spcAft>
+              <a:buNone/>
+            </a:pPr>
+            <a:r>
+              <a:t/>
+            </a:r>
+            <a:endParaRPr/>
+          </a:p>
+        </p:txBody>
+      </p:sp>
+      <p:sp>
+        <p:nvSpPr>
+          <p:cNvPr id="221" name="Google Shape;221;p36"/>
+          <p:cNvSpPr txBox="1"/>
+          <p:nvPr>
+            <p:ph idx="2" type="body"/>
+          </p:nvPr>
+        </p:nvSpPr>
+        <p:spPr>
+          <a:xfrm>
+            <a:off x="6825350" y="1152475"/>
+            <a:ext cx="2007000" cy="3416400"/>
+          </a:xfrm>
+          <a:prstGeom prst="rect">
+            <a:avLst/>
+          </a:prstGeom>
+        </p:spPr>
+        <p:txBody>
+          <a:bodyPr anchorCtr="0" anchor="t" bIns="91425" lIns="91425" spcFirstLastPara="1" rIns="91425" wrap="square" tIns="91425">
+            <a:normAutofit/>
+          </a:bodyPr>
+          <a:lstStyle/>
+          <a:p>
+            <a:pPr indent="0" lvl="0" marL="0" rtl="0" algn="l">
+              <a:spcBef>
+                <a:spcPts val="0"/>
+              </a:spcBef>
+              <a:spcAft>
+                <a:spcPts val="0"/>
+              </a:spcAft>
+              <a:buNone/>
+            </a:pPr>
+            <a:r>
+              <a:rPr lang="en" sz="1200" u="sng">
+                <a:solidFill>
+                  <a:schemeClr val="dk1"/>
+                </a:solidFill>
+              </a:rPr>
+              <a:t>Use Case -  </a:t>
+            </a:r>
+            <a:r>
+              <a:rPr lang="en" sz="1200" u="sng">
+                <a:solidFill>
+                  <a:schemeClr val="dk1"/>
+                </a:solidFill>
+                <a:hlinkClick r:id="rId3">
+                  <a:extLst>
+                    <a:ext uri="{A12FA001-AC4F-418D-AE19-62706E023703}">
+                      <ahyp:hlinkClr val="tx"/>
+                    </a:ext>
+                  </a:extLst>
+                </a:hlinkClick>
+              </a:rPr>
+              <a:t>UC-3.0 </a:t>
+            </a:r>
+            <a:endParaRPr sz="1200" u="sng">
+              <a:solidFill>
+                <a:schemeClr val="dk1"/>
+              </a:solidFill>
+            </a:endParaRPr>
+          </a:p>
+          <a:p>
+            <a:pPr indent="0" lvl="0" marL="0" rtl="0" algn="l">
+              <a:spcBef>
+                <a:spcPts val="1200"/>
+              </a:spcBef>
+              <a:spcAft>
+                <a:spcPts val="0"/>
+              </a:spcAft>
+              <a:buNone/>
+            </a:pPr>
+            <a:r>
+              <a:rPr lang="en" sz="1200">
+                <a:solidFill>
+                  <a:schemeClr val="dk1"/>
+                </a:solidFill>
+              </a:rPr>
+              <a:t>Task:</a:t>
+            </a:r>
+            <a:endParaRPr sz="1200">
+              <a:solidFill>
+                <a:schemeClr val="dk1"/>
+              </a:solidFill>
+            </a:endParaRPr>
+          </a:p>
+          <a:p>
+            <a:pPr indent="0" lvl="0" marL="0" rtl="0" algn="l">
+              <a:spcBef>
+                <a:spcPts val="1200"/>
+              </a:spcBef>
+              <a:spcAft>
+                <a:spcPts val="0"/>
+              </a:spcAft>
+              <a:buNone/>
+            </a:pPr>
+            <a:r>
+              <a:rPr lang="en" sz="1200">
+                <a:solidFill>
+                  <a:schemeClr val="dk1"/>
+                </a:solidFill>
+              </a:rPr>
+              <a:t>Reviewing a Previous Game</a:t>
+            </a:r>
+            <a:endParaRPr sz="1200">
+              <a:solidFill>
+                <a:schemeClr val="dk1"/>
+              </a:solidFill>
+            </a:endParaRPr>
+          </a:p>
+          <a:p>
+            <a:pPr indent="0" lvl="0" marL="0" rtl="0" algn="l">
+              <a:spcBef>
+                <a:spcPts val="1200"/>
+              </a:spcBef>
+              <a:spcAft>
+                <a:spcPts val="0"/>
+              </a:spcAft>
+              <a:buNone/>
+            </a:pPr>
+            <a:r>
+              <a:rPr lang="en" sz="1200">
+                <a:solidFill>
+                  <a:schemeClr val="dk1"/>
+                </a:solidFill>
+              </a:rPr>
+              <a:t>Final State:</a:t>
+            </a:r>
+            <a:endParaRPr sz="1200">
+              <a:solidFill>
+                <a:schemeClr val="dk1"/>
+              </a:solidFill>
+            </a:endParaRPr>
+          </a:p>
+          <a:p>
+            <a:pPr indent="0" lvl="0" marL="0" rtl="0" algn="l">
+              <a:spcBef>
+                <a:spcPts val="1200"/>
+              </a:spcBef>
+              <a:spcAft>
+                <a:spcPts val="1200"/>
+              </a:spcAft>
+              <a:buNone/>
+            </a:pPr>
+            <a:r>
+              <a:rPr lang="en" sz="1200">
+                <a:solidFill>
+                  <a:schemeClr val="dk1"/>
+                </a:solidFill>
+              </a:rPr>
+              <a:t>The board is shown in the starting position. Buttons appear to indicate “Step Forward” and “Step Backward”. </a:t>
+            </a:r>
+            <a:endParaRPr sz="1200">
+              <a:solidFill>
+                <a:schemeClr val="dk1"/>
+              </a:solidFill>
+            </a:endParaRPr>
+          </a:p>
+        </p:txBody>
+      </p:sp>
+      <p:pic>
+        <p:nvPicPr>
+          <p:cNvPr id="222" name="Google Shape;222;p36"/>
+          <p:cNvPicPr preferRelativeResize="0"/>
+          <p:nvPr/>
+        </p:nvPicPr>
+        <p:blipFill>
+          <a:blip r:embed="rId4">
+            <a:alphaModFix/>
+          </a:blip>
+          <a:stretch>
+            <a:fillRect/>
+          </a:stretch>
+        </p:blipFill>
+        <p:spPr>
+          <a:xfrm>
+            <a:off x="0" y="8325"/>
+            <a:ext cx="6408577" cy="5143500"/>
+          </a:xfrm>
+          <a:prstGeom prst="rect">
+            <a:avLst/>
+          </a:prstGeom>
+          <a:noFill/>
+          <a:ln>
+            <a:noFill/>
+          </a:ln>
+        </p:spPr>
+      </p:pic>
+    </p:spTree>
+  </p:cSld>
+  <p:clrMapOvr>
+    <a:masterClrMapping/>
+  </p:clrMapOvr>
+</p:sld>
+</file>
+
+<file path=ppt/slides/slide25.xml><?xml version="1.0" encoding="utf-8"?>
 <p:sld xmlns:a="http://schemas.openxmlformats.org/drawingml/2006/main" xmlns:r="http://schemas.openxmlformats.org/officeDocument/2006/relationships" xmlns:mc="http://schemas.openxmlformats.org/markup-compatibility/2006" xmlns:mv="urn:schemas-microsoft-com:mac:vml" xmlns:p="http://schemas.openxmlformats.org/presentationml/2006/main" xmlns:c="http://schemas.openxmlformats.org/drawingml/2006/chart" xmlns:dgm="http://schemas.openxmlformats.org/drawingml/2006/diagram" xmlns:o="urn:schemas-microsoft-com:office:office" xmlns:v="urn:schemas-microsoft-com:vml" xmlns:pvml="urn:schemas-microsoft-com:office:powerpoint" xmlns:com="http://schemas.openxmlformats.org/drawingml/2006/compatibility" xmlns:p14="http://schemas.microsoft.com/office/powerpoint/2010/main" xmlns:p15="http://schemas.microsoft.com/office/powerpoint/2012/main" xmlns:ahyp="http://schemas.microsoft.com/office/drawing/2018/hyperlinkcolor">
   <p:cSld>
     <p:spTree>
@@ -14158,7 +13679,7 @@
       </p:grpSpPr>
       <p:sp>
         <p:nvSpPr>
-          <p:cNvPr id="227" name="Google Shape;227;p35"/>
+          <p:cNvPr id="227" name="Google Shape;227;p37"/>
           <p:cNvSpPr/>
           <p:nvPr/>
         </p:nvSpPr>
@@ -14207,7 +13728,7 @@
       </p:sp>
       <p:sp>
         <p:nvSpPr>
-          <p:cNvPr id="228" name="Google Shape;228;p35"/>
+          <p:cNvPr id="228" name="Google Shape;228;p37"/>
           <p:cNvSpPr txBox="1"/>
           <p:nvPr>
             <p:ph idx="2" type="body"/>
@@ -14258,7 +13779,7 @@
                   </a:extLst>
                 </a:hlinkClick>
               </a:rPr>
-              <a:t>UC-3.0</a:t>
+              <a:t>UC-3.1</a:t>
             </a:r>
             <a:endParaRPr sz="1200" u="sng">
               <a:solidFill>
@@ -14306,7 +13827,7 @@
                   <a:schemeClr val="dk1"/>
                 </a:solidFill>
               </a:rPr>
-              <a:t>Reviewing a Previous Game</a:t>
+              <a:t>Stepping Forward</a:t>
             </a:r>
             <a:endParaRPr sz="1200">
               <a:solidFill>
@@ -14354,15 +13875,31 @@
                   <a:schemeClr val="dk1"/>
                 </a:solidFill>
               </a:rPr>
-              <a:t>(ref to game)</a:t>
-            </a:r>
+              <a:t>The forward arrow button is selected.</a:t>
+            </a:r>
+            <a:endParaRPr sz="1200">
+              <a:solidFill>
+                <a:schemeClr val="dk1"/>
+              </a:solidFill>
+            </a:endParaRPr>
+          </a:p>
+          <a:p>
+            <a:pPr indent="0" lvl="0" marL="0" rtl="0" algn="l">
+              <a:spcBef>
+                <a:spcPts val="1200"/>
+              </a:spcBef>
+              <a:spcAft>
+                <a:spcPts val="0"/>
+              </a:spcAft>
+              <a:buNone/>
+            </a:pPr>
             <a:r>
               <a:rPr lang="en" sz="1200">
                 <a:solidFill>
                   <a:schemeClr val="dk1"/>
                 </a:solidFill>
               </a:rPr>
-              <a:t> is selected</a:t>
+              <a:t>Result:</a:t>
             </a:r>
             <a:endParaRPr sz="1200">
               <a:solidFill>
@@ -14376,7 +13913,7 @@
                 <a:spcPts val="1200"/>
               </a:spcBef>
               <a:spcAft>
-                <a:spcPts val="0"/>
+                <a:spcPts val="1200"/>
               </a:spcAft>
               <a:buNone/>
             </a:pPr>
@@ -14386,31 +13923,7 @@
                   <a:schemeClr val="dk1"/>
                 </a:solidFill>
               </a:rPr>
-              <a:t>Result: </a:t>
-            </a:r>
-            <a:endParaRPr sz="1200">
-              <a:solidFill>
-                <a:schemeClr val="dk1"/>
-              </a:solidFill>
-            </a:endParaRPr>
-          </a:p>
-          <a:p>
-            <a:pPr indent="0" lvl="0" marL="0" rtl="0" algn="l">
-              <a:spcBef>
-                <a:spcPts val="1200"/>
-              </a:spcBef>
-              <a:spcAft>
-                <a:spcPts val="1200"/>
-              </a:spcAft>
-              <a:buNone/>
-            </a:pPr>
-            <a:r>
-              <a:rPr lang="en" sz="1200">
-                <a:solidFill>
-                  <a:schemeClr val="dk1"/>
-                </a:solidFill>
-              </a:rPr>
-              <a:t>The user will be shown a list of possible previous games to view.</a:t>
+              <a:t>The board state is shown after the first move. </a:t>
             </a:r>
             <a:endParaRPr sz="1200">
               <a:solidFill>
@@ -14422,21 +13935,22 @@
       </p:sp>
       <p:pic>
         <p:nvPicPr>
-          <p:cNvPr id="229" name="Google Shape;229;p35"/>
+          <p:cNvPr id="229" name="Google Shape;229;p37"/>
           <p:cNvPicPr preferRelativeResize="0"/>
           <p:nvPr/>
         </p:nvPicPr>
-        <p:blipFill rotWithShape="1">
+        <p:blipFill>
           <a:blip r:embed="rId4">
             <a:alphaModFix/>
           </a:blip>
-          <a:srcRect b="0" l="25380" r="25375" t="0"/>
-          <a:stretch/>
+          <a:stretch>
+            <a:fillRect/>
+          </a:stretch>
         </p:blipFill>
         <p:spPr>
           <a:xfrm>
-            <a:off x="872675" y="0"/>
-            <a:ext cx="4668480" cy="5135174"/>
+            <a:off x="0" y="8325"/>
+            <a:ext cx="6408577" cy="5143499"/>
           </a:xfrm>
           <a:prstGeom prst="rect">
             <a:avLst/>
@@ -14455,7 +13969,7 @@
 </p:sld>
 </file>
 
-<file path=ppt/slides/slide24.xml><?xml version="1.0" encoding="utf-8"?>
+<file path=ppt/slides/slide26.xml><?xml version="1.0" encoding="utf-8"?>
 <p:sld xmlns:a="http://schemas.openxmlformats.org/drawingml/2006/main" xmlns:r="http://schemas.openxmlformats.org/officeDocument/2006/relationships" xmlns:mc="http://schemas.openxmlformats.org/markup-compatibility/2006" xmlns:mv="urn:schemas-microsoft-com:mac:vml" xmlns:p="http://schemas.openxmlformats.org/presentationml/2006/main" xmlns:c="http://schemas.openxmlformats.org/drawingml/2006/chart" xmlns:dgm="http://schemas.openxmlformats.org/drawingml/2006/diagram" xmlns:o="urn:schemas-microsoft-com:office:office" xmlns:v="urn:schemas-microsoft-com:vml" xmlns:pvml="urn:schemas-microsoft-com:office:powerpoint" xmlns:com="http://schemas.openxmlformats.org/drawingml/2006/compatibility" xmlns:p14="http://schemas.microsoft.com/office/powerpoint/2010/main" xmlns:p15="http://schemas.microsoft.com/office/powerpoint/2012/main" xmlns:ahyp="http://schemas.microsoft.com/office/drawing/2018/hyperlinkcolor">
   <p:cSld>
     <p:spTree>
@@ -14474,7 +13988,7 @@
       </p:grpSpPr>
       <p:sp>
         <p:nvSpPr>
-          <p:cNvPr id="234" name="Google Shape;234;p36"/>
+          <p:cNvPr id="234" name="Google Shape;234;p38"/>
           <p:cNvSpPr/>
           <p:nvPr/>
         </p:nvSpPr>
@@ -14523,7 +14037,7 @@
       </p:sp>
       <p:sp>
         <p:nvSpPr>
-          <p:cNvPr id="235" name="Google Shape;235;p36"/>
+          <p:cNvPr id="235" name="Google Shape;235;p38"/>
           <p:cNvSpPr txBox="1"/>
           <p:nvPr>
             <p:ph idx="2" type="body"/>
@@ -14574,7 +14088,7 @@
                   </a:extLst>
                 </a:hlinkClick>
               </a:rPr>
-              <a:t>UC-3.0 </a:t>
+              <a:t>UC-3.2</a:t>
             </a:r>
             <a:endParaRPr sz="1200" u="sng">
               <a:solidFill>
@@ -14622,7 +14136,7 @@
                   <a:schemeClr val="dk1"/>
                 </a:solidFill>
               </a:rPr>
-              <a:t>Reviewing a Previous Game</a:t>
+              <a:t>Stepping Backward</a:t>
             </a:r>
             <a:endParaRPr sz="1200">
               <a:solidFill>
@@ -14646,7 +14160,7 @@
                   <a:schemeClr val="dk1"/>
                 </a:solidFill>
               </a:rPr>
-              <a:t>Final State:</a:t>
+              <a:t>Action:</a:t>
             </a:r>
             <a:endParaRPr sz="1200">
               <a:solidFill>
@@ -14660,7 +14174,7 @@
                 <a:spcPts val="1200"/>
               </a:spcBef>
               <a:spcAft>
-                <a:spcPts val="1200"/>
+                <a:spcPts val="0"/>
               </a:spcAft>
               <a:buNone/>
             </a:pPr>
@@ -14670,7 +14184,55 @@
                   <a:schemeClr val="dk1"/>
                 </a:solidFill>
               </a:rPr>
-              <a:t>The board is shown in the starting position. Buttons appear to show “Step Forward” and “Step Backward”. </a:t>
+              <a:t>The backward arrow button is selected.</a:t>
+            </a:r>
+            <a:endParaRPr sz="1200">
+              <a:solidFill>
+                <a:schemeClr val="dk1"/>
+              </a:solidFill>
+            </a:endParaRPr>
+          </a:p>
+          <a:p>
+            <a:pPr indent="0" lvl="0" marL="0" rtl="0" algn="l">
+              <a:spcBef>
+                <a:spcPts val="1200"/>
+              </a:spcBef>
+              <a:spcAft>
+                <a:spcPts val="0"/>
+              </a:spcAft>
+              <a:buNone/>
+            </a:pPr>
+            <a:r>
+              <a:rPr lang="en" sz="1200">
+                <a:solidFill>
+                  <a:schemeClr val="dk1"/>
+                </a:solidFill>
+              </a:rPr>
+              <a:t>Result:</a:t>
+            </a:r>
+            <a:endParaRPr sz="1200">
+              <a:solidFill>
+                <a:schemeClr val="dk1"/>
+              </a:solidFill>
+            </a:endParaRPr>
+          </a:p>
+          <a:p>
+            <a:pPr indent="0" lvl="0" marL="0" rtl="0" algn="l">
+              <a:spcBef>
+                <a:spcPts val="1200"/>
+              </a:spcBef>
+              <a:spcAft>
+                <a:spcPts val="1200"/>
+              </a:spcAft>
+              <a:buNone/>
+            </a:pPr>
+            <a:r>
+              <a:rPr lang="en" sz="1200">
+                <a:solidFill>
+                  <a:schemeClr val="dk1"/>
+                </a:solidFill>
+              </a:rPr>
+              <a:t>The board state is shown from before the last move. </a:t>
             </a:r>
             <a:endParaRPr sz="1200">
               <a:solidFill>
@@ -14682,21 +14244,22 @@
       </p:sp>
       <p:pic>
         <p:nvPicPr>
-          <p:cNvPr id="236" name="Google Shape;236;p36"/>
+          <p:cNvPr id="236" name="Google Shape;236;p38"/>
           <p:cNvPicPr preferRelativeResize="0"/>
           <p:nvPr/>
         </p:nvPicPr>
-        <p:blipFill rotWithShape="1">
+        <p:blipFill>
           <a:blip r:embed="rId4">
             <a:alphaModFix/>
           </a:blip>
-          <a:srcRect b="0" l="26029" r="26024" t="0"/>
-          <a:stretch/>
+          <a:stretch>
+            <a:fillRect/>
+          </a:stretch>
         </p:blipFill>
         <p:spPr>
           <a:xfrm>
-            <a:off x="771848" y="0"/>
-            <a:ext cx="4552680" cy="5143499"/>
+            <a:off x="0" y="8325"/>
+            <a:ext cx="6408577" cy="5143500"/>
           </a:xfrm>
           <a:prstGeom prst="rect">
             <a:avLst/>
@@ -14707,120 +14270,6 @@
           </a:ln>
         </p:spPr>
       </p:pic>
-      <p:cxnSp>
-        <p:nvCxnSpPr>
-          <p:cNvPr id="237" name="Google Shape;237;p36"/>
-          <p:cNvCxnSpPr/>
-          <p:nvPr/>
-        </p:nvCxnSpPr>
-        <p:spPr>
-          <a:xfrm flipH="1" rot="10800000">
-            <a:off x="3220025" y="4396350"/>
-            <a:ext cx="1067400" cy="14400"/>
-          </a:xfrm>
-          <a:prstGeom prst="straightConnector1">
-            <a:avLst/>
-          </a:prstGeom>
-          <a:noFill/>
-          <a:ln cap="flat" cmpd="sng" w="76200">
-            <a:solidFill>
-              <a:schemeClr val="dk2"/>
-            </a:solidFill>
-            <a:prstDash val="solid"/>
-            <a:round/>
-            <a:headEnd len="med" w="med" type="none"/>
-            <a:tailEnd len="med" w="med" type="triangle"/>
-          </a:ln>
-        </p:spPr>
-      </p:cxnSp>
-      <p:cxnSp>
-        <p:nvCxnSpPr>
-          <p:cNvPr id="238" name="Google Shape;238;p36"/>
-          <p:cNvCxnSpPr/>
-          <p:nvPr/>
-        </p:nvCxnSpPr>
-        <p:spPr>
-          <a:xfrm flipH="1">
-            <a:off x="2005600" y="4387500"/>
-            <a:ext cx="960000" cy="32100"/>
-          </a:xfrm>
-          <a:prstGeom prst="straightConnector1">
-            <a:avLst/>
-          </a:prstGeom>
-          <a:noFill/>
-          <a:ln cap="flat" cmpd="sng" w="76200">
-            <a:solidFill>
-              <a:schemeClr val="dk2"/>
-            </a:solidFill>
-            <a:prstDash val="solid"/>
-            <a:round/>
-            <a:headEnd len="med" w="med" type="none"/>
-            <a:tailEnd len="med" w="med" type="triangle"/>
-          </a:ln>
-        </p:spPr>
-      </p:cxnSp>
-      <p:sp>
-        <p:nvSpPr>
-          <p:cNvPr id="239" name="Google Shape;239;p36"/>
-          <p:cNvSpPr txBox="1"/>
-          <p:nvPr>
-            <p:ph idx="1" type="body"/>
-          </p:nvPr>
-        </p:nvSpPr>
-        <p:spPr>
-          <a:xfrm>
-            <a:off x="789250" y="4456975"/>
-            <a:ext cx="3682200" cy="678300"/>
-          </a:xfrm>
-          <a:prstGeom prst="rect">
-            <a:avLst/>
-          </a:prstGeom>
-        </p:spPr>
-        <p:txBody>
-          <a:bodyPr anchorCtr="0" anchor="b" bIns="91425" lIns="91425" spcFirstLastPara="1" rIns="91425" wrap="square" tIns="91425">
-            <a:normAutofit/>
-          </a:bodyPr>
-          <a:lstStyle/>
-          <a:p>
-            <a:pPr indent="0" lvl="0" marL="0" rtl="0" algn="l">
-              <a:lnSpc>
-                <a:spcPct val="100000"/>
-              </a:lnSpc>
-              <a:spcBef>
-                <a:spcPts val="0"/>
-              </a:spcBef>
-              <a:spcAft>
-                <a:spcPts val="0"/>
-              </a:spcAft>
-              <a:buNone/>
-            </a:pPr>
-            <a:r>
-              <a:rPr lang="en" sz="800"/>
-              <a:t>Chess Pieces Image credit: Wikipedia user Cburnett, CC BY-SA 3.0</a:t>
-            </a:r>
-            <a:endParaRPr sz="800"/>
-          </a:p>
-          <a:p>
-            <a:pPr indent="0" lvl="0" marL="0" rtl="0" algn="l">
-              <a:lnSpc>
-                <a:spcPct val="100000"/>
-              </a:lnSpc>
-              <a:spcBef>
-                <a:spcPts val="1200"/>
-              </a:spcBef>
-              <a:spcAft>
-                <a:spcPts val="1200"/>
-              </a:spcAft>
-              <a:buNone/>
-            </a:pPr>
-            <a:r>
-              <a:rPr lang="en" sz="800"/>
-              <a:t>commons.wikimedia.org/wiki/Category:PNG_chess_pieces/</a:t>
-            </a:r>
-            <a:endParaRPr sz="800"/>
-          </a:p>
-        </p:txBody>
-      </p:sp>
     </p:spTree>
   </p:cSld>
   <p:clrMapOvr>
@@ -14829,12 +14278,12 @@
 </p:sld>
 </file>
 
-<file path=ppt/slides/slide25.xml><?xml version="1.0" encoding="utf-8"?>
+<file path=ppt/slides/slide27.xml><?xml version="1.0" encoding="utf-8"?>
 <p:sld xmlns:a="http://schemas.openxmlformats.org/drawingml/2006/main" xmlns:r="http://schemas.openxmlformats.org/officeDocument/2006/relationships" xmlns:mc="http://schemas.openxmlformats.org/markup-compatibility/2006" xmlns:mv="urn:schemas-microsoft-com:mac:vml" xmlns:p="http://schemas.openxmlformats.org/presentationml/2006/main" xmlns:c="http://schemas.openxmlformats.org/drawingml/2006/chart" xmlns:dgm="http://schemas.openxmlformats.org/drawingml/2006/diagram" xmlns:o="urn:schemas-microsoft-com:office:office" xmlns:v="urn:schemas-microsoft-com:vml" xmlns:pvml="urn:schemas-microsoft-com:office:powerpoint" xmlns:com="http://schemas.openxmlformats.org/drawingml/2006/compatibility" xmlns:p14="http://schemas.microsoft.com/office/powerpoint/2010/main" xmlns:p15="http://schemas.microsoft.com/office/powerpoint/2012/main" xmlns:ahyp="http://schemas.microsoft.com/office/drawing/2018/hyperlinkcolor">
   <p:cSld>
     <p:spTree>
       <p:nvGrpSpPr>
-        <p:cNvPr id="243" name="Shape 243"/>
+        <p:cNvPr id="240" name="Shape 240"/>
         <p:cNvGrpSpPr/>
         <p:nvPr/>
       </p:nvGrpSpPr>
@@ -14848,7 +14297,7 @@
       </p:grpSpPr>
       <p:sp>
         <p:nvSpPr>
-          <p:cNvPr id="244" name="Google Shape;244;p37"/>
+          <p:cNvPr id="241" name="Google Shape;241;p39"/>
           <p:cNvSpPr/>
           <p:nvPr/>
         </p:nvSpPr>
@@ -14897,7 +14346,7 @@
       </p:sp>
       <p:sp>
         <p:nvSpPr>
-          <p:cNvPr id="245" name="Google Shape;245;p37"/>
+          <p:cNvPr id="242" name="Google Shape;242;p39"/>
           <p:cNvSpPr txBox="1"/>
           <p:nvPr>
             <p:ph idx="2" type="body"/>
@@ -14948,7 +14397,7 @@
                   </a:extLst>
                 </a:hlinkClick>
               </a:rPr>
-              <a:t>UC-3.1</a:t>
+              <a:t>UC-4.0</a:t>
             </a:r>
             <a:endParaRPr sz="1200" u="sng">
               <a:solidFill>
@@ -14996,7 +14445,7 @@
                   <a:schemeClr val="dk1"/>
                 </a:solidFill>
               </a:rPr>
-              <a:t>Stepping Forward</a:t>
+              <a:t>End of Game</a:t>
             </a:r>
             <a:endParaRPr sz="1200">
               <a:solidFill>
@@ -15020,7 +14469,7 @@
                   <a:schemeClr val="dk1"/>
                 </a:solidFill>
               </a:rPr>
-              <a:t>Action: </a:t>
+              <a:t>Action:</a:t>
             </a:r>
             <a:endParaRPr sz="1200">
               <a:solidFill>
@@ -15044,7 +14493,7 @@
                   <a:schemeClr val="dk1"/>
                 </a:solidFill>
               </a:rPr>
-              <a:t>The “Step Forward” button is selected.</a:t>
+              <a:t>Click the “Resign” button.  </a:t>
             </a:r>
             <a:endParaRPr sz="1200">
               <a:solidFill>
@@ -15092,7 +14541,23 @@
                   <a:schemeClr val="dk1"/>
                 </a:solidFill>
               </a:rPr>
-              <a:t>The board state is shown after the first move. </a:t>
+              <a:t>A pop up </a:t>
+            </a:r>
+            <a:r>
+              <a:rPr lang="en" sz="1200">
+                <a:solidFill>
+                  <a:schemeClr val="dk1"/>
+                </a:solidFill>
+              </a:rPr>
+              <a:t>appears</a:t>
+            </a:r>
+            <a:r>
+              <a:rPr lang="en" sz="1200">
+                <a:solidFill>
+                  <a:schemeClr val="dk1"/>
+                </a:solidFill>
+              </a:rPr>
+              <a:t> notifying the user that the game will be saved for replay at a future point.</a:t>
             </a:r>
             <a:endParaRPr sz="1200">
               <a:solidFill>
@@ -15104,21 +14569,22 @@
       </p:sp>
       <p:pic>
         <p:nvPicPr>
-          <p:cNvPr id="246" name="Google Shape;246;p37"/>
+          <p:cNvPr id="243" name="Google Shape;243;p39"/>
           <p:cNvPicPr preferRelativeResize="0"/>
           <p:nvPr/>
         </p:nvPicPr>
-        <p:blipFill rotWithShape="1">
+        <p:blipFill>
           <a:blip r:embed="rId4">
             <a:alphaModFix/>
           </a:blip>
-          <a:srcRect b="0" l="23209" r="23214" t="0"/>
-          <a:stretch/>
+          <a:stretch>
+            <a:fillRect/>
+          </a:stretch>
         </p:blipFill>
         <p:spPr>
           <a:xfrm>
-            <a:off x="709750" y="160725"/>
-            <a:ext cx="4936718" cy="4991100"/>
+            <a:off x="0" y="8325"/>
+            <a:ext cx="6408576" cy="5143500"/>
           </a:xfrm>
           <a:prstGeom prst="rect">
             <a:avLst/>
@@ -15129,120 +14595,6 @@
           </a:ln>
         </p:spPr>
       </p:pic>
-      <p:cxnSp>
-        <p:nvCxnSpPr>
-          <p:cNvPr id="247" name="Google Shape;247;p37"/>
-          <p:cNvCxnSpPr/>
-          <p:nvPr/>
-        </p:nvCxnSpPr>
-        <p:spPr>
-          <a:xfrm flipH="1" rot="10800000">
-            <a:off x="3277550" y="4482600"/>
-            <a:ext cx="1067400" cy="14400"/>
-          </a:xfrm>
-          <a:prstGeom prst="straightConnector1">
-            <a:avLst/>
-          </a:prstGeom>
-          <a:noFill/>
-          <a:ln cap="flat" cmpd="sng" w="76200">
-            <a:solidFill>
-              <a:schemeClr val="dk2"/>
-            </a:solidFill>
-            <a:prstDash val="solid"/>
-            <a:round/>
-            <a:headEnd len="med" w="med" type="none"/>
-            <a:tailEnd len="med" w="med" type="triangle"/>
-          </a:ln>
-        </p:spPr>
-      </p:cxnSp>
-      <p:cxnSp>
-        <p:nvCxnSpPr>
-          <p:cNvPr id="248" name="Google Shape;248;p37"/>
-          <p:cNvCxnSpPr/>
-          <p:nvPr/>
-        </p:nvCxnSpPr>
-        <p:spPr>
-          <a:xfrm flipH="1">
-            <a:off x="1976825" y="4473750"/>
-            <a:ext cx="960000" cy="32100"/>
-          </a:xfrm>
-          <a:prstGeom prst="straightConnector1">
-            <a:avLst/>
-          </a:prstGeom>
-          <a:noFill/>
-          <a:ln cap="flat" cmpd="sng" w="76200">
-            <a:solidFill>
-              <a:schemeClr val="dk2"/>
-            </a:solidFill>
-            <a:prstDash val="solid"/>
-            <a:round/>
-            <a:headEnd len="med" w="med" type="none"/>
-            <a:tailEnd len="med" w="med" type="triangle"/>
-          </a:ln>
-        </p:spPr>
-      </p:cxnSp>
-      <p:sp>
-        <p:nvSpPr>
-          <p:cNvPr id="249" name="Google Shape;249;p37"/>
-          <p:cNvSpPr txBox="1"/>
-          <p:nvPr>
-            <p:ph idx="1" type="body"/>
-          </p:nvPr>
-        </p:nvSpPr>
-        <p:spPr>
-          <a:xfrm>
-            <a:off x="789250" y="4456975"/>
-            <a:ext cx="3682200" cy="678300"/>
-          </a:xfrm>
-          <a:prstGeom prst="rect">
-            <a:avLst/>
-          </a:prstGeom>
-        </p:spPr>
-        <p:txBody>
-          <a:bodyPr anchorCtr="0" anchor="b" bIns="91425" lIns="91425" spcFirstLastPara="1" rIns="91425" wrap="square" tIns="91425">
-            <a:normAutofit/>
-          </a:bodyPr>
-          <a:lstStyle/>
-          <a:p>
-            <a:pPr indent="0" lvl="0" marL="0" rtl="0" algn="l">
-              <a:lnSpc>
-                <a:spcPct val="100000"/>
-              </a:lnSpc>
-              <a:spcBef>
-                <a:spcPts val="0"/>
-              </a:spcBef>
-              <a:spcAft>
-                <a:spcPts val="0"/>
-              </a:spcAft>
-              <a:buNone/>
-            </a:pPr>
-            <a:r>
-              <a:rPr lang="en" sz="800"/>
-              <a:t>Chess Pieces Image credit: Wikipedia user Cburnett, CC BY-SA 3.0</a:t>
-            </a:r>
-            <a:endParaRPr sz="800"/>
-          </a:p>
-          <a:p>
-            <a:pPr indent="0" lvl="0" marL="0" rtl="0" algn="l">
-              <a:lnSpc>
-                <a:spcPct val="100000"/>
-              </a:lnSpc>
-              <a:spcBef>
-                <a:spcPts val="1200"/>
-              </a:spcBef>
-              <a:spcAft>
-                <a:spcPts val="1200"/>
-              </a:spcAft>
-              <a:buNone/>
-            </a:pPr>
-            <a:r>
-              <a:rPr lang="en" sz="800"/>
-              <a:t>commons.wikimedia.org/wiki/Category:PNG_chess_pieces/</a:t>
-            </a:r>
-            <a:endParaRPr sz="800"/>
-          </a:p>
-        </p:txBody>
-      </p:sp>
     </p:spTree>
   </p:cSld>
   <p:clrMapOvr>
@@ -15251,12 +14603,12 @@
 </p:sld>
 </file>
 
-<file path=ppt/slides/slide26.xml><?xml version="1.0" encoding="utf-8"?>
+<file path=ppt/slides/slide28.xml><?xml version="1.0" encoding="utf-8"?>
 <p:sld xmlns:a="http://schemas.openxmlformats.org/drawingml/2006/main" xmlns:r="http://schemas.openxmlformats.org/officeDocument/2006/relationships" xmlns:mc="http://schemas.openxmlformats.org/markup-compatibility/2006" xmlns:mv="urn:schemas-microsoft-com:mac:vml" xmlns:p="http://schemas.openxmlformats.org/presentationml/2006/main" xmlns:c="http://schemas.openxmlformats.org/drawingml/2006/chart" xmlns:dgm="http://schemas.openxmlformats.org/drawingml/2006/diagram" xmlns:o="urn:schemas-microsoft-com:office:office" xmlns:v="urn:schemas-microsoft-com:vml" xmlns:pvml="urn:schemas-microsoft-com:office:powerpoint" xmlns:com="http://schemas.openxmlformats.org/drawingml/2006/compatibility" xmlns:p14="http://schemas.microsoft.com/office/powerpoint/2010/main" xmlns:p15="http://schemas.microsoft.com/office/powerpoint/2012/main" xmlns:ahyp="http://schemas.microsoft.com/office/drawing/2018/hyperlinkcolor">
   <p:cSld>
     <p:spTree>
       <p:nvGrpSpPr>
-        <p:cNvPr id="253" name="Shape 253"/>
+        <p:cNvPr id="247" name="Shape 247"/>
         <p:cNvGrpSpPr/>
         <p:nvPr/>
       </p:nvGrpSpPr>
@@ -15270,7 +14622,7 @@
       </p:grpSpPr>
       <p:sp>
         <p:nvSpPr>
-          <p:cNvPr id="254" name="Google Shape;254;p38"/>
+          <p:cNvPr id="248" name="Google Shape;248;p40"/>
           <p:cNvSpPr/>
           <p:nvPr/>
         </p:nvSpPr>
@@ -15319,7 +14671,7 @@
       </p:sp>
       <p:sp>
         <p:nvSpPr>
-          <p:cNvPr id="255" name="Google Shape;255;p38"/>
+          <p:cNvPr id="249" name="Google Shape;249;p40"/>
           <p:cNvSpPr txBox="1"/>
           <p:nvPr>
             <p:ph idx="2" type="body"/>
@@ -15370,7 +14722,7 @@
                   </a:extLst>
                 </a:hlinkClick>
               </a:rPr>
-              <a:t>UC-3.2</a:t>
+              <a:t>UC-4.1</a:t>
             </a:r>
             <a:endParaRPr sz="1200" u="sng">
               <a:solidFill>
@@ -15418,7 +14770,7 @@
                   <a:schemeClr val="dk1"/>
                 </a:solidFill>
               </a:rPr>
-              <a:t>Stepping Backward</a:t>
+              <a:t>Detecting Check</a:t>
             </a:r>
             <a:endParaRPr sz="1200">
               <a:solidFill>
@@ -15466,7 +14818,7 @@
                   <a:schemeClr val="dk1"/>
                 </a:solidFill>
               </a:rPr>
-              <a:t>The “Step Backward” button is selected.</a:t>
+              <a:t>Move the white bishop to check the black king.</a:t>
             </a:r>
             <a:endParaRPr sz="1200">
               <a:solidFill>
@@ -15514,7 +14866,7 @@
                   <a:schemeClr val="dk1"/>
                 </a:solidFill>
               </a:rPr>
-              <a:t>The board state is shown from before the last move (turn). </a:t>
+              <a:t>The white bishop and black king will be highlighted.</a:t>
             </a:r>
             <a:endParaRPr sz="1200">
               <a:solidFill>
@@ -15526,21 +14878,22 @@
       </p:sp>
       <p:pic>
         <p:nvPicPr>
-          <p:cNvPr id="256" name="Google Shape;256;p38"/>
+          <p:cNvPr id="250" name="Google Shape;250;p40"/>
           <p:cNvPicPr preferRelativeResize="0"/>
           <p:nvPr/>
         </p:nvPicPr>
-        <p:blipFill rotWithShape="1">
+        <p:blipFill>
           <a:blip r:embed="rId4">
             <a:alphaModFix/>
           </a:blip>
-          <a:srcRect b="0" l="26029" r="26024" t="0"/>
-          <a:stretch/>
+          <a:stretch>
+            <a:fillRect/>
+          </a:stretch>
         </p:blipFill>
         <p:spPr>
           <a:xfrm>
-            <a:off x="771848" y="0"/>
-            <a:ext cx="4552680" cy="5143499"/>
+            <a:off x="0" y="8325"/>
+            <a:ext cx="6408576" cy="5143499"/>
           </a:xfrm>
           <a:prstGeom prst="rect">
             <a:avLst/>
@@ -15551,120 +14904,6 @@
           </a:ln>
         </p:spPr>
       </p:pic>
-      <p:cxnSp>
-        <p:nvCxnSpPr>
-          <p:cNvPr id="257" name="Google Shape;257;p38"/>
-          <p:cNvCxnSpPr/>
-          <p:nvPr/>
-        </p:nvCxnSpPr>
-        <p:spPr>
-          <a:xfrm flipH="1" rot="10800000">
-            <a:off x="3133750" y="4381975"/>
-            <a:ext cx="1067400" cy="14400"/>
-          </a:xfrm>
-          <a:prstGeom prst="straightConnector1">
-            <a:avLst/>
-          </a:prstGeom>
-          <a:noFill/>
-          <a:ln cap="flat" cmpd="sng" w="76200">
-            <a:solidFill>
-              <a:schemeClr val="dk2"/>
-            </a:solidFill>
-            <a:prstDash val="solid"/>
-            <a:round/>
-            <a:headEnd len="med" w="med" type="none"/>
-            <a:tailEnd len="med" w="med" type="triangle"/>
-          </a:ln>
-        </p:spPr>
-      </p:cxnSp>
-      <p:cxnSp>
-        <p:nvCxnSpPr>
-          <p:cNvPr id="258" name="Google Shape;258;p38"/>
-          <p:cNvCxnSpPr/>
-          <p:nvPr/>
-        </p:nvCxnSpPr>
-        <p:spPr>
-          <a:xfrm flipH="1">
-            <a:off x="1833075" y="4373125"/>
-            <a:ext cx="960000" cy="32100"/>
-          </a:xfrm>
-          <a:prstGeom prst="straightConnector1">
-            <a:avLst/>
-          </a:prstGeom>
-          <a:noFill/>
-          <a:ln cap="flat" cmpd="sng" w="76200">
-            <a:solidFill>
-              <a:schemeClr val="dk2"/>
-            </a:solidFill>
-            <a:prstDash val="solid"/>
-            <a:round/>
-            <a:headEnd len="med" w="med" type="none"/>
-            <a:tailEnd len="med" w="med" type="triangle"/>
-          </a:ln>
-        </p:spPr>
-      </p:cxnSp>
-      <p:sp>
-        <p:nvSpPr>
-          <p:cNvPr id="259" name="Google Shape;259;p38"/>
-          <p:cNvSpPr txBox="1"/>
-          <p:nvPr>
-            <p:ph idx="1" type="body"/>
-          </p:nvPr>
-        </p:nvSpPr>
-        <p:spPr>
-          <a:xfrm>
-            <a:off x="789250" y="4456975"/>
-            <a:ext cx="3682200" cy="678300"/>
-          </a:xfrm>
-          <a:prstGeom prst="rect">
-            <a:avLst/>
-          </a:prstGeom>
-        </p:spPr>
-        <p:txBody>
-          <a:bodyPr anchorCtr="0" anchor="b" bIns="91425" lIns="91425" spcFirstLastPara="1" rIns="91425" wrap="square" tIns="91425">
-            <a:normAutofit/>
-          </a:bodyPr>
-          <a:lstStyle/>
-          <a:p>
-            <a:pPr indent="0" lvl="0" marL="0" rtl="0" algn="l">
-              <a:lnSpc>
-                <a:spcPct val="100000"/>
-              </a:lnSpc>
-              <a:spcBef>
-                <a:spcPts val="0"/>
-              </a:spcBef>
-              <a:spcAft>
-                <a:spcPts val="0"/>
-              </a:spcAft>
-              <a:buNone/>
-            </a:pPr>
-            <a:r>
-              <a:rPr lang="en" sz="800"/>
-              <a:t>Chess Pieces Image credit: Wikipedia user Cburnett, CC BY-SA 3.0</a:t>
-            </a:r>
-            <a:endParaRPr sz="800"/>
-          </a:p>
-          <a:p>
-            <a:pPr indent="0" lvl="0" marL="0" rtl="0" algn="l">
-              <a:lnSpc>
-                <a:spcPct val="100000"/>
-              </a:lnSpc>
-              <a:spcBef>
-                <a:spcPts val="1200"/>
-              </a:spcBef>
-              <a:spcAft>
-                <a:spcPts val="1200"/>
-              </a:spcAft>
-              <a:buNone/>
-            </a:pPr>
-            <a:r>
-              <a:rPr lang="en" sz="800"/>
-              <a:t>commons.wikimedia.org/wiki/Category:PNG_chess_pieces/</a:t>
-            </a:r>
-            <a:endParaRPr sz="800"/>
-          </a:p>
-        </p:txBody>
-      </p:sp>
     </p:spTree>
   </p:cSld>
   <p:clrMapOvr>
@@ -15673,12 +14912,12 @@
 </p:sld>
 </file>
 
-<file path=ppt/slides/slide27.xml><?xml version="1.0" encoding="utf-8"?>
+<file path=ppt/slides/slide29.xml><?xml version="1.0" encoding="utf-8"?>
 <p:sld xmlns:a="http://schemas.openxmlformats.org/drawingml/2006/main" xmlns:r="http://schemas.openxmlformats.org/officeDocument/2006/relationships" xmlns:mc="http://schemas.openxmlformats.org/markup-compatibility/2006" xmlns:mv="urn:schemas-microsoft-com:mac:vml" xmlns:p="http://schemas.openxmlformats.org/presentationml/2006/main" xmlns:c="http://schemas.openxmlformats.org/drawingml/2006/chart" xmlns:dgm="http://schemas.openxmlformats.org/drawingml/2006/diagram" xmlns:o="urn:schemas-microsoft-com:office:office" xmlns:v="urn:schemas-microsoft-com:vml" xmlns:pvml="urn:schemas-microsoft-com:office:powerpoint" xmlns:com="http://schemas.openxmlformats.org/drawingml/2006/compatibility" xmlns:p14="http://schemas.microsoft.com/office/powerpoint/2010/main" xmlns:p15="http://schemas.microsoft.com/office/powerpoint/2012/main" xmlns:ahyp="http://schemas.microsoft.com/office/drawing/2018/hyperlinkcolor">
   <p:cSld>
     <p:spTree>
       <p:nvGrpSpPr>
-        <p:cNvPr id="263" name="Shape 263"/>
+        <p:cNvPr id="254" name="Shape 254"/>
         <p:cNvGrpSpPr/>
         <p:nvPr/>
       </p:nvGrpSpPr>
@@ -15692,7 +14931,7 @@
       </p:grpSpPr>
       <p:sp>
         <p:nvSpPr>
-          <p:cNvPr id="264" name="Google Shape;264;p39"/>
+          <p:cNvPr id="255" name="Google Shape;255;p41"/>
           <p:cNvSpPr/>
           <p:nvPr/>
         </p:nvSpPr>
@@ -15741,7 +14980,7 @@
       </p:sp>
       <p:sp>
         <p:nvSpPr>
-          <p:cNvPr id="265" name="Google Shape;265;p39"/>
+          <p:cNvPr id="256" name="Google Shape;256;p41"/>
           <p:cNvSpPr txBox="1"/>
           <p:nvPr>
             <p:ph idx="2" type="body"/>
@@ -15792,7 +15031,7 @@
                   </a:extLst>
                 </a:hlinkClick>
               </a:rPr>
-              <a:t>UC-4.0</a:t>
+              <a:t>UC-4.1</a:t>
             </a:r>
             <a:endParaRPr sz="1200" u="sng">
               <a:solidFill>
@@ -15840,7 +15079,7 @@
                   <a:schemeClr val="dk1"/>
                 </a:solidFill>
               </a:rPr>
-              <a:t>End of Game</a:t>
+              <a:t>Detecting Check</a:t>
             </a:r>
             <a:endParaRPr sz="1200">
               <a:solidFill>
@@ -15864,7 +15103,7 @@
                   <a:schemeClr val="dk1"/>
                 </a:solidFill>
               </a:rPr>
-              <a:t>Action:</a:t>
+              <a:t>Final State:</a:t>
             </a:r>
             <a:endParaRPr sz="1200">
               <a:solidFill>
@@ -15878,7 +15117,7 @@
                 <a:spcPts val="1200"/>
               </a:spcBef>
               <a:spcAft>
-                <a:spcPts val="0"/>
+                <a:spcPts val="1200"/>
               </a:spcAft>
               <a:buNone/>
             </a:pPr>
@@ -15888,71 +15127,7 @@
                   <a:schemeClr val="dk1"/>
                 </a:solidFill>
               </a:rPr>
-              <a:t>Click the “End Game” button.  </a:t>
-            </a:r>
-            <a:endParaRPr sz="1200">
-              <a:solidFill>
-                <a:schemeClr val="dk1"/>
-              </a:solidFill>
-            </a:endParaRPr>
-          </a:p>
-          <a:p>
-            <a:pPr indent="0" lvl="0" marL="0" rtl="0" algn="l">
-              <a:spcBef>
-                <a:spcPts val="1200"/>
-              </a:spcBef>
-              <a:spcAft>
-                <a:spcPts val="0"/>
-              </a:spcAft>
-              <a:buNone/>
-            </a:pPr>
-            <a:r>
-              <a:rPr lang="en" sz="1200">
-                <a:solidFill>
-                  <a:schemeClr val="dk1"/>
-                </a:solidFill>
-              </a:rPr>
-              <a:t>Result:</a:t>
-            </a:r>
-            <a:endParaRPr sz="1200">
-              <a:solidFill>
-                <a:schemeClr val="dk1"/>
-              </a:solidFill>
-            </a:endParaRPr>
-          </a:p>
-          <a:p>
-            <a:pPr indent="0" lvl="0" marL="0" rtl="0" algn="l">
-              <a:spcBef>
-                <a:spcPts val="1200"/>
-              </a:spcBef>
-              <a:spcAft>
-                <a:spcPts val="1200"/>
-              </a:spcAft>
-              <a:buNone/>
-            </a:pPr>
-            <a:r>
-              <a:rPr lang="en" sz="1200">
-                <a:solidFill>
-                  <a:schemeClr val="dk1"/>
-                </a:solidFill>
-              </a:rPr>
-              <a:t>A pop up </a:t>
-            </a:r>
-            <a:r>
-              <a:rPr lang="en" sz="1200">
-                <a:solidFill>
-                  <a:schemeClr val="dk1"/>
-                </a:solidFill>
-              </a:rPr>
-              <a:t>appears</a:t>
-            </a:r>
-            <a:r>
-              <a:rPr lang="en" sz="1200">
-                <a:solidFill>
-                  <a:schemeClr val="dk1"/>
-                </a:solidFill>
-              </a:rPr>
-              <a:t> notifying the user that the game will be saved for replay at a future point.</a:t>
+              <a:t>The board state after the white bishop has moved to attack the black king. Both the king and attacking piece are highlighted.</a:t>
             </a:r>
             <a:endParaRPr sz="1200">
               <a:solidFill>
@@ -15964,887 +15139,22 @@
       </p:sp>
       <p:pic>
         <p:nvPicPr>
-          <p:cNvPr id="266" name="Google Shape;266;p39"/>
+          <p:cNvPr id="257" name="Google Shape;257;p41"/>
           <p:cNvPicPr preferRelativeResize="0"/>
           <p:nvPr/>
         </p:nvPicPr>
-        <p:blipFill rotWithShape="1">
+        <p:blipFill>
           <a:blip r:embed="rId4">
             <a:alphaModFix/>
           </a:blip>
-          <a:srcRect b="0" l="25700" r="25705" t="0"/>
-          <a:stretch/>
+          <a:stretch>
+            <a:fillRect/>
+          </a:stretch>
         </p:blipFill>
         <p:spPr>
           <a:xfrm>
-            <a:off x="789250" y="8325"/>
-            <a:ext cx="4599427" cy="5126849"/>
-          </a:xfrm>
-          <a:prstGeom prst="rect">
-            <a:avLst/>
-          </a:prstGeom>
-          <a:noFill/>
-          <a:ln>
-            <a:noFill/>
-          </a:ln>
-        </p:spPr>
-      </p:pic>
-      <p:graphicFrame>
-        <p:nvGraphicFramePr>
-          <p:cNvPr id="267" name="Google Shape;267;p39"/>
-          <p:cNvGraphicFramePr/>
-          <p:nvPr/>
-        </p:nvGraphicFramePr>
-        <p:xfrm>
-          <a:off x="1317275" y="1931700"/>
-          <a:ext cx="3000000" cy="3000000"/>
-        </p:xfrm>
-        <a:graphic>
-          <a:graphicData uri="http://schemas.openxmlformats.org/drawingml/2006/table">
-            <a:tbl>
-              <a:tblPr>
-                <a:noFill/>
-                <a:tableStyleId>{EBF491F7-7131-4157-9DC3-AF058DD50FA4}</a:tableStyleId>
-              </a:tblPr>
-              <a:tblGrid>
-                <a:gridCol w="1771675"/>
-                <a:gridCol w="1771675"/>
-              </a:tblGrid>
-              <a:tr h="588325">
-                <a:tc gridSpan="2">
-                  <a:txBody>
-                    <a:bodyPr/>
-                    <a:lstStyle/>
-                    <a:p>
-                      <a:pPr indent="0" lvl="0" marL="0" rtl="0" algn="ctr">
-                        <a:spcBef>
-                          <a:spcPts val="0"/>
-                        </a:spcBef>
-                        <a:spcAft>
-                          <a:spcPts val="0"/>
-                        </a:spcAft>
-                        <a:buNone/>
-                      </a:pPr>
-                      <a:r>
-                        <a:rPr lang="en" sz="1000"/>
-                        <a:t>Game Ended!</a:t>
-                      </a:r>
-                      <a:endParaRPr sz="1000"/>
-                    </a:p>
-                    <a:p>
-                      <a:pPr indent="0" lvl="0" marL="0" rtl="0" algn="ctr">
-                        <a:spcBef>
-                          <a:spcPts val="0"/>
-                        </a:spcBef>
-                        <a:spcAft>
-                          <a:spcPts val="0"/>
-                        </a:spcAft>
-                        <a:buNone/>
-                      </a:pPr>
-                      <a:r>
-                        <a:rPr lang="en" sz="1000"/>
-                        <a:t>Player 1 surrendered!</a:t>
-                      </a:r>
-                      <a:endParaRPr sz="1000"/>
-                    </a:p>
-                    <a:p>
-                      <a:pPr indent="0" lvl="0" marL="0" rtl="0" algn="ctr">
-                        <a:spcBef>
-                          <a:spcPts val="0"/>
-                        </a:spcBef>
-                        <a:spcAft>
-                          <a:spcPts val="0"/>
-                        </a:spcAft>
-                        <a:buNone/>
-                      </a:pPr>
-                      <a:r>
-                        <a:rPr lang="en" sz="1000"/>
-                        <a:t>Player 2 wins!</a:t>
-                      </a:r>
-                      <a:endParaRPr sz="1000"/>
-                    </a:p>
-                  </a:txBody>
-                  <a:tcPr marT="91425" marB="91425" marR="91425" marL="91425">
-                    <a:lnL cap="flat" cmpd="sng" w="9525">
-                      <a:solidFill>
-                        <a:schemeClr val="dk1"/>
-                      </a:solidFill>
-                      <a:prstDash val="solid"/>
-                      <a:round/>
-                      <a:headEnd len="sm" w="sm" type="none"/>
-                      <a:tailEnd len="sm" w="sm" type="none"/>
-                    </a:lnL>
-                    <a:lnR cap="flat" cmpd="sng" w="9525">
-                      <a:solidFill>
-                        <a:schemeClr val="dk1"/>
-                      </a:solidFill>
-                      <a:prstDash val="solid"/>
-                      <a:round/>
-                      <a:headEnd len="sm" w="sm" type="none"/>
-                      <a:tailEnd len="sm" w="sm" type="none"/>
-                    </a:lnR>
-                    <a:lnT cap="flat" cmpd="sng" w="9525">
-                      <a:solidFill>
-                        <a:schemeClr val="dk1"/>
-                      </a:solidFill>
-                      <a:prstDash val="solid"/>
-                      <a:round/>
-                      <a:headEnd len="sm" w="sm" type="none"/>
-                      <a:tailEnd len="sm" w="sm" type="none"/>
-                    </a:lnT>
-                    <a:lnB cap="flat" cmpd="sng" w="9525">
-                      <a:solidFill>
-                        <a:schemeClr val="dk1"/>
-                      </a:solidFill>
-                      <a:prstDash val="solid"/>
-                      <a:round/>
-                      <a:headEnd len="sm" w="sm" type="none"/>
-                      <a:tailEnd len="sm" w="sm" type="none"/>
-                    </a:lnB>
-                    <a:solidFill>
-                      <a:schemeClr val="lt1"/>
-                    </a:solidFill>
-                  </a:tcPr>
-                </a:tc>
-                <a:tc hMerge="1"/>
-              </a:tr>
-              <a:tr h="565725">
-                <a:tc gridSpan="2">
-                  <a:txBody>
-                    <a:bodyPr/>
-                    <a:lstStyle/>
-                    <a:p>
-                      <a:pPr indent="0" lvl="0" marL="0" rtl="0" algn="ctr">
-                        <a:spcBef>
-                          <a:spcPts val="0"/>
-                        </a:spcBef>
-                        <a:spcAft>
-                          <a:spcPts val="0"/>
-                        </a:spcAft>
-                        <a:buNone/>
-                      </a:pPr>
-                      <a:r>
-                        <a:rPr lang="en" sz="1000" u="sng"/>
-                        <a:t>Return to Main Menu</a:t>
-                      </a:r>
-                      <a:endParaRPr sz="1000" u="sng"/>
-                    </a:p>
-                    <a:p>
-                      <a:pPr indent="0" lvl="0" marL="0" rtl="0" algn="ctr">
-                        <a:spcBef>
-                          <a:spcPts val="0"/>
-                        </a:spcBef>
-                        <a:spcAft>
-                          <a:spcPts val="0"/>
-                        </a:spcAft>
-                        <a:buNone/>
-                      </a:pPr>
-                      <a:r>
-                        <a:t/>
-                      </a:r>
-                      <a:endParaRPr sz="500"/>
-                    </a:p>
-                    <a:p>
-                      <a:pPr indent="0" lvl="0" marL="0" rtl="0" algn="ctr">
-                        <a:spcBef>
-                          <a:spcPts val="0"/>
-                        </a:spcBef>
-                        <a:spcAft>
-                          <a:spcPts val="0"/>
-                        </a:spcAft>
-                        <a:buNone/>
-                      </a:pPr>
-                      <a:r>
-                        <a:rPr lang="en" sz="500"/>
-                        <a:t>Your game has been saved and</a:t>
-                      </a:r>
-                      <a:endParaRPr sz="500"/>
-                    </a:p>
-                    <a:p>
-                      <a:pPr indent="0" lvl="0" marL="0" rtl="0" algn="ctr">
-                        <a:spcBef>
-                          <a:spcPts val="0"/>
-                        </a:spcBef>
-                        <a:spcAft>
-                          <a:spcPts val="0"/>
-                        </a:spcAft>
-                        <a:buNone/>
-                      </a:pPr>
-                      <a:r>
-                        <a:rPr lang="en" sz="500"/>
-                        <a:t>can be reviewed at any time</a:t>
-                      </a:r>
-                      <a:endParaRPr sz="500"/>
-                    </a:p>
-                  </a:txBody>
-                  <a:tcPr marT="91425" marB="91425" marR="91425" marL="91425">
-                    <a:lnL cap="flat" cmpd="sng" w="9525">
-                      <a:solidFill>
-                        <a:schemeClr val="dk1"/>
-                      </a:solidFill>
-                      <a:prstDash val="solid"/>
-                      <a:round/>
-                      <a:headEnd len="sm" w="sm" type="none"/>
-                      <a:tailEnd len="sm" w="sm" type="none"/>
-                    </a:lnL>
-                    <a:lnR cap="flat" cmpd="sng" w="9525">
-                      <a:solidFill>
-                        <a:schemeClr val="dk1"/>
-                      </a:solidFill>
-                      <a:prstDash val="solid"/>
-                      <a:round/>
-                      <a:headEnd len="sm" w="sm" type="none"/>
-                      <a:tailEnd len="sm" w="sm" type="none"/>
-                    </a:lnR>
-                    <a:lnT cap="flat" cmpd="sng" w="9525">
-                      <a:solidFill>
-                        <a:schemeClr val="dk1"/>
-                      </a:solidFill>
-                      <a:prstDash val="solid"/>
-                      <a:round/>
-                      <a:headEnd len="sm" w="sm" type="none"/>
-                      <a:tailEnd len="sm" w="sm" type="none"/>
-                    </a:lnT>
-                    <a:lnB cap="flat" cmpd="sng" w="9525">
-                      <a:solidFill>
-                        <a:schemeClr val="dk1"/>
-                      </a:solidFill>
-                      <a:prstDash val="solid"/>
-                      <a:round/>
-                      <a:headEnd len="sm" w="sm" type="none"/>
-                      <a:tailEnd len="sm" w="sm" type="none"/>
-                    </a:lnB>
-                    <a:solidFill>
-                      <a:schemeClr val="lt1"/>
-                    </a:solidFill>
-                  </a:tcPr>
-                </a:tc>
-                <a:tc hMerge="1"/>
-              </a:tr>
-            </a:tbl>
-          </a:graphicData>
-        </a:graphic>
-      </p:graphicFrame>
-      <p:sp>
-        <p:nvSpPr>
-          <p:cNvPr id="268" name="Google Shape;268;p39"/>
-          <p:cNvSpPr txBox="1"/>
-          <p:nvPr>
-            <p:ph idx="1" type="body"/>
-          </p:nvPr>
-        </p:nvSpPr>
-        <p:spPr>
-          <a:xfrm>
-            <a:off x="789250" y="4456975"/>
-            <a:ext cx="3682200" cy="678300"/>
-          </a:xfrm>
-          <a:prstGeom prst="rect">
-            <a:avLst/>
-          </a:prstGeom>
-        </p:spPr>
-        <p:txBody>
-          <a:bodyPr anchorCtr="0" anchor="b" bIns="91425" lIns="91425" spcFirstLastPara="1" rIns="91425" wrap="square" tIns="91425">
-            <a:normAutofit/>
-          </a:bodyPr>
-          <a:lstStyle/>
-          <a:p>
-            <a:pPr indent="0" lvl="0" marL="0" rtl="0" algn="l">
-              <a:lnSpc>
-                <a:spcPct val="100000"/>
-              </a:lnSpc>
-              <a:spcBef>
-                <a:spcPts val="0"/>
-              </a:spcBef>
-              <a:spcAft>
-                <a:spcPts val="0"/>
-              </a:spcAft>
-              <a:buNone/>
-            </a:pPr>
-            <a:r>
-              <a:rPr lang="en" sz="800"/>
-              <a:t>Chess Pieces Image credit: Wikipedia user Cburnett, CC BY-SA 3.0</a:t>
-            </a:r>
-            <a:endParaRPr sz="800"/>
-          </a:p>
-          <a:p>
-            <a:pPr indent="0" lvl="0" marL="0" rtl="0" algn="l">
-              <a:lnSpc>
-                <a:spcPct val="100000"/>
-              </a:lnSpc>
-              <a:spcBef>
-                <a:spcPts val="1200"/>
-              </a:spcBef>
-              <a:spcAft>
-                <a:spcPts val="1200"/>
-              </a:spcAft>
-              <a:buNone/>
-            </a:pPr>
-            <a:r>
-              <a:rPr lang="en" sz="800"/>
-              <a:t>commons.wikimedia.org/wiki/Category:PNG_chess_pieces/</a:t>
-            </a:r>
-            <a:endParaRPr sz="800"/>
-          </a:p>
-        </p:txBody>
-      </p:sp>
-    </p:spTree>
-  </p:cSld>
-  <p:clrMapOvr>
-    <a:masterClrMapping/>
-  </p:clrMapOvr>
-</p:sld>
-</file>
-
-<file path=ppt/slides/slide28.xml><?xml version="1.0" encoding="utf-8"?>
-<p:sld xmlns:a="http://schemas.openxmlformats.org/drawingml/2006/main" xmlns:r="http://schemas.openxmlformats.org/officeDocument/2006/relationships" xmlns:mc="http://schemas.openxmlformats.org/markup-compatibility/2006" xmlns:mv="urn:schemas-microsoft-com:mac:vml" xmlns:p="http://schemas.openxmlformats.org/presentationml/2006/main" xmlns:c="http://schemas.openxmlformats.org/drawingml/2006/chart" xmlns:dgm="http://schemas.openxmlformats.org/drawingml/2006/diagram" xmlns:o="urn:schemas-microsoft-com:office:office" xmlns:v="urn:schemas-microsoft-com:vml" xmlns:pvml="urn:schemas-microsoft-com:office:powerpoint" xmlns:com="http://schemas.openxmlformats.org/drawingml/2006/compatibility" xmlns:p14="http://schemas.microsoft.com/office/powerpoint/2010/main" xmlns:p15="http://schemas.microsoft.com/office/powerpoint/2012/main" xmlns:ahyp="http://schemas.microsoft.com/office/drawing/2018/hyperlinkcolor">
-  <p:cSld>
-    <p:spTree>
-      <p:nvGrpSpPr>
-        <p:cNvPr id="272" name="Shape 272"/>
-        <p:cNvGrpSpPr/>
-        <p:nvPr/>
-      </p:nvGrpSpPr>
-      <p:grpSpPr>
-        <a:xfrm>
-          <a:off x="0" y="0"/>
-          <a:ext cx="0" cy="0"/>
-          <a:chOff x="0" y="0"/>
-          <a:chExt cx="0" cy="0"/>
-        </a:xfrm>
-      </p:grpSpPr>
-      <p:sp>
-        <p:nvSpPr>
-          <p:cNvPr id="273" name="Google Shape;273;p40"/>
-          <p:cNvSpPr/>
-          <p:nvPr/>
-        </p:nvSpPr>
-        <p:spPr>
-          <a:xfrm>
-            <a:off x="6408575" y="8325"/>
-            <a:ext cx="2735400" cy="5143500"/>
-          </a:xfrm>
-          <a:prstGeom prst="rect">
-            <a:avLst/>
-          </a:prstGeom>
-          <a:solidFill>
-            <a:srgbClr val="2EE4DA"/>
-          </a:solidFill>
-          <a:ln cap="flat" cmpd="sng" w="9525">
-            <a:solidFill>
-              <a:srgbClr val="1FC5BC"/>
-            </a:solidFill>
-            <a:prstDash val="solid"/>
-            <a:round/>
-            <a:headEnd len="sm" w="sm" type="none"/>
-            <a:tailEnd len="sm" w="sm" type="none"/>
-          </a:ln>
-        </p:spPr>
-        <p:txBody>
-          <a:bodyPr anchorCtr="0" anchor="ctr" bIns="91425" lIns="91425" spcFirstLastPara="1" rIns="91425" wrap="square" tIns="91425">
-            <a:noAutofit/>
-          </a:bodyPr>
-          <a:lstStyle/>
-          <a:p>
-            <a:pPr indent="0" lvl="0" marL="0" rtl="0" algn="l">
-              <a:spcBef>
-                <a:spcPts val="0"/>
-              </a:spcBef>
-              <a:spcAft>
-                <a:spcPts val="0"/>
-              </a:spcAft>
-              <a:buNone/>
-            </a:pPr>
-            <a:r>
-              <a:t/>
-            </a:r>
-            <a:endParaRPr/>
-          </a:p>
-        </p:txBody>
-      </p:sp>
-      <p:sp>
-        <p:nvSpPr>
-          <p:cNvPr id="274" name="Google Shape;274;p40"/>
-          <p:cNvSpPr txBox="1"/>
-          <p:nvPr>
-            <p:ph idx="2" type="body"/>
-          </p:nvPr>
-        </p:nvSpPr>
-        <p:spPr>
-          <a:xfrm>
-            <a:off x="6825350" y="1152475"/>
-            <a:ext cx="2007000" cy="3416400"/>
-          </a:xfrm>
-          <a:prstGeom prst="rect">
-            <a:avLst/>
-          </a:prstGeom>
-        </p:spPr>
-        <p:txBody>
-          <a:bodyPr anchorCtr="0" anchor="t" bIns="91425" lIns="91425" spcFirstLastPara="1" rIns="91425" wrap="square" tIns="91425">
-            <a:normAutofit/>
-          </a:bodyPr>
-          <a:lstStyle/>
-          <a:p>
-            <a:pPr indent="0" lvl="0" marL="0" rtl="0" algn="l">
-              <a:spcBef>
-                <a:spcPts val="0"/>
-              </a:spcBef>
-              <a:spcAft>
-                <a:spcPts val="0"/>
-              </a:spcAft>
-              <a:buNone/>
-            </a:pPr>
-            <a:r>
-              <a:rPr lang="en" sz="1200" u="sng">
-                <a:solidFill>
-                  <a:schemeClr val="dk1"/>
-                </a:solidFill>
-              </a:rPr>
-              <a:t>Use Case -  </a:t>
-            </a:r>
-            <a:r>
-              <a:rPr lang="en" sz="1200" u="sng">
-                <a:solidFill>
-                  <a:schemeClr val="dk1"/>
-                </a:solidFill>
-                <a:hlinkClick r:id="rId3">
-                  <a:extLst>
-                    <a:ext uri="{A12FA001-AC4F-418D-AE19-62706E023703}">
-                      <ahyp:hlinkClr val="tx"/>
-                    </a:ext>
-                  </a:extLst>
-                </a:hlinkClick>
-              </a:rPr>
-              <a:t>UC-4.1</a:t>
-            </a:r>
-            <a:endParaRPr sz="1200" u="sng">
-              <a:solidFill>
-                <a:schemeClr val="dk1"/>
-              </a:solidFill>
-            </a:endParaRPr>
-          </a:p>
-          <a:p>
-            <a:pPr indent="0" lvl="0" marL="0" rtl="0" algn="l">
-              <a:spcBef>
-                <a:spcPts val="1200"/>
-              </a:spcBef>
-              <a:spcAft>
-                <a:spcPts val="0"/>
-              </a:spcAft>
-              <a:buNone/>
-            </a:pPr>
-            <a:r>
-              <a:rPr lang="en" sz="1200">
-                <a:solidFill>
-                  <a:schemeClr val="dk1"/>
-                </a:solidFill>
-              </a:rPr>
-              <a:t>Task:</a:t>
-            </a:r>
-            <a:endParaRPr sz="1200">
-              <a:solidFill>
-                <a:schemeClr val="dk1"/>
-              </a:solidFill>
-            </a:endParaRPr>
-          </a:p>
-          <a:p>
-            <a:pPr indent="0" lvl="0" marL="0" rtl="0" algn="l">
-              <a:spcBef>
-                <a:spcPts val="1200"/>
-              </a:spcBef>
-              <a:spcAft>
-                <a:spcPts val="0"/>
-              </a:spcAft>
-              <a:buNone/>
-            </a:pPr>
-            <a:r>
-              <a:rPr lang="en" sz="1200">
-                <a:solidFill>
-                  <a:schemeClr val="dk1"/>
-                </a:solidFill>
-              </a:rPr>
-              <a:t>Detecting Check</a:t>
-            </a:r>
-            <a:endParaRPr sz="1200">
-              <a:solidFill>
-                <a:schemeClr val="dk1"/>
-              </a:solidFill>
-            </a:endParaRPr>
-          </a:p>
-          <a:p>
-            <a:pPr indent="0" lvl="0" marL="0" rtl="0" algn="l">
-              <a:spcBef>
-                <a:spcPts val="1200"/>
-              </a:spcBef>
-              <a:spcAft>
-                <a:spcPts val="0"/>
-              </a:spcAft>
-              <a:buNone/>
-            </a:pPr>
-            <a:r>
-              <a:rPr lang="en" sz="1200">
-                <a:solidFill>
-                  <a:schemeClr val="dk1"/>
-                </a:solidFill>
-              </a:rPr>
-              <a:t>Action:</a:t>
-            </a:r>
-            <a:endParaRPr sz="1200">
-              <a:solidFill>
-                <a:schemeClr val="dk1"/>
-              </a:solidFill>
-            </a:endParaRPr>
-          </a:p>
-          <a:p>
-            <a:pPr indent="0" lvl="0" marL="0" rtl="0" algn="l">
-              <a:spcBef>
-                <a:spcPts val="1200"/>
-              </a:spcBef>
-              <a:spcAft>
-                <a:spcPts val="0"/>
-              </a:spcAft>
-              <a:buNone/>
-            </a:pPr>
-            <a:r>
-              <a:rPr lang="en" sz="1200">
-                <a:solidFill>
-                  <a:schemeClr val="dk1"/>
-                </a:solidFill>
-              </a:rPr>
-              <a:t>Move the (ref to piece) to check the (ref to colour) king.</a:t>
-            </a:r>
-            <a:endParaRPr sz="1200">
-              <a:solidFill>
-                <a:schemeClr val="dk1"/>
-              </a:solidFill>
-            </a:endParaRPr>
-          </a:p>
-          <a:p>
-            <a:pPr indent="0" lvl="0" marL="0" rtl="0" algn="l">
-              <a:spcBef>
-                <a:spcPts val="1200"/>
-              </a:spcBef>
-              <a:spcAft>
-                <a:spcPts val="0"/>
-              </a:spcAft>
-              <a:buNone/>
-            </a:pPr>
-            <a:r>
-              <a:rPr lang="en" sz="1200">
-                <a:solidFill>
-                  <a:schemeClr val="dk1"/>
-                </a:solidFill>
-              </a:rPr>
-              <a:t>Result:</a:t>
-            </a:r>
-            <a:endParaRPr sz="1200">
-              <a:solidFill>
-                <a:schemeClr val="dk1"/>
-              </a:solidFill>
-            </a:endParaRPr>
-          </a:p>
-          <a:p>
-            <a:pPr indent="0" lvl="0" marL="0" rtl="0" algn="l">
-              <a:spcBef>
-                <a:spcPts val="1200"/>
-              </a:spcBef>
-              <a:spcAft>
-                <a:spcPts val="1200"/>
-              </a:spcAft>
-              <a:buNone/>
-            </a:pPr>
-            <a:r>
-              <a:rPr lang="en" sz="1200">
-                <a:solidFill>
-                  <a:schemeClr val="dk1"/>
-                </a:solidFill>
-              </a:rPr>
-              <a:t>The (ref to piece) and (ref to colour) king will be highlighted.</a:t>
-            </a:r>
-            <a:endParaRPr sz="1200">
-              <a:solidFill>
-                <a:schemeClr val="dk1"/>
-              </a:solidFill>
-            </a:endParaRPr>
-          </a:p>
-        </p:txBody>
-      </p:sp>
-      <p:pic>
-        <p:nvPicPr>
-          <p:cNvPr id="275" name="Google Shape;275;p40"/>
-          <p:cNvPicPr preferRelativeResize="0"/>
-          <p:nvPr/>
-        </p:nvPicPr>
-        <p:blipFill rotWithShape="1">
-          <a:blip r:embed="rId4">
-            <a:alphaModFix/>
-          </a:blip>
-          <a:srcRect b="0" l="26511" r="27581" t="0"/>
-          <a:stretch/>
-        </p:blipFill>
-        <p:spPr>
-          <a:xfrm>
-            <a:off x="852825" y="0"/>
-            <a:ext cx="4359187" cy="5143499"/>
-          </a:xfrm>
-          <a:prstGeom prst="rect">
-            <a:avLst/>
-          </a:prstGeom>
-          <a:noFill/>
-          <a:ln>
-            <a:noFill/>
-          </a:ln>
-        </p:spPr>
-      </p:pic>
-    </p:spTree>
-  </p:cSld>
-  <p:clrMapOvr>
-    <a:masterClrMapping/>
-  </p:clrMapOvr>
-</p:sld>
-</file>
-
-<file path=ppt/slides/slide29.xml><?xml version="1.0" encoding="utf-8"?>
-<p:sld xmlns:a="http://schemas.openxmlformats.org/drawingml/2006/main" xmlns:r="http://schemas.openxmlformats.org/officeDocument/2006/relationships" xmlns:mc="http://schemas.openxmlformats.org/markup-compatibility/2006" xmlns:mv="urn:schemas-microsoft-com:mac:vml" xmlns:p="http://schemas.openxmlformats.org/presentationml/2006/main" xmlns:c="http://schemas.openxmlformats.org/drawingml/2006/chart" xmlns:dgm="http://schemas.openxmlformats.org/drawingml/2006/diagram" xmlns:o="urn:schemas-microsoft-com:office:office" xmlns:v="urn:schemas-microsoft-com:vml" xmlns:pvml="urn:schemas-microsoft-com:office:powerpoint" xmlns:com="http://schemas.openxmlformats.org/drawingml/2006/compatibility" xmlns:p14="http://schemas.microsoft.com/office/powerpoint/2010/main" xmlns:p15="http://schemas.microsoft.com/office/powerpoint/2012/main" xmlns:ahyp="http://schemas.microsoft.com/office/drawing/2018/hyperlinkcolor">
-  <p:cSld>
-    <p:spTree>
-      <p:nvGrpSpPr>
-        <p:cNvPr id="279" name="Shape 279"/>
-        <p:cNvGrpSpPr/>
-        <p:nvPr/>
-      </p:nvGrpSpPr>
-      <p:grpSpPr>
-        <a:xfrm>
-          <a:off x="0" y="0"/>
-          <a:ext cx="0" cy="0"/>
-          <a:chOff x="0" y="0"/>
-          <a:chExt cx="0" cy="0"/>
-        </a:xfrm>
-      </p:grpSpPr>
-      <p:sp>
-        <p:nvSpPr>
-          <p:cNvPr id="280" name="Google Shape;280;p41"/>
-          <p:cNvSpPr/>
-          <p:nvPr/>
-        </p:nvSpPr>
-        <p:spPr>
-          <a:xfrm>
-            <a:off x="6408575" y="8325"/>
-            <a:ext cx="2735400" cy="5143500"/>
-          </a:xfrm>
-          <a:prstGeom prst="rect">
-            <a:avLst/>
-          </a:prstGeom>
-          <a:solidFill>
-            <a:srgbClr val="2EE4DA"/>
-          </a:solidFill>
-          <a:ln cap="flat" cmpd="sng" w="9525">
-            <a:solidFill>
-              <a:srgbClr val="1FC5BC"/>
-            </a:solidFill>
-            <a:prstDash val="solid"/>
-            <a:round/>
-            <a:headEnd len="sm" w="sm" type="none"/>
-            <a:tailEnd len="sm" w="sm" type="none"/>
-          </a:ln>
-        </p:spPr>
-        <p:txBody>
-          <a:bodyPr anchorCtr="0" anchor="ctr" bIns="91425" lIns="91425" spcFirstLastPara="1" rIns="91425" wrap="square" tIns="91425">
-            <a:noAutofit/>
-          </a:bodyPr>
-          <a:lstStyle/>
-          <a:p>
-            <a:pPr indent="0" lvl="0" marL="0" rtl="0" algn="l">
-              <a:spcBef>
-                <a:spcPts val="0"/>
-              </a:spcBef>
-              <a:spcAft>
-                <a:spcPts val="0"/>
-              </a:spcAft>
-              <a:buNone/>
-            </a:pPr>
-            <a:r>
-              <a:t/>
-            </a:r>
-            <a:endParaRPr/>
-          </a:p>
-        </p:txBody>
-      </p:sp>
-      <p:sp>
-        <p:nvSpPr>
-          <p:cNvPr id="281" name="Google Shape;281;p41"/>
-          <p:cNvSpPr txBox="1"/>
-          <p:nvPr>
-            <p:ph idx="2" type="body"/>
-          </p:nvPr>
-        </p:nvSpPr>
-        <p:spPr>
-          <a:xfrm>
-            <a:off x="6825350" y="1152475"/>
-            <a:ext cx="2007000" cy="3416400"/>
-          </a:xfrm>
-          <a:prstGeom prst="rect">
-            <a:avLst/>
-          </a:prstGeom>
-        </p:spPr>
-        <p:txBody>
-          <a:bodyPr anchorCtr="0" anchor="t" bIns="91425" lIns="91425" spcFirstLastPara="1" rIns="91425" wrap="square" tIns="91425">
-            <a:normAutofit/>
-          </a:bodyPr>
-          <a:lstStyle/>
-          <a:p>
-            <a:pPr indent="0" lvl="0" marL="0" rtl="0" algn="l">
-              <a:spcBef>
-                <a:spcPts val="0"/>
-              </a:spcBef>
-              <a:spcAft>
-                <a:spcPts val="0"/>
-              </a:spcAft>
-              <a:buNone/>
-            </a:pPr>
-            <a:r>
-              <a:rPr lang="en" sz="1200" u="sng">
-                <a:solidFill>
-                  <a:schemeClr val="dk1"/>
-                </a:solidFill>
-              </a:rPr>
-              <a:t>Use Case -  </a:t>
-            </a:r>
-            <a:r>
-              <a:rPr lang="en" sz="1200" u="sng">
-                <a:solidFill>
-                  <a:schemeClr val="dk1"/>
-                </a:solidFill>
-                <a:hlinkClick r:id="rId3">
-                  <a:extLst>
-                    <a:ext uri="{A12FA001-AC4F-418D-AE19-62706E023703}">
-                      <ahyp:hlinkClr val="tx"/>
-                    </a:ext>
-                  </a:extLst>
-                </a:hlinkClick>
-              </a:rPr>
-              <a:t>UC-4.1</a:t>
-            </a:r>
-            <a:endParaRPr sz="1200" u="sng">
-              <a:solidFill>
-                <a:schemeClr val="dk1"/>
-              </a:solidFill>
-            </a:endParaRPr>
-          </a:p>
-          <a:p>
-            <a:pPr indent="0" lvl="0" marL="0" rtl="0" algn="l">
-              <a:spcBef>
-                <a:spcPts val="1200"/>
-              </a:spcBef>
-              <a:spcAft>
-                <a:spcPts val="0"/>
-              </a:spcAft>
-              <a:buNone/>
-            </a:pPr>
-            <a:r>
-              <a:rPr lang="en" sz="1200">
-                <a:solidFill>
-                  <a:schemeClr val="dk1"/>
-                </a:solidFill>
-              </a:rPr>
-              <a:t>Task:</a:t>
-            </a:r>
-            <a:endParaRPr sz="1200">
-              <a:solidFill>
-                <a:schemeClr val="dk1"/>
-              </a:solidFill>
-            </a:endParaRPr>
-          </a:p>
-          <a:p>
-            <a:pPr indent="0" lvl="0" marL="0" rtl="0" algn="l">
-              <a:spcBef>
-                <a:spcPts val="1200"/>
-              </a:spcBef>
-              <a:spcAft>
-                <a:spcPts val="0"/>
-              </a:spcAft>
-              <a:buNone/>
-            </a:pPr>
-            <a:r>
-              <a:rPr lang="en" sz="1200">
-                <a:solidFill>
-                  <a:schemeClr val="dk1"/>
-                </a:solidFill>
-              </a:rPr>
-              <a:t>Detecting Check</a:t>
-            </a:r>
-            <a:endParaRPr sz="1200">
-              <a:solidFill>
-                <a:schemeClr val="dk1"/>
-              </a:solidFill>
-            </a:endParaRPr>
-          </a:p>
-          <a:p>
-            <a:pPr indent="0" lvl="0" marL="0" rtl="0" algn="l">
-              <a:spcBef>
-                <a:spcPts val="1200"/>
-              </a:spcBef>
-              <a:spcAft>
-                <a:spcPts val="0"/>
-              </a:spcAft>
-              <a:buNone/>
-            </a:pPr>
-            <a:r>
-              <a:rPr lang="en" sz="1200">
-                <a:solidFill>
-                  <a:schemeClr val="dk1"/>
-                </a:solidFill>
-              </a:rPr>
-              <a:t>Final State:</a:t>
-            </a:r>
-            <a:endParaRPr sz="1200">
-              <a:solidFill>
-                <a:schemeClr val="dk1"/>
-              </a:solidFill>
-            </a:endParaRPr>
-          </a:p>
-          <a:p>
-            <a:pPr indent="0" lvl="0" marL="0" rtl="0" algn="l">
-              <a:spcBef>
-                <a:spcPts val="1200"/>
-              </a:spcBef>
-              <a:spcAft>
-                <a:spcPts val="1200"/>
-              </a:spcAft>
-              <a:buNone/>
-            </a:pPr>
-            <a:r>
-              <a:rPr lang="en" sz="1200">
-                <a:solidFill>
-                  <a:schemeClr val="dk1"/>
-                </a:solidFill>
-              </a:rPr>
-              <a:t>The board state after the (ref to piece) has moved to attack the (ref to colour) king. Both the king and attacking piece are highlighted.</a:t>
-            </a:r>
-            <a:endParaRPr sz="1200">
-              <a:solidFill>
-                <a:schemeClr val="dk1"/>
-              </a:solidFill>
-            </a:endParaRPr>
-          </a:p>
-        </p:txBody>
-      </p:sp>
-      <p:pic>
-        <p:nvPicPr>
-          <p:cNvPr id="282" name="Google Shape;282;p41"/>
-          <p:cNvPicPr preferRelativeResize="0"/>
-          <p:nvPr/>
-        </p:nvPicPr>
-        <p:blipFill rotWithShape="1">
-          <a:blip r:embed="rId4">
-            <a:alphaModFix/>
-          </a:blip>
-          <a:srcRect b="0" l="27591" r="27595" t="0"/>
-          <a:stretch/>
-        </p:blipFill>
-        <p:spPr>
-          <a:xfrm>
-            <a:off x="950700" y="8325"/>
-            <a:ext cx="4255498" cy="5143499"/>
+            <a:off x="0" y="8325"/>
+            <a:ext cx="6408577" cy="5143500"/>
           </a:xfrm>
           <a:prstGeom prst="rect">
             <a:avLst/>
@@ -17117,7 +15427,7 @@
                   <a:schemeClr val="dk1"/>
                 </a:solidFill>
               </a:rPr>
-              <a:t>Click on the New Game button</a:t>
+              <a:t>Click on the Start New Game button</a:t>
             </a:r>
             <a:endParaRPr sz="1200">
               <a:solidFill>
@@ -17181,18 +15491,17 @@
           <p:cNvPicPr preferRelativeResize="0"/>
           <p:nvPr/>
         </p:nvPicPr>
-        <p:blipFill>
+        <p:blipFill rotWithShape="1">
           <a:blip r:embed="rId4">
             <a:alphaModFix/>
           </a:blip>
-          <a:stretch>
-            <a:fillRect/>
-          </a:stretch>
+          <a:srcRect b="0" l="0" r="-35851" t="0"/>
+          <a:stretch/>
         </p:blipFill>
         <p:spPr>
           <a:xfrm>
-            <a:off x="0" y="0"/>
-            <a:ext cx="6400799" cy="5143500"/>
+            <a:off x="4" y="0"/>
+            <a:ext cx="8705695" cy="5143501"/>
           </a:xfrm>
           <a:prstGeom prst="rect">
             <a:avLst/>
@@ -17216,7 +15525,7 @@
   <p:cSld>
     <p:spTree>
       <p:nvGrpSpPr>
-        <p:cNvPr id="286" name="Shape 286"/>
+        <p:cNvPr id="261" name="Shape 261"/>
         <p:cNvGrpSpPr/>
         <p:nvPr/>
       </p:nvGrpSpPr>
@@ -17230,7 +15539,7 @@
       </p:grpSpPr>
       <p:sp>
         <p:nvSpPr>
-          <p:cNvPr id="287" name="Google Shape;287;p42"/>
+          <p:cNvPr id="262" name="Google Shape;262;p42"/>
           <p:cNvSpPr/>
           <p:nvPr/>
         </p:nvSpPr>
@@ -17279,7 +15588,7 @@
       </p:sp>
       <p:sp>
         <p:nvSpPr>
-          <p:cNvPr id="288" name="Google Shape;288;p42"/>
+          <p:cNvPr id="263" name="Google Shape;263;p42"/>
           <p:cNvSpPr txBox="1"/>
           <p:nvPr>
             <p:ph idx="2" type="body"/>
@@ -17296,7 +15605,7 @@
         </p:spPr>
         <p:txBody>
           <a:bodyPr anchorCtr="0" anchor="t" bIns="91425" lIns="91425" spcFirstLastPara="1" rIns="91425" wrap="square" tIns="91425">
-            <a:normAutofit lnSpcReduction="10000"/>
+            <a:normAutofit/>
           </a:bodyPr>
           <a:lstStyle/>
           <a:p>
@@ -17426,7 +15735,7 @@
                   <a:schemeClr val="dk1"/>
                 </a:solidFill>
               </a:rPr>
-              <a:t>Move the (ref to piece) to checkmate the (ref to colour) king.</a:t>
+              <a:t>Move the white queen to checkmate the black king.</a:t>
             </a:r>
             <a:endParaRPr sz="1200">
               <a:solidFill>
@@ -17474,7 +15783,7 @@
                   <a:schemeClr val="dk1"/>
                 </a:solidFill>
               </a:rPr>
-              <a:t>The game will end and a message will be displayed to show which player has won.</a:t>
+              <a:t>A message will appear in the side pane indicating white has won</a:t>
             </a:r>
             <a:endParaRPr sz="1200">
               <a:solidFill>
@@ -17486,21 +15795,22 @@
       </p:sp>
       <p:pic>
         <p:nvPicPr>
-          <p:cNvPr id="289" name="Google Shape;289;p42"/>
+          <p:cNvPr id="264" name="Google Shape;264;p42"/>
           <p:cNvPicPr preferRelativeResize="0"/>
           <p:nvPr/>
         </p:nvPicPr>
-        <p:blipFill rotWithShape="1">
+        <p:blipFill>
           <a:blip r:embed="rId4">
             <a:alphaModFix/>
           </a:blip>
-          <a:srcRect b="0" l="27041" r="27118" t="0"/>
-          <a:stretch/>
+          <a:stretch>
+            <a:fillRect/>
+          </a:stretch>
         </p:blipFill>
         <p:spPr>
           <a:xfrm>
-            <a:off x="912350" y="8325"/>
-            <a:ext cx="4352712" cy="5143499"/>
+            <a:off x="-2" y="0"/>
+            <a:ext cx="6408574" cy="5143500"/>
           </a:xfrm>
           <a:prstGeom prst="rect">
             <a:avLst/>
@@ -17524,7 +15834,7 @@
   <p:cSld>
     <p:spTree>
       <p:nvGrpSpPr>
-        <p:cNvPr id="293" name="Shape 293"/>
+        <p:cNvPr id="268" name="Shape 268"/>
         <p:cNvGrpSpPr/>
         <p:nvPr/>
       </p:nvGrpSpPr>
@@ -17538,7 +15848,7 @@
       </p:grpSpPr>
       <p:sp>
         <p:nvSpPr>
-          <p:cNvPr id="294" name="Google Shape;294;p43"/>
+          <p:cNvPr id="269" name="Google Shape;269;p43"/>
           <p:cNvSpPr/>
           <p:nvPr/>
         </p:nvSpPr>
@@ -17587,7 +15897,7 @@
       </p:sp>
       <p:sp>
         <p:nvSpPr>
-          <p:cNvPr id="295" name="Google Shape;295;p43"/>
+          <p:cNvPr id="270" name="Google Shape;270;p43"/>
           <p:cNvSpPr txBox="1"/>
           <p:nvPr>
             <p:ph idx="2" type="body"/>
@@ -17710,7 +16020,7 @@
                   <a:schemeClr val="dk1"/>
                 </a:solidFill>
               </a:rPr>
-              <a:t>Action:</a:t>
+              <a:t>Final State:</a:t>
             </a:r>
             <a:endParaRPr sz="1200">
               <a:solidFill>
@@ -17724,7 +16034,7 @@
                 <a:spcPts val="1200"/>
               </a:spcBef>
               <a:spcAft>
-                <a:spcPts val="0"/>
+                <a:spcPts val="1200"/>
               </a:spcAft>
               <a:buNone/>
             </a:pPr>
@@ -17734,55 +16044,7 @@
                   <a:schemeClr val="dk1"/>
                 </a:solidFill>
               </a:rPr>
-              <a:t>Close the message</a:t>
-            </a:r>
-            <a:endParaRPr sz="1200">
-              <a:solidFill>
-                <a:schemeClr val="dk1"/>
-              </a:solidFill>
-            </a:endParaRPr>
-          </a:p>
-          <a:p>
-            <a:pPr indent="0" lvl="0" marL="0" rtl="0" algn="l">
-              <a:spcBef>
-                <a:spcPts val="1200"/>
-              </a:spcBef>
-              <a:spcAft>
-                <a:spcPts val="0"/>
-              </a:spcAft>
-              <a:buNone/>
-            </a:pPr>
-            <a:r>
-              <a:rPr lang="en" sz="1200">
-                <a:solidFill>
-                  <a:schemeClr val="dk1"/>
-                </a:solidFill>
-              </a:rPr>
-              <a:t>Result:</a:t>
-            </a:r>
-            <a:endParaRPr sz="1200">
-              <a:solidFill>
-                <a:schemeClr val="dk1"/>
-              </a:solidFill>
-            </a:endParaRPr>
-          </a:p>
-          <a:p>
-            <a:pPr indent="0" lvl="0" marL="0" rtl="0" algn="l">
-              <a:spcBef>
-                <a:spcPts val="1200"/>
-              </a:spcBef>
-              <a:spcAft>
-                <a:spcPts val="1200"/>
-              </a:spcAft>
-              <a:buNone/>
-            </a:pPr>
-            <a:r>
-              <a:rPr lang="en" sz="1200">
-                <a:solidFill>
-                  <a:schemeClr val="dk1"/>
-                </a:solidFill>
-              </a:rPr>
-              <a:t>The main menu will appear.</a:t>
+              <a:t>A message will appear in the side pane indicating white has won.</a:t>
             </a:r>
             <a:endParaRPr sz="1200">
               <a:solidFill>
@@ -17794,542 +16056,7 @@
       </p:sp>
       <p:pic>
         <p:nvPicPr>
-          <p:cNvPr id="296" name="Google Shape;296;p43"/>
-          <p:cNvPicPr preferRelativeResize="0"/>
-          <p:nvPr/>
-        </p:nvPicPr>
-        <p:blipFill rotWithShape="1">
-          <a:blip r:embed="rId4">
-            <a:alphaModFix/>
-          </a:blip>
-          <a:srcRect b="0" l="24582" r="23860" t="0"/>
-          <a:stretch/>
-        </p:blipFill>
-        <p:spPr>
-          <a:xfrm>
-            <a:off x="733850" y="0"/>
-            <a:ext cx="4895712" cy="5143499"/>
-          </a:xfrm>
-          <a:prstGeom prst="rect">
-            <a:avLst/>
-          </a:prstGeom>
-          <a:noFill/>
-          <a:ln>
-            <a:noFill/>
-          </a:ln>
-        </p:spPr>
-      </p:pic>
-      <p:graphicFrame>
-        <p:nvGraphicFramePr>
-          <p:cNvPr id="297" name="Google Shape;297;p43"/>
-          <p:cNvGraphicFramePr/>
-          <p:nvPr/>
-        </p:nvGraphicFramePr>
-        <p:xfrm>
-          <a:off x="1370150" y="3617550"/>
-          <a:ext cx="3000000" cy="3000000"/>
-        </p:xfrm>
-        <a:graphic>
-          <a:graphicData uri="http://schemas.openxmlformats.org/drawingml/2006/table">
-            <a:tbl>
-              <a:tblPr>
-                <a:noFill/>
-                <a:tableStyleId>{EBF491F7-7131-4157-9DC3-AF058DD50FA4}</a:tableStyleId>
-              </a:tblPr>
-              <a:tblGrid>
-                <a:gridCol w="1771675"/>
-                <a:gridCol w="1771675"/>
-              </a:tblGrid>
-              <a:tr h="588325">
-                <a:tc gridSpan="2">
-                  <a:txBody>
-                    <a:bodyPr/>
-                    <a:lstStyle/>
-                    <a:p>
-                      <a:pPr indent="0" lvl="0" marL="0" rtl="0" algn="ctr">
-                        <a:spcBef>
-                          <a:spcPts val="0"/>
-                        </a:spcBef>
-                        <a:spcAft>
-                          <a:spcPts val="0"/>
-                        </a:spcAft>
-                        <a:buNone/>
-                      </a:pPr>
-                      <a:r>
-                        <a:rPr lang="en" sz="1000"/>
-                        <a:t>Game Ended!</a:t>
-                      </a:r>
-                      <a:endParaRPr sz="1000"/>
-                    </a:p>
-                    <a:p>
-                      <a:pPr indent="0" lvl="0" marL="0" rtl="0" algn="ctr">
-                        <a:spcBef>
-                          <a:spcPts val="0"/>
-                        </a:spcBef>
-                        <a:spcAft>
-                          <a:spcPts val="0"/>
-                        </a:spcAft>
-                        <a:buNone/>
-                      </a:pPr>
-                      <a:r>
-                        <a:rPr lang="en" sz="1000"/>
-                        <a:t>Player 2 put Player 1 into checkmate!</a:t>
-                      </a:r>
-                      <a:endParaRPr sz="1000"/>
-                    </a:p>
-                    <a:p>
-                      <a:pPr indent="0" lvl="0" marL="0" rtl="0" algn="ctr">
-                        <a:spcBef>
-                          <a:spcPts val="0"/>
-                        </a:spcBef>
-                        <a:spcAft>
-                          <a:spcPts val="0"/>
-                        </a:spcAft>
-                        <a:buNone/>
-                      </a:pPr>
-                      <a:r>
-                        <a:rPr lang="en" sz="1000"/>
-                        <a:t>Player 2 wins!</a:t>
-                      </a:r>
-                      <a:endParaRPr sz="1000"/>
-                    </a:p>
-                  </a:txBody>
-                  <a:tcPr marT="91425" marB="91425" marR="91425" marL="91425">
-                    <a:lnL cap="flat" cmpd="sng" w="9525">
-                      <a:solidFill>
-                        <a:schemeClr val="dk1"/>
-                      </a:solidFill>
-                      <a:prstDash val="solid"/>
-                      <a:round/>
-                      <a:headEnd len="sm" w="sm" type="none"/>
-                      <a:tailEnd len="sm" w="sm" type="none"/>
-                    </a:lnL>
-                    <a:lnR cap="flat" cmpd="sng" w="9525">
-                      <a:solidFill>
-                        <a:schemeClr val="dk1"/>
-                      </a:solidFill>
-                      <a:prstDash val="solid"/>
-                      <a:round/>
-                      <a:headEnd len="sm" w="sm" type="none"/>
-                      <a:tailEnd len="sm" w="sm" type="none"/>
-                    </a:lnR>
-                    <a:lnT cap="flat" cmpd="sng" w="9525">
-                      <a:solidFill>
-                        <a:schemeClr val="dk1"/>
-                      </a:solidFill>
-                      <a:prstDash val="solid"/>
-                      <a:round/>
-                      <a:headEnd len="sm" w="sm" type="none"/>
-                      <a:tailEnd len="sm" w="sm" type="none"/>
-                    </a:lnT>
-                    <a:lnB cap="flat" cmpd="sng" w="9525">
-                      <a:solidFill>
-                        <a:schemeClr val="dk1"/>
-                      </a:solidFill>
-                      <a:prstDash val="solid"/>
-                      <a:round/>
-                      <a:headEnd len="sm" w="sm" type="none"/>
-                      <a:tailEnd len="sm" w="sm" type="none"/>
-                    </a:lnB>
-                    <a:solidFill>
-                      <a:schemeClr val="lt1"/>
-                    </a:solidFill>
-                  </a:tcPr>
-                </a:tc>
-                <a:tc hMerge="1"/>
-              </a:tr>
-              <a:tr h="565725">
-                <a:tc gridSpan="2">
-                  <a:txBody>
-                    <a:bodyPr/>
-                    <a:lstStyle/>
-                    <a:p>
-                      <a:pPr indent="0" lvl="0" marL="0" rtl="0" algn="ctr">
-                        <a:spcBef>
-                          <a:spcPts val="0"/>
-                        </a:spcBef>
-                        <a:spcAft>
-                          <a:spcPts val="0"/>
-                        </a:spcAft>
-                        <a:buNone/>
-                      </a:pPr>
-                      <a:r>
-                        <a:rPr lang="en" sz="1000" u="sng"/>
-                        <a:t>Return to Main Menu</a:t>
-                      </a:r>
-                      <a:endParaRPr sz="1000" u="sng"/>
-                    </a:p>
-                    <a:p>
-                      <a:pPr indent="0" lvl="0" marL="0" rtl="0" algn="ctr">
-                        <a:spcBef>
-                          <a:spcPts val="0"/>
-                        </a:spcBef>
-                        <a:spcAft>
-                          <a:spcPts val="0"/>
-                        </a:spcAft>
-                        <a:buNone/>
-                      </a:pPr>
-                      <a:r>
-                        <a:t/>
-                      </a:r>
-                      <a:endParaRPr sz="500"/>
-                    </a:p>
-                    <a:p>
-                      <a:pPr indent="0" lvl="0" marL="0" rtl="0" algn="ctr">
-                        <a:spcBef>
-                          <a:spcPts val="0"/>
-                        </a:spcBef>
-                        <a:spcAft>
-                          <a:spcPts val="0"/>
-                        </a:spcAft>
-                        <a:buNone/>
-                      </a:pPr>
-                      <a:r>
-                        <a:rPr lang="en" sz="500"/>
-                        <a:t>Your game has been saved and</a:t>
-                      </a:r>
-                      <a:endParaRPr sz="500"/>
-                    </a:p>
-                    <a:p>
-                      <a:pPr indent="0" lvl="0" marL="0" rtl="0" algn="ctr">
-                        <a:spcBef>
-                          <a:spcPts val="0"/>
-                        </a:spcBef>
-                        <a:spcAft>
-                          <a:spcPts val="0"/>
-                        </a:spcAft>
-                        <a:buNone/>
-                      </a:pPr>
-                      <a:r>
-                        <a:rPr lang="en" sz="500"/>
-                        <a:t>can be reviewed at any time</a:t>
-                      </a:r>
-                      <a:endParaRPr sz="500"/>
-                    </a:p>
-                  </a:txBody>
-                  <a:tcPr marT="91425" marB="91425" marR="91425" marL="91425">
-                    <a:lnL cap="flat" cmpd="sng" w="9525">
-                      <a:solidFill>
-                        <a:schemeClr val="dk1"/>
-                      </a:solidFill>
-                      <a:prstDash val="solid"/>
-                      <a:round/>
-                      <a:headEnd len="sm" w="sm" type="none"/>
-                      <a:tailEnd len="sm" w="sm" type="none"/>
-                    </a:lnL>
-                    <a:lnR cap="flat" cmpd="sng" w="9525">
-                      <a:solidFill>
-                        <a:schemeClr val="dk1"/>
-                      </a:solidFill>
-                      <a:prstDash val="solid"/>
-                      <a:round/>
-                      <a:headEnd len="sm" w="sm" type="none"/>
-                      <a:tailEnd len="sm" w="sm" type="none"/>
-                    </a:lnR>
-                    <a:lnT cap="flat" cmpd="sng" w="9525">
-                      <a:solidFill>
-                        <a:schemeClr val="dk1"/>
-                      </a:solidFill>
-                      <a:prstDash val="solid"/>
-                      <a:round/>
-                      <a:headEnd len="sm" w="sm" type="none"/>
-                      <a:tailEnd len="sm" w="sm" type="none"/>
-                    </a:lnT>
-                    <a:lnB cap="flat" cmpd="sng" w="9525">
-                      <a:solidFill>
-                        <a:schemeClr val="dk1"/>
-                      </a:solidFill>
-                      <a:prstDash val="solid"/>
-                      <a:round/>
-                      <a:headEnd len="sm" w="sm" type="none"/>
-                      <a:tailEnd len="sm" w="sm" type="none"/>
-                    </a:lnB>
-                    <a:solidFill>
-                      <a:schemeClr val="lt1"/>
-                    </a:solidFill>
-                  </a:tcPr>
-                </a:tc>
-                <a:tc hMerge="1"/>
-              </a:tr>
-            </a:tbl>
-          </a:graphicData>
-        </a:graphic>
-      </p:graphicFrame>
-    </p:spTree>
-  </p:cSld>
-  <p:clrMapOvr>
-    <a:masterClrMapping/>
-  </p:clrMapOvr>
-</p:sld>
-</file>
-
-<file path=ppt/slides/slide32.xml><?xml version="1.0" encoding="utf-8"?>
-<p:sld xmlns:a="http://schemas.openxmlformats.org/drawingml/2006/main" xmlns:r="http://schemas.openxmlformats.org/officeDocument/2006/relationships" xmlns:mc="http://schemas.openxmlformats.org/markup-compatibility/2006" xmlns:mv="urn:schemas-microsoft-com:mac:vml" xmlns:p="http://schemas.openxmlformats.org/presentationml/2006/main" xmlns:c="http://schemas.openxmlformats.org/drawingml/2006/chart" xmlns:dgm="http://schemas.openxmlformats.org/drawingml/2006/diagram" xmlns:o="urn:schemas-microsoft-com:office:office" xmlns:v="urn:schemas-microsoft-com:vml" xmlns:pvml="urn:schemas-microsoft-com:office:powerpoint" xmlns:com="http://schemas.openxmlformats.org/drawingml/2006/compatibility" xmlns:p14="http://schemas.microsoft.com/office/powerpoint/2010/main" xmlns:p15="http://schemas.microsoft.com/office/powerpoint/2012/main" xmlns:ahyp="http://schemas.microsoft.com/office/drawing/2018/hyperlinkcolor">
-  <p:cSld>
-    <p:spTree>
-      <p:nvGrpSpPr>
-        <p:cNvPr id="301" name="Shape 301"/>
-        <p:cNvGrpSpPr/>
-        <p:nvPr/>
-      </p:nvGrpSpPr>
-      <p:grpSpPr>
-        <a:xfrm>
-          <a:off x="0" y="0"/>
-          <a:ext cx="0" cy="0"/>
-          <a:chOff x="0" y="0"/>
-          <a:chExt cx="0" cy="0"/>
-        </a:xfrm>
-      </p:grpSpPr>
-      <p:sp>
-        <p:nvSpPr>
-          <p:cNvPr id="302" name="Google Shape;302;p44"/>
-          <p:cNvSpPr/>
-          <p:nvPr/>
-        </p:nvSpPr>
-        <p:spPr>
-          <a:xfrm>
-            <a:off x="6408575" y="8325"/>
-            <a:ext cx="2735400" cy="5143500"/>
-          </a:xfrm>
-          <a:prstGeom prst="rect">
-            <a:avLst/>
-          </a:prstGeom>
-          <a:solidFill>
-            <a:srgbClr val="2EE4DA"/>
-          </a:solidFill>
-          <a:ln cap="flat" cmpd="sng" w="9525">
-            <a:solidFill>
-              <a:srgbClr val="1FC5BC"/>
-            </a:solidFill>
-            <a:prstDash val="solid"/>
-            <a:round/>
-            <a:headEnd len="sm" w="sm" type="none"/>
-            <a:tailEnd len="sm" w="sm" type="none"/>
-          </a:ln>
-        </p:spPr>
-        <p:txBody>
-          <a:bodyPr anchorCtr="0" anchor="ctr" bIns="91425" lIns="91425" spcFirstLastPara="1" rIns="91425" wrap="square" tIns="91425">
-            <a:noAutofit/>
-          </a:bodyPr>
-          <a:lstStyle/>
-          <a:p>
-            <a:pPr indent="0" lvl="0" marL="0" rtl="0" algn="l">
-              <a:spcBef>
-                <a:spcPts val="0"/>
-              </a:spcBef>
-              <a:spcAft>
-                <a:spcPts val="0"/>
-              </a:spcAft>
-              <a:buNone/>
-            </a:pPr>
-            <a:r>
-              <a:t/>
-            </a:r>
-            <a:endParaRPr/>
-          </a:p>
-        </p:txBody>
-      </p:sp>
-      <p:sp>
-        <p:nvSpPr>
-          <p:cNvPr id="303" name="Google Shape;303;p44"/>
-          <p:cNvSpPr txBox="1"/>
-          <p:nvPr>
-            <p:ph idx="1" type="body"/>
-          </p:nvPr>
-        </p:nvSpPr>
-        <p:spPr>
-          <a:xfrm>
-            <a:off x="311700" y="1152475"/>
-            <a:ext cx="6089100" cy="3416400"/>
-          </a:xfrm>
-          <a:prstGeom prst="rect">
-            <a:avLst/>
-          </a:prstGeom>
-        </p:spPr>
-        <p:txBody>
-          <a:bodyPr anchorCtr="0" anchor="t" bIns="91425" lIns="91425" spcFirstLastPara="1" rIns="91425" wrap="square" tIns="91425">
-            <a:normAutofit/>
-          </a:bodyPr>
-          <a:lstStyle/>
-          <a:p>
-            <a:pPr indent="0" lvl="0" marL="0" rtl="0" algn="l">
-              <a:spcBef>
-                <a:spcPts val="0"/>
-              </a:spcBef>
-              <a:spcAft>
-                <a:spcPts val="1200"/>
-              </a:spcAft>
-              <a:buNone/>
-            </a:pPr>
-            <a:r>
-              <a:t/>
-            </a:r>
-            <a:endParaRPr/>
-          </a:p>
-        </p:txBody>
-      </p:sp>
-      <p:sp>
-        <p:nvSpPr>
-          <p:cNvPr id="304" name="Google Shape;304;p44"/>
-          <p:cNvSpPr txBox="1"/>
-          <p:nvPr>
-            <p:ph idx="2" type="body"/>
-          </p:nvPr>
-        </p:nvSpPr>
-        <p:spPr>
-          <a:xfrm>
-            <a:off x="6825350" y="1152475"/>
-            <a:ext cx="2007000" cy="3416400"/>
-          </a:xfrm>
-          <a:prstGeom prst="rect">
-            <a:avLst/>
-          </a:prstGeom>
-        </p:spPr>
-        <p:txBody>
-          <a:bodyPr anchorCtr="0" anchor="t" bIns="91425" lIns="91425" spcFirstLastPara="1" rIns="91425" wrap="square" tIns="91425">
-            <a:normAutofit/>
-          </a:bodyPr>
-          <a:lstStyle/>
-          <a:p>
-            <a:pPr indent="0" lvl="0" marL="0" rtl="0" algn="l">
-              <a:spcBef>
-                <a:spcPts val="0"/>
-              </a:spcBef>
-              <a:spcAft>
-                <a:spcPts val="0"/>
-              </a:spcAft>
-              <a:buNone/>
-            </a:pPr>
-            <a:r>
-              <a:rPr lang="en" sz="1200" u="sng">
-                <a:solidFill>
-                  <a:schemeClr val="dk1"/>
-                </a:solidFill>
-              </a:rPr>
-              <a:t>Use Case -  </a:t>
-            </a:r>
-            <a:r>
-              <a:rPr lang="en" sz="1200" u="sng">
-                <a:solidFill>
-                  <a:schemeClr val="dk1"/>
-                </a:solidFill>
-                <a:hlinkClick r:id="rId3">
-                  <a:extLst>
-                    <a:ext uri="{A12FA001-AC4F-418D-AE19-62706E023703}">
-                      <ahyp:hlinkClr val="tx"/>
-                    </a:ext>
-                  </a:extLst>
-                </a:hlinkClick>
-              </a:rPr>
-              <a:t>UC-4.2</a:t>
-            </a:r>
-            <a:endParaRPr sz="1200" u="sng">
-              <a:solidFill>
-                <a:schemeClr val="dk1"/>
-              </a:solidFill>
-            </a:endParaRPr>
-          </a:p>
-          <a:p>
-            <a:pPr indent="0" lvl="0" marL="0" rtl="0" algn="l">
-              <a:spcBef>
-                <a:spcPts val="1200"/>
-              </a:spcBef>
-              <a:spcAft>
-                <a:spcPts val="0"/>
-              </a:spcAft>
-              <a:buNone/>
-            </a:pPr>
-            <a:r>
-              <a:rPr lang="en" sz="1200">
-                <a:solidFill>
-                  <a:schemeClr val="dk1"/>
-                </a:solidFill>
-              </a:rPr>
-              <a:t>Task:</a:t>
-            </a:r>
-            <a:endParaRPr sz="1200">
-              <a:solidFill>
-                <a:schemeClr val="dk1"/>
-              </a:solidFill>
-            </a:endParaRPr>
-          </a:p>
-          <a:p>
-            <a:pPr indent="0" lvl="0" marL="0" rtl="0" algn="l">
-              <a:spcBef>
-                <a:spcPts val="1200"/>
-              </a:spcBef>
-              <a:spcAft>
-                <a:spcPts val="0"/>
-              </a:spcAft>
-              <a:buNone/>
-            </a:pPr>
-            <a:r>
-              <a:rPr lang="en" sz="1200">
-                <a:solidFill>
-                  <a:schemeClr val="dk1"/>
-                </a:solidFill>
-              </a:rPr>
-              <a:t>Detecting Checkmate</a:t>
-            </a:r>
-            <a:endParaRPr sz="1200">
-              <a:solidFill>
-                <a:schemeClr val="dk1"/>
-              </a:solidFill>
-            </a:endParaRPr>
-          </a:p>
-          <a:p>
-            <a:pPr indent="0" lvl="0" marL="0" rtl="0" algn="l">
-              <a:spcBef>
-                <a:spcPts val="1200"/>
-              </a:spcBef>
-              <a:spcAft>
-                <a:spcPts val="0"/>
-              </a:spcAft>
-              <a:buNone/>
-            </a:pPr>
-            <a:r>
-              <a:rPr lang="en" sz="1200">
-                <a:solidFill>
-                  <a:schemeClr val="dk1"/>
-                </a:solidFill>
-              </a:rPr>
-              <a:t>Final State:</a:t>
-            </a:r>
-            <a:endParaRPr sz="1200">
-              <a:solidFill>
-                <a:schemeClr val="dk1"/>
-              </a:solidFill>
-            </a:endParaRPr>
-          </a:p>
-          <a:p>
-            <a:pPr indent="0" lvl="0" marL="0" rtl="0" algn="l">
-              <a:spcBef>
-                <a:spcPts val="1200"/>
-              </a:spcBef>
-              <a:spcAft>
-                <a:spcPts val="1200"/>
-              </a:spcAft>
-              <a:buNone/>
-            </a:pPr>
-            <a:r>
-              <a:rPr lang="en" sz="1200">
-                <a:solidFill>
-                  <a:schemeClr val="dk1"/>
-                </a:solidFill>
-              </a:rPr>
-              <a:t>The player is returned to the main menu.</a:t>
-            </a:r>
-            <a:endParaRPr sz="1200">
-              <a:solidFill>
-                <a:schemeClr val="dk1"/>
-              </a:solidFill>
-            </a:endParaRPr>
-          </a:p>
-        </p:txBody>
-      </p:sp>
-      <p:pic>
-        <p:nvPicPr>
-          <p:cNvPr id="305" name="Google Shape;305;p44"/>
+          <p:cNvPr id="271" name="Google Shape;271;p43"/>
           <p:cNvPicPr preferRelativeResize="0"/>
           <p:nvPr/>
         </p:nvPicPr>
@@ -18343,8 +16070,8 @@
         </p:blipFill>
         <p:spPr>
           <a:xfrm>
-            <a:off x="0" y="0"/>
-            <a:ext cx="6400799" cy="5143500"/>
+            <a:off x="0" y="8325"/>
+            <a:ext cx="6408577" cy="5143500"/>
           </a:xfrm>
           <a:prstGeom prst="rect">
             <a:avLst/>
@@ -18355,87 +16082,6 @@
           </a:ln>
         </p:spPr>
       </p:pic>
-    </p:spTree>
-  </p:cSld>
-  <p:clrMapOvr>
-    <a:masterClrMapping/>
-  </p:clrMapOvr>
-</p:sld>
-</file>
-
-<file path=ppt/slides/slide33.xml><?xml version="1.0" encoding="utf-8"?>
-<p:sld xmlns:a="http://schemas.openxmlformats.org/drawingml/2006/main" xmlns:r="http://schemas.openxmlformats.org/officeDocument/2006/relationships" xmlns:mc="http://schemas.openxmlformats.org/markup-compatibility/2006" xmlns:mv="urn:schemas-microsoft-com:mac:vml" xmlns:p="http://schemas.openxmlformats.org/presentationml/2006/main" xmlns:c="http://schemas.openxmlformats.org/drawingml/2006/chart" xmlns:dgm="http://schemas.openxmlformats.org/drawingml/2006/diagram" xmlns:o="urn:schemas-microsoft-com:office:office" xmlns:v="urn:schemas-microsoft-com:vml" xmlns:pvml="urn:schemas-microsoft-com:office:powerpoint" xmlns:com="http://schemas.openxmlformats.org/drawingml/2006/compatibility" xmlns:p14="http://schemas.microsoft.com/office/powerpoint/2010/main" xmlns:p15="http://schemas.microsoft.com/office/powerpoint/2012/main" xmlns:ahyp="http://schemas.microsoft.com/office/drawing/2018/hyperlinkcolor">
-  <p:cSld>
-    <p:spTree>
-      <p:nvGrpSpPr>
-        <p:cNvPr id="309" name="Shape 309"/>
-        <p:cNvGrpSpPr/>
-        <p:nvPr/>
-      </p:nvGrpSpPr>
-      <p:grpSpPr>
-        <a:xfrm>
-          <a:off x="0" y="0"/>
-          <a:ext cx="0" cy="0"/>
-          <a:chOff x="0" y="0"/>
-          <a:chExt cx="0" cy="0"/>
-        </a:xfrm>
-      </p:grpSpPr>
-      <p:sp>
-        <p:nvSpPr>
-          <p:cNvPr id="310" name="Google Shape;310;p45"/>
-          <p:cNvSpPr txBox="1"/>
-          <p:nvPr>
-            <p:ph idx="1" type="body"/>
-          </p:nvPr>
-        </p:nvSpPr>
-        <p:spPr>
-          <a:xfrm>
-            <a:off x="311700" y="1152475"/>
-            <a:ext cx="8520600" cy="932100"/>
-          </a:xfrm>
-          <a:prstGeom prst="rect">
-            <a:avLst/>
-          </a:prstGeom>
-        </p:spPr>
-        <p:txBody>
-          <a:bodyPr anchorCtr="0" anchor="t" bIns="91425" lIns="91425" spcFirstLastPara="1" rIns="91425" wrap="square" tIns="91425">
-            <a:normAutofit/>
-          </a:bodyPr>
-          <a:lstStyle/>
-          <a:p>
-            <a:pPr indent="0" lvl="0" marL="0" rtl="0" algn="l">
-              <a:spcBef>
-                <a:spcPts val="0"/>
-              </a:spcBef>
-              <a:spcAft>
-                <a:spcPts val="0"/>
-              </a:spcAft>
-              <a:buNone/>
-            </a:pPr>
-            <a:r>
-              <a:rPr lang="en" sz="1300"/>
-              <a:t>Chess Pieces Image credit: Wikipedia user Cburnett, CC BY-SA 3.0</a:t>
-            </a:r>
-            <a:endParaRPr sz="1300"/>
-          </a:p>
-          <a:p>
-            <a:pPr indent="0" lvl="0" marL="0" rtl="0" algn="l">
-              <a:spcBef>
-                <a:spcPts val="1200"/>
-              </a:spcBef>
-              <a:spcAft>
-                <a:spcPts val="1200"/>
-              </a:spcAft>
-              <a:buNone/>
-            </a:pPr>
-            <a:r>
-              <a:rPr lang="en" sz="1300"/>
-              <a:t>commons.wikimedia.org/wiki/Category:PNG_chess_pieces/</a:t>
-            </a:r>
-            <a:endParaRPr sz="1300"/>
-          </a:p>
-        </p:txBody>
-      </p:sp>
     </p:spTree>
   </p:cSld>
   <p:clrMapOvr>
@@ -18764,17 +16410,18 @@
           <p:cNvPicPr preferRelativeResize="0"/>
           <p:nvPr/>
         </p:nvPicPr>
-        <p:blipFill rotWithShape="1">
+        <p:blipFill>
           <a:blip r:embed="rId4">
             <a:alphaModFix/>
           </a:blip>
-          <a:srcRect b="0" l="27947" r="27943" t="0"/>
-          <a:stretch/>
+          <a:stretch>
+            <a:fillRect/>
+          </a:stretch>
         </p:blipFill>
         <p:spPr>
           <a:xfrm>
-            <a:off x="1064400" y="12488"/>
-            <a:ext cx="4181698" cy="5135174"/>
+            <a:off x="0" y="0"/>
+            <a:ext cx="6408576" cy="5143500"/>
           </a:xfrm>
           <a:prstGeom prst="rect">
             <a:avLst/>
@@ -19043,17 +16690,18 @@
           <p:cNvPicPr preferRelativeResize="0"/>
           <p:nvPr/>
         </p:nvPicPr>
-        <p:blipFill rotWithShape="1">
+        <p:blipFill>
           <a:blip r:embed="rId4">
             <a:alphaModFix/>
           </a:blip>
-          <a:srcRect b="0" l="27100" r="28082" t="0"/>
-          <a:stretch/>
+          <a:stretch>
+            <a:fillRect/>
+          </a:stretch>
         </p:blipFill>
         <p:spPr>
           <a:xfrm>
-            <a:off x="1018125" y="-4162"/>
-            <a:ext cx="4262386" cy="5151825"/>
+            <a:off x="0" y="8325"/>
+            <a:ext cx="6408576" cy="5143501"/>
           </a:xfrm>
           <a:prstGeom prst="rect">
             <a:avLst/>
@@ -19064,68 +16712,6 @@
           </a:ln>
         </p:spPr>
       </p:pic>
-      <p:sp>
-        <p:nvSpPr>
-          <p:cNvPr id="87" name="Google Shape;87;p17"/>
-          <p:cNvSpPr txBox="1"/>
-          <p:nvPr>
-            <p:ph idx="1" type="body"/>
-          </p:nvPr>
-        </p:nvSpPr>
-        <p:spPr>
-          <a:xfrm>
-            <a:off x="1018125" y="4465200"/>
-            <a:ext cx="3682200" cy="678300"/>
-          </a:xfrm>
-          <a:prstGeom prst="rect">
-            <a:avLst/>
-          </a:prstGeom>
-        </p:spPr>
-        <p:txBody>
-          <a:bodyPr anchorCtr="0" anchor="b" bIns="91425" lIns="91425" spcFirstLastPara="1" rIns="91425" wrap="square" tIns="91425">
-            <a:normAutofit/>
-          </a:bodyPr>
-          <a:lstStyle/>
-          <a:p>
-            <a:pPr indent="0" lvl="0" marL="0" rtl="0" algn="l">
-              <a:lnSpc>
-                <a:spcPct val="100000"/>
-              </a:lnSpc>
-              <a:spcBef>
-                <a:spcPts val="0"/>
-              </a:spcBef>
-              <a:spcAft>
-                <a:spcPts val="0"/>
-              </a:spcAft>
-              <a:buNone/>
-            </a:pPr>
-            <a:r>
-              <a:rPr lang="en" sz="800"/>
-              <a:t>Chess Pieces Image credit: Wikipedia user Cburnett, CC BY-SA 3.0</a:t>
-            </a:r>
-            <a:endParaRPr sz="800"/>
-          </a:p>
-          <a:p>
-            <a:pPr indent="0" lvl="0" marL="0" rtl="0" algn="l">
-              <a:lnSpc>
-                <a:spcPct val="100000"/>
-              </a:lnSpc>
-              <a:spcBef>
-                <a:spcPts val="1200"/>
-              </a:spcBef>
-              <a:spcAft>
-                <a:spcPts val="1200"/>
-              </a:spcAft>
-              <a:buNone/>
-            </a:pPr>
-            <a:r>
-              <a:rPr lang="en" sz="800"/>
-              <a:t>commons.wikimedia.org/wiki/Category:PNG_chess_pieces/</a:t>
-            </a:r>
-            <a:endParaRPr sz="800"/>
-          </a:p>
-        </p:txBody>
-      </p:sp>
     </p:spTree>
   </p:cSld>
   <p:clrMapOvr>
@@ -19139,7 +16725,7 @@
   <p:cSld>
     <p:spTree>
       <p:nvGrpSpPr>
-        <p:cNvPr id="91" name="Shape 91"/>
+        <p:cNvPr id="90" name="Shape 90"/>
         <p:cNvGrpSpPr/>
         <p:nvPr/>
       </p:nvGrpSpPr>
@@ -19153,7 +16739,7 @@
       </p:grpSpPr>
       <p:sp>
         <p:nvSpPr>
-          <p:cNvPr id="92" name="Google Shape;92;p18"/>
+          <p:cNvPr id="91" name="Google Shape;91;p18"/>
           <p:cNvSpPr/>
           <p:nvPr/>
         </p:nvSpPr>
@@ -19202,7 +16788,7 @@
       </p:sp>
       <p:sp>
         <p:nvSpPr>
-          <p:cNvPr id="93" name="Google Shape;93;p18"/>
+          <p:cNvPr id="92" name="Google Shape;92;p18"/>
           <p:cNvSpPr txBox="1"/>
           <p:nvPr>
             <p:ph idx="1" type="body"/>
@@ -19242,7 +16828,7 @@
       </p:sp>
       <p:sp>
         <p:nvSpPr>
-          <p:cNvPr id="94" name="Google Shape;94;p18"/>
+          <p:cNvPr id="93" name="Google Shape;93;p18"/>
           <p:cNvSpPr txBox="1"/>
           <p:nvPr>
             <p:ph idx="2" type="body"/>
@@ -19389,7 +16975,7 @@
                   <a:schemeClr val="dk1"/>
                 </a:solidFill>
               </a:rPr>
-              <a:t>Click the Continue button</a:t>
+              <a:t>Click the Load Unfinished Game button</a:t>
             </a:r>
             <a:endParaRPr sz="1200">
               <a:solidFill>
@@ -19449,7 +17035,7 @@
       </p:sp>
       <p:pic>
         <p:nvPicPr>
-          <p:cNvPr id="95" name="Google Shape;95;p18"/>
+          <p:cNvPr id="94" name="Google Shape;94;p18"/>
           <p:cNvPicPr preferRelativeResize="0"/>
           <p:nvPr/>
         </p:nvPicPr>
@@ -19464,7 +17050,7 @@
         <p:spPr>
           <a:xfrm>
             <a:off x="0" y="0"/>
-            <a:ext cx="6400799" cy="5143500"/>
+            <a:ext cx="6400799" cy="5143501"/>
           </a:xfrm>
           <a:prstGeom prst="rect">
             <a:avLst/>
@@ -19488,7 +17074,7 @@
   <p:cSld>
     <p:spTree>
       <p:nvGrpSpPr>
-        <p:cNvPr id="99" name="Shape 99"/>
+        <p:cNvPr id="98" name="Shape 98"/>
         <p:cNvGrpSpPr/>
         <p:nvPr/>
       </p:nvGrpSpPr>
@@ -19502,7 +17088,7 @@
       </p:grpSpPr>
       <p:sp>
         <p:nvSpPr>
-          <p:cNvPr id="100" name="Google Shape;100;p19"/>
+          <p:cNvPr id="99" name="Google Shape;99;p19"/>
           <p:cNvSpPr/>
           <p:nvPr/>
         </p:nvSpPr>
@@ -19551,7 +17137,7 @@
       </p:sp>
       <p:sp>
         <p:nvSpPr>
-          <p:cNvPr id="101" name="Google Shape;101;p19"/>
+          <p:cNvPr id="100" name="Google Shape;100;p19"/>
           <p:cNvSpPr txBox="1"/>
           <p:nvPr>
             <p:ph idx="2" type="body"/>
@@ -19774,21 +17360,22 @@
       </p:sp>
       <p:pic>
         <p:nvPicPr>
-          <p:cNvPr id="102" name="Google Shape;102;p19"/>
+          <p:cNvPr id="101" name="Google Shape;101;p19"/>
           <p:cNvPicPr preferRelativeResize="0"/>
           <p:nvPr/>
         </p:nvPicPr>
-        <p:blipFill rotWithShape="1">
+        <p:blipFill>
           <a:blip r:embed="rId4">
             <a:alphaModFix/>
           </a:blip>
-          <a:srcRect b="0" l="25380" r="25375" t="0"/>
-          <a:stretch/>
+          <a:stretch>
+            <a:fillRect/>
+          </a:stretch>
         </p:blipFill>
         <p:spPr>
           <a:xfrm>
-            <a:off x="872675" y="0"/>
-            <a:ext cx="4668480" cy="5135174"/>
+            <a:off x="0" y="0"/>
+            <a:ext cx="6408575" cy="5143501"/>
           </a:xfrm>
           <a:prstGeom prst="rect">
             <a:avLst/>
@@ -19812,7 +17399,7 @@
   <p:cSld>
     <p:spTree>
       <p:nvGrpSpPr>
-        <p:cNvPr id="106" name="Shape 106"/>
+        <p:cNvPr id="105" name="Shape 105"/>
         <p:cNvGrpSpPr/>
         <p:nvPr/>
       </p:nvGrpSpPr>
@@ -19826,7 +17413,7 @@
       </p:grpSpPr>
       <p:sp>
         <p:nvSpPr>
-          <p:cNvPr id="107" name="Google Shape;107;p20"/>
+          <p:cNvPr id="106" name="Google Shape;106;p20"/>
           <p:cNvSpPr/>
           <p:nvPr/>
         </p:nvSpPr>
@@ -19875,7 +17462,7 @@
       </p:sp>
       <p:sp>
         <p:nvSpPr>
-          <p:cNvPr id="108" name="Google Shape;108;p20"/>
+          <p:cNvPr id="107" name="Google Shape;107;p20"/>
           <p:cNvSpPr txBox="1"/>
           <p:nvPr>
             <p:ph idx="2" type="body"/>
@@ -20069,21 +17656,22 @@
       </p:sp>
       <p:pic>
         <p:nvPicPr>
-          <p:cNvPr id="109" name="Google Shape;109;p20"/>
+          <p:cNvPr id="108" name="Google Shape;108;p20"/>
           <p:cNvPicPr preferRelativeResize="0"/>
           <p:nvPr/>
         </p:nvPicPr>
-        <p:blipFill rotWithShape="1">
+        <p:blipFill>
           <a:blip r:embed="rId4">
             <a:alphaModFix/>
           </a:blip>
-          <a:srcRect b="0" l="25700" r="25705" t="0"/>
-          <a:stretch/>
+          <a:stretch>
+            <a:fillRect/>
+          </a:stretch>
         </p:blipFill>
         <p:spPr>
           <a:xfrm>
-            <a:off x="789250" y="8325"/>
-            <a:ext cx="4599427" cy="5126849"/>
+            <a:off x="0" y="8325"/>
+            <a:ext cx="6408576" cy="5143500"/>
           </a:xfrm>
           <a:prstGeom prst="rect">
             <a:avLst/>
@@ -20094,68 +17682,6 @@
           </a:ln>
         </p:spPr>
       </p:pic>
-      <p:sp>
-        <p:nvSpPr>
-          <p:cNvPr id="110" name="Google Shape;110;p20"/>
-          <p:cNvSpPr txBox="1"/>
-          <p:nvPr>
-            <p:ph idx="1" type="body"/>
-          </p:nvPr>
-        </p:nvSpPr>
-        <p:spPr>
-          <a:xfrm>
-            <a:off x="789250" y="4456975"/>
-            <a:ext cx="3682200" cy="678300"/>
-          </a:xfrm>
-          <a:prstGeom prst="rect">
-            <a:avLst/>
-          </a:prstGeom>
-        </p:spPr>
-        <p:txBody>
-          <a:bodyPr anchorCtr="0" anchor="b" bIns="91425" lIns="91425" spcFirstLastPara="1" rIns="91425" wrap="square" tIns="91425">
-            <a:normAutofit/>
-          </a:bodyPr>
-          <a:lstStyle/>
-          <a:p>
-            <a:pPr indent="0" lvl="0" marL="0" rtl="0" algn="l">
-              <a:lnSpc>
-                <a:spcPct val="100000"/>
-              </a:lnSpc>
-              <a:spcBef>
-                <a:spcPts val="0"/>
-              </a:spcBef>
-              <a:spcAft>
-                <a:spcPts val="0"/>
-              </a:spcAft>
-              <a:buNone/>
-            </a:pPr>
-            <a:r>
-              <a:rPr lang="en" sz="800"/>
-              <a:t>Chess Pieces Image credit: Wikipedia user Cburnett, CC BY-SA 3.0</a:t>
-            </a:r>
-            <a:endParaRPr sz="800"/>
-          </a:p>
-          <a:p>
-            <a:pPr indent="0" lvl="0" marL="0" rtl="0" algn="l">
-              <a:lnSpc>
-                <a:spcPct val="100000"/>
-              </a:lnSpc>
-              <a:spcBef>
-                <a:spcPts val="1200"/>
-              </a:spcBef>
-              <a:spcAft>
-                <a:spcPts val="1200"/>
-              </a:spcAft>
-              <a:buNone/>
-            </a:pPr>
-            <a:r>
-              <a:rPr lang="en" sz="800"/>
-              <a:t>commons.wikimedia.org/wiki/Category:PNG_chess_pieces/</a:t>
-            </a:r>
-            <a:endParaRPr sz="800"/>
-          </a:p>
-        </p:txBody>
-      </p:sp>
     </p:spTree>
   </p:cSld>
   <p:clrMapOvr>
@@ -20169,7 +17695,7 @@
   <p:cSld>
     <p:spTree>
       <p:nvGrpSpPr>
-        <p:cNvPr id="114" name="Shape 114"/>
+        <p:cNvPr id="112" name="Shape 112"/>
         <p:cNvGrpSpPr/>
         <p:nvPr/>
       </p:nvGrpSpPr>
@@ -20183,7 +17709,7 @@
       </p:grpSpPr>
       <p:sp>
         <p:nvSpPr>
-          <p:cNvPr id="115" name="Google Shape;115;p21"/>
+          <p:cNvPr id="113" name="Google Shape;113;p21"/>
           <p:cNvSpPr/>
           <p:nvPr/>
         </p:nvSpPr>
@@ -20232,7 +17758,7 @@
       </p:sp>
       <p:sp>
         <p:nvSpPr>
-          <p:cNvPr id="116" name="Google Shape;116;p21"/>
+          <p:cNvPr id="114" name="Google Shape;114;p21"/>
           <p:cNvSpPr txBox="1"/>
           <p:nvPr>
             <p:ph idx="2" type="body"/>
@@ -20427,7 +17953,7 @@
                   <a:schemeClr val="dk1"/>
                 </a:solidFill>
               </a:rPr>
-              <a:t>The square of the selected piece is highlighted.</a:t>
+              <a:t>The square of the selected piece is highlighted and shows the possible piece moves.</a:t>
             </a:r>
             <a:endParaRPr sz="1200">
               <a:solidFill>
@@ -20439,21 +17965,22 @@
       </p:sp>
       <p:pic>
         <p:nvPicPr>
-          <p:cNvPr id="117" name="Google Shape;117;p21"/>
+          <p:cNvPr id="115" name="Google Shape;115;p21"/>
           <p:cNvPicPr preferRelativeResize="0"/>
           <p:nvPr/>
         </p:nvPicPr>
-        <p:blipFill rotWithShape="1">
+        <p:blipFill>
           <a:blip r:embed="rId4">
             <a:alphaModFix/>
           </a:blip>
-          <a:srcRect b="0" l="27003" r="27003" t="0"/>
-          <a:stretch/>
+          <a:stretch>
+            <a:fillRect/>
+          </a:stretch>
         </p:blipFill>
         <p:spPr>
           <a:xfrm>
-            <a:off x="908075" y="0"/>
-            <a:ext cx="4367549" cy="5143499"/>
+            <a:off x="0" y="0"/>
+            <a:ext cx="6408576" cy="5151826"/>
           </a:xfrm>
           <a:prstGeom prst="rect">
             <a:avLst/>
@@ -20464,68 +17991,6 @@
           </a:ln>
         </p:spPr>
       </p:pic>
-      <p:sp>
-        <p:nvSpPr>
-          <p:cNvPr id="118" name="Google Shape;118;p21"/>
-          <p:cNvSpPr txBox="1"/>
-          <p:nvPr>
-            <p:ph idx="1" type="body"/>
-          </p:nvPr>
-        </p:nvSpPr>
-        <p:spPr>
-          <a:xfrm>
-            <a:off x="789250" y="4456975"/>
-            <a:ext cx="3682200" cy="678300"/>
-          </a:xfrm>
-          <a:prstGeom prst="rect">
-            <a:avLst/>
-          </a:prstGeom>
-        </p:spPr>
-        <p:txBody>
-          <a:bodyPr anchorCtr="0" anchor="b" bIns="91425" lIns="91425" spcFirstLastPara="1" rIns="91425" wrap="square" tIns="91425">
-            <a:normAutofit/>
-          </a:bodyPr>
-          <a:lstStyle/>
-          <a:p>
-            <a:pPr indent="0" lvl="0" marL="0" rtl="0" algn="l">
-              <a:lnSpc>
-                <a:spcPct val="100000"/>
-              </a:lnSpc>
-              <a:spcBef>
-                <a:spcPts val="0"/>
-              </a:spcBef>
-              <a:spcAft>
-                <a:spcPts val="0"/>
-              </a:spcAft>
-              <a:buNone/>
-            </a:pPr>
-            <a:r>
-              <a:rPr lang="en" sz="800"/>
-              <a:t>Chess Pieces Image credit: Wikipedia user Cburnett, CC BY-SA 3.0</a:t>
-            </a:r>
-            <a:endParaRPr sz="800"/>
-          </a:p>
-          <a:p>
-            <a:pPr indent="0" lvl="0" marL="0" rtl="0" algn="l">
-              <a:lnSpc>
-                <a:spcPct val="100000"/>
-              </a:lnSpc>
-              <a:spcBef>
-                <a:spcPts val="1200"/>
-              </a:spcBef>
-              <a:spcAft>
-                <a:spcPts val="1200"/>
-              </a:spcAft>
-              <a:buNone/>
-            </a:pPr>
-            <a:r>
-              <a:rPr lang="en" sz="800"/>
-              <a:t>commons.wikimedia.org/wiki/Category:PNG_chess_pieces/</a:t>
-            </a:r>
-            <a:endParaRPr sz="800"/>
-          </a:p>
-        </p:txBody>
-      </p:sp>
     </p:spTree>
   </p:cSld>
   <p:clrMapOvr>
